--- a/Präsentation_Seminararbeit.pptx
+++ b/Präsentation_Seminararbeit.pptx
@@ -5,10 +5,10 @@
     <p:sldMasterId id="2147483650" r:id="rId1"/>
   </p:sldMasterIdLst>
   <p:notesMasterIdLst>
-    <p:notesMasterId r:id="rId50"/>
+    <p:notesMasterId r:id="rId52"/>
   </p:notesMasterIdLst>
   <p:handoutMasterIdLst>
-    <p:handoutMasterId r:id="rId51"/>
+    <p:handoutMasterId r:id="rId53"/>
   </p:handoutMasterIdLst>
   <p:sldIdLst>
     <p:sldId id="259" r:id="rId2"/>
@@ -45,20 +45,22 @@
     <p:sldId id="370" r:id="rId33"/>
     <p:sldId id="369" r:id="rId34"/>
     <p:sldId id="368" r:id="rId35"/>
-    <p:sldId id="367" r:id="rId36"/>
-    <p:sldId id="366" r:id="rId37"/>
-    <p:sldId id="337" r:id="rId38"/>
-    <p:sldId id="334" r:id="rId39"/>
-    <p:sldId id="335" r:id="rId40"/>
-    <p:sldId id="336" r:id="rId41"/>
-    <p:sldId id="386" r:id="rId42"/>
-    <p:sldId id="338" r:id="rId43"/>
-    <p:sldId id="339" r:id="rId44"/>
-    <p:sldId id="350" r:id="rId45"/>
-    <p:sldId id="351" r:id="rId46"/>
-    <p:sldId id="352" r:id="rId47"/>
-    <p:sldId id="353" r:id="rId48"/>
-    <p:sldId id="355" r:id="rId49"/>
+    <p:sldId id="388" r:id="rId36"/>
+    <p:sldId id="367" r:id="rId37"/>
+    <p:sldId id="366" r:id="rId38"/>
+    <p:sldId id="337" r:id="rId39"/>
+    <p:sldId id="334" r:id="rId40"/>
+    <p:sldId id="335" r:id="rId41"/>
+    <p:sldId id="387" r:id="rId42"/>
+    <p:sldId id="336" r:id="rId43"/>
+    <p:sldId id="386" r:id="rId44"/>
+    <p:sldId id="338" r:id="rId45"/>
+    <p:sldId id="339" r:id="rId46"/>
+    <p:sldId id="350" r:id="rId47"/>
+    <p:sldId id="351" r:id="rId48"/>
+    <p:sldId id="352" r:id="rId49"/>
+    <p:sldId id="353" r:id="rId50"/>
+    <p:sldId id="355" r:id="rId51"/>
   </p:sldIdLst>
   <p:sldSz cx="9501188" cy="7021513"/>
   <p:notesSz cx="6724650" cy="9774238"/>
@@ -5307,61 +5309,47 @@
           <a:bodyPr/>
           <a:lstStyle/>
           <a:p>
-            <a:pPr marL="0" indent="0">
-              <a:buFontTx/>
-              <a:buNone/>
-            </a:pPr>
+            <a:r>
+              <a:rPr lang="de-DE" dirty="0"/>
+              <a:t>Kann</a:t>
+            </a:r>
             <a:r>
               <a:rPr lang="de-DE" baseline="0" dirty="0"/>
-              <a:t>Der Unterschied:</a:t>
-            </a:r>
-          </a:p>
-          <a:p>
-            <a:pPr marL="171450" indent="-171450">
-              <a:buFontTx/>
-              <a:buChar char="-"/>
-            </a:pPr>
+              <a:t> aus Zeitgründen nicht überall drauf eingehen</a:t>
+            </a:r>
+          </a:p>
+          <a:p>
             <a:r>
               <a:rPr lang="de-DE" baseline="0" dirty="0"/>
-              <a:t>SVN hält nur die aktuellen Versionen der Dateien im WD vor</a:t>
-            </a:r>
-          </a:p>
-          <a:p>
-            <a:pPr marL="171450" indent="-171450">
-              <a:buFontTx/>
-              <a:buChar char="-"/>
-            </a:pPr>
-            <a:r>
-              <a:rPr lang="de-DE" baseline="0" dirty="0"/>
-              <a:t>Git hält alle Versionen lokal</a:t>
-            </a:r>
-          </a:p>
-          <a:p>
-            <a:pPr marL="171450" indent="-171450">
-              <a:buFontTx/>
-              <a:buChar char="-"/>
-            </a:pPr>
+              <a:t>Soviel sei gesagt…</a:t>
+            </a:r>
+          </a:p>
+          <a:p>
+            <a:endParaRPr lang="de-DE" baseline="0" dirty="0"/>
+          </a:p>
+          <a:p>
             <a:r>
               <a:rPr lang="de-DE" dirty="0"/>
-              <a:t>Anschauen</a:t>
-            </a:r>
-            <a:r>
-              <a:rPr lang="de-DE" baseline="0" dirty="0"/>
-              <a:t> der lokalen </a:t>
-            </a:r>
-            <a:r>
-              <a:rPr lang="de-DE" baseline="0" dirty="0" err="1"/>
-              <a:t>DB‘s</a:t>
-            </a:r>
-            <a:r>
-              <a:rPr lang="de-DE" baseline="0" dirty="0"/>
-              <a:t> -&gt; Git hat Repository, SVN hat Working </a:t>
-            </a:r>
-            <a:r>
-              <a:rPr lang="de-DE" baseline="0" dirty="0" err="1"/>
-              <a:t>Copy</a:t>
-            </a:r>
-            <a:endParaRPr lang="de-DE" dirty="0"/>
+              <a:t>https://www.elegosoft.com/files/Downloads/Publications/artikel_Git-vs-Subversion.pdf</a:t>
+            </a:r>
+          </a:p>
+          <a:p>
+            <a:r>
+              <a:rPr lang="de-DE" dirty="0"/>
+              <a:t>http://markgoldenstein.com/git-warum-ich-nur-noch-ungern-subversion-nutze/</a:t>
+            </a:r>
+          </a:p>
+          <a:p>
+            <a:r>
+              <a:rPr lang="de-DE" dirty="0"/>
+              <a:t>http://svnbook.red-bean.com/en/1.7/svn-book.html#svn.branchmerge.advanced.moves</a:t>
+            </a:r>
+          </a:p>
+          <a:p>
+            <a:r>
+              <a:rPr lang="de-DE"/>
+              <a:t>https://git.wiki.kernel.org/index.php/GitSvnComparison</a:t>
+            </a:r>
           </a:p>
           <a:p>
             <a:endParaRPr lang="de-DE" dirty="0"/>
@@ -5395,7 +5383,7 @@
     </p:spTree>
     <p:extLst>
       <p:ext uri="{BB962C8B-B14F-4D97-AF65-F5344CB8AC3E}">
-        <p14:creationId xmlns:p14="http://schemas.microsoft.com/office/powerpoint/2010/main" val="257792312"/>
+        <p14:creationId xmlns:p14="http://schemas.microsoft.com/office/powerpoint/2010/main" val="1197834552"/>
       </p:ext>
     </p:extLst>
   </p:cSld>
@@ -5448,6 +5436,63 @@
         <p:txBody>
           <a:bodyPr/>
           <a:lstStyle/>
+          <a:p>
+            <a:pPr marL="0" indent="0">
+              <a:buFontTx/>
+              <a:buNone/>
+            </a:pPr>
+            <a:r>
+              <a:rPr lang="de-DE" baseline="0" dirty="0"/>
+              <a:t>Der Unterschied:</a:t>
+            </a:r>
+          </a:p>
+          <a:p>
+            <a:pPr marL="171450" indent="-171450">
+              <a:buFontTx/>
+              <a:buChar char="-"/>
+            </a:pPr>
+            <a:r>
+              <a:rPr lang="de-DE" baseline="0" dirty="0"/>
+              <a:t>SVN hält nur die aktuellen Versionen der Dateien im WD vor</a:t>
+            </a:r>
+          </a:p>
+          <a:p>
+            <a:pPr marL="171450" indent="-171450">
+              <a:buFontTx/>
+              <a:buChar char="-"/>
+            </a:pPr>
+            <a:r>
+              <a:rPr lang="de-DE" baseline="0" dirty="0"/>
+              <a:t>Git hält alle Versionen lokal</a:t>
+            </a:r>
+          </a:p>
+          <a:p>
+            <a:pPr marL="171450" indent="-171450">
+              <a:buFontTx/>
+              <a:buChar char="-"/>
+            </a:pPr>
+            <a:r>
+              <a:rPr lang="de-DE" dirty="0"/>
+              <a:t>Anschauen</a:t>
+            </a:r>
+            <a:r>
+              <a:rPr lang="de-DE" baseline="0" dirty="0"/>
+              <a:t> der lokalen </a:t>
+            </a:r>
+            <a:r>
+              <a:rPr lang="de-DE" baseline="0" dirty="0" err="1"/>
+              <a:t>DB‘s</a:t>
+            </a:r>
+            <a:r>
+              <a:rPr lang="de-DE" baseline="0" dirty="0"/>
+              <a:t> -&gt; Git hat Repository, SVN hat Working </a:t>
+            </a:r>
+            <a:r>
+              <a:rPr lang="de-DE" baseline="0" dirty="0" err="1"/>
+              <a:t>Copy</a:t>
+            </a:r>
+            <a:endParaRPr lang="de-DE" dirty="0"/>
+          </a:p>
           <a:p>
             <a:endParaRPr lang="de-DE" dirty="0"/>
           </a:p>
@@ -5534,108 +5579,6 @@
           <a:bodyPr/>
           <a:lstStyle/>
           <a:p>
-            <a:pPr marL="171450" indent="-171450">
-              <a:spcBef>
-                <a:spcPts val="0"/>
-              </a:spcBef>
-              <a:spcAft>
-                <a:spcPts val="1200"/>
-              </a:spcAft>
-              <a:buFontTx/>
-              <a:buChar char="-"/>
-            </a:pPr>
-            <a:r>
-              <a:rPr lang="de-DE" b="1" baseline="0" dirty="0"/>
-              <a:t>SVN bietet bereits viele Vorteile</a:t>
-            </a:r>
-          </a:p>
-          <a:p>
-            <a:pPr marL="171450" marR="0" lvl="0" indent="-171450" algn="l" defTabSz="914400" rtl="0" eaLnBrk="0" fontAlgn="base" latinLnBrk="0" hangingPunct="0">
-              <a:lnSpc>
-                <a:spcPct val="100000"/>
-              </a:lnSpc>
-              <a:spcBef>
-                <a:spcPts val="0"/>
-              </a:spcBef>
-              <a:spcAft>
-                <a:spcPts val="1200"/>
-              </a:spcAft>
-              <a:buClrTx/>
-              <a:buSzTx/>
-              <a:buFontTx/>
-              <a:buChar char="-"/>
-              <a:tabLst/>
-              <a:defRPr/>
-            </a:pPr>
-            <a:r>
-              <a:rPr lang="de-DE" b="1" baseline="0" dirty="0"/>
-              <a:t>Für geringe Einschränkungen bietet </a:t>
-            </a:r>
-            <a:r>
-              <a:rPr lang="de-DE" b="1" baseline="0" dirty="0" err="1"/>
-              <a:t>Git</a:t>
-            </a:r>
-            <a:r>
-              <a:rPr lang="de-DE" b="1" baseline="0" dirty="0"/>
-              <a:t> mehr</a:t>
-            </a:r>
-          </a:p>
-          <a:p>
-            <a:pPr marL="171450" marR="0" lvl="0" indent="-171450" algn="l" defTabSz="914400" rtl="0" eaLnBrk="0" fontAlgn="base" latinLnBrk="0" hangingPunct="0">
-              <a:lnSpc>
-                <a:spcPct val="100000"/>
-              </a:lnSpc>
-              <a:spcBef>
-                <a:spcPts val="0"/>
-              </a:spcBef>
-              <a:spcAft>
-                <a:spcPts val="1200"/>
-              </a:spcAft>
-              <a:buClrTx/>
-              <a:buSzTx/>
-              <a:buFontTx/>
-              <a:buChar char="-"/>
-              <a:tabLst/>
-              <a:defRPr/>
-            </a:pPr>
-            <a:r>
-              <a:rPr lang="de-DE" b="1" baseline="0" dirty="0"/>
-              <a:t>SVN Repository Integration von </a:t>
-            </a:r>
-            <a:r>
-              <a:rPr lang="de-DE" b="1" baseline="0" dirty="0" err="1"/>
-              <a:t>Git</a:t>
-            </a:r>
-            <a:endParaRPr lang="de-DE" b="1" baseline="0" dirty="0"/>
-          </a:p>
-          <a:p>
-            <a:pPr marL="171450" marR="0" lvl="0" indent="-171450" algn="l" defTabSz="914400" rtl="0" eaLnBrk="0" fontAlgn="base" latinLnBrk="0" hangingPunct="0">
-              <a:lnSpc>
-                <a:spcPct val="100000"/>
-              </a:lnSpc>
-              <a:spcBef>
-                <a:spcPts val="0"/>
-              </a:spcBef>
-              <a:spcAft>
-                <a:spcPts val="1200"/>
-              </a:spcAft>
-              <a:buClrTx/>
-              <a:buSzTx/>
-              <a:buFontTx/>
-              <a:buChar char="-"/>
-              <a:tabLst/>
-              <a:defRPr/>
-            </a:pPr>
-            <a:r>
-              <a:rPr lang="de-DE" b="1" baseline="0" dirty="0"/>
-              <a:t>SVN Anwender sollten ernsthaft nachdenken</a:t>
-            </a:r>
-          </a:p>
-          <a:p>
-            <a:pPr marL="171450" indent="-171450">
-              <a:buFontTx/>
-              <a:buChar char="-"/>
-            </a:pPr>
             <a:endParaRPr lang="de-DE" dirty="0"/>
           </a:p>
         </p:txBody>
@@ -5667,7 +5610,7 @@
     </p:spTree>
     <p:extLst>
       <p:ext uri="{BB962C8B-B14F-4D97-AF65-F5344CB8AC3E}">
-        <p14:creationId xmlns:p14="http://schemas.microsoft.com/office/powerpoint/2010/main" val="2088954516"/>
+        <p14:creationId xmlns:p14="http://schemas.microsoft.com/office/powerpoint/2010/main" val="257792312"/>
       </p:ext>
     </p:extLst>
   </p:cSld>
@@ -5721,20 +5664,108 @@
           <a:bodyPr/>
           <a:lstStyle/>
           <a:p>
-            <a:r>
-              <a:rPr lang="de-DE" dirty="0"/>
-              <a:t>Die</a:t>
-            </a:r>
-            <a:r>
-              <a:rPr lang="de-DE" baseline="0" dirty="0"/>
-              <a:t> Datei wird nur einmal gespeichert.</a:t>
-            </a:r>
-          </a:p>
-          <a:p>
-            <a:r>
-              <a:rPr lang="de-DE" baseline="0" dirty="0"/>
-              <a:t>Aufbauend auf der Datei werden die Änderungen an dieser Datei als Version abgelegt.</a:t>
-            </a:r>
+            <a:pPr marL="171450" indent="-171450">
+              <a:spcBef>
+                <a:spcPts val="0"/>
+              </a:spcBef>
+              <a:spcAft>
+                <a:spcPts val="1200"/>
+              </a:spcAft>
+              <a:buFontTx/>
+              <a:buChar char="-"/>
+            </a:pPr>
+            <a:r>
+              <a:rPr lang="de-DE" b="1" baseline="0" dirty="0"/>
+              <a:t>SVN bietet bereits viele Vorteile</a:t>
+            </a:r>
+          </a:p>
+          <a:p>
+            <a:pPr marL="171450" marR="0" lvl="0" indent="-171450" algn="l" defTabSz="914400" rtl="0" eaLnBrk="0" fontAlgn="base" latinLnBrk="0" hangingPunct="0">
+              <a:lnSpc>
+                <a:spcPct val="100000"/>
+              </a:lnSpc>
+              <a:spcBef>
+                <a:spcPts val="0"/>
+              </a:spcBef>
+              <a:spcAft>
+                <a:spcPts val="1200"/>
+              </a:spcAft>
+              <a:buClrTx/>
+              <a:buSzTx/>
+              <a:buFontTx/>
+              <a:buChar char="-"/>
+              <a:tabLst/>
+              <a:defRPr/>
+            </a:pPr>
+            <a:r>
+              <a:rPr lang="de-DE" b="1" baseline="0" dirty="0"/>
+              <a:t>Für geringe Einschränkungen bietet </a:t>
+            </a:r>
+            <a:r>
+              <a:rPr lang="de-DE" b="1" baseline="0" dirty="0" err="1"/>
+              <a:t>Git</a:t>
+            </a:r>
+            <a:r>
+              <a:rPr lang="de-DE" b="1" baseline="0" dirty="0"/>
+              <a:t> mehr</a:t>
+            </a:r>
+          </a:p>
+          <a:p>
+            <a:pPr marL="171450" marR="0" lvl="0" indent="-171450" algn="l" defTabSz="914400" rtl="0" eaLnBrk="0" fontAlgn="base" latinLnBrk="0" hangingPunct="0">
+              <a:lnSpc>
+                <a:spcPct val="100000"/>
+              </a:lnSpc>
+              <a:spcBef>
+                <a:spcPts val="0"/>
+              </a:spcBef>
+              <a:spcAft>
+                <a:spcPts val="1200"/>
+              </a:spcAft>
+              <a:buClrTx/>
+              <a:buSzTx/>
+              <a:buFontTx/>
+              <a:buChar char="-"/>
+              <a:tabLst/>
+              <a:defRPr/>
+            </a:pPr>
+            <a:r>
+              <a:rPr lang="de-DE" b="1" baseline="0" dirty="0"/>
+              <a:t>SVN Repository Integration von </a:t>
+            </a:r>
+            <a:r>
+              <a:rPr lang="de-DE" b="1" baseline="0" dirty="0" err="1"/>
+              <a:t>Git</a:t>
+            </a:r>
+            <a:endParaRPr lang="de-DE" b="1" baseline="0" dirty="0"/>
+          </a:p>
+          <a:p>
+            <a:pPr marL="171450" marR="0" lvl="0" indent="-171450" algn="l" defTabSz="914400" rtl="0" eaLnBrk="0" fontAlgn="base" latinLnBrk="0" hangingPunct="0">
+              <a:lnSpc>
+                <a:spcPct val="100000"/>
+              </a:lnSpc>
+              <a:spcBef>
+                <a:spcPts val="0"/>
+              </a:spcBef>
+              <a:spcAft>
+                <a:spcPts val="1200"/>
+              </a:spcAft>
+              <a:buClrTx/>
+              <a:buSzTx/>
+              <a:buFontTx/>
+              <a:buChar char="-"/>
+              <a:tabLst/>
+              <a:defRPr/>
+            </a:pPr>
+            <a:r>
+              <a:rPr lang="de-DE" b="1" baseline="0" dirty="0"/>
+              <a:t>SVN Anwender sollten ernsthaft nachdenken</a:t>
+            </a:r>
+          </a:p>
+          <a:p>
+            <a:pPr marL="171450" indent="-171450">
+              <a:buFontTx/>
+              <a:buChar char="-"/>
+            </a:pPr>
             <a:endParaRPr lang="de-DE" dirty="0"/>
           </a:p>
         </p:txBody>
@@ -5757,7 +5788,7 @@
             <a:fld id="{269F4C00-FE88-4296-AE19-2C7D870243C7}" type="slidenum">
               <a:rPr lang="de-DE" smtClean="0"/>
               <a:pPr/>
-              <a:t>40</a:t>
+              <a:t>38</a:t>
             </a:fld>
             <a:endParaRPr lang="de-DE" dirty="0"/>
           </a:p>
@@ -5766,7 +5797,7 @@
     </p:spTree>
     <p:extLst>
       <p:ext uri="{BB962C8B-B14F-4D97-AF65-F5344CB8AC3E}">
-        <p14:creationId xmlns:p14="http://schemas.microsoft.com/office/powerpoint/2010/main" val="564577279"/>
+        <p14:creationId xmlns:p14="http://schemas.microsoft.com/office/powerpoint/2010/main" val="2088954516"/>
       </p:ext>
     </p:extLst>
   </p:cSld>
@@ -5821,28 +5852,18 @@
           <a:lstStyle/>
           <a:p>
             <a:r>
-              <a:rPr lang="de-DE" sz="1200" b="0" i="0" u="none" strike="noStrike" kern="1200" baseline="0" dirty="0">
-                <a:solidFill>
-                  <a:schemeClr val="tx1"/>
-                </a:solidFill>
-                <a:latin typeface="Times" pitchFamily="18" charset="0"/>
-                <a:ea typeface="+mn-ea"/>
-                <a:cs typeface="+mn-cs"/>
-              </a:rPr>
-              <a:t>Version ist ein Snapshot des aktuellen Zustands sämtlicher Dateien </a:t>
-            </a:r>
-          </a:p>
-          <a:p>
-            <a:r>
-              <a:rPr lang="de-DE" sz="1200" b="0" i="0" u="none" strike="noStrike" kern="1200" baseline="0" dirty="0">
-                <a:solidFill>
-                  <a:schemeClr val="tx1"/>
-                </a:solidFill>
-                <a:latin typeface="Times" pitchFamily="18" charset="0"/>
-                <a:ea typeface="+mn-ea"/>
-                <a:cs typeface="+mn-cs"/>
-              </a:rPr>
-              <a:t>unveränderte Dateien nur Verknüpfung zu der vorherigen Version</a:t>
+              <a:rPr lang="de-DE" dirty="0"/>
+              <a:t>Die</a:t>
+            </a:r>
+            <a:r>
+              <a:rPr lang="de-DE" baseline="0" dirty="0"/>
+              <a:t> Datei wird nur einmal gespeichert.</a:t>
+            </a:r>
+          </a:p>
+          <a:p>
+            <a:r>
+              <a:rPr lang="de-DE" baseline="0" dirty="0"/>
+              <a:t>Aufbauend auf der Datei werden die Änderungen an dieser Datei als Version abgelegt.</a:t>
             </a:r>
             <a:endParaRPr lang="de-DE" dirty="0"/>
           </a:p>
@@ -5866,7 +5887,7 @@
             <a:fld id="{269F4C00-FE88-4296-AE19-2C7D870243C7}" type="slidenum">
               <a:rPr lang="de-DE" smtClean="0"/>
               <a:pPr/>
-              <a:t>41</a:t>
+              <a:t>42</a:t>
             </a:fld>
             <a:endParaRPr lang="de-DE" dirty="0"/>
           </a:p>
@@ -5875,7 +5896,7 @@
     </p:spTree>
     <p:extLst>
       <p:ext uri="{BB962C8B-B14F-4D97-AF65-F5344CB8AC3E}">
-        <p14:creationId xmlns:p14="http://schemas.microsoft.com/office/powerpoint/2010/main" val="3698202152"/>
+        <p14:creationId xmlns:p14="http://schemas.microsoft.com/office/powerpoint/2010/main" val="564577279"/>
       </p:ext>
     </p:extLst>
   </p:cSld>
@@ -6174,6 +6195,115 @@
     <p:extLst>
       <p:ext uri="{BB962C8B-B14F-4D97-AF65-F5344CB8AC3E}">
         <p14:creationId xmlns:p14="http://schemas.microsoft.com/office/powerpoint/2010/main" val="2340969881"/>
+      </p:ext>
+    </p:extLst>
+  </p:cSld>
+  <p:clrMapOvr>
+    <a:masterClrMapping/>
+  </p:clrMapOvr>
+</p:notes>
+</file>
+
+<file path=ppt/notesSlides/notesSlide40.xml><?xml version="1.0" encoding="utf-8"?>
+<p:notes xmlns:a="http://schemas.openxmlformats.org/drawingml/2006/main" xmlns:r="http://schemas.openxmlformats.org/officeDocument/2006/relationships" xmlns:p="http://schemas.openxmlformats.org/presentationml/2006/main">
+  <p:cSld>
+    <p:spTree>
+      <p:nvGrpSpPr>
+        <p:cNvPr id="1" name=""/>
+        <p:cNvGrpSpPr/>
+        <p:nvPr/>
+      </p:nvGrpSpPr>
+      <p:grpSpPr>
+        <a:xfrm>
+          <a:off x="0" y="0"/>
+          <a:ext cx="0" cy="0"/>
+          <a:chOff x="0" y="0"/>
+          <a:chExt cx="0" cy="0"/>
+        </a:xfrm>
+      </p:grpSpPr>
+      <p:sp>
+        <p:nvSpPr>
+          <p:cNvPr id="2" name="Folienbildplatzhalter 1"/>
+          <p:cNvSpPr>
+            <a:spLocks noGrp="1" noRot="1" noChangeAspect="1"/>
+          </p:cNvSpPr>
+          <p:nvPr>
+            <p:ph type="sldImg"/>
+          </p:nvPr>
+        </p:nvSpPr>
+        <p:spPr/>
+      </p:sp>
+      <p:sp>
+        <p:nvSpPr>
+          <p:cNvPr id="3" name="Notizenplatzhalter 2"/>
+          <p:cNvSpPr>
+            <a:spLocks noGrp="1"/>
+          </p:cNvSpPr>
+          <p:nvPr>
+            <p:ph type="body" idx="1"/>
+          </p:nvPr>
+        </p:nvSpPr>
+        <p:spPr/>
+        <p:txBody>
+          <a:bodyPr/>
+          <a:lstStyle/>
+          <a:p>
+            <a:r>
+              <a:rPr lang="de-DE" sz="1200" b="0" i="0" u="none" strike="noStrike" kern="1200" baseline="0" dirty="0">
+                <a:solidFill>
+                  <a:schemeClr val="tx1"/>
+                </a:solidFill>
+                <a:latin typeface="Times" pitchFamily="18" charset="0"/>
+                <a:ea typeface="+mn-ea"/>
+                <a:cs typeface="+mn-cs"/>
+              </a:rPr>
+              <a:t>Version ist ein Snapshot des aktuellen Zustands sämtlicher Dateien </a:t>
+            </a:r>
+          </a:p>
+          <a:p>
+            <a:r>
+              <a:rPr lang="de-DE" sz="1200" b="0" i="0" u="none" strike="noStrike" kern="1200" baseline="0" dirty="0">
+                <a:solidFill>
+                  <a:schemeClr val="tx1"/>
+                </a:solidFill>
+                <a:latin typeface="Times" pitchFamily="18" charset="0"/>
+                <a:ea typeface="+mn-ea"/>
+                <a:cs typeface="+mn-cs"/>
+              </a:rPr>
+              <a:t>unveränderte Dateien nur Verknüpfung zu der vorherigen Version</a:t>
+            </a:r>
+            <a:endParaRPr lang="de-DE" dirty="0"/>
+          </a:p>
+        </p:txBody>
+      </p:sp>
+      <p:sp>
+        <p:nvSpPr>
+          <p:cNvPr id="4" name="Foliennummernplatzhalter 3"/>
+          <p:cNvSpPr>
+            <a:spLocks noGrp="1"/>
+          </p:cNvSpPr>
+          <p:nvPr>
+            <p:ph type="sldNum" sz="quarter" idx="10"/>
+          </p:nvPr>
+        </p:nvSpPr>
+        <p:spPr/>
+        <p:txBody>
+          <a:bodyPr/>
+          <a:lstStyle/>
+          <a:p>
+            <a:fld id="{269F4C00-FE88-4296-AE19-2C7D870243C7}" type="slidenum">
+              <a:rPr lang="de-DE" smtClean="0"/>
+              <a:pPr/>
+              <a:t>43</a:t>
+            </a:fld>
+            <a:endParaRPr lang="de-DE" dirty="0"/>
+          </a:p>
+        </p:txBody>
+      </p:sp>
+    </p:spTree>
+    <p:extLst>
+      <p:ext uri="{BB962C8B-B14F-4D97-AF65-F5344CB8AC3E}">
+        <p14:creationId xmlns:p14="http://schemas.microsoft.com/office/powerpoint/2010/main" val="3698202152"/>
       </p:ext>
     </p:extLst>
   </p:cSld>
@@ -41688,6 +41818,225 @@
       </p:sp>
       <p:sp>
         <p:nvSpPr>
+          <p:cNvPr id="5" name="Textplatzhalter 4"/>
+          <p:cNvSpPr>
+            <a:spLocks noGrp="1"/>
+          </p:cNvSpPr>
+          <p:nvPr>
+            <p:ph type="body" sz="quarter" idx="17"/>
+          </p:nvPr>
+        </p:nvSpPr>
+        <p:spPr>
+          <a:xfrm>
+            <a:off x="2505076" y="1556830"/>
+            <a:ext cx="6816725" cy="1609452"/>
+          </a:xfrm>
+        </p:spPr>
+        <p:txBody>
+          <a:bodyPr/>
+          <a:lstStyle/>
+          <a:p>
+            <a:pPr marL="285750" indent="-285750">
+              <a:buFontTx/>
+              <a:buChar char="-"/>
+            </a:pPr>
+            <a:r>
+              <a:rPr lang="de-DE" dirty="0" err="1"/>
+              <a:t>Merge</a:t>
+            </a:r>
+            <a:r>
+              <a:rPr lang="de-DE" dirty="0"/>
+              <a:t> von </a:t>
+            </a:r>
+            <a:r>
+              <a:rPr lang="de-DE" dirty="0" err="1"/>
+              <a:t>Git</a:t>
+            </a:r>
+            <a:r>
+              <a:rPr lang="de-DE" dirty="0"/>
+              <a:t> ist schneller und fehlerfreier</a:t>
+            </a:r>
+          </a:p>
+          <a:p>
+            <a:pPr marL="285750" indent="-285750">
+              <a:buFontTx/>
+              <a:buChar char="-"/>
+            </a:pPr>
+            <a:r>
+              <a:rPr lang="de-DE" dirty="0"/>
+              <a:t>SVN hat beim </a:t>
+            </a:r>
+            <a:r>
+              <a:rPr lang="de-DE" dirty="0" err="1"/>
+              <a:t>Merge</a:t>
+            </a:r>
+            <a:r>
+              <a:rPr lang="de-DE" dirty="0"/>
+              <a:t> mehr Probleme</a:t>
+            </a:r>
+          </a:p>
+          <a:p>
+            <a:pPr marL="285750" indent="-285750">
+              <a:buFontTx/>
+              <a:buChar char="-"/>
+            </a:pPr>
+            <a:r>
+              <a:rPr lang="de-DE" dirty="0"/>
+              <a:t>Z.B. „</a:t>
+            </a:r>
+            <a:r>
+              <a:rPr lang="de-DE" dirty="0" err="1"/>
+              <a:t>Evil</a:t>
+            </a:r>
+            <a:r>
+              <a:rPr lang="de-DE" dirty="0"/>
+              <a:t> </a:t>
+            </a:r>
+            <a:r>
+              <a:rPr lang="de-DE" dirty="0" err="1"/>
+              <a:t>Twin</a:t>
+            </a:r>
+            <a:r>
+              <a:rPr lang="de-DE" dirty="0"/>
+              <a:t>“ Problem</a:t>
+            </a:r>
+          </a:p>
+          <a:p>
+            <a:pPr marL="285750" indent="-285750">
+              <a:buFontTx/>
+              <a:buChar char="-"/>
+            </a:pPr>
+            <a:r>
+              <a:rPr lang="de-DE" dirty="0"/>
+              <a:t>SVN hat kein internes Konzept für einen </a:t>
+            </a:r>
+            <a:r>
+              <a:rPr lang="de-DE" dirty="0" err="1"/>
+              <a:t>Branch</a:t>
+            </a:r>
+            <a:endParaRPr lang="de-DE" dirty="0"/>
+          </a:p>
+          <a:p>
+            <a:pPr marL="285750" indent="-285750">
+              <a:buFontTx/>
+              <a:buChar char="-"/>
+            </a:pPr>
+            <a:r>
+              <a:rPr lang="de-DE" dirty="0" err="1"/>
+              <a:t>Branch</a:t>
+            </a:r>
+            <a:r>
+              <a:rPr lang="de-DE" dirty="0"/>
+              <a:t> ist nur ein Verzeichnis im Dateisystem des Repository</a:t>
+            </a:r>
+          </a:p>
+        </p:txBody>
+      </p:sp>
+      <p:sp>
+        <p:nvSpPr>
+          <p:cNvPr id="3" name="Textplatzhalter 2"/>
+          <p:cNvSpPr>
+            <a:spLocks noGrp="1"/>
+          </p:cNvSpPr>
+          <p:nvPr>
+            <p:ph type="body" sz="quarter" idx="11"/>
+          </p:nvPr>
+        </p:nvSpPr>
+        <p:spPr/>
+        <p:txBody>
+          <a:bodyPr/>
+          <a:lstStyle/>
+          <a:p>
+            <a:r>
+              <a:rPr lang="de-DE" dirty="0"/>
+              <a:t>Vor und Nachteile</a:t>
+            </a:r>
+          </a:p>
+        </p:txBody>
+      </p:sp>
+      <p:sp>
+        <p:nvSpPr>
+          <p:cNvPr id="4" name="Titel 3"/>
+          <p:cNvSpPr>
+            <a:spLocks noGrp="1"/>
+          </p:cNvSpPr>
+          <p:nvPr>
+            <p:ph type="title"/>
+          </p:nvPr>
+        </p:nvSpPr>
+        <p:spPr/>
+        <p:txBody>
+          <a:bodyPr/>
+          <a:lstStyle/>
+          <a:p>
+            <a:r>
+              <a:rPr lang="de-DE" dirty="0" err="1"/>
+              <a:t>Git</a:t>
+            </a:r>
+            <a:r>
+              <a:rPr lang="de-DE" dirty="0"/>
+              <a:t> versus SVN</a:t>
+            </a:r>
+          </a:p>
+        </p:txBody>
+      </p:sp>
+    </p:spTree>
+    <p:extLst>
+      <p:ext uri="{BB962C8B-B14F-4D97-AF65-F5344CB8AC3E}">
+        <p14:creationId xmlns:p14="http://schemas.microsoft.com/office/powerpoint/2010/main" val="441673036"/>
+      </p:ext>
+    </p:extLst>
+  </p:cSld>
+  <p:clrMapOvr>
+    <a:masterClrMapping/>
+  </p:clrMapOvr>
+  <p:transition/>
+</p:sld>
+</file>
+
+<file path=ppt/slides/slide36.xml><?xml version="1.0" encoding="utf-8"?>
+<p:sld xmlns:a="http://schemas.openxmlformats.org/drawingml/2006/main" xmlns:r="http://schemas.openxmlformats.org/officeDocument/2006/relationships" xmlns:p="http://schemas.openxmlformats.org/presentationml/2006/main">
+  <p:cSld>
+    <p:spTree>
+      <p:nvGrpSpPr>
+        <p:cNvPr id="1" name=""/>
+        <p:cNvGrpSpPr/>
+        <p:nvPr/>
+      </p:nvGrpSpPr>
+      <p:grpSpPr>
+        <a:xfrm>
+          <a:off x="0" y="0"/>
+          <a:ext cx="0" cy="0"/>
+          <a:chOff x="0" y="0"/>
+          <a:chExt cx="0" cy="0"/>
+        </a:xfrm>
+      </p:grpSpPr>
+      <p:sp>
+        <p:nvSpPr>
+          <p:cNvPr id="2" name="Foliennummernplatzhalter 1"/>
+          <p:cNvSpPr>
+            <a:spLocks noGrp="1"/>
+          </p:cNvSpPr>
+          <p:nvPr>
+            <p:ph type="sldNum" sz="quarter" idx="13"/>
+          </p:nvPr>
+        </p:nvSpPr>
+        <p:spPr/>
+        <p:txBody>
+          <a:bodyPr/>
+          <a:lstStyle/>
+          <a:p>
+            <a:fld id="{2E430B67-9B8D-45F2-8BD0-7EEC5CABEC81}" type="slidenum">
+              <a:rPr lang="de-DE" smtClean="0"/>
+              <a:pPr/>
+              <a:t>36</a:t>
+            </a:fld>
+            <a:endParaRPr lang="de-DE"/>
+          </a:p>
+        </p:txBody>
+      </p:sp>
+      <p:sp>
+        <p:nvSpPr>
           <p:cNvPr id="4" name="Textplatzhalter 3"/>
           <p:cNvSpPr>
             <a:spLocks noGrp="1"/>
@@ -41739,7 +42088,7 @@
           <p:nvPr>
             <p:extLst>
               <p:ext uri="{D42A27DB-BD31-4B8C-83A1-F6EECF244321}">
-                <p14:modId xmlns:p14="http://schemas.microsoft.com/office/powerpoint/2010/main" val="2215127685"/>
+                <p14:modId xmlns:p14="http://schemas.microsoft.com/office/powerpoint/2010/main" val="3814338920"/>
               </p:ext>
             </p:extLst>
           </p:nvPr>
@@ -42290,7 +42639,7 @@
                         <a:rPr lang="de-DE" dirty="0">
                           <a:latin typeface="Calibri" panose="020F0502020204030204" pitchFamily="34" charset="0"/>
                         </a:rPr>
-                        <a:t>Weniger Speicherbedarf</a:t>
+                        <a:t>Weniger Speicherbedarf auf Client</a:t>
                       </a:r>
                     </a:p>
                   </a:txBody>
@@ -42328,7 +42677,7 @@
                         <a:rPr lang="de-DE" dirty="0">
                           <a:latin typeface="Calibri" panose="020F0502020204030204" pitchFamily="34" charset="0"/>
                         </a:rPr>
-                        <a:t>Höherer Speicherbedarf</a:t>
+                        <a:t>Höherer Speicherbedarf auf Client</a:t>
                       </a:r>
                     </a:p>
                   </a:txBody>
@@ -42364,7 +42713,7 @@
 </p:sld>
 </file>
 
-<file path=ppt/slides/slide36.xml><?xml version="1.0" encoding="utf-8"?>
+<file path=ppt/slides/slide37.xml><?xml version="1.0" encoding="utf-8"?>
 <p:sld xmlns:a="http://schemas.openxmlformats.org/drawingml/2006/main" xmlns:r="http://schemas.openxmlformats.org/officeDocument/2006/relationships" xmlns:p="http://schemas.openxmlformats.org/presentationml/2006/main">
   <p:cSld>
     <p:spTree>
@@ -42399,7 +42748,7 @@
             <a:fld id="{2E430B67-9B8D-45F2-8BD0-7EEC5CABEC81}" type="slidenum">
               <a:rPr lang="de-DE" smtClean="0"/>
               <a:pPr/>
-              <a:t>36</a:t>
+              <a:t>37</a:t>
             </a:fld>
             <a:endParaRPr lang="de-DE"/>
           </a:p>
@@ -42458,7 +42807,7 @@
           <p:nvPr>
             <p:extLst>
               <p:ext uri="{D42A27DB-BD31-4B8C-83A1-F6EECF244321}">
-                <p14:modId xmlns:p14="http://schemas.microsoft.com/office/powerpoint/2010/main" val="3282297596"/>
+                <p14:modId xmlns:p14="http://schemas.microsoft.com/office/powerpoint/2010/main" val="3222776164"/>
               </p:ext>
             </p:extLst>
           </p:nvPr>
@@ -43009,7 +43358,7 @@
                         <a:rPr lang="de-DE" dirty="0">
                           <a:latin typeface="Calibri" panose="020F0502020204030204" pitchFamily="34" charset="0"/>
                         </a:rPr>
-                        <a:t>Weniger Speicherbedarf</a:t>
+                        <a:t>Weniger Speicherbedarf auf Client</a:t>
                       </a:r>
                     </a:p>
                   </a:txBody>
@@ -43045,7 +43394,7 @@
                         <a:rPr lang="de-DE" dirty="0">
                           <a:latin typeface="Calibri" panose="020F0502020204030204" pitchFamily="34" charset="0"/>
                         </a:rPr>
-                        <a:t>Höherer Speicherbedarf</a:t>
+                        <a:t>Höherer Speicherbedarf auf Client</a:t>
                       </a:r>
                     </a:p>
                   </a:txBody>
@@ -43124,148 +43473,6 @@
 </p:sld>
 </file>
 
-<file path=ppt/slides/slide37.xml><?xml version="1.0" encoding="utf-8"?>
-<p:sld xmlns:a="http://schemas.openxmlformats.org/drawingml/2006/main" xmlns:r="http://schemas.openxmlformats.org/officeDocument/2006/relationships" xmlns:p="http://schemas.openxmlformats.org/presentationml/2006/main">
-  <p:cSld>
-    <p:spTree>
-      <p:nvGrpSpPr>
-        <p:cNvPr id="1" name=""/>
-        <p:cNvGrpSpPr/>
-        <p:nvPr/>
-      </p:nvGrpSpPr>
-      <p:grpSpPr>
-        <a:xfrm>
-          <a:off x="0" y="0"/>
-          <a:ext cx="0" cy="0"/>
-          <a:chOff x="0" y="0"/>
-          <a:chExt cx="0" cy="0"/>
-        </a:xfrm>
-      </p:grpSpPr>
-      <p:sp>
-        <p:nvSpPr>
-          <p:cNvPr id="2" name="Foliennummernplatzhalter 1"/>
-          <p:cNvSpPr>
-            <a:spLocks noGrp="1"/>
-          </p:cNvSpPr>
-          <p:nvPr>
-            <p:ph type="sldNum" sz="quarter" idx="13"/>
-          </p:nvPr>
-        </p:nvSpPr>
-        <p:spPr/>
-        <p:txBody>
-          <a:bodyPr/>
-          <a:lstStyle/>
-          <a:p>
-            <a:fld id="{2E430B67-9B8D-45F2-8BD0-7EEC5CABEC81}" type="slidenum">
-              <a:rPr lang="de-DE" smtClean="0"/>
-              <a:pPr/>
-              <a:t>37</a:t>
-            </a:fld>
-            <a:endParaRPr lang="de-DE"/>
-          </a:p>
-        </p:txBody>
-      </p:sp>
-      <p:sp>
-        <p:nvSpPr>
-          <p:cNvPr id="3" name="Textplatzhalter 2"/>
-          <p:cNvSpPr>
-            <a:spLocks noGrp="1"/>
-          </p:cNvSpPr>
-          <p:nvPr>
-            <p:ph type="body" sz="quarter" idx="17"/>
-          </p:nvPr>
-        </p:nvSpPr>
-        <p:spPr>
-          <a:xfrm>
-            <a:off x="191070" y="3029803"/>
-            <a:ext cx="9130732" cy="3166569"/>
-          </a:xfrm>
-        </p:spPr>
-        <p:txBody>
-          <a:bodyPr/>
-          <a:lstStyle/>
-          <a:p>
-            <a:pPr marL="0" indent="0" algn="ctr"/>
-            <a:r>
-              <a:rPr lang="de-DE" sz="2000" b="1" dirty="0"/>
-              <a:t>Wenn der Wind des Wandels weht, bauen die Einen Schutzmauern, die Anderen bauen Windmühlen.</a:t>
-            </a:r>
-          </a:p>
-          <a:p>
-            <a:pPr marL="0" indent="0" algn="ctr"/>
-            <a:r>
-              <a:rPr lang="de-DE" dirty="0"/>
-              <a:t>(Chinesische Weisheit)</a:t>
-            </a:r>
-          </a:p>
-          <a:p>
-            <a:pPr marL="0" indent="0" algn="ctr"/>
-            <a:endParaRPr lang="de-DE" sz="2000" b="1" dirty="0"/>
-          </a:p>
-          <a:p>
-            <a:pPr marL="0" indent="0" algn="ctr"/>
-            <a:endParaRPr lang="de-DE" sz="2000" b="1" dirty="0"/>
-          </a:p>
-        </p:txBody>
-      </p:sp>
-      <p:sp>
-        <p:nvSpPr>
-          <p:cNvPr id="4" name="Textplatzhalter 3"/>
-          <p:cNvSpPr>
-            <a:spLocks noGrp="1"/>
-          </p:cNvSpPr>
-          <p:nvPr>
-            <p:ph type="body" sz="quarter" idx="11"/>
-          </p:nvPr>
-        </p:nvSpPr>
-        <p:spPr/>
-        <p:txBody>
-          <a:bodyPr/>
-          <a:lstStyle/>
-          <a:p>
-            <a:r>
-              <a:rPr lang="de-DE" dirty="0"/>
-              <a:t>Fazit</a:t>
-            </a:r>
-          </a:p>
-        </p:txBody>
-      </p:sp>
-      <p:sp>
-        <p:nvSpPr>
-          <p:cNvPr id="5" name="Titel 4"/>
-          <p:cNvSpPr>
-            <a:spLocks noGrp="1"/>
-          </p:cNvSpPr>
-          <p:nvPr>
-            <p:ph type="title"/>
-          </p:nvPr>
-        </p:nvSpPr>
-        <p:spPr/>
-        <p:txBody>
-          <a:bodyPr/>
-          <a:lstStyle/>
-          <a:p>
-            <a:r>
-              <a:rPr lang="de-DE" dirty="0"/>
-              <a:t>Git versus SVN</a:t>
-            </a:r>
-          </a:p>
-        </p:txBody>
-      </p:sp>
-    </p:spTree>
-    <p:extLst>
-      <p:ext uri="{BB962C8B-B14F-4D97-AF65-F5344CB8AC3E}">
-        <p14:creationId xmlns:p14="http://schemas.microsoft.com/office/powerpoint/2010/main" val="53364534"/>
-      </p:ext>
-    </p:extLst>
-  </p:cSld>
-  <p:clrMapOvr>
-    <a:masterClrMapping/>
-  </p:clrMapOvr>
-  <p:transition/>
-</p:sld>
-</file>
-
 <file path=ppt/slides/slide38.xml><?xml version="1.0" encoding="utf-8"?>
 <p:sld xmlns:a="http://schemas.openxmlformats.org/drawingml/2006/main" xmlns:r="http://schemas.openxmlformats.org/officeDocument/2006/relationships" xmlns:p="http://schemas.openxmlformats.org/presentationml/2006/main">
   <p:cSld>
@@ -43302,6 +43509,230 @@
               <a:rPr lang="de-DE" smtClean="0"/>
               <a:pPr/>
               <a:t>38</a:t>
+            </a:fld>
+            <a:endParaRPr lang="de-DE"/>
+          </a:p>
+        </p:txBody>
+      </p:sp>
+      <p:sp>
+        <p:nvSpPr>
+          <p:cNvPr id="3" name="Textplatzhalter 2"/>
+          <p:cNvSpPr>
+            <a:spLocks noGrp="1"/>
+          </p:cNvSpPr>
+          <p:nvPr>
+            <p:ph type="body" sz="quarter" idx="17"/>
+          </p:nvPr>
+        </p:nvSpPr>
+        <p:spPr>
+          <a:xfrm>
+            <a:off x="191070" y="3029803"/>
+            <a:ext cx="9130732" cy="3166569"/>
+          </a:xfrm>
+        </p:spPr>
+        <p:txBody>
+          <a:bodyPr/>
+          <a:lstStyle/>
+          <a:p>
+            <a:pPr marL="0" indent="0" algn="ctr"/>
+            <a:r>
+              <a:rPr lang="de-DE" sz="2000" b="1" dirty="0"/>
+              <a:t>Wenn der Wind des Wandels weht, bauen die Einen Schutzmauern, die Anderen bauen Windmühlen.</a:t>
+            </a:r>
+          </a:p>
+          <a:p>
+            <a:pPr marL="0" indent="0" algn="ctr"/>
+            <a:r>
+              <a:rPr lang="de-DE" dirty="0"/>
+              <a:t>(Chinesische Weisheit)</a:t>
+            </a:r>
+          </a:p>
+          <a:p>
+            <a:pPr marL="0" indent="0" algn="ctr"/>
+            <a:endParaRPr lang="de-DE" sz="2000" b="1" dirty="0"/>
+          </a:p>
+          <a:p>
+            <a:pPr marL="0" indent="0" algn="ctr"/>
+            <a:endParaRPr lang="de-DE" sz="2000" b="1" dirty="0"/>
+          </a:p>
+        </p:txBody>
+      </p:sp>
+      <p:sp>
+        <p:nvSpPr>
+          <p:cNvPr id="4" name="Textplatzhalter 3"/>
+          <p:cNvSpPr>
+            <a:spLocks noGrp="1"/>
+          </p:cNvSpPr>
+          <p:nvPr>
+            <p:ph type="body" sz="quarter" idx="11"/>
+          </p:nvPr>
+        </p:nvSpPr>
+        <p:spPr/>
+        <p:txBody>
+          <a:bodyPr/>
+          <a:lstStyle/>
+          <a:p>
+            <a:r>
+              <a:rPr lang="de-DE" dirty="0"/>
+              <a:t>Fazit</a:t>
+            </a:r>
+          </a:p>
+        </p:txBody>
+      </p:sp>
+      <p:sp>
+        <p:nvSpPr>
+          <p:cNvPr id="5" name="Titel 4"/>
+          <p:cNvSpPr>
+            <a:spLocks noGrp="1"/>
+          </p:cNvSpPr>
+          <p:nvPr>
+            <p:ph type="title"/>
+          </p:nvPr>
+        </p:nvSpPr>
+        <p:spPr/>
+        <p:txBody>
+          <a:bodyPr/>
+          <a:lstStyle/>
+          <a:p>
+            <a:r>
+              <a:rPr lang="de-DE" dirty="0"/>
+              <a:t>Git versus SVN</a:t>
+            </a:r>
+          </a:p>
+        </p:txBody>
+      </p:sp>
+      <p:pic>
+        <p:nvPicPr>
+          <p:cNvPr id="1025" name="Picture 1" descr="Henry Ford"/>
+          <p:cNvPicPr>
+            <a:picLocks noChangeAspect="1" noChangeArrowheads="1"/>
+          </p:cNvPicPr>
+          <p:nvPr/>
+        </p:nvPicPr>
+        <p:blipFill>
+          <a:blip r:embed="rId3" cstate="print">
+            <a:extLst>
+              <a:ext uri="{28A0092B-C50C-407E-A947-70E740481C1C}">
+                <a14:useLocalDpi xmlns:a14="http://schemas.microsoft.com/office/drawing/2010/main" val="0"/>
+              </a:ext>
+            </a:extLst>
+          </a:blip>
+          <a:srcRect/>
+          <a:stretch>
+            <a:fillRect/>
+          </a:stretch>
+        </p:blipFill>
+        <p:spPr bwMode="auto">
+          <a:xfrm>
+            <a:off x="0" y="0"/>
+            <a:ext cx="485775" cy="647700"/>
+          </a:xfrm>
+          <a:prstGeom prst="rect">
+            <a:avLst/>
+          </a:prstGeom>
+          <a:noFill/>
+          <a:extLst>
+            <a:ext uri="{909E8E84-426E-40DD-AFC4-6F175D3DCCD1}">
+              <a14:hiddenFill xmlns:a14="http://schemas.microsoft.com/office/drawing/2010/main">
+                <a:solidFill>
+                  <a:srgbClr val="FFFFFF"/>
+                </a:solidFill>
+              </a14:hiddenFill>
+            </a:ext>
+          </a:extLst>
+        </p:spPr>
+      </p:pic>
+      <p:pic>
+        <p:nvPicPr>
+          <p:cNvPr id="1026" name="Picture 2" descr="Henry Ford"/>
+          <p:cNvPicPr>
+            <a:picLocks noChangeAspect="1" noChangeArrowheads="1"/>
+          </p:cNvPicPr>
+          <p:nvPr/>
+        </p:nvPicPr>
+        <p:blipFill>
+          <a:blip r:embed="rId3" cstate="print">
+            <a:extLst>
+              <a:ext uri="{28A0092B-C50C-407E-A947-70E740481C1C}">
+                <a14:useLocalDpi xmlns:a14="http://schemas.microsoft.com/office/drawing/2010/main" val="0"/>
+              </a:ext>
+            </a:extLst>
+          </a:blip>
+          <a:srcRect/>
+          <a:stretch>
+            <a:fillRect/>
+          </a:stretch>
+        </p:blipFill>
+        <p:spPr bwMode="auto">
+          <a:xfrm>
+            <a:off x="0" y="0"/>
+            <a:ext cx="485775" cy="647700"/>
+          </a:xfrm>
+          <a:prstGeom prst="rect">
+            <a:avLst/>
+          </a:prstGeom>
+          <a:noFill/>
+          <a:extLst>
+            <a:ext uri="{909E8E84-426E-40DD-AFC4-6F175D3DCCD1}">
+              <a14:hiddenFill xmlns:a14="http://schemas.microsoft.com/office/drawing/2010/main">
+                <a:solidFill>
+                  <a:srgbClr val="FFFFFF"/>
+                </a:solidFill>
+              </a14:hiddenFill>
+            </a:ext>
+          </a:extLst>
+        </p:spPr>
+      </p:pic>
+    </p:spTree>
+    <p:extLst>
+      <p:ext uri="{BB962C8B-B14F-4D97-AF65-F5344CB8AC3E}">
+        <p14:creationId xmlns:p14="http://schemas.microsoft.com/office/powerpoint/2010/main" val="53364534"/>
+      </p:ext>
+    </p:extLst>
+  </p:cSld>
+  <p:clrMapOvr>
+    <a:masterClrMapping/>
+  </p:clrMapOvr>
+  <p:transition/>
+</p:sld>
+</file>
+
+<file path=ppt/slides/slide39.xml><?xml version="1.0" encoding="utf-8"?>
+<p:sld xmlns:a="http://schemas.openxmlformats.org/drawingml/2006/main" xmlns:r="http://schemas.openxmlformats.org/officeDocument/2006/relationships" xmlns:p="http://schemas.openxmlformats.org/presentationml/2006/main">
+  <p:cSld>
+    <p:spTree>
+      <p:nvGrpSpPr>
+        <p:cNvPr id="1" name=""/>
+        <p:cNvGrpSpPr/>
+        <p:nvPr/>
+      </p:nvGrpSpPr>
+      <p:grpSpPr>
+        <a:xfrm>
+          <a:off x="0" y="0"/>
+          <a:ext cx="0" cy="0"/>
+          <a:chOff x="0" y="0"/>
+          <a:chExt cx="0" cy="0"/>
+        </a:xfrm>
+      </p:grpSpPr>
+      <p:sp>
+        <p:nvSpPr>
+          <p:cNvPr id="2" name="Foliennummernplatzhalter 1"/>
+          <p:cNvSpPr>
+            <a:spLocks noGrp="1"/>
+          </p:cNvSpPr>
+          <p:nvPr>
+            <p:ph type="sldNum" sz="quarter" idx="13"/>
+          </p:nvPr>
+        </p:nvSpPr>
+        <p:spPr/>
+        <p:txBody>
+          <a:bodyPr/>
+          <a:lstStyle/>
+          <a:p>
+            <a:fld id="{2E430B67-9B8D-45F2-8BD0-7EEC5CABEC81}" type="slidenum">
+              <a:rPr lang="de-DE" smtClean="0"/>
+              <a:pPr/>
+              <a:t>39</a:t>
             </a:fld>
             <a:endParaRPr lang="de-DE"/>
           </a:p>
@@ -43497,121 +43928,6 @@
     <p:extLst>
       <p:ext uri="{BB962C8B-B14F-4D97-AF65-F5344CB8AC3E}">
         <p14:creationId xmlns:p14="http://schemas.microsoft.com/office/powerpoint/2010/main" val="1853585112"/>
-      </p:ext>
-    </p:extLst>
-  </p:cSld>
-  <p:clrMapOvr>
-    <a:masterClrMapping/>
-  </p:clrMapOvr>
-  <p:transition/>
-</p:sld>
-</file>
-
-<file path=ppt/slides/slide39.xml><?xml version="1.0" encoding="utf-8"?>
-<p:sld xmlns:a="http://schemas.openxmlformats.org/drawingml/2006/main" xmlns:r="http://schemas.openxmlformats.org/officeDocument/2006/relationships" xmlns:p="http://schemas.openxmlformats.org/presentationml/2006/main">
-  <p:cSld>
-    <p:spTree>
-      <p:nvGrpSpPr>
-        <p:cNvPr id="1" name=""/>
-        <p:cNvGrpSpPr/>
-        <p:nvPr/>
-      </p:nvGrpSpPr>
-      <p:grpSpPr>
-        <a:xfrm>
-          <a:off x="0" y="0"/>
-          <a:ext cx="0" cy="0"/>
-          <a:chOff x="0" y="0"/>
-          <a:chExt cx="0" cy="0"/>
-        </a:xfrm>
-      </p:grpSpPr>
-      <p:sp>
-        <p:nvSpPr>
-          <p:cNvPr id="2" name="Foliennummernplatzhalter 1"/>
-          <p:cNvSpPr>
-            <a:spLocks noGrp="1"/>
-          </p:cNvSpPr>
-          <p:nvPr>
-            <p:ph type="sldNum" sz="quarter" idx="13"/>
-          </p:nvPr>
-        </p:nvSpPr>
-        <p:spPr/>
-        <p:txBody>
-          <a:bodyPr/>
-          <a:lstStyle/>
-          <a:p>
-            <a:fld id="{2E430B67-9B8D-45F2-8BD0-7EEC5CABEC81}" type="slidenum">
-              <a:rPr lang="de-DE" smtClean="0"/>
-              <a:pPr/>
-              <a:t>39</a:t>
-            </a:fld>
-            <a:endParaRPr lang="de-DE"/>
-          </a:p>
-        </p:txBody>
-      </p:sp>
-      <p:sp>
-        <p:nvSpPr>
-          <p:cNvPr id="3" name="Textplatzhalter 2"/>
-          <p:cNvSpPr>
-            <a:spLocks noGrp="1"/>
-          </p:cNvSpPr>
-          <p:nvPr>
-            <p:ph type="body" sz="quarter" idx="17"/>
-          </p:nvPr>
-        </p:nvSpPr>
-        <p:spPr/>
-        <p:txBody>
-          <a:bodyPr/>
-          <a:lstStyle/>
-          <a:p>
-            <a:endParaRPr lang="de-DE" dirty="0"/>
-          </a:p>
-        </p:txBody>
-      </p:sp>
-      <p:sp>
-        <p:nvSpPr>
-          <p:cNvPr id="4" name="Textplatzhalter 3"/>
-          <p:cNvSpPr>
-            <a:spLocks noGrp="1"/>
-          </p:cNvSpPr>
-          <p:nvPr>
-            <p:ph type="body" sz="quarter" idx="11"/>
-          </p:nvPr>
-        </p:nvSpPr>
-        <p:spPr/>
-        <p:txBody>
-          <a:bodyPr/>
-          <a:lstStyle/>
-          <a:p>
-            <a:endParaRPr lang="de-DE"/>
-          </a:p>
-        </p:txBody>
-      </p:sp>
-      <p:sp>
-        <p:nvSpPr>
-          <p:cNvPr id="5" name="Titel 4"/>
-          <p:cNvSpPr>
-            <a:spLocks noGrp="1"/>
-          </p:cNvSpPr>
-          <p:nvPr>
-            <p:ph type="title"/>
-          </p:nvPr>
-        </p:nvSpPr>
-        <p:spPr/>
-        <p:txBody>
-          <a:bodyPr/>
-          <a:lstStyle/>
-          <a:p>
-            <a:r>
-              <a:rPr lang="de-DE" dirty="0"/>
-              <a:t>Git-Kommandozeilenbefehle</a:t>
-            </a:r>
-          </a:p>
-        </p:txBody>
-      </p:sp>
-    </p:spTree>
-    <p:extLst>
-      <p:ext uri="{BB962C8B-B14F-4D97-AF65-F5344CB8AC3E}">
-        <p14:creationId xmlns:p14="http://schemas.microsoft.com/office/powerpoint/2010/main" val="2661074306"/>
       </p:ext>
     </p:extLst>
   </p:cSld>
@@ -44184,6 +44500,244 @@
       </p:sp>
       <p:sp>
         <p:nvSpPr>
+          <p:cNvPr id="3" name="Textplatzhalter 2"/>
+          <p:cNvSpPr>
+            <a:spLocks noGrp="1"/>
+          </p:cNvSpPr>
+          <p:nvPr>
+            <p:ph type="body" sz="quarter" idx="17"/>
+          </p:nvPr>
+        </p:nvSpPr>
+        <p:spPr/>
+        <p:txBody>
+          <a:bodyPr/>
+          <a:lstStyle/>
+          <a:p>
+            <a:endParaRPr lang="de-DE" dirty="0"/>
+          </a:p>
+        </p:txBody>
+      </p:sp>
+      <p:sp>
+        <p:nvSpPr>
+          <p:cNvPr id="4" name="Textplatzhalter 3"/>
+          <p:cNvSpPr>
+            <a:spLocks noGrp="1"/>
+          </p:cNvSpPr>
+          <p:nvPr>
+            <p:ph type="body" sz="quarter" idx="11"/>
+          </p:nvPr>
+        </p:nvSpPr>
+        <p:spPr/>
+        <p:txBody>
+          <a:bodyPr/>
+          <a:lstStyle/>
+          <a:p>
+            <a:endParaRPr lang="de-DE"/>
+          </a:p>
+        </p:txBody>
+      </p:sp>
+      <p:sp>
+        <p:nvSpPr>
+          <p:cNvPr id="5" name="Titel 4"/>
+          <p:cNvSpPr>
+            <a:spLocks noGrp="1"/>
+          </p:cNvSpPr>
+          <p:nvPr>
+            <p:ph type="title"/>
+          </p:nvPr>
+        </p:nvSpPr>
+        <p:spPr/>
+        <p:txBody>
+          <a:bodyPr/>
+          <a:lstStyle/>
+          <a:p>
+            <a:r>
+              <a:rPr lang="de-DE" dirty="0"/>
+              <a:t>Git-Kommandozeilenbefehle</a:t>
+            </a:r>
+          </a:p>
+        </p:txBody>
+      </p:sp>
+    </p:spTree>
+    <p:extLst>
+      <p:ext uri="{BB962C8B-B14F-4D97-AF65-F5344CB8AC3E}">
+        <p14:creationId xmlns:p14="http://schemas.microsoft.com/office/powerpoint/2010/main" val="2661074306"/>
+      </p:ext>
+    </p:extLst>
+  </p:cSld>
+  <p:clrMapOvr>
+    <a:masterClrMapping/>
+  </p:clrMapOvr>
+  <p:transition/>
+</p:sld>
+</file>
+
+<file path=ppt/slides/slide41.xml><?xml version="1.0" encoding="utf-8"?>
+<p:sld xmlns:a="http://schemas.openxmlformats.org/drawingml/2006/main" xmlns:r="http://schemas.openxmlformats.org/officeDocument/2006/relationships" xmlns:p="http://schemas.openxmlformats.org/presentationml/2006/main">
+  <p:cSld>
+    <p:spTree>
+      <p:nvGrpSpPr>
+        <p:cNvPr id="1" name=""/>
+        <p:cNvGrpSpPr/>
+        <p:nvPr/>
+      </p:nvGrpSpPr>
+      <p:grpSpPr>
+        <a:xfrm>
+          <a:off x="0" y="0"/>
+          <a:ext cx="0" cy="0"/>
+          <a:chOff x="0" y="0"/>
+          <a:chExt cx="0" cy="0"/>
+        </a:xfrm>
+      </p:grpSpPr>
+      <p:sp>
+        <p:nvSpPr>
+          <p:cNvPr id="2" name="Foliennummernplatzhalter 1"/>
+          <p:cNvSpPr>
+            <a:spLocks noGrp="1"/>
+          </p:cNvSpPr>
+          <p:nvPr>
+            <p:ph type="sldNum" sz="quarter" idx="13"/>
+          </p:nvPr>
+        </p:nvSpPr>
+        <p:spPr/>
+        <p:txBody>
+          <a:bodyPr/>
+          <a:lstStyle/>
+          <a:p>
+            <a:fld id="{2E430B67-9B8D-45F2-8BD0-7EEC5CABEC81}" type="slidenum">
+              <a:rPr lang="de-DE" smtClean="0"/>
+              <a:pPr/>
+              <a:t>41</a:t>
+            </a:fld>
+            <a:endParaRPr lang="de-DE"/>
+          </a:p>
+        </p:txBody>
+      </p:sp>
+      <p:sp>
+        <p:nvSpPr>
+          <p:cNvPr id="3" name="Textplatzhalter 2"/>
+          <p:cNvSpPr>
+            <a:spLocks noGrp="1"/>
+          </p:cNvSpPr>
+          <p:nvPr>
+            <p:ph type="body" sz="quarter" idx="17"/>
+          </p:nvPr>
+        </p:nvSpPr>
+        <p:spPr/>
+        <p:txBody>
+          <a:bodyPr/>
+          <a:lstStyle/>
+          <a:p>
+            <a:endParaRPr lang="de-DE"/>
+          </a:p>
+        </p:txBody>
+      </p:sp>
+      <p:sp>
+        <p:nvSpPr>
+          <p:cNvPr id="4" name="Textplatzhalter 3"/>
+          <p:cNvSpPr>
+            <a:spLocks noGrp="1"/>
+          </p:cNvSpPr>
+          <p:nvPr>
+            <p:ph type="body" sz="quarter" idx="11"/>
+          </p:nvPr>
+        </p:nvSpPr>
+        <p:spPr/>
+        <p:txBody>
+          <a:bodyPr/>
+          <a:lstStyle/>
+          <a:p>
+            <a:endParaRPr lang="de-DE"/>
+          </a:p>
+        </p:txBody>
+      </p:sp>
+      <p:sp>
+        <p:nvSpPr>
+          <p:cNvPr id="5" name="Titel 4"/>
+          <p:cNvSpPr>
+            <a:spLocks noGrp="1"/>
+          </p:cNvSpPr>
+          <p:nvPr>
+            <p:ph type="title"/>
+          </p:nvPr>
+        </p:nvSpPr>
+        <p:spPr/>
+        <p:txBody>
+          <a:bodyPr/>
+          <a:lstStyle/>
+          <a:p>
+            <a:r>
+              <a:rPr lang="de-DE" dirty="0"/>
+              <a:t>Weitere Vor- und Nachteile von </a:t>
+            </a:r>
+            <a:r>
+              <a:rPr lang="de-DE" dirty="0" err="1"/>
+              <a:t>Git</a:t>
+            </a:r>
+            <a:r>
+              <a:rPr lang="de-DE" dirty="0"/>
+              <a:t> und SVN</a:t>
+            </a:r>
+          </a:p>
+        </p:txBody>
+      </p:sp>
+    </p:spTree>
+    <p:extLst>
+      <p:ext uri="{BB962C8B-B14F-4D97-AF65-F5344CB8AC3E}">
+        <p14:creationId xmlns:p14="http://schemas.microsoft.com/office/powerpoint/2010/main" val="3539697911"/>
+      </p:ext>
+    </p:extLst>
+  </p:cSld>
+  <p:clrMapOvr>
+    <a:masterClrMapping/>
+  </p:clrMapOvr>
+  <p:transition/>
+</p:sld>
+</file>
+
+<file path=ppt/slides/slide42.xml><?xml version="1.0" encoding="utf-8"?>
+<p:sld xmlns:a="http://schemas.openxmlformats.org/drawingml/2006/main" xmlns:r="http://schemas.openxmlformats.org/officeDocument/2006/relationships" xmlns:p="http://schemas.openxmlformats.org/presentationml/2006/main">
+  <p:cSld>
+    <p:spTree>
+      <p:nvGrpSpPr>
+        <p:cNvPr id="1" name=""/>
+        <p:cNvGrpSpPr/>
+        <p:nvPr/>
+      </p:nvGrpSpPr>
+      <p:grpSpPr>
+        <a:xfrm>
+          <a:off x="0" y="0"/>
+          <a:ext cx="0" cy="0"/>
+          <a:chOff x="0" y="0"/>
+          <a:chExt cx="0" cy="0"/>
+        </a:xfrm>
+      </p:grpSpPr>
+      <p:sp>
+        <p:nvSpPr>
+          <p:cNvPr id="2" name="Foliennummernplatzhalter 1"/>
+          <p:cNvSpPr>
+            <a:spLocks noGrp="1"/>
+          </p:cNvSpPr>
+          <p:nvPr>
+            <p:ph type="sldNum" sz="quarter" idx="13"/>
+          </p:nvPr>
+        </p:nvSpPr>
+        <p:spPr/>
+        <p:txBody>
+          <a:bodyPr/>
+          <a:lstStyle/>
+          <a:p>
+            <a:fld id="{2E430B67-9B8D-45F2-8BD0-7EEC5CABEC81}" type="slidenum">
+              <a:rPr lang="de-DE" smtClean="0"/>
+              <a:pPr/>
+              <a:t>42</a:t>
+            </a:fld>
+            <a:endParaRPr lang="de-DE"/>
+          </a:p>
+        </p:txBody>
+      </p:sp>
+      <p:sp>
+        <p:nvSpPr>
           <p:cNvPr id="6" name="Textplatzhalter 5"/>
           <p:cNvSpPr>
             <a:spLocks noGrp="1"/>
@@ -44291,7 +44845,7 @@
 </p:sld>
 </file>
 
-<file path=ppt/slides/slide41.xml><?xml version="1.0" encoding="utf-8"?>
+<file path=ppt/slides/slide43.xml><?xml version="1.0" encoding="utf-8"?>
 <p:sld xmlns:a="http://schemas.openxmlformats.org/drawingml/2006/main" xmlns:r="http://schemas.openxmlformats.org/officeDocument/2006/relationships" xmlns:p="http://schemas.openxmlformats.org/presentationml/2006/main">
   <p:cSld>
     <p:spTree>
@@ -44326,7 +44880,7 @@
             <a:fld id="{2E430B67-9B8D-45F2-8BD0-7EEC5CABEC81}" type="slidenum">
               <a:rPr lang="de-DE" smtClean="0"/>
               <a:pPr/>
-              <a:t>41</a:t>
+              <a:t>43</a:t>
             </a:fld>
             <a:endParaRPr lang="de-DE"/>
           </a:p>
@@ -44415,435 +44969,6 @@
 </p:sld>
 </file>
 
-<file path=ppt/slides/slide42.xml><?xml version="1.0" encoding="utf-8"?>
-<p:sld xmlns:a="http://schemas.openxmlformats.org/drawingml/2006/main" xmlns:r="http://schemas.openxmlformats.org/officeDocument/2006/relationships" xmlns:p="http://schemas.openxmlformats.org/presentationml/2006/main">
-  <p:cSld>
-    <p:spTree>
-      <p:nvGrpSpPr>
-        <p:cNvPr id="1" name=""/>
-        <p:cNvGrpSpPr/>
-        <p:nvPr/>
-      </p:nvGrpSpPr>
-      <p:grpSpPr>
-        <a:xfrm>
-          <a:off x="0" y="0"/>
-          <a:ext cx="0" cy="0"/>
-          <a:chOff x="0" y="0"/>
-          <a:chExt cx="0" cy="0"/>
-        </a:xfrm>
-      </p:grpSpPr>
-      <p:sp>
-        <p:nvSpPr>
-          <p:cNvPr id="2" name="Foliennummernplatzhalter 1"/>
-          <p:cNvSpPr>
-            <a:spLocks noGrp="1"/>
-          </p:cNvSpPr>
-          <p:nvPr>
-            <p:ph type="sldNum" sz="quarter" idx="13"/>
-          </p:nvPr>
-        </p:nvSpPr>
-        <p:spPr/>
-        <p:txBody>
-          <a:bodyPr/>
-          <a:lstStyle/>
-          <a:p>
-            <a:fld id="{2E430B67-9B8D-45F2-8BD0-7EEC5CABEC81}" type="slidenum">
-              <a:rPr lang="de-DE" smtClean="0"/>
-              <a:pPr/>
-              <a:t>42</a:t>
-            </a:fld>
-            <a:endParaRPr lang="de-DE"/>
-          </a:p>
-        </p:txBody>
-      </p:sp>
-      <p:sp>
-        <p:nvSpPr>
-          <p:cNvPr id="3" name="Textplatzhalter 2"/>
-          <p:cNvSpPr>
-            <a:spLocks noGrp="1"/>
-          </p:cNvSpPr>
-          <p:nvPr>
-            <p:ph type="body" sz="quarter" idx="17"/>
-          </p:nvPr>
-        </p:nvSpPr>
-        <p:spPr/>
-        <p:txBody>
-          <a:bodyPr/>
-          <a:lstStyle/>
-          <a:p>
-            <a:pPr marL="285750" indent="-285750">
-              <a:buFontTx/>
-              <a:buChar char="-"/>
-            </a:pPr>
-            <a:r>
-              <a:rPr lang="de-DE" dirty="0"/>
-              <a:t>Befehl: </a:t>
-            </a:r>
-            <a:r>
-              <a:rPr lang="de-DE" dirty="0" err="1"/>
-              <a:t>git</a:t>
-            </a:r>
-            <a:r>
-              <a:rPr lang="de-DE" dirty="0"/>
-              <a:t> </a:t>
-            </a:r>
-            <a:r>
-              <a:rPr lang="de-DE" dirty="0" err="1"/>
-              <a:t>svn</a:t>
-            </a:r>
-            <a:endParaRPr lang="de-DE" dirty="0"/>
-          </a:p>
-          <a:p>
-            <a:pPr marL="285750" indent="-285750">
-              <a:buFontTx/>
-              <a:buChar char="-"/>
-            </a:pPr>
-            <a:r>
-              <a:rPr lang="de-DE" dirty="0"/>
-              <a:t>Git als Client für einen Subversion-Server</a:t>
-            </a:r>
-          </a:p>
-          <a:p>
-            <a:pPr marL="285750" indent="-285750">
-              <a:buFontTx/>
-              <a:buChar char="-"/>
-            </a:pPr>
-            <a:r>
-              <a:rPr lang="de-DE" dirty="0"/>
-              <a:t>lokalen Features von Git (lokale </a:t>
-            </a:r>
-            <a:r>
-              <a:rPr lang="de-DE" dirty="0" err="1"/>
-              <a:t>Branches</a:t>
-            </a:r>
-            <a:r>
-              <a:rPr lang="de-DE" dirty="0"/>
-              <a:t>, </a:t>
-            </a:r>
-            <a:r>
-              <a:rPr lang="de-DE" dirty="0" err="1"/>
-              <a:t>mergen</a:t>
-            </a:r>
-            <a:r>
-              <a:rPr lang="de-DE" dirty="0"/>
-              <a:t>, </a:t>
-            </a:r>
-            <a:r>
-              <a:rPr lang="de-DE" dirty="0" err="1"/>
-              <a:t>staging</a:t>
-            </a:r>
-            <a:r>
-              <a:rPr lang="de-DE" dirty="0"/>
-              <a:t> </a:t>
-            </a:r>
-            <a:r>
-              <a:rPr lang="de-DE" dirty="0" err="1"/>
-              <a:t>area</a:t>
-            </a:r>
-            <a:r>
-              <a:rPr lang="de-DE" dirty="0"/>
-              <a:t>, etc.) verwenden</a:t>
-            </a:r>
-          </a:p>
-          <a:p>
-            <a:pPr marL="285750" indent="-285750">
-              <a:buFontTx/>
-              <a:buChar char="-"/>
-            </a:pPr>
-            <a:r>
-              <a:rPr lang="de-DE" dirty="0"/>
-              <a:t>Push auf Subversion Server</a:t>
-            </a:r>
-          </a:p>
-          <a:p>
-            <a:pPr marL="285750" indent="-285750">
-              <a:buFontTx/>
-              <a:buChar char="-"/>
-            </a:pPr>
-            <a:r>
-              <a:rPr lang="de-DE" dirty="0"/>
-              <a:t>gute Möglichkeit Git in einem Unternehmen einzuführen</a:t>
-            </a:r>
-          </a:p>
-          <a:p>
-            <a:pPr marL="285750" indent="-285750">
-              <a:buFontTx/>
-              <a:buChar char="-"/>
-            </a:pPr>
-            <a:endParaRPr lang="de-DE" dirty="0"/>
-          </a:p>
-        </p:txBody>
-      </p:sp>
-      <p:sp>
-        <p:nvSpPr>
-          <p:cNvPr id="4" name="Textplatzhalter 3"/>
-          <p:cNvSpPr>
-            <a:spLocks noGrp="1"/>
-          </p:cNvSpPr>
-          <p:nvPr>
-            <p:ph type="body" sz="quarter" idx="11"/>
-          </p:nvPr>
-        </p:nvSpPr>
-        <p:spPr/>
-        <p:txBody>
-          <a:bodyPr/>
-          <a:lstStyle/>
-          <a:p>
-            <a:endParaRPr lang="de-DE"/>
-          </a:p>
-        </p:txBody>
-      </p:sp>
-      <p:sp>
-        <p:nvSpPr>
-          <p:cNvPr id="5" name="Titel 4"/>
-          <p:cNvSpPr>
-            <a:spLocks noGrp="1"/>
-          </p:cNvSpPr>
-          <p:nvPr>
-            <p:ph type="title"/>
-          </p:nvPr>
-        </p:nvSpPr>
-        <p:spPr/>
-        <p:txBody>
-          <a:bodyPr/>
-          <a:lstStyle/>
-          <a:p>
-            <a:r>
-              <a:rPr lang="de-DE" dirty="0"/>
-              <a:t>Git: Bi-direktionale Brücke zu SVN</a:t>
-            </a:r>
-          </a:p>
-        </p:txBody>
-      </p:sp>
-    </p:spTree>
-    <p:extLst>
-      <p:ext uri="{BB962C8B-B14F-4D97-AF65-F5344CB8AC3E}">
-        <p14:creationId xmlns:p14="http://schemas.microsoft.com/office/powerpoint/2010/main" val="3505363922"/>
-      </p:ext>
-    </p:extLst>
-  </p:cSld>
-  <p:clrMapOvr>
-    <a:masterClrMapping/>
-  </p:clrMapOvr>
-  <p:transition/>
-</p:sld>
-</file>
-
-<file path=ppt/slides/slide43.xml><?xml version="1.0" encoding="utf-8"?>
-<p:sld xmlns:a="http://schemas.openxmlformats.org/drawingml/2006/main" xmlns:r="http://schemas.openxmlformats.org/officeDocument/2006/relationships" xmlns:p="http://schemas.openxmlformats.org/presentationml/2006/main">
-  <p:cSld>
-    <p:spTree>
-      <p:nvGrpSpPr>
-        <p:cNvPr id="1" name=""/>
-        <p:cNvGrpSpPr/>
-        <p:nvPr/>
-      </p:nvGrpSpPr>
-      <p:grpSpPr>
-        <a:xfrm>
-          <a:off x="0" y="0"/>
-          <a:ext cx="0" cy="0"/>
-          <a:chOff x="0" y="0"/>
-          <a:chExt cx="0" cy="0"/>
-        </a:xfrm>
-      </p:grpSpPr>
-      <p:sp>
-        <p:nvSpPr>
-          <p:cNvPr id="2" name="Foliennummernplatzhalter 1"/>
-          <p:cNvSpPr>
-            <a:spLocks noGrp="1"/>
-          </p:cNvSpPr>
-          <p:nvPr>
-            <p:ph type="sldNum" sz="quarter" idx="13"/>
-          </p:nvPr>
-        </p:nvSpPr>
-        <p:spPr/>
-        <p:txBody>
-          <a:bodyPr/>
-          <a:lstStyle/>
-          <a:p>
-            <a:fld id="{2E430B67-9B8D-45F2-8BD0-7EEC5CABEC81}" type="slidenum">
-              <a:rPr lang="de-DE" smtClean="0"/>
-              <a:pPr/>
-              <a:t>43</a:t>
-            </a:fld>
-            <a:endParaRPr lang="de-DE"/>
-          </a:p>
-        </p:txBody>
-      </p:sp>
-      <p:sp>
-        <p:nvSpPr>
-          <p:cNvPr id="3" name="Textplatzhalter 2"/>
-          <p:cNvSpPr>
-            <a:spLocks noGrp="1"/>
-          </p:cNvSpPr>
-          <p:nvPr>
-            <p:ph type="body" sz="quarter" idx="17"/>
-          </p:nvPr>
-        </p:nvSpPr>
-        <p:spPr/>
-        <p:txBody>
-          <a:bodyPr/>
-          <a:lstStyle/>
-          <a:p>
-            <a:pPr marL="285750" indent="-285750">
-              <a:buFontTx/>
-              <a:buChar char="-"/>
-            </a:pPr>
-            <a:r>
-              <a:rPr lang="de-DE" dirty="0"/>
-              <a:t>Grundsätzlich kann jeder Git weiterentwickeln</a:t>
-            </a:r>
-          </a:p>
-          <a:p>
-            <a:pPr marL="285750" indent="-285750">
-              <a:buFontTx/>
-              <a:buChar char="-"/>
-            </a:pPr>
-            <a:r>
-              <a:rPr lang="de-DE" dirty="0"/>
-              <a:t>Dazu gibt es ein „</a:t>
-            </a:r>
-            <a:r>
-              <a:rPr lang="de-DE" dirty="0" err="1"/>
-              <a:t>How</a:t>
-            </a:r>
-            <a:r>
-              <a:rPr lang="de-DE" dirty="0"/>
-              <a:t> </a:t>
-            </a:r>
-            <a:r>
-              <a:rPr lang="de-DE" dirty="0" err="1"/>
-              <a:t>to</a:t>
-            </a:r>
-            <a:r>
-              <a:rPr lang="de-DE" dirty="0"/>
-              <a:t> </a:t>
-            </a:r>
-            <a:r>
-              <a:rPr lang="de-DE" dirty="0" err="1"/>
-              <a:t>maintain</a:t>
-            </a:r>
-            <a:r>
-              <a:rPr lang="de-DE" dirty="0"/>
-              <a:t> Git“</a:t>
-            </a:r>
-          </a:p>
-          <a:p>
-            <a:pPr marL="285750" indent="-285750">
-              <a:buFontTx/>
-              <a:buChar char="-"/>
-            </a:pPr>
-            <a:r>
-              <a:rPr lang="de-DE" dirty="0"/>
-              <a:t>Über die „Git </a:t>
-            </a:r>
-            <a:r>
-              <a:rPr lang="de-DE" dirty="0" err="1"/>
-              <a:t>mailing</a:t>
-            </a:r>
-            <a:r>
-              <a:rPr lang="de-DE" dirty="0"/>
-              <a:t> </a:t>
-            </a:r>
-            <a:r>
-              <a:rPr lang="de-DE" dirty="0" err="1"/>
-              <a:t>list</a:t>
-            </a:r>
-            <a:r>
-              <a:rPr lang="de-DE" dirty="0"/>
-              <a:t>“ kann man dann mit den Git Entwicklern in Kontakt treten</a:t>
-            </a:r>
-          </a:p>
-          <a:p>
-            <a:pPr marL="285750" indent="-285750">
-              <a:buFontTx/>
-              <a:buChar char="-"/>
-            </a:pPr>
-            <a:r>
-              <a:rPr lang="de-DE" dirty="0">
-                <a:hlinkClick r:id="rId2"/>
-              </a:rPr>
-              <a:t>https://www.kernel.org/pub/software/scm/git/docs/howto/maintain-git.html</a:t>
-            </a:r>
-            <a:endParaRPr lang="de-DE" dirty="0"/>
-          </a:p>
-          <a:p>
-            <a:pPr marL="285750" indent="-285750">
-              <a:buFontTx/>
-              <a:buChar char="-"/>
-            </a:pPr>
-            <a:r>
-              <a:rPr lang="de-DE" dirty="0">
-                <a:hlinkClick r:id="rId3"/>
-              </a:rPr>
-              <a:t>http://de.gitready.com/beginner/2009/03/02/where-to-find-the-git-community.html</a:t>
-            </a:r>
-            <a:endParaRPr lang="de-DE" dirty="0"/>
-          </a:p>
-          <a:p>
-            <a:pPr marL="285750" indent="-285750">
-              <a:buFontTx/>
-              <a:buChar char="-"/>
-            </a:pPr>
-            <a:endParaRPr lang="de-DE" dirty="0"/>
-          </a:p>
-        </p:txBody>
-      </p:sp>
-      <p:sp>
-        <p:nvSpPr>
-          <p:cNvPr id="4" name="Textplatzhalter 3"/>
-          <p:cNvSpPr>
-            <a:spLocks noGrp="1"/>
-          </p:cNvSpPr>
-          <p:nvPr>
-            <p:ph type="body" sz="quarter" idx="11"/>
-          </p:nvPr>
-        </p:nvSpPr>
-        <p:spPr/>
-        <p:txBody>
-          <a:bodyPr/>
-          <a:lstStyle/>
-          <a:p>
-            <a:endParaRPr lang="de-DE"/>
-          </a:p>
-        </p:txBody>
-      </p:sp>
-      <p:sp>
-        <p:nvSpPr>
-          <p:cNvPr id="5" name="Titel 4"/>
-          <p:cNvSpPr>
-            <a:spLocks noGrp="1"/>
-          </p:cNvSpPr>
-          <p:nvPr>
-            <p:ph type="title"/>
-          </p:nvPr>
-        </p:nvSpPr>
-        <p:spPr/>
-        <p:txBody>
-          <a:bodyPr/>
-          <a:lstStyle/>
-          <a:p>
-            <a:r>
-              <a:rPr lang="de-DE" dirty="0"/>
-              <a:t>Weiterentwicklung von Git</a:t>
-            </a:r>
-          </a:p>
-        </p:txBody>
-      </p:sp>
-    </p:spTree>
-    <p:extLst>
-      <p:ext uri="{BB962C8B-B14F-4D97-AF65-F5344CB8AC3E}">
-        <p14:creationId xmlns:p14="http://schemas.microsoft.com/office/powerpoint/2010/main" val="370680181"/>
-      </p:ext>
-    </p:extLst>
-  </p:cSld>
-  <p:clrMapOvr>
-    <a:masterClrMapping/>
-  </p:clrMapOvr>
-  <p:transition/>
-</p:sld>
-</file>
-
 <file path=ppt/slides/slide44.xml><?xml version="1.0" encoding="utf-8"?>
 <p:sld xmlns:a="http://schemas.openxmlformats.org/drawingml/2006/main" xmlns:r="http://schemas.openxmlformats.org/officeDocument/2006/relationships" xmlns:p="http://schemas.openxmlformats.org/presentationml/2006/main">
   <p:cSld>
@@ -44887,7 +45012,7 @@
       </p:sp>
       <p:sp>
         <p:nvSpPr>
-          <p:cNvPr id="8" name="Textplatzhalter 7"/>
+          <p:cNvPr id="3" name="Textplatzhalter 2"/>
           <p:cNvSpPr>
             <a:spLocks noGrp="1"/>
           </p:cNvSpPr>
@@ -44906,8 +45031,21 @@
             </a:pPr>
             <a:r>
               <a:rPr lang="de-DE" dirty="0"/>
-              <a:t>Webserver Authentifizierung (Apache)</a:t>
-            </a:r>
+              <a:t>Befehl: </a:t>
+            </a:r>
+            <a:r>
+              <a:rPr lang="de-DE" dirty="0" err="1"/>
+              <a:t>git</a:t>
+            </a:r>
+            <a:r>
+              <a:rPr lang="de-DE" dirty="0"/>
+              <a:t> </a:t>
+            </a:r>
+            <a:r>
+              <a:rPr lang="de-DE" dirty="0" err="1"/>
+              <a:t>svn</a:t>
+            </a:r>
+            <a:endParaRPr lang="de-DE" dirty="0"/>
           </a:p>
           <a:p>
             <a:pPr marL="285750" indent="-285750">
@@ -44916,7 +45054,69 @@
             </a:pPr>
             <a:r>
               <a:rPr lang="de-DE" dirty="0"/>
-              <a:t>SSH (Secure Shell)</a:t>
+              <a:t>Git als Client für einen Subversion-Server</a:t>
+            </a:r>
+          </a:p>
+          <a:p>
+            <a:pPr marL="285750" indent="-285750">
+              <a:buFontTx/>
+              <a:buChar char="-"/>
+            </a:pPr>
+            <a:r>
+              <a:rPr lang="de-DE" dirty="0"/>
+              <a:t>lokalen Features von Git (lokale </a:t>
+            </a:r>
+            <a:r>
+              <a:rPr lang="de-DE" dirty="0" err="1"/>
+              <a:t>Branches</a:t>
+            </a:r>
+            <a:r>
+              <a:rPr lang="de-DE" dirty="0"/>
+              <a:t>, </a:t>
+            </a:r>
+            <a:r>
+              <a:rPr lang="de-DE" dirty="0" err="1"/>
+              <a:t>mergen</a:t>
+            </a:r>
+            <a:r>
+              <a:rPr lang="de-DE" dirty="0"/>
+              <a:t>, </a:t>
+            </a:r>
+            <a:r>
+              <a:rPr lang="de-DE" dirty="0" err="1"/>
+              <a:t>staging</a:t>
+            </a:r>
+            <a:r>
+              <a:rPr lang="de-DE" dirty="0"/>
+              <a:t> </a:t>
+            </a:r>
+            <a:r>
+              <a:rPr lang="de-DE" dirty="0" err="1"/>
+              <a:t>area</a:t>
+            </a:r>
+            <a:r>
+              <a:rPr lang="de-DE" dirty="0"/>
+              <a:t>, etc.) verwenden</a:t>
+            </a:r>
+          </a:p>
+          <a:p>
+            <a:pPr marL="285750" indent="-285750">
+              <a:buFontTx/>
+              <a:buChar char="-"/>
+            </a:pPr>
+            <a:r>
+              <a:rPr lang="de-DE" dirty="0"/>
+              <a:t>Push auf Subversion Server</a:t>
+            </a:r>
+          </a:p>
+          <a:p>
+            <a:pPr marL="285750" indent="-285750">
+              <a:buFontTx/>
+              <a:buChar char="-"/>
+            </a:pPr>
+            <a:r>
+              <a:rPr lang="de-DE" dirty="0"/>
+              <a:t>gute Möglichkeit Git in einem Unternehmen einzuführen</a:t>
             </a:r>
           </a:p>
           <a:p>
@@ -44926,14 +45126,11 @@
             </a:pPr>
             <a:endParaRPr lang="de-DE" dirty="0"/>
           </a:p>
-          <a:p>
-            <a:endParaRPr lang="de-DE" dirty="0"/>
-          </a:p>
-        </p:txBody>
-      </p:sp>
-      <p:sp>
-        <p:nvSpPr>
-          <p:cNvPr id="7" name="Textplatzhalter 6"/>
+        </p:txBody>
+      </p:sp>
+      <p:sp>
+        <p:nvSpPr>
+          <p:cNvPr id="4" name="Textplatzhalter 3"/>
           <p:cNvSpPr>
             <a:spLocks noGrp="1"/>
           </p:cNvSpPr>
@@ -44952,7 +45149,7 @@
       </p:sp>
       <p:sp>
         <p:nvSpPr>
-          <p:cNvPr id="6" name="Titel 5"/>
+          <p:cNvPr id="5" name="Titel 4"/>
           <p:cNvSpPr>
             <a:spLocks noGrp="1"/>
           </p:cNvSpPr>
@@ -44967,7 +45164,7 @@
           <a:p>
             <a:r>
               <a:rPr lang="de-DE" dirty="0"/>
-              <a:t>Git Authentifizierung</a:t>
+              <a:t>Git: Bi-direktionale Brücke zu SVN</a:t>
             </a:r>
           </a:p>
         </p:txBody>
@@ -44975,7 +45172,7 @@
     </p:spTree>
     <p:extLst>
       <p:ext uri="{BB962C8B-B14F-4D97-AF65-F5344CB8AC3E}">
-        <p14:creationId xmlns:p14="http://schemas.microsoft.com/office/powerpoint/2010/main" val="360136151"/>
+        <p14:creationId xmlns:p14="http://schemas.microsoft.com/office/powerpoint/2010/main" val="3505363922"/>
       </p:ext>
     </p:extLst>
   </p:cSld>
@@ -45022,6 +45219,363 @@
               <a:rPr lang="de-DE" smtClean="0"/>
               <a:pPr/>
               <a:t>45</a:t>
+            </a:fld>
+            <a:endParaRPr lang="de-DE"/>
+          </a:p>
+        </p:txBody>
+      </p:sp>
+      <p:sp>
+        <p:nvSpPr>
+          <p:cNvPr id="3" name="Textplatzhalter 2"/>
+          <p:cNvSpPr>
+            <a:spLocks noGrp="1"/>
+          </p:cNvSpPr>
+          <p:nvPr>
+            <p:ph type="body" sz="quarter" idx="17"/>
+          </p:nvPr>
+        </p:nvSpPr>
+        <p:spPr/>
+        <p:txBody>
+          <a:bodyPr/>
+          <a:lstStyle/>
+          <a:p>
+            <a:pPr marL="285750" indent="-285750">
+              <a:buFontTx/>
+              <a:buChar char="-"/>
+            </a:pPr>
+            <a:r>
+              <a:rPr lang="de-DE" dirty="0"/>
+              <a:t>Grundsätzlich kann jeder Git weiterentwickeln</a:t>
+            </a:r>
+          </a:p>
+          <a:p>
+            <a:pPr marL="285750" indent="-285750">
+              <a:buFontTx/>
+              <a:buChar char="-"/>
+            </a:pPr>
+            <a:r>
+              <a:rPr lang="de-DE" dirty="0"/>
+              <a:t>Dazu gibt es ein „</a:t>
+            </a:r>
+            <a:r>
+              <a:rPr lang="de-DE" dirty="0" err="1"/>
+              <a:t>How</a:t>
+            </a:r>
+            <a:r>
+              <a:rPr lang="de-DE" dirty="0"/>
+              <a:t> </a:t>
+            </a:r>
+            <a:r>
+              <a:rPr lang="de-DE" dirty="0" err="1"/>
+              <a:t>to</a:t>
+            </a:r>
+            <a:r>
+              <a:rPr lang="de-DE" dirty="0"/>
+              <a:t> </a:t>
+            </a:r>
+            <a:r>
+              <a:rPr lang="de-DE" dirty="0" err="1"/>
+              <a:t>maintain</a:t>
+            </a:r>
+            <a:r>
+              <a:rPr lang="de-DE" dirty="0"/>
+              <a:t> Git“</a:t>
+            </a:r>
+          </a:p>
+          <a:p>
+            <a:pPr marL="285750" indent="-285750">
+              <a:buFontTx/>
+              <a:buChar char="-"/>
+            </a:pPr>
+            <a:r>
+              <a:rPr lang="de-DE" dirty="0"/>
+              <a:t>Über die „Git </a:t>
+            </a:r>
+            <a:r>
+              <a:rPr lang="de-DE" dirty="0" err="1"/>
+              <a:t>mailing</a:t>
+            </a:r>
+            <a:r>
+              <a:rPr lang="de-DE" dirty="0"/>
+              <a:t> </a:t>
+            </a:r>
+            <a:r>
+              <a:rPr lang="de-DE" dirty="0" err="1"/>
+              <a:t>list</a:t>
+            </a:r>
+            <a:r>
+              <a:rPr lang="de-DE" dirty="0"/>
+              <a:t>“ kann man dann mit den Git Entwicklern in Kontakt treten</a:t>
+            </a:r>
+          </a:p>
+          <a:p>
+            <a:pPr marL="285750" indent="-285750">
+              <a:buFontTx/>
+              <a:buChar char="-"/>
+            </a:pPr>
+            <a:r>
+              <a:rPr lang="de-DE" dirty="0">
+                <a:hlinkClick r:id="rId2"/>
+              </a:rPr>
+              <a:t>https://www.kernel.org/pub/software/scm/git/docs/howto/maintain-git.html</a:t>
+            </a:r>
+            <a:endParaRPr lang="de-DE" dirty="0"/>
+          </a:p>
+          <a:p>
+            <a:pPr marL="285750" indent="-285750">
+              <a:buFontTx/>
+              <a:buChar char="-"/>
+            </a:pPr>
+            <a:r>
+              <a:rPr lang="de-DE" dirty="0">
+                <a:hlinkClick r:id="rId3"/>
+              </a:rPr>
+              <a:t>http://de.gitready.com/beginner/2009/03/02/where-to-find-the-git-community.html</a:t>
+            </a:r>
+            <a:endParaRPr lang="de-DE" dirty="0"/>
+          </a:p>
+          <a:p>
+            <a:pPr marL="285750" indent="-285750">
+              <a:buFontTx/>
+              <a:buChar char="-"/>
+            </a:pPr>
+            <a:endParaRPr lang="de-DE" dirty="0"/>
+          </a:p>
+        </p:txBody>
+      </p:sp>
+      <p:sp>
+        <p:nvSpPr>
+          <p:cNvPr id="4" name="Textplatzhalter 3"/>
+          <p:cNvSpPr>
+            <a:spLocks noGrp="1"/>
+          </p:cNvSpPr>
+          <p:nvPr>
+            <p:ph type="body" sz="quarter" idx="11"/>
+          </p:nvPr>
+        </p:nvSpPr>
+        <p:spPr/>
+        <p:txBody>
+          <a:bodyPr/>
+          <a:lstStyle/>
+          <a:p>
+            <a:endParaRPr lang="de-DE"/>
+          </a:p>
+        </p:txBody>
+      </p:sp>
+      <p:sp>
+        <p:nvSpPr>
+          <p:cNvPr id="5" name="Titel 4"/>
+          <p:cNvSpPr>
+            <a:spLocks noGrp="1"/>
+          </p:cNvSpPr>
+          <p:nvPr>
+            <p:ph type="title"/>
+          </p:nvPr>
+        </p:nvSpPr>
+        <p:spPr/>
+        <p:txBody>
+          <a:bodyPr/>
+          <a:lstStyle/>
+          <a:p>
+            <a:r>
+              <a:rPr lang="de-DE" dirty="0"/>
+              <a:t>Weiterentwicklung von Git</a:t>
+            </a:r>
+          </a:p>
+        </p:txBody>
+      </p:sp>
+    </p:spTree>
+    <p:extLst>
+      <p:ext uri="{BB962C8B-B14F-4D97-AF65-F5344CB8AC3E}">
+        <p14:creationId xmlns:p14="http://schemas.microsoft.com/office/powerpoint/2010/main" val="370680181"/>
+      </p:ext>
+    </p:extLst>
+  </p:cSld>
+  <p:clrMapOvr>
+    <a:masterClrMapping/>
+  </p:clrMapOvr>
+  <p:transition/>
+</p:sld>
+</file>
+
+<file path=ppt/slides/slide46.xml><?xml version="1.0" encoding="utf-8"?>
+<p:sld xmlns:a="http://schemas.openxmlformats.org/drawingml/2006/main" xmlns:r="http://schemas.openxmlformats.org/officeDocument/2006/relationships" xmlns:p="http://schemas.openxmlformats.org/presentationml/2006/main">
+  <p:cSld>
+    <p:spTree>
+      <p:nvGrpSpPr>
+        <p:cNvPr id="1" name=""/>
+        <p:cNvGrpSpPr/>
+        <p:nvPr/>
+      </p:nvGrpSpPr>
+      <p:grpSpPr>
+        <a:xfrm>
+          <a:off x="0" y="0"/>
+          <a:ext cx="0" cy="0"/>
+          <a:chOff x="0" y="0"/>
+          <a:chExt cx="0" cy="0"/>
+        </a:xfrm>
+      </p:grpSpPr>
+      <p:sp>
+        <p:nvSpPr>
+          <p:cNvPr id="2" name="Foliennummernplatzhalter 1"/>
+          <p:cNvSpPr>
+            <a:spLocks noGrp="1"/>
+          </p:cNvSpPr>
+          <p:nvPr>
+            <p:ph type="sldNum" sz="quarter" idx="13"/>
+          </p:nvPr>
+        </p:nvSpPr>
+        <p:spPr/>
+        <p:txBody>
+          <a:bodyPr/>
+          <a:lstStyle/>
+          <a:p>
+            <a:fld id="{2E430B67-9B8D-45F2-8BD0-7EEC5CABEC81}" type="slidenum">
+              <a:rPr lang="de-DE" smtClean="0"/>
+              <a:pPr/>
+              <a:t>46</a:t>
+            </a:fld>
+            <a:endParaRPr lang="de-DE"/>
+          </a:p>
+        </p:txBody>
+      </p:sp>
+      <p:sp>
+        <p:nvSpPr>
+          <p:cNvPr id="8" name="Textplatzhalter 7"/>
+          <p:cNvSpPr>
+            <a:spLocks noGrp="1"/>
+          </p:cNvSpPr>
+          <p:nvPr>
+            <p:ph type="body" sz="quarter" idx="17"/>
+          </p:nvPr>
+        </p:nvSpPr>
+        <p:spPr/>
+        <p:txBody>
+          <a:bodyPr/>
+          <a:lstStyle/>
+          <a:p>
+            <a:pPr marL="285750" indent="-285750">
+              <a:buFontTx/>
+              <a:buChar char="-"/>
+            </a:pPr>
+            <a:r>
+              <a:rPr lang="de-DE" dirty="0"/>
+              <a:t>Webserver Authentifizierung (Apache)</a:t>
+            </a:r>
+          </a:p>
+          <a:p>
+            <a:pPr marL="285750" indent="-285750">
+              <a:buFontTx/>
+              <a:buChar char="-"/>
+            </a:pPr>
+            <a:r>
+              <a:rPr lang="de-DE" dirty="0"/>
+              <a:t>SSH (Secure Shell)</a:t>
+            </a:r>
+          </a:p>
+          <a:p>
+            <a:pPr marL="285750" indent="-285750">
+              <a:buFontTx/>
+              <a:buChar char="-"/>
+            </a:pPr>
+            <a:endParaRPr lang="de-DE" dirty="0"/>
+          </a:p>
+          <a:p>
+            <a:endParaRPr lang="de-DE" dirty="0"/>
+          </a:p>
+        </p:txBody>
+      </p:sp>
+      <p:sp>
+        <p:nvSpPr>
+          <p:cNvPr id="7" name="Textplatzhalter 6"/>
+          <p:cNvSpPr>
+            <a:spLocks noGrp="1"/>
+          </p:cNvSpPr>
+          <p:nvPr>
+            <p:ph type="body" sz="quarter" idx="11"/>
+          </p:nvPr>
+        </p:nvSpPr>
+        <p:spPr/>
+        <p:txBody>
+          <a:bodyPr/>
+          <a:lstStyle/>
+          <a:p>
+            <a:endParaRPr lang="de-DE"/>
+          </a:p>
+        </p:txBody>
+      </p:sp>
+      <p:sp>
+        <p:nvSpPr>
+          <p:cNvPr id="6" name="Titel 5"/>
+          <p:cNvSpPr>
+            <a:spLocks noGrp="1"/>
+          </p:cNvSpPr>
+          <p:nvPr>
+            <p:ph type="title"/>
+          </p:nvPr>
+        </p:nvSpPr>
+        <p:spPr/>
+        <p:txBody>
+          <a:bodyPr/>
+          <a:lstStyle/>
+          <a:p>
+            <a:r>
+              <a:rPr lang="de-DE" dirty="0"/>
+              <a:t>Git Authentifizierung</a:t>
+            </a:r>
+          </a:p>
+        </p:txBody>
+      </p:sp>
+    </p:spTree>
+    <p:extLst>
+      <p:ext uri="{BB962C8B-B14F-4D97-AF65-F5344CB8AC3E}">
+        <p14:creationId xmlns:p14="http://schemas.microsoft.com/office/powerpoint/2010/main" val="360136151"/>
+      </p:ext>
+    </p:extLst>
+  </p:cSld>
+  <p:clrMapOvr>
+    <a:masterClrMapping/>
+  </p:clrMapOvr>
+  <p:transition/>
+</p:sld>
+</file>
+
+<file path=ppt/slides/slide47.xml><?xml version="1.0" encoding="utf-8"?>
+<p:sld xmlns:a="http://schemas.openxmlformats.org/drawingml/2006/main" xmlns:r="http://schemas.openxmlformats.org/officeDocument/2006/relationships" xmlns:p="http://schemas.openxmlformats.org/presentationml/2006/main">
+  <p:cSld>
+    <p:spTree>
+      <p:nvGrpSpPr>
+        <p:cNvPr id="1" name=""/>
+        <p:cNvGrpSpPr/>
+        <p:nvPr/>
+      </p:nvGrpSpPr>
+      <p:grpSpPr>
+        <a:xfrm>
+          <a:off x="0" y="0"/>
+          <a:ext cx="0" cy="0"/>
+          <a:chOff x="0" y="0"/>
+          <a:chExt cx="0" cy="0"/>
+        </a:xfrm>
+      </p:grpSpPr>
+      <p:sp>
+        <p:nvSpPr>
+          <p:cNvPr id="2" name="Foliennummernplatzhalter 1"/>
+          <p:cNvSpPr>
+            <a:spLocks noGrp="1"/>
+          </p:cNvSpPr>
+          <p:nvPr>
+            <p:ph type="sldNum" sz="quarter" idx="13"/>
+          </p:nvPr>
+        </p:nvSpPr>
+        <p:spPr/>
+        <p:txBody>
+          <a:bodyPr/>
+          <a:lstStyle/>
+          <a:p>
+            <a:fld id="{2E430B67-9B8D-45F2-8BD0-7EEC5CABEC81}" type="slidenum">
+              <a:rPr lang="de-DE" smtClean="0"/>
+              <a:pPr/>
+              <a:t>47</a:t>
             </a:fld>
             <a:endParaRPr lang="de-DE"/>
           </a:p>
@@ -45195,7 +45749,7 @@
 </p:sld>
 </file>
 
-<file path=ppt/slides/slide46.xml><?xml version="1.0" encoding="utf-8"?>
+<file path=ppt/slides/slide48.xml><?xml version="1.0" encoding="utf-8"?>
 <p:sld xmlns:a="http://schemas.openxmlformats.org/drawingml/2006/main" xmlns:r="http://schemas.openxmlformats.org/officeDocument/2006/relationships" xmlns:p="http://schemas.openxmlformats.org/presentationml/2006/main">
   <p:cSld>
     <p:spTree>
@@ -45230,7 +45784,7 @@
             <a:fld id="{2E430B67-9B8D-45F2-8BD0-7EEC5CABEC81}" type="slidenum">
               <a:rPr lang="de-DE" smtClean="0"/>
               <a:pPr/>
-              <a:t>46</a:t>
+              <a:t>48</a:t>
             </a:fld>
             <a:endParaRPr lang="de-DE"/>
           </a:p>
@@ -45383,7 +45937,7 @@
 </p:sld>
 </file>
 
-<file path=ppt/slides/slide47.xml><?xml version="1.0" encoding="utf-8"?>
+<file path=ppt/slides/slide49.xml><?xml version="1.0" encoding="utf-8"?>
 <p:sld xmlns:a="http://schemas.openxmlformats.org/drawingml/2006/main" xmlns:r="http://schemas.openxmlformats.org/officeDocument/2006/relationships" xmlns:p="http://schemas.openxmlformats.org/presentationml/2006/main">
   <p:cSld>
     <p:spTree>
@@ -45418,7 +45972,7 @@
             <a:fld id="{2E430B67-9B8D-45F2-8BD0-7EEC5CABEC81}" type="slidenum">
               <a:rPr lang="de-DE" smtClean="0"/>
               <a:pPr/>
-              <a:t>47</a:t>
+              <a:t>49</a:t>
             </a:fld>
             <a:endParaRPr lang="de-DE"/>
           </a:p>
@@ -45581,158 +46135,6 @@
     <p:extLst>
       <p:ext uri="{BB962C8B-B14F-4D97-AF65-F5344CB8AC3E}">
         <p14:creationId xmlns:p14="http://schemas.microsoft.com/office/powerpoint/2010/main" val="44214041"/>
-      </p:ext>
-    </p:extLst>
-  </p:cSld>
-  <p:clrMapOvr>
-    <a:masterClrMapping/>
-  </p:clrMapOvr>
-  <p:transition/>
-</p:sld>
-</file>
-
-<file path=ppt/slides/slide48.xml><?xml version="1.0" encoding="utf-8"?>
-<p:sld xmlns:a="http://schemas.openxmlformats.org/drawingml/2006/main" xmlns:r="http://schemas.openxmlformats.org/officeDocument/2006/relationships" xmlns:p="http://schemas.openxmlformats.org/presentationml/2006/main">
-  <p:cSld>
-    <p:spTree>
-      <p:nvGrpSpPr>
-        <p:cNvPr id="1" name=""/>
-        <p:cNvGrpSpPr/>
-        <p:nvPr/>
-      </p:nvGrpSpPr>
-      <p:grpSpPr>
-        <a:xfrm>
-          <a:off x="0" y="0"/>
-          <a:ext cx="0" cy="0"/>
-          <a:chOff x="0" y="0"/>
-          <a:chExt cx="0" cy="0"/>
-        </a:xfrm>
-      </p:grpSpPr>
-      <p:sp>
-        <p:nvSpPr>
-          <p:cNvPr id="2" name="Foliennummernplatzhalter 1"/>
-          <p:cNvSpPr>
-            <a:spLocks noGrp="1"/>
-          </p:cNvSpPr>
-          <p:nvPr>
-            <p:ph type="sldNum" sz="quarter" idx="13"/>
-          </p:nvPr>
-        </p:nvSpPr>
-        <p:spPr/>
-        <p:txBody>
-          <a:bodyPr/>
-          <a:lstStyle/>
-          <a:p>
-            <a:fld id="{2E430B67-9B8D-45F2-8BD0-7EEC5CABEC81}" type="slidenum">
-              <a:rPr lang="de-DE" smtClean="0"/>
-              <a:pPr/>
-              <a:t>48</a:t>
-            </a:fld>
-            <a:endParaRPr lang="de-DE"/>
-          </a:p>
-        </p:txBody>
-      </p:sp>
-      <p:sp>
-        <p:nvSpPr>
-          <p:cNvPr id="3" name="Textplatzhalter 2"/>
-          <p:cNvSpPr>
-            <a:spLocks noGrp="1"/>
-          </p:cNvSpPr>
-          <p:nvPr>
-            <p:ph type="body" sz="quarter" idx="17"/>
-          </p:nvPr>
-        </p:nvSpPr>
-        <p:spPr/>
-        <p:txBody>
-          <a:bodyPr/>
-          <a:lstStyle/>
-          <a:p>
-            <a:pPr marL="285750" indent="-285750">
-              <a:buFontTx/>
-              <a:buChar char="-"/>
-            </a:pPr>
-            <a:r>
-              <a:rPr lang="de-DE" dirty="0"/>
-              <a:t>Ein Konflikt entsteht, wenn die beiden Änderungen von Harry und Sally kollidieren, also z.B. den gleichen Bereich eines Dokuments betreffen</a:t>
-            </a:r>
-          </a:p>
-          <a:p>
-            <a:pPr marL="285750" indent="-285750">
-              <a:buFontTx/>
-              <a:buChar char="-"/>
-            </a:pPr>
-            <a:r>
-              <a:rPr lang="de-DE" dirty="0"/>
-              <a:t>Die kollidierenden Änderungen werden vom System gekennzeichnet</a:t>
-            </a:r>
-          </a:p>
-          <a:p>
-            <a:pPr marL="285750" indent="-285750">
-              <a:buFontTx/>
-              <a:buChar char="-"/>
-            </a:pPr>
-            <a:r>
-              <a:rPr lang="de-DE" dirty="0"/>
-              <a:t>Nun ist es an den Menschen, diesen Konflikt z.B. in Absprache mit dem jeweils anderen Bearbeiter zu lösen</a:t>
-            </a:r>
-          </a:p>
-          <a:p>
-            <a:pPr marL="285750" indent="-285750">
-              <a:buFontTx/>
-              <a:buChar char="-"/>
-            </a:pPr>
-            <a:endParaRPr lang="de-DE" dirty="0"/>
-          </a:p>
-        </p:txBody>
-      </p:sp>
-      <p:sp>
-        <p:nvSpPr>
-          <p:cNvPr id="4" name="Textplatzhalter 3"/>
-          <p:cNvSpPr>
-            <a:spLocks noGrp="1"/>
-          </p:cNvSpPr>
-          <p:nvPr>
-            <p:ph type="body" sz="quarter" idx="11"/>
-          </p:nvPr>
-        </p:nvSpPr>
-        <p:spPr/>
-        <p:txBody>
-          <a:bodyPr/>
-          <a:lstStyle/>
-          <a:p>
-            <a:r>
-              <a:rPr lang="de-DE" dirty="0"/>
-              <a:t>Konflikte</a:t>
-            </a:r>
-          </a:p>
-        </p:txBody>
-      </p:sp>
-      <p:sp>
-        <p:nvSpPr>
-          <p:cNvPr id="5" name="Titel 4"/>
-          <p:cNvSpPr>
-            <a:spLocks noGrp="1"/>
-          </p:cNvSpPr>
-          <p:nvPr>
-            <p:ph type="title"/>
-          </p:nvPr>
-        </p:nvSpPr>
-        <p:spPr/>
-        <p:txBody>
-          <a:bodyPr/>
-          <a:lstStyle/>
-          <a:p>
-            <a:r>
-              <a:rPr lang="de-DE" dirty="0"/>
-              <a:t>Das Problem verteilter Dateizugriffe</a:t>
-            </a:r>
-          </a:p>
-        </p:txBody>
-      </p:sp>
-    </p:spTree>
-    <p:extLst>
-      <p:ext uri="{BB962C8B-B14F-4D97-AF65-F5344CB8AC3E}">
-        <p14:creationId xmlns:p14="http://schemas.microsoft.com/office/powerpoint/2010/main" val="2088883735"/>
       </p:ext>
     </p:extLst>
   </p:cSld>
@@ -45880,6 +46282,158 @@
     <p:extLst>
       <p:ext uri="{BB962C8B-B14F-4D97-AF65-F5344CB8AC3E}">
         <p14:creationId xmlns:p14="http://schemas.microsoft.com/office/powerpoint/2010/main" val="1425939324"/>
+      </p:ext>
+    </p:extLst>
+  </p:cSld>
+  <p:clrMapOvr>
+    <a:masterClrMapping/>
+  </p:clrMapOvr>
+  <p:transition/>
+</p:sld>
+</file>
+
+<file path=ppt/slides/slide50.xml><?xml version="1.0" encoding="utf-8"?>
+<p:sld xmlns:a="http://schemas.openxmlformats.org/drawingml/2006/main" xmlns:r="http://schemas.openxmlformats.org/officeDocument/2006/relationships" xmlns:p="http://schemas.openxmlformats.org/presentationml/2006/main">
+  <p:cSld>
+    <p:spTree>
+      <p:nvGrpSpPr>
+        <p:cNvPr id="1" name=""/>
+        <p:cNvGrpSpPr/>
+        <p:nvPr/>
+      </p:nvGrpSpPr>
+      <p:grpSpPr>
+        <a:xfrm>
+          <a:off x="0" y="0"/>
+          <a:ext cx="0" cy="0"/>
+          <a:chOff x="0" y="0"/>
+          <a:chExt cx="0" cy="0"/>
+        </a:xfrm>
+      </p:grpSpPr>
+      <p:sp>
+        <p:nvSpPr>
+          <p:cNvPr id="2" name="Foliennummernplatzhalter 1"/>
+          <p:cNvSpPr>
+            <a:spLocks noGrp="1"/>
+          </p:cNvSpPr>
+          <p:nvPr>
+            <p:ph type="sldNum" sz="quarter" idx="13"/>
+          </p:nvPr>
+        </p:nvSpPr>
+        <p:spPr/>
+        <p:txBody>
+          <a:bodyPr/>
+          <a:lstStyle/>
+          <a:p>
+            <a:fld id="{2E430B67-9B8D-45F2-8BD0-7EEC5CABEC81}" type="slidenum">
+              <a:rPr lang="de-DE" smtClean="0"/>
+              <a:pPr/>
+              <a:t>50</a:t>
+            </a:fld>
+            <a:endParaRPr lang="de-DE"/>
+          </a:p>
+        </p:txBody>
+      </p:sp>
+      <p:sp>
+        <p:nvSpPr>
+          <p:cNvPr id="3" name="Textplatzhalter 2"/>
+          <p:cNvSpPr>
+            <a:spLocks noGrp="1"/>
+          </p:cNvSpPr>
+          <p:nvPr>
+            <p:ph type="body" sz="quarter" idx="17"/>
+          </p:nvPr>
+        </p:nvSpPr>
+        <p:spPr/>
+        <p:txBody>
+          <a:bodyPr/>
+          <a:lstStyle/>
+          <a:p>
+            <a:pPr marL="285750" indent="-285750">
+              <a:buFontTx/>
+              <a:buChar char="-"/>
+            </a:pPr>
+            <a:r>
+              <a:rPr lang="de-DE" dirty="0"/>
+              <a:t>Ein Konflikt entsteht, wenn die beiden Änderungen von Harry und Sally kollidieren, also z.B. den gleichen Bereich eines Dokuments betreffen</a:t>
+            </a:r>
+          </a:p>
+          <a:p>
+            <a:pPr marL="285750" indent="-285750">
+              <a:buFontTx/>
+              <a:buChar char="-"/>
+            </a:pPr>
+            <a:r>
+              <a:rPr lang="de-DE" dirty="0"/>
+              <a:t>Die kollidierenden Änderungen werden vom System gekennzeichnet</a:t>
+            </a:r>
+          </a:p>
+          <a:p>
+            <a:pPr marL="285750" indent="-285750">
+              <a:buFontTx/>
+              <a:buChar char="-"/>
+            </a:pPr>
+            <a:r>
+              <a:rPr lang="de-DE" dirty="0"/>
+              <a:t>Nun ist es an den Menschen, diesen Konflikt z.B. in Absprache mit dem jeweils anderen Bearbeiter zu lösen</a:t>
+            </a:r>
+          </a:p>
+          <a:p>
+            <a:pPr marL="285750" indent="-285750">
+              <a:buFontTx/>
+              <a:buChar char="-"/>
+            </a:pPr>
+            <a:endParaRPr lang="de-DE" dirty="0"/>
+          </a:p>
+        </p:txBody>
+      </p:sp>
+      <p:sp>
+        <p:nvSpPr>
+          <p:cNvPr id="4" name="Textplatzhalter 3"/>
+          <p:cNvSpPr>
+            <a:spLocks noGrp="1"/>
+          </p:cNvSpPr>
+          <p:nvPr>
+            <p:ph type="body" sz="quarter" idx="11"/>
+          </p:nvPr>
+        </p:nvSpPr>
+        <p:spPr/>
+        <p:txBody>
+          <a:bodyPr/>
+          <a:lstStyle/>
+          <a:p>
+            <a:r>
+              <a:rPr lang="de-DE" dirty="0"/>
+              <a:t>Konflikte</a:t>
+            </a:r>
+          </a:p>
+        </p:txBody>
+      </p:sp>
+      <p:sp>
+        <p:nvSpPr>
+          <p:cNvPr id="5" name="Titel 4"/>
+          <p:cNvSpPr>
+            <a:spLocks noGrp="1"/>
+          </p:cNvSpPr>
+          <p:nvPr>
+            <p:ph type="title"/>
+          </p:nvPr>
+        </p:nvSpPr>
+        <p:spPr/>
+        <p:txBody>
+          <a:bodyPr/>
+          <a:lstStyle/>
+          <a:p>
+            <a:r>
+              <a:rPr lang="de-DE" dirty="0"/>
+              <a:t>Das Problem verteilter Dateizugriffe</a:t>
+            </a:r>
+          </a:p>
+        </p:txBody>
+      </p:sp>
+    </p:spTree>
+    <p:extLst>
+      <p:ext uri="{BB962C8B-B14F-4D97-AF65-F5344CB8AC3E}">
+        <p14:creationId xmlns:p14="http://schemas.microsoft.com/office/powerpoint/2010/main" val="2088883735"/>
       </p:ext>
     </p:extLst>
   </p:cSld>

--- a/Präsentation_Seminararbeit.pptx
+++ b/Präsentation_Seminararbeit.pptx
@@ -14211,6 +14211,36 @@
           </a:p>
         </p:txBody>
       </p:sp>
+      <p:pic>
+        <p:nvPicPr>
+          <p:cNvPr id="2" name="Grafik 1"/>
+          <p:cNvPicPr>
+            <a:picLocks noChangeAspect="1"/>
+          </p:cNvPicPr>
+          <p:nvPr/>
+        </p:nvPicPr>
+        <p:blipFill>
+          <a:blip r:embed="rId3">
+            <a:extLst>
+              <a:ext uri="{28A0092B-C50C-407E-A947-70E740481C1C}">
+                <a14:useLocalDpi xmlns:a14="http://schemas.microsoft.com/office/drawing/2010/main" val="0"/>
+              </a:ext>
+            </a:extLst>
+          </a:blip>
+          <a:stretch>
+            <a:fillRect/>
+          </a:stretch>
+        </p:blipFill>
+        <p:spPr>
+          <a:xfrm>
+            <a:off x="2500313" y="3489180"/>
+            <a:ext cx="6070600" cy="2355850"/>
+          </a:xfrm>
+          <a:prstGeom prst="rect">
+            <a:avLst/>
+          </a:prstGeom>
+        </p:spPr>
+      </p:pic>
     </p:spTree>
     <p:extLst>
       <p:ext uri="{BB962C8B-B14F-4D97-AF65-F5344CB8AC3E}">
@@ -14243,7 +14273,7 @@
                             </p:stCondLst>
                             <p:childTnLst>
                               <p:par>
-                                <p:cTn id="5" presetID="2" presetClass="entr" presetSubtype="4" fill="hold" nodeType="clickEffect">
+                                <p:cTn id="5" presetID="1" presetClass="entr" presetSubtype="0" fill="hold" nodeType="clickEffect">
                                   <p:stCondLst>
                                     <p:cond delay="0"/>
                                   </p:stCondLst>
@@ -14270,60 +14300,6 @@
                                         <p:strVal val="visible"/>
                                       </p:to>
                                     </p:set>
-                                    <p:anim calcmode="lin" valueType="num">
-                                      <p:cBhvr additive="base">
-                                        <p:cTn id="7" dur="500" fill="hold"/>
-                                        <p:tgtEl>
-                                          <p:spTgt spid="5">
-                                            <p:txEl>
-                                              <p:pRg st="0" end="0"/>
-                                            </p:txEl>
-                                          </p:spTgt>
-                                        </p:tgtEl>
-                                        <p:attrNameLst>
-                                          <p:attrName>ppt_x</p:attrName>
-                                        </p:attrNameLst>
-                                      </p:cBhvr>
-                                      <p:tavLst>
-                                        <p:tav tm="0">
-                                          <p:val>
-                                            <p:strVal val="#ppt_x"/>
-                                          </p:val>
-                                        </p:tav>
-                                        <p:tav tm="100000">
-                                          <p:val>
-                                            <p:strVal val="#ppt_x"/>
-                                          </p:val>
-                                        </p:tav>
-                                      </p:tavLst>
-                                    </p:anim>
-                                    <p:anim calcmode="lin" valueType="num">
-                                      <p:cBhvr additive="base">
-                                        <p:cTn id="8" dur="500" fill="hold"/>
-                                        <p:tgtEl>
-                                          <p:spTgt spid="5">
-                                            <p:txEl>
-                                              <p:pRg st="0" end="0"/>
-                                            </p:txEl>
-                                          </p:spTgt>
-                                        </p:tgtEl>
-                                        <p:attrNameLst>
-                                          <p:attrName>ppt_y</p:attrName>
-                                        </p:attrNameLst>
-                                      </p:cBhvr>
-                                      <p:tavLst>
-                                        <p:tav tm="0">
-                                          <p:val>
-                                            <p:strVal val="1+#ppt_h/2"/>
-                                          </p:val>
-                                        </p:tav>
-                                        <p:tav tm="100000">
-                                          <p:val>
-                                            <p:strVal val="#ppt_y"/>
-                                          </p:val>
-                                        </p:tav>
-                                      </p:tavLst>
-                                    </p:anim>
                                   </p:childTnLst>
                                 </p:cTn>
                               </p:par>
@@ -14334,26 +14310,26 @@
                     </p:cTn>
                   </p:par>
                   <p:par>
-                    <p:cTn id="9" fill="hold">
+                    <p:cTn id="7" fill="hold">
                       <p:stCondLst>
                         <p:cond delay="indefinite"/>
                       </p:stCondLst>
                       <p:childTnLst>
                         <p:par>
-                          <p:cTn id="10" fill="hold">
+                          <p:cTn id="8" fill="hold">
                             <p:stCondLst>
                               <p:cond delay="0"/>
                             </p:stCondLst>
                             <p:childTnLst>
                               <p:par>
-                                <p:cTn id="11" presetID="2" presetClass="entr" presetSubtype="4" fill="hold" nodeType="clickEffect">
+                                <p:cTn id="9" presetID="1" presetClass="entr" presetSubtype="0" fill="hold" nodeType="clickEffect">
                                   <p:stCondLst>
                                     <p:cond delay="0"/>
                                   </p:stCondLst>
                                   <p:childTnLst>
                                     <p:set>
                                       <p:cBhvr>
-                                        <p:cTn id="12" dur="1" fill="hold">
+                                        <p:cTn id="10" dur="1" fill="hold">
                                           <p:stCondLst>
                                             <p:cond delay="0"/>
                                           </p:stCondLst>
@@ -14373,60 +14349,55 @@
                                         <p:strVal val="visible"/>
                                       </p:to>
                                     </p:set>
-                                    <p:anim calcmode="lin" valueType="num">
-                                      <p:cBhvr additive="base">
-                                        <p:cTn id="13" dur="500" fill="hold"/>
+                                  </p:childTnLst>
+                                </p:cTn>
+                              </p:par>
+                            </p:childTnLst>
+                          </p:cTn>
+                        </p:par>
+                      </p:childTnLst>
+                    </p:cTn>
+                  </p:par>
+                  <p:par>
+                    <p:cTn id="11" fill="hold">
+                      <p:stCondLst>
+                        <p:cond delay="indefinite"/>
+                      </p:stCondLst>
+                      <p:childTnLst>
+                        <p:par>
+                          <p:cTn id="12" fill="hold">
+                            <p:stCondLst>
+                              <p:cond delay="0"/>
+                            </p:stCondLst>
+                            <p:childTnLst>
+                              <p:par>
+                                <p:cTn id="13" presetID="1" presetClass="entr" presetSubtype="0" fill="hold" nodeType="clickEffect">
+                                  <p:stCondLst>
+                                    <p:cond delay="0"/>
+                                  </p:stCondLst>
+                                  <p:childTnLst>
+                                    <p:set>
+                                      <p:cBhvr>
+                                        <p:cTn id="14" dur="1" fill="hold">
+                                          <p:stCondLst>
+                                            <p:cond delay="0"/>
+                                          </p:stCondLst>
+                                        </p:cTn>
                                         <p:tgtEl>
                                           <p:spTgt spid="5">
                                             <p:txEl>
-                                              <p:pRg st="2" end="2"/>
+                                              <p:pRg st="4" end="4"/>
                                             </p:txEl>
                                           </p:spTgt>
                                         </p:tgtEl>
                                         <p:attrNameLst>
-                                          <p:attrName>ppt_x</p:attrName>
+                                          <p:attrName>style.visibility</p:attrName>
                                         </p:attrNameLst>
                                       </p:cBhvr>
-                                      <p:tavLst>
-                                        <p:tav tm="0">
-                                          <p:val>
-                                            <p:strVal val="#ppt_x"/>
-                                          </p:val>
-                                        </p:tav>
-                                        <p:tav tm="100000">
-                                          <p:val>
-                                            <p:strVal val="#ppt_x"/>
-                                          </p:val>
-                                        </p:tav>
-                                      </p:tavLst>
-                                    </p:anim>
-                                    <p:anim calcmode="lin" valueType="num">
-                                      <p:cBhvr additive="base">
-                                        <p:cTn id="14" dur="500" fill="hold"/>
-                                        <p:tgtEl>
-                                          <p:spTgt spid="5">
-                                            <p:txEl>
-                                              <p:pRg st="2" end="2"/>
-                                            </p:txEl>
-                                          </p:spTgt>
-                                        </p:tgtEl>
-                                        <p:attrNameLst>
-                                          <p:attrName>ppt_y</p:attrName>
-                                        </p:attrNameLst>
-                                      </p:cBhvr>
-                                      <p:tavLst>
-                                        <p:tav tm="0">
-                                          <p:val>
-                                            <p:strVal val="1+#ppt_h/2"/>
-                                          </p:val>
-                                        </p:tav>
-                                        <p:tav tm="100000">
-                                          <p:val>
-                                            <p:strVal val="#ppt_y"/>
-                                          </p:val>
-                                        </p:tav>
-                                      </p:tavLst>
-                                    </p:anim>
+                                      <p:to>
+                                        <p:strVal val="visible"/>
+                                      </p:to>
+                                    </p:set>
                                   </p:childTnLst>
                                 </p:cTn>
                               </p:par>
@@ -14449,7 +14420,7 @@
                             </p:stCondLst>
                             <p:childTnLst>
                               <p:par>
-                                <p:cTn id="17" presetID="2" presetClass="entr" presetSubtype="4" fill="hold" nodeType="clickEffect">
+                                <p:cTn id="17" presetID="1" presetClass="entr" presetSubtype="0" fill="hold" nodeType="clickEffect">
                                   <p:stCondLst>
                                     <p:cond delay="0"/>
                                   </p:stCondLst>
@@ -14457,109 +14428,6 @@
                                     <p:set>
                                       <p:cBhvr>
                                         <p:cTn id="18" dur="1" fill="hold">
-                                          <p:stCondLst>
-                                            <p:cond delay="0"/>
-                                          </p:stCondLst>
-                                        </p:cTn>
-                                        <p:tgtEl>
-                                          <p:spTgt spid="5">
-                                            <p:txEl>
-                                              <p:pRg st="4" end="4"/>
-                                            </p:txEl>
-                                          </p:spTgt>
-                                        </p:tgtEl>
-                                        <p:attrNameLst>
-                                          <p:attrName>style.visibility</p:attrName>
-                                        </p:attrNameLst>
-                                      </p:cBhvr>
-                                      <p:to>
-                                        <p:strVal val="visible"/>
-                                      </p:to>
-                                    </p:set>
-                                    <p:anim calcmode="lin" valueType="num">
-                                      <p:cBhvr additive="base">
-                                        <p:cTn id="19" dur="500" fill="hold"/>
-                                        <p:tgtEl>
-                                          <p:spTgt spid="5">
-                                            <p:txEl>
-                                              <p:pRg st="4" end="4"/>
-                                            </p:txEl>
-                                          </p:spTgt>
-                                        </p:tgtEl>
-                                        <p:attrNameLst>
-                                          <p:attrName>ppt_x</p:attrName>
-                                        </p:attrNameLst>
-                                      </p:cBhvr>
-                                      <p:tavLst>
-                                        <p:tav tm="0">
-                                          <p:val>
-                                            <p:strVal val="#ppt_x"/>
-                                          </p:val>
-                                        </p:tav>
-                                        <p:tav tm="100000">
-                                          <p:val>
-                                            <p:strVal val="#ppt_x"/>
-                                          </p:val>
-                                        </p:tav>
-                                      </p:tavLst>
-                                    </p:anim>
-                                    <p:anim calcmode="lin" valueType="num">
-                                      <p:cBhvr additive="base">
-                                        <p:cTn id="20" dur="500" fill="hold"/>
-                                        <p:tgtEl>
-                                          <p:spTgt spid="5">
-                                            <p:txEl>
-                                              <p:pRg st="4" end="4"/>
-                                            </p:txEl>
-                                          </p:spTgt>
-                                        </p:tgtEl>
-                                        <p:attrNameLst>
-                                          <p:attrName>ppt_y</p:attrName>
-                                        </p:attrNameLst>
-                                      </p:cBhvr>
-                                      <p:tavLst>
-                                        <p:tav tm="0">
-                                          <p:val>
-                                            <p:strVal val="1+#ppt_h/2"/>
-                                          </p:val>
-                                        </p:tav>
-                                        <p:tav tm="100000">
-                                          <p:val>
-                                            <p:strVal val="#ppt_y"/>
-                                          </p:val>
-                                        </p:tav>
-                                      </p:tavLst>
-                                    </p:anim>
-                                  </p:childTnLst>
-                                </p:cTn>
-                              </p:par>
-                            </p:childTnLst>
-                          </p:cTn>
-                        </p:par>
-                      </p:childTnLst>
-                    </p:cTn>
-                  </p:par>
-                  <p:par>
-                    <p:cTn id="21" fill="hold">
-                      <p:stCondLst>
-                        <p:cond delay="indefinite"/>
-                      </p:stCondLst>
-                      <p:childTnLst>
-                        <p:par>
-                          <p:cTn id="22" fill="hold">
-                            <p:stCondLst>
-                              <p:cond delay="0"/>
-                            </p:stCondLst>
-                            <p:childTnLst>
-                              <p:par>
-                                <p:cTn id="23" presetID="2" presetClass="entr" presetSubtype="4" fill="hold" nodeType="clickEffect">
-                                  <p:stCondLst>
-                                    <p:cond delay="0"/>
-                                  </p:stCondLst>
-                                  <p:childTnLst>
-                                    <p:set>
-                                      <p:cBhvr>
-                                        <p:cTn id="24" dur="1" fill="hold">
                                           <p:stCondLst>
                                             <p:cond delay="0"/>
                                           </p:stCondLst>
@@ -14579,60 +14447,6 @@
                                         <p:strVal val="visible"/>
                                       </p:to>
                                     </p:set>
-                                    <p:anim calcmode="lin" valueType="num">
-                                      <p:cBhvr additive="base">
-                                        <p:cTn id="25" dur="500" fill="hold"/>
-                                        <p:tgtEl>
-                                          <p:spTgt spid="5">
-                                            <p:txEl>
-                                              <p:pRg st="6" end="6"/>
-                                            </p:txEl>
-                                          </p:spTgt>
-                                        </p:tgtEl>
-                                        <p:attrNameLst>
-                                          <p:attrName>ppt_x</p:attrName>
-                                        </p:attrNameLst>
-                                      </p:cBhvr>
-                                      <p:tavLst>
-                                        <p:tav tm="0">
-                                          <p:val>
-                                            <p:strVal val="#ppt_x"/>
-                                          </p:val>
-                                        </p:tav>
-                                        <p:tav tm="100000">
-                                          <p:val>
-                                            <p:strVal val="#ppt_x"/>
-                                          </p:val>
-                                        </p:tav>
-                                      </p:tavLst>
-                                    </p:anim>
-                                    <p:anim calcmode="lin" valueType="num">
-                                      <p:cBhvr additive="base">
-                                        <p:cTn id="26" dur="500" fill="hold"/>
-                                        <p:tgtEl>
-                                          <p:spTgt spid="5">
-                                            <p:txEl>
-                                              <p:pRg st="6" end="6"/>
-                                            </p:txEl>
-                                          </p:spTgt>
-                                        </p:tgtEl>
-                                        <p:attrNameLst>
-                                          <p:attrName>ppt_y</p:attrName>
-                                        </p:attrNameLst>
-                                      </p:cBhvr>
-                                      <p:tavLst>
-                                        <p:tav tm="0">
-                                          <p:val>
-                                            <p:strVal val="1+#ppt_h/2"/>
-                                          </p:val>
-                                        </p:tav>
-                                        <p:tav tm="100000">
-                                          <p:val>
-                                            <p:strVal val="#ppt_y"/>
-                                          </p:val>
-                                        </p:tav>
-                                      </p:tavLst>
-                                    </p:anim>
                                   </p:childTnLst>
                                 </p:cTn>
                               </p:par>
@@ -15021,6 +14835,13 @@
     <a:masterClrMapping/>
   </p:clrMapOvr>
   <p:transition/>
+  <p:timing>
+    <p:tnLst>
+      <p:par>
+        <p:cTn id="1" dur="indefinite" restart="never" nodeType="tmRoot"/>
+      </p:par>
+    </p:tnLst>
+  </p:timing>
 </p:sld>
 </file>
 
@@ -35541,6 +35362,13 @@
     <a:masterClrMapping/>
   </p:clrMapOvr>
   <p:transition/>
+  <p:timing>
+    <p:tnLst>
+      <p:par>
+        <p:cTn id="1" dur="indefinite" restart="never" nodeType="tmRoot"/>
+      </p:par>
+    </p:tnLst>
+  </p:timing>
 </p:sld>
 </file>
 
@@ -35881,6 +35709,13 @@
     <a:masterClrMapping/>
   </p:clrMapOvr>
   <p:transition/>
+  <p:timing>
+    <p:tnLst>
+      <p:par>
+        <p:cTn id="1" dur="indefinite" restart="never" nodeType="tmRoot"/>
+      </p:par>
+    </p:tnLst>
+  </p:timing>
 </p:sld>
 </file>
 
@@ -36346,6 +36181,13 @@
     <a:masterClrMapping/>
   </p:clrMapOvr>
   <p:transition/>
+  <p:timing>
+    <p:tnLst>
+      <p:par>
+        <p:cTn id="1" dur="indefinite" restart="never" nodeType="tmRoot"/>
+      </p:par>
+    </p:tnLst>
+  </p:timing>
 </p:sld>
 </file>
 
@@ -36908,6 +36750,13 @@
     <a:masterClrMapping/>
   </p:clrMapOvr>
   <p:transition/>
+  <p:timing>
+    <p:tnLst>
+      <p:par>
+        <p:cTn id="1" dur="indefinite" restart="never" nodeType="tmRoot"/>
+      </p:par>
+    </p:tnLst>
+  </p:timing>
 </p:sld>
 </file>
 
@@ -37185,6 +37034,281 @@
     <a:masterClrMapping/>
   </p:clrMapOvr>
   <p:transition/>
+  <p:timing>
+    <p:tnLst>
+      <p:par>
+        <p:cTn id="1" dur="indefinite" restart="never" nodeType="tmRoot">
+          <p:childTnLst>
+            <p:seq concurrent="1" nextAc="seek">
+              <p:cTn id="2" dur="indefinite" nodeType="mainSeq">
+                <p:childTnLst>
+                  <p:par>
+                    <p:cTn id="3" fill="hold">
+                      <p:stCondLst>
+                        <p:cond delay="indefinite"/>
+                      </p:stCondLst>
+                      <p:childTnLst>
+                        <p:par>
+                          <p:cTn id="4" fill="hold">
+                            <p:stCondLst>
+                              <p:cond delay="0"/>
+                            </p:stCondLst>
+                            <p:childTnLst>
+                              <p:par>
+                                <p:cTn id="5" presetID="1" presetClass="entr" presetSubtype="0" fill="hold" nodeType="clickEffect">
+                                  <p:stCondLst>
+                                    <p:cond delay="0"/>
+                                  </p:stCondLst>
+                                  <p:childTnLst>
+                                    <p:set>
+                                      <p:cBhvr>
+                                        <p:cTn id="6" dur="1" fill="hold">
+                                          <p:stCondLst>
+                                            <p:cond delay="0"/>
+                                          </p:stCondLst>
+                                        </p:cTn>
+                                        <p:tgtEl>
+                                          <p:spTgt spid="5">
+                                            <p:txEl>
+                                              <p:pRg st="2" end="2"/>
+                                            </p:txEl>
+                                          </p:spTgt>
+                                        </p:tgtEl>
+                                        <p:attrNameLst>
+                                          <p:attrName>style.visibility</p:attrName>
+                                        </p:attrNameLst>
+                                      </p:cBhvr>
+                                      <p:to>
+                                        <p:strVal val="visible"/>
+                                      </p:to>
+                                    </p:set>
+                                  </p:childTnLst>
+                                </p:cTn>
+                              </p:par>
+                            </p:childTnLst>
+                          </p:cTn>
+                        </p:par>
+                      </p:childTnLst>
+                    </p:cTn>
+                  </p:par>
+                  <p:par>
+                    <p:cTn id="7" fill="hold">
+                      <p:stCondLst>
+                        <p:cond delay="indefinite"/>
+                      </p:stCondLst>
+                      <p:childTnLst>
+                        <p:par>
+                          <p:cTn id="8" fill="hold">
+                            <p:stCondLst>
+                              <p:cond delay="0"/>
+                            </p:stCondLst>
+                            <p:childTnLst>
+                              <p:par>
+                                <p:cTn id="9" presetID="1" presetClass="entr" presetSubtype="0" fill="hold" nodeType="clickEffect">
+                                  <p:stCondLst>
+                                    <p:cond delay="0"/>
+                                  </p:stCondLst>
+                                  <p:childTnLst>
+                                    <p:set>
+                                      <p:cBhvr>
+                                        <p:cTn id="10" dur="1" fill="hold">
+                                          <p:stCondLst>
+                                            <p:cond delay="0"/>
+                                          </p:stCondLst>
+                                        </p:cTn>
+                                        <p:tgtEl>
+                                          <p:spTgt spid="5">
+                                            <p:txEl>
+                                              <p:pRg st="4" end="4"/>
+                                            </p:txEl>
+                                          </p:spTgt>
+                                        </p:tgtEl>
+                                        <p:attrNameLst>
+                                          <p:attrName>style.visibility</p:attrName>
+                                        </p:attrNameLst>
+                                      </p:cBhvr>
+                                      <p:to>
+                                        <p:strVal val="visible"/>
+                                      </p:to>
+                                    </p:set>
+                                  </p:childTnLst>
+                                </p:cTn>
+                              </p:par>
+                            </p:childTnLst>
+                          </p:cTn>
+                        </p:par>
+                      </p:childTnLst>
+                    </p:cTn>
+                  </p:par>
+                  <p:par>
+                    <p:cTn id="11" fill="hold">
+                      <p:stCondLst>
+                        <p:cond delay="indefinite"/>
+                      </p:stCondLst>
+                      <p:childTnLst>
+                        <p:par>
+                          <p:cTn id="12" fill="hold">
+                            <p:stCondLst>
+                              <p:cond delay="0"/>
+                            </p:stCondLst>
+                            <p:childTnLst>
+                              <p:par>
+                                <p:cTn id="13" presetID="1" presetClass="entr" presetSubtype="0" fill="hold" nodeType="clickEffect">
+                                  <p:stCondLst>
+                                    <p:cond delay="0"/>
+                                  </p:stCondLst>
+                                  <p:childTnLst>
+                                    <p:set>
+                                      <p:cBhvr>
+                                        <p:cTn id="14" dur="1" fill="hold">
+                                          <p:stCondLst>
+                                            <p:cond delay="0"/>
+                                          </p:stCondLst>
+                                        </p:cTn>
+                                        <p:tgtEl>
+                                          <p:spTgt spid="5">
+                                            <p:txEl>
+                                              <p:pRg st="6" end="6"/>
+                                            </p:txEl>
+                                          </p:spTgt>
+                                        </p:tgtEl>
+                                        <p:attrNameLst>
+                                          <p:attrName>style.visibility</p:attrName>
+                                        </p:attrNameLst>
+                                      </p:cBhvr>
+                                      <p:to>
+                                        <p:strVal val="visible"/>
+                                      </p:to>
+                                    </p:set>
+                                  </p:childTnLst>
+                                </p:cTn>
+                              </p:par>
+                            </p:childTnLst>
+                          </p:cTn>
+                        </p:par>
+                      </p:childTnLst>
+                    </p:cTn>
+                  </p:par>
+                  <p:par>
+                    <p:cTn id="15" fill="hold">
+                      <p:stCondLst>
+                        <p:cond delay="indefinite"/>
+                      </p:stCondLst>
+                      <p:childTnLst>
+                        <p:par>
+                          <p:cTn id="16" fill="hold">
+                            <p:stCondLst>
+                              <p:cond delay="0"/>
+                            </p:stCondLst>
+                            <p:childTnLst>
+                              <p:par>
+                                <p:cTn id="17" presetID="1" presetClass="entr" presetSubtype="0" fill="hold" nodeType="clickEffect">
+                                  <p:stCondLst>
+                                    <p:cond delay="0"/>
+                                  </p:stCondLst>
+                                  <p:childTnLst>
+                                    <p:set>
+                                      <p:cBhvr>
+                                        <p:cTn id="18" dur="1" fill="hold">
+                                          <p:stCondLst>
+                                            <p:cond delay="0"/>
+                                          </p:stCondLst>
+                                        </p:cTn>
+                                        <p:tgtEl>
+                                          <p:spTgt spid="5">
+                                            <p:txEl>
+                                              <p:pRg st="8" end="8"/>
+                                            </p:txEl>
+                                          </p:spTgt>
+                                        </p:tgtEl>
+                                        <p:attrNameLst>
+                                          <p:attrName>style.visibility</p:attrName>
+                                        </p:attrNameLst>
+                                      </p:cBhvr>
+                                      <p:to>
+                                        <p:strVal val="visible"/>
+                                      </p:to>
+                                    </p:set>
+                                  </p:childTnLst>
+                                </p:cTn>
+                              </p:par>
+                            </p:childTnLst>
+                          </p:cTn>
+                        </p:par>
+                      </p:childTnLst>
+                    </p:cTn>
+                  </p:par>
+                  <p:par>
+                    <p:cTn id="19" fill="hold">
+                      <p:stCondLst>
+                        <p:cond delay="indefinite"/>
+                      </p:stCondLst>
+                      <p:childTnLst>
+                        <p:par>
+                          <p:cTn id="20" fill="hold">
+                            <p:stCondLst>
+                              <p:cond delay="0"/>
+                            </p:stCondLst>
+                            <p:childTnLst>
+                              <p:par>
+                                <p:cTn id="21" presetID="1" presetClass="entr" presetSubtype="0" fill="hold" nodeType="clickEffect">
+                                  <p:stCondLst>
+                                    <p:cond delay="0"/>
+                                  </p:stCondLst>
+                                  <p:childTnLst>
+                                    <p:set>
+                                      <p:cBhvr>
+                                        <p:cTn id="22" dur="1" fill="hold">
+                                          <p:stCondLst>
+                                            <p:cond delay="0"/>
+                                          </p:stCondLst>
+                                        </p:cTn>
+                                        <p:tgtEl>
+                                          <p:spTgt spid="5">
+                                            <p:txEl>
+                                              <p:pRg st="10" end="10"/>
+                                            </p:txEl>
+                                          </p:spTgt>
+                                        </p:tgtEl>
+                                        <p:attrNameLst>
+                                          <p:attrName>style.visibility</p:attrName>
+                                        </p:attrNameLst>
+                                      </p:cBhvr>
+                                      <p:to>
+                                        <p:strVal val="visible"/>
+                                      </p:to>
+                                    </p:set>
+                                  </p:childTnLst>
+                                </p:cTn>
+                              </p:par>
+                            </p:childTnLst>
+                          </p:cTn>
+                        </p:par>
+                      </p:childTnLst>
+                    </p:cTn>
+                  </p:par>
+                </p:childTnLst>
+              </p:cTn>
+              <p:prevCondLst>
+                <p:cond evt="onPrev" delay="0">
+                  <p:tgtEl>
+                    <p:sldTgt/>
+                  </p:tgtEl>
+                </p:cond>
+              </p:prevCondLst>
+              <p:nextCondLst>
+                <p:cond evt="onNext" delay="0">
+                  <p:tgtEl>
+                    <p:sldTgt/>
+                  </p:tgtEl>
+                </p:cond>
+              </p:nextCondLst>
+            </p:seq>
+          </p:childTnLst>
+        </p:cTn>
+      </p:par>
+    </p:tnLst>
+  </p:timing>
 </p:sld>
 </file>
 
@@ -37410,6 +37534,13 @@
     <a:masterClrMapping/>
   </p:clrMapOvr>
   <p:transition/>
+  <p:timing>
+    <p:tnLst>
+      <p:par>
+        <p:cTn id="1" dur="indefinite" restart="never" nodeType="tmRoot"/>
+      </p:par>
+    </p:tnLst>
+  </p:timing>
 </p:sld>
 </file>
 
@@ -37844,6 +37975,232 @@
     <a:masterClrMapping/>
   </p:clrMapOvr>
   <p:transition/>
+  <p:timing>
+    <p:tnLst>
+      <p:par>
+        <p:cTn id="1" dur="indefinite" restart="never" nodeType="tmRoot">
+          <p:childTnLst>
+            <p:seq concurrent="1" nextAc="seek">
+              <p:cTn id="2" dur="indefinite" nodeType="mainSeq">
+                <p:childTnLst>
+                  <p:par>
+                    <p:cTn id="3" fill="hold">
+                      <p:stCondLst>
+                        <p:cond delay="indefinite"/>
+                      </p:stCondLst>
+                      <p:childTnLst>
+                        <p:par>
+                          <p:cTn id="4" fill="hold">
+                            <p:stCondLst>
+                              <p:cond delay="0"/>
+                            </p:stCondLst>
+                            <p:childTnLst>
+                              <p:par>
+                                <p:cTn id="5" presetID="1" presetClass="entr" presetSubtype="0" fill="hold" nodeType="clickEffect">
+                                  <p:stCondLst>
+                                    <p:cond delay="0"/>
+                                  </p:stCondLst>
+                                  <p:childTnLst>
+                                    <p:set>
+                                      <p:cBhvr>
+                                        <p:cTn id="6" dur="1" fill="hold">
+                                          <p:stCondLst>
+                                            <p:cond delay="0"/>
+                                          </p:stCondLst>
+                                        </p:cTn>
+                                        <p:tgtEl>
+                                          <p:spTgt spid="5">
+                                            <p:txEl>
+                                              <p:pRg st="2" end="2"/>
+                                            </p:txEl>
+                                          </p:spTgt>
+                                        </p:tgtEl>
+                                        <p:attrNameLst>
+                                          <p:attrName>style.visibility</p:attrName>
+                                        </p:attrNameLst>
+                                      </p:cBhvr>
+                                      <p:to>
+                                        <p:strVal val="visible"/>
+                                      </p:to>
+                                    </p:set>
+                                  </p:childTnLst>
+                                </p:cTn>
+                              </p:par>
+                            </p:childTnLst>
+                          </p:cTn>
+                        </p:par>
+                      </p:childTnLst>
+                    </p:cTn>
+                  </p:par>
+                  <p:par>
+                    <p:cTn id="7" fill="hold">
+                      <p:stCondLst>
+                        <p:cond delay="indefinite"/>
+                      </p:stCondLst>
+                      <p:childTnLst>
+                        <p:par>
+                          <p:cTn id="8" fill="hold">
+                            <p:stCondLst>
+                              <p:cond delay="0"/>
+                            </p:stCondLst>
+                            <p:childTnLst>
+                              <p:par>
+                                <p:cTn id="9" presetID="1" presetClass="entr" presetSubtype="0" fill="hold" nodeType="clickEffect">
+                                  <p:stCondLst>
+                                    <p:cond delay="0"/>
+                                  </p:stCondLst>
+                                  <p:childTnLst>
+                                    <p:set>
+                                      <p:cBhvr>
+                                        <p:cTn id="10" dur="1" fill="hold">
+                                          <p:stCondLst>
+                                            <p:cond delay="0"/>
+                                          </p:stCondLst>
+                                        </p:cTn>
+                                        <p:tgtEl>
+                                          <p:spTgt spid="5">
+                                            <p:txEl>
+                                              <p:pRg st="4" end="4"/>
+                                            </p:txEl>
+                                          </p:spTgt>
+                                        </p:tgtEl>
+                                        <p:attrNameLst>
+                                          <p:attrName>style.visibility</p:attrName>
+                                        </p:attrNameLst>
+                                      </p:cBhvr>
+                                      <p:to>
+                                        <p:strVal val="visible"/>
+                                      </p:to>
+                                    </p:set>
+                                  </p:childTnLst>
+                                </p:cTn>
+                              </p:par>
+                            </p:childTnLst>
+                          </p:cTn>
+                        </p:par>
+                      </p:childTnLst>
+                    </p:cTn>
+                  </p:par>
+                  <p:par>
+                    <p:cTn id="11" fill="hold">
+                      <p:stCondLst>
+                        <p:cond delay="indefinite"/>
+                      </p:stCondLst>
+                      <p:childTnLst>
+                        <p:par>
+                          <p:cTn id="12" fill="hold">
+                            <p:stCondLst>
+                              <p:cond delay="0"/>
+                            </p:stCondLst>
+                            <p:childTnLst>
+                              <p:par>
+                                <p:cTn id="13" presetID="1" presetClass="entr" presetSubtype="0" fill="hold" nodeType="clickEffect">
+                                  <p:stCondLst>
+                                    <p:cond delay="0"/>
+                                  </p:stCondLst>
+                                  <p:childTnLst>
+                                    <p:set>
+                                      <p:cBhvr>
+                                        <p:cTn id="14" dur="1" fill="hold">
+                                          <p:stCondLst>
+                                            <p:cond delay="0"/>
+                                          </p:stCondLst>
+                                        </p:cTn>
+                                        <p:tgtEl>
+                                          <p:spTgt spid="5">
+                                            <p:txEl>
+                                              <p:pRg st="6" end="6"/>
+                                            </p:txEl>
+                                          </p:spTgt>
+                                        </p:tgtEl>
+                                        <p:attrNameLst>
+                                          <p:attrName>style.visibility</p:attrName>
+                                        </p:attrNameLst>
+                                      </p:cBhvr>
+                                      <p:to>
+                                        <p:strVal val="visible"/>
+                                      </p:to>
+                                    </p:set>
+                                  </p:childTnLst>
+                                </p:cTn>
+                              </p:par>
+                            </p:childTnLst>
+                          </p:cTn>
+                        </p:par>
+                      </p:childTnLst>
+                    </p:cTn>
+                  </p:par>
+                  <p:par>
+                    <p:cTn id="15" fill="hold">
+                      <p:stCondLst>
+                        <p:cond delay="indefinite"/>
+                      </p:stCondLst>
+                      <p:childTnLst>
+                        <p:par>
+                          <p:cTn id="16" fill="hold">
+                            <p:stCondLst>
+                              <p:cond delay="0"/>
+                            </p:stCondLst>
+                            <p:childTnLst>
+                              <p:par>
+                                <p:cTn id="17" presetID="1" presetClass="entr" presetSubtype="0" fill="hold" nodeType="clickEffect">
+                                  <p:stCondLst>
+                                    <p:cond delay="0"/>
+                                  </p:stCondLst>
+                                  <p:childTnLst>
+                                    <p:set>
+                                      <p:cBhvr>
+                                        <p:cTn id="18" dur="1" fill="hold">
+                                          <p:stCondLst>
+                                            <p:cond delay="0"/>
+                                          </p:stCondLst>
+                                        </p:cTn>
+                                        <p:tgtEl>
+                                          <p:spTgt spid="5">
+                                            <p:txEl>
+                                              <p:pRg st="8" end="8"/>
+                                            </p:txEl>
+                                          </p:spTgt>
+                                        </p:tgtEl>
+                                        <p:attrNameLst>
+                                          <p:attrName>style.visibility</p:attrName>
+                                        </p:attrNameLst>
+                                      </p:cBhvr>
+                                      <p:to>
+                                        <p:strVal val="visible"/>
+                                      </p:to>
+                                    </p:set>
+                                  </p:childTnLst>
+                                </p:cTn>
+                              </p:par>
+                            </p:childTnLst>
+                          </p:cTn>
+                        </p:par>
+                      </p:childTnLst>
+                    </p:cTn>
+                  </p:par>
+                </p:childTnLst>
+              </p:cTn>
+              <p:prevCondLst>
+                <p:cond evt="onPrev" delay="0">
+                  <p:tgtEl>
+                    <p:sldTgt/>
+                  </p:tgtEl>
+                </p:cond>
+              </p:prevCondLst>
+              <p:nextCondLst>
+                <p:cond evt="onNext" delay="0">
+                  <p:tgtEl>
+                    <p:sldTgt/>
+                  </p:tgtEl>
+                </p:cond>
+              </p:nextCondLst>
+            </p:seq>
+          </p:childTnLst>
+        </p:cTn>
+      </p:par>
+    </p:tnLst>
+  </p:timing>
 </p:sld>
 </file>
 
@@ -38224,6 +38581,13 @@
     <a:masterClrMapping/>
   </p:clrMapOvr>
   <p:transition/>
+  <p:timing>
+    <p:tnLst>
+      <p:par>
+        <p:cTn id="1" dur="indefinite" restart="never" nodeType="tmRoot"/>
+      </p:par>
+    </p:tnLst>
+  </p:timing>
 </p:sld>
 </file>
 
@@ -38598,6 +38962,13 @@
     <a:masterClrMapping/>
   </p:clrMapOvr>
   <p:transition/>
+  <p:timing>
+    <p:tnLst>
+      <p:par>
+        <p:cTn id="1" dur="indefinite" restart="never" nodeType="tmRoot"/>
+      </p:par>
+    </p:tnLst>
+  </p:timing>
 </p:sld>
 </file>
 
@@ -38714,14 +39085,14 @@
                 <a:gridCol w="4507312">
                   <a:extLst>
                     <a:ext uri="{9D8B030D-6E8A-4147-A177-3AD203B41FA5}">
-                      <a16:colId xmlns:a16="http://schemas.microsoft.com/office/drawing/2014/main" val="20000"/>
+                      <a16:colId xmlns:a16="http://schemas.microsoft.com/office/drawing/2014/main" xmlns="" val="20000"/>
                     </a:ext>
                   </a:extLst>
                 </a:gridCol>
                 <a:gridCol w="4507312">
                   <a:extLst>
                     <a:ext uri="{9D8B030D-6E8A-4147-A177-3AD203B41FA5}">
-                      <a16:colId xmlns:a16="http://schemas.microsoft.com/office/drawing/2014/main" val="20001"/>
+                      <a16:colId xmlns:a16="http://schemas.microsoft.com/office/drawing/2014/main" xmlns="" val="20001"/>
                     </a:ext>
                   </a:extLst>
                 </a:gridCol>
@@ -38767,7 +39138,7 @@
                 </a:tc>
                 <a:extLst>
                   <a:ext uri="{0D108BD9-81ED-4DB2-BD59-A6C34878D82A}">
-                    <a16:rowId xmlns:a16="http://schemas.microsoft.com/office/drawing/2014/main" val="10000"/>
+                    <a16:rowId xmlns:a16="http://schemas.microsoft.com/office/drawing/2014/main" xmlns="" val="10000"/>
                   </a:ext>
                 </a:extLst>
               </a:tr>
@@ -38841,7 +39212,7 @@
                 </a:tc>
                 <a:extLst>
                   <a:ext uri="{0D108BD9-81ED-4DB2-BD59-A6C34878D82A}">
-                    <a16:rowId xmlns:a16="http://schemas.microsoft.com/office/drawing/2014/main" val="10001"/>
+                    <a16:rowId xmlns:a16="http://schemas.microsoft.com/office/drawing/2014/main" xmlns="" val="10001"/>
                   </a:ext>
                 </a:extLst>
               </a:tr>
@@ -38860,6 +39231,13 @@
     <a:masterClrMapping/>
   </p:clrMapOvr>
   <p:transition/>
+  <p:timing>
+    <p:tnLst>
+      <p:par>
+        <p:cTn id="1" dur="indefinite" restart="never" nodeType="tmRoot"/>
+      </p:par>
+    </p:tnLst>
+  </p:timing>
 </p:sld>
 </file>
 
@@ -39070,7 +39448,7 @@
                             </p:stCondLst>
                             <p:childTnLst>
                               <p:par>
-                                <p:cTn id="5" presetID="2" presetClass="entr" presetSubtype="4" fill="hold" nodeType="clickEffect">
+                                <p:cTn id="5" presetID="1" presetClass="entr" presetSubtype="0" fill="hold" nodeType="clickEffect">
                                   <p:stCondLst>
                                     <p:cond delay="0"/>
                                   </p:stCondLst>
@@ -39097,60 +39475,6 @@
                                         <p:strVal val="visible"/>
                                       </p:to>
                                     </p:set>
-                                    <p:anim calcmode="lin" valueType="num">
-                                      <p:cBhvr additive="base">
-                                        <p:cTn id="7" dur="500" fill="hold"/>
-                                        <p:tgtEl>
-                                          <p:spTgt spid="5">
-                                            <p:txEl>
-                                              <p:pRg st="0" end="0"/>
-                                            </p:txEl>
-                                          </p:spTgt>
-                                        </p:tgtEl>
-                                        <p:attrNameLst>
-                                          <p:attrName>ppt_x</p:attrName>
-                                        </p:attrNameLst>
-                                      </p:cBhvr>
-                                      <p:tavLst>
-                                        <p:tav tm="0">
-                                          <p:val>
-                                            <p:strVal val="#ppt_x"/>
-                                          </p:val>
-                                        </p:tav>
-                                        <p:tav tm="100000">
-                                          <p:val>
-                                            <p:strVal val="#ppt_x"/>
-                                          </p:val>
-                                        </p:tav>
-                                      </p:tavLst>
-                                    </p:anim>
-                                    <p:anim calcmode="lin" valueType="num">
-                                      <p:cBhvr additive="base">
-                                        <p:cTn id="8" dur="500" fill="hold"/>
-                                        <p:tgtEl>
-                                          <p:spTgt spid="5">
-                                            <p:txEl>
-                                              <p:pRg st="0" end="0"/>
-                                            </p:txEl>
-                                          </p:spTgt>
-                                        </p:tgtEl>
-                                        <p:attrNameLst>
-                                          <p:attrName>ppt_y</p:attrName>
-                                        </p:attrNameLst>
-                                      </p:cBhvr>
-                                      <p:tavLst>
-                                        <p:tav tm="0">
-                                          <p:val>
-                                            <p:strVal val="1+#ppt_h/2"/>
-                                          </p:val>
-                                        </p:tav>
-                                        <p:tav tm="100000">
-                                          <p:val>
-                                            <p:strVal val="#ppt_y"/>
-                                          </p:val>
-                                        </p:tav>
-                                      </p:tavLst>
-                                    </p:anim>
                                   </p:childTnLst>
                                 </p:cTn>
                               </p:par>
@@ -39161,26 +39485,26 @@
                     </p:cTn>
                   </p:par>
                   <p:par>
-                    <p:cTn id="9" fill="hold">
+                    <p:cTn id="7" fill="hold">
                       <p:stCondLst>
                         <p:cond delay="indefinite"/>
                       </p:stCondLst>
                       <p:childTnLst>
                         <p:par>
-                          <p:cTn id="10" fill="hold">
+                          <p:cTn id="8" fill="hold">
                             <p:stCondLst>
                               <p:cond delay="0"/>
                             </p:stCondLst>
                             <p:childTnLst>
                               <p:par>
-                                <p:cTn id="11" presetID="2" presetClass="entr" presetSubtype="4" fill="hold" nodeType="clickEffect">
+                                <p:cTn id="9" presetID="1" presetClass="entr" presetSubtype="0" fill="hold" nodeType="clickEffect">
                                   <p:stCondLst>
                                     <p:cond delay="0"/>
                                   </p:stCondLst>
                                   <p:childTnLst>
                                     <p:set>
                                       <p:cBhvr>
-                                        <p:cTn id="12" dur="1" fill="hold">
+                                        <p:cTn id="10" dur="1" fill="hold">
                                           <p:stCondLst>
                                             <p:cond delay="0"/>
                                           </p:stCondLst>
@@ -39200,60 +39524,6 @@
                                         <p:strVal val="visible"/>
                                       </p:to>
                                     </p:set>
-                                    <p:anim calcmode="lin" valueType="num">
-                                      <p:cBhvr additive="base">
-                                        <p:cTn id="13" dur="500" fill="hold"/>
-                                        <p:tgtEl>
-                                          <p:spTgt spid="5">
-                                            <p:txEl>
-                                              <p:pRg st="3" end="3"/>
-                                            </p:txEl>
-                                          </p:spTgt>
-                                        </p:tgtEl>
-                                        <p:attrNameLst>
-                                          <p:attrName>ppt_x</p:attrName>
-                                        </p:attrNameLst>
-                                      </p:cBhvr>
-                                      <p:tavLst>
-                                        <p:tav tm="0">
-                                          <p:val>
-                                            <p:strVal val="#ppt_x"/>
-                                          </p:val>
-                                        </p:tav>
-                                        <p:tav tm="100000">
-                                          <p:val>
-                                            <p:strVal val="#ppt_x"/>
-                                          </p:val>
-                                        </p:tav>
-                                      </p:tavLst>
-                                    </p:anim>
-                                    <p:anim calcmode="lin" valueType="num">
-                                      <p:cBhvr additive="base">
-                                        <p:cTn id="14" dur="500" fill="hold"/>
-                                        <p:tgtEl>
-                                          <p:spTgt spid="5">
-                                            <p:txEl>
-                                              <p:pRg st="3" end="3"/>
-                                            </p:txEl>
-                                          </p:spTgt>
-                                        </p:tgtEl>
-                                        <p:attrNameLst>
-                                          <p:attrName>ppt_y</p:attrName>
-                                        </p:attrNameLst>
-                                      </p:cBhvr>
-                                      <p:tavLst>
-                                        <p:tav tm="0">
-                                          <p:val>
-                                            <p:strVal val="1+#ppt_h/2"/>
-                                          </p:val>
-                                        </p:tav>
-                                        <p:tav tm="100000">
-                                          <p:val>
-                                            <p:strVal val="#ppt_y"/>
-                                          </p:val>
-                                        </p:tav>
-                                      </p:tavLst>
-                                    </p:anim>
                                   </p:childTnLst>
                                 </p:cTn>
                               </p:par>
@@ -39264,26 +39534,26 @@
                     </p:cTn>
                   </p:par>
                   <p:par>
-                    <p:cTn id="15" fill="hold">
+                    <p:cTn id="11" fill="hold">
                       <p:stCondLst>
                         <p:cond delay="indefinite"/>
                       </p:stCondLst>
                       <p:childTnLst>
                         <p:par>
-                          <p:cTn id="16" fill="hold">
+                          <p:cTn id="12" fill="hold">
                             <p:stCondLst>
                               <p:cond delay="0"/>
                             </p:stCondLst>
                             <p:childTnLst>
                               <p:par>
-                                <p:cTn id="17" presetID="2" presetClass="entr" presetSubtype="4" fill="hold" nodeType="clickEffect">
+                                <p:cTn id="13" presetID="1" presetClass="entr" presetSubtype="0" fill="hold" nodeType="clickEffect">
                                   <p:stCondLst>
                                     <p:cond delay="0"/>
                                   </p:stCondLst>
                                   <p:childTnLst>
                                     <p:set>
                                       <p:cBhvr>
-                                        <p:cTn id="18" dur="1" fill="hold">
+                                        <p:cTn id="14" dur="1" fill="hold">
                                           <p:stCondLst>
                                             <p:cond delay="0"/>
                                           </p:stCondLst>
@@ -39303,60 +39573,6 @@
                                         <p:strVal val="visible"/>
                                       </p:to>
                                     </p:set>
-                                    <p:anim calcmode="lin" valueType="num">
-                                      <p:cBhvr additive="base">
-                                        <p:cTn id="19" dur="500" fill="hold"/>
-                                        <p:tgtEl>
-                                          <p:spTgt spid="5">
-                                            <p:txEl>
-                                              <p:pRg st="6" end="6"/>
-                                            </p:txEl>
-                                          </p:spTgt>
-                                        </p:tgtEl>
-                                        <p:attrNameLst>
-                                          <p:attrName>ppt_x</p:attrName>
-                                        </p:attrNameLst>
-                                      </p:cBhvr>
-                                      <p:tavLst>
-                                        <p:tav tm="0">
-                                          <p:val>
-                                            <p:strVal val="#ppt_x"/>
-                                          </p:val>
-                                        </p:tav>
-                                        <p:tav tm="100000">
-                                          <p:val>
-                                            <p:strVal val="#ppt_x"/>
-                                          </p:val>
-                                        </p:tav>
-                                      </p:tavLst>
-                                    </p:anim>
-                                    <p:anim calcmode="lin" valueType="num">
-                                      <p:cBhvr additive="base">
-                                        <p:cTn id="20" dur="500" fill="hold"/>
-                                        <p:tgtEl>
-                                          <p:spTgt spid="5">
-                                            <p:txEl>
-                                              <p:pRg st="6" end="6"/>
-                                            </p:txEl>
-                                          </p:spTgt>
-                                        </p:tgtEl>
-                                        <p:attrNameLst>
-                                          <p:attrName>ppt_y</p:attrName>
-                                        </p:attrNameLst>
-                                      </p:cBhvr>
-                                      <p:tavLst>
-                                        <p:tav tm="0">
-                                          <p:val>
-                                            <p:strVal val="1+#ppt_h/2"/>
-                                          </p:val>
-                                        </p:tav>
-                                        <p:tav tm="100000">
-                                          <p:val>
-                                            <p:strVal val="#ppt_y"/>
-                                          </p:val>
-                                        </p:tav>
-                                      </p:tavLst>
-                                    </p:anim>
                                   </p:childTnLst>
                                 </p:cTn>
                               </p:par>
@@ -39504,14 +39720,14 @@
                 <a:gridCol w="4507312">
                   <a:extLst>
                     <a:ext uri="{9D8B030D-6E8A-4147-A177-3AD203B41FA5}">
-                      <a16:colId xmlns:a16="http://schemas.microsoft.com/office/drawing/2014/main" val="20000"/>
+                      <a16:colId xmlns:a16="http://schemas.microsoft.com/office/drawing/2014/main" xmlns="" val="20000"/>
                     </a:ext>
                   </a:extLst>
                 </a:gridCol>
                 <a:gridCol w="4507312">
                   <a:extLst>
                     <a:ext uri="{9D8B030D-6E8A-4147-A177-3AD203B41FA5}">
-                      <a16:colId xmlns:a16="http://schemas.microsoft.com/office/drawing/2014/main" val="20001"/>
+                      <a16:colId xmlns:a16="http://schemas.microsoft.com/office/drawing/2014/main" xmlns="" val="20001"/>
                     </a:ext>
                   </a:extLst>
                 </a:gridCol>
@@ -39557,7 +39773,7 @@
                 </a:tc>
                 <a:extLst>
                   <a:ext uri="{0D108BD9-81ED-4DB2-BD59-A6C34878D82A}">
-                    <a16:rowId xmlns:a16="http://schemas.microsoft.com/office/drawing/2014/main" val="10000"/>
+                    <a16:rowId xmlns:a16="http://schemas.microsoft.com/office/drawing/2014/main" xmlns="" val="10000"/>
                   </a:ext>
                 </a:extLst>
               </a:tr>
@@ -39631,7 +39847,7 @@
                 </a:tc>
                 <a:extLst>
                   <a:ext uri="{0D108BD9-81ED-4DB2-BD59-A6C34878D82A}">
-                    <a16:rowId xmlns:a16="http://schemas.microsoft.com/office/drawing/2014/main" val="10001"/>
+                    <a16:rowId xmlns:a16="http://schemas.microsoft.com/office/drawing/2014/main" xmlns="" val="10001"/>
                   </a:ext>
                 </a:extLst>
               </a:tr>
@@ -39693,7 +39909,7 @@
                 </a:tc>
                 <a:extLst>
                   <a:ext uri="{0D108BD9-81ED-4DB2-BD59-A6C34878D82A}">
-                    <a16:rowId xmlns:a16="http://schemas.microsoft.com/office/drawing/2014/main" val="10002"/>
+                    <a16:rowId xmlns:a16="http://schemas.microsoft.com/office/drawing/2014/main" xmlns="" val="10002"/>
                   </a:ext>
                 </a:extLst>
               </a:tr>
@@ -39828,14 +40044,14 @@
                 <a:gridCol w="4507312">
                   <a:extLst>
                     <a:ext uri="{9D8B030D-6E8A-4147-A177-3AD203B41FA5}">
-                      <a16:colId xmlns:a16="http://schemas.microsoft.com/office/drawing/2014/main" val="20000"/>
+                      <a16:colId xmlns:a16="http://schemas.microsoft.com/office/drawing/2014/main" xmlns="" val="20000"/>
                     </a:ext>
                   </a:extLst>
                 </a:gridCol>
                 <a:gridCol w="4507312">
                   <a:extLst>
                     <a:ext uri="{9D8B030D-6E8A-4147-A177-3AD203B41FA5}">
-                      <a16:colId xmlns:a16="http://schemas.microsoft.com/office/drawing/2014/main" val="20001"/>
+                      <a16:colId xmlns:a16="http://schemas.microsoft.com/office/drawing/2014/main" xmlns="" val="20001"/>
                     </a:ext>
                   </a:extLst>
                 </a:gridCol>
@@ -39881,7 +40097,7 @@
                 </a:tc>
                 <a:extLst>
                   <a:ext uri="{0D108BD9-81ED-4DB2-BD59-A6C34878D82A}">
-                    <a16:rowId xmlns:a16="http://schemas.microsoft.com/office/drawing/2014/main" val="10000"/>
+                    <a16:rowId xmlns:a16="http://schemas.microsoft.com/office/drawing/2014/main" xmlns="" val="10000"/>
                   </a:ext>
                 </a:extLst>
               </a:tr>
@@ -39955,7 +40171,7 @@
                 </a:tc>
                 <a:extLst>
                   <a:ext uri="{0D108BD9-81ED-4DB2-BD59-A6C34878D82A}">
-                    <a16:rowId xmlns:a16="http://schemas.microsoft.com/office/drawing/2014/main" val="10001"/>
+                    <a16:rowId xmlns:a16="http://schemas.microsoft.com/office/drawing/2014/main" xmlns="" val="10001"/>
                   </a:ext>
                 </a:extLst>
               </a:tr>
@@ -40017,7 +40233,7 @@
                 </a:tc>
                 <a:extLst>
                   <a:ext uri="{0D108BD9-81ED-4DB2-BD59-A6C34878D82A}">
-                    <a16:rowId xmlns:a16="http://schemas.microsoft.com/office/drawing/2014/main" val="10002"/>
+                    <a16:rowId xmlns:a16="http://schemas.microsoft.com/office/drawing/2014/main" xmlns="" val="10002"/>
                   </a:ext>
                 </a:extLst>
               </a:tr>
@@ -40079,7 +40295,7 @@
                 </a:tc>
                 <a:extLst>
                   <a:ext uri="{0D108BD9-81ED-4DB2-BD59-A6C34878D82A}">
-                    <a16:rowId xmlns:a16="http://schemas.microsoft.com/office/drawing/2014/main" val="10003"/>
+                    <a16:rowId xmlns:a16="http://schemas.microsoft.com/office/drawing/2014/main" xmlns="" val="10003"/>
                   </a:ext>
                 </a:extLst>
               </a:tr>
@@ -40214,14 +40430,14 @@
                 <a:gridCol w="4507312">
                   <a:extLst>
                     <a:ext uri="{9D8B030D-6E8A-4147-A177-3AD203B41FA5}">
-                      <a16:colId xmlns:a16="http://schemas.microsoft.com/office/drawing/2014/main" val="20000"/>
+                      <a16:colId xmlns:a16="http://schemas.microsoft.com/office/drawing/2014/main" xmlns="" val="20000"/>
                     </a:ext>
                   </a:extLst>
                 </a:gridCol>
                 <a:gridCol w="4507312">
                   <a:extLst>
                     <a:ext uri="{9D8B030D-6E8A-4147-A177-3AD203B41FA5}">
-                      <a16:colId xmlns:a16="http://schemas.microsoft.com/office/drawing/2014/main" val="20001"/>
+                      <a16:colId xmlns:a16="http://schemas.microsoft.com/office/drawing/2014/main" xmlns="" val="20001"/>
                     </a:ext>
                   </a:extLst>
                 </a:gridCol>
@@ -40267,7 +40483,7 @@
                 </a:tc>
                 <a:extLst>
                   <a:ext uri="{0D108BD9-81ED-4DB2-BD59-A6C34878D82A}">
-                    <a16:rowId xmlns:a16="http://schemas.microsoft.com/office/drawing/2014/main" val="10000"/>
+                    <a16:rowId xmlns:a16="http://schemas.microsoft.com/office/drawing/2014/main" xmlns="" val="10000"/>
                   </a:ext>
                 </a:extLst>
               </a:tr>
@@ -40341,7 +40557,7 @@
                 </a:tc>
                 <a:extLst>
                   <a:ext uri="{0D108BD9-81ED-4DB2-BD59-A6C34878D82A}">
-                    <a16:rowId xmlns:a16="http://schemas.microsoft.com/office/drawing/2014/main" val="10001"/>
+                    <a16:rowId xmlns:a16="http://schemas.microsoft.com/office/drawing/2014/main" xmlns="" val="10001"/>
                   </a:ext>
                 </a:extLst>
               </a:tr>
@@ -40403,7 +40619,7 @@
                 </a:tc>
                 <a:extLst>
                   <a:ext uri="{0D108BD9-81ED-4DB2-BD59-A6C34878D82A}">
-                    <a16:rowId xmlns:a16="http://schemas.microsoft.com/office/drawing/2014/main" val="10002"/>
+                    <a16:rowId xmlns:a16="http://schemas.microsoft.com/office/drawing/2014/main" xmlns="" val="10002"/>
                   </a:ext>
                 </a:extLst>
               </a:tr>
@@ -40465,7 +40681,7 @@
                 </a:tc>
                 <a:extLst>
                   <a:ext uri="{0D108BD9-81ED-4DB2-BD59-A6C34878D82A}">
-                    <a16:rowId xmlns:a16="http://schemas.microsoft.com/office/drawing/2014/main" val="10003"/>
+                    <a16:rowId xmlns:a16="http://schemas.microsoft.com/office/drawing/2014/main" xmlns="" val="10003"/>
                   </a:ext>
                 </a:extLst>
               </a:tr>
@@ -40527,7 +40743,7 @@
                 </a:tc>
                 <a:extLst>
                   <a:ext uri="{0D108BD9-81ED-4DB2-BD59-A6C34878D82A}">
-                    <a16:rowId xmlns:a16="http://schemas.microsoft.com/office/drawing/2014/main" val="10004"/>
+                    <a16:rowId xmlns:a16="http://schemas.microsoft.com/office/drawing/2014/main" xmlns="" val="10004"/>
                   </a:ext>
                 </a:extLst>
               </a:tr>
@@ -40662,14 +40878,14 @@
                 <a:gridCol w="4507312">
                   <a:extLst>
                     <a:ext uri="{9D8B030D-6E8A-4147-A177-3AD203B41FA5}">
-                      <a16:colId xmlns:a16="http://schemas.microsoft.com/office/drawing/2014/main" val="20000"/>
+                      <a16:colId xmlns:a16="http://schemas.microsoft.com/office/drawing/2014/main" xmlns="" val="20000"/>
                     </a:ext>
                   </a:extLst>
                 </a:gridCol>
                 <a:gridCol w="4507312">
                   <a:extLst>
                     <a:ext uri="{9D8B030D-6E8A-4147-A177-3AD203B41FA5}">
-                      <a16:colId xmlns:a16="http://schemas.microsoft.com/office/drawing/2014/main" val="20001"/>
+                      <a16:colId xmlns:a16="http://schemas.microsoft.com/office/drawing/2014/main" xmlns="" val="20001"/>
                     </a:ext>
                   </a:extLst>
                 </a:gridCol>
@@ -40715,7 +40931,7 @@
                 </a:tc>
                 <a:extLst>
                   <a:ext uri="{0D108BD9-81ED-4DB2-BD59-A6C34878D82A}">
-                    <a16:rowId xmlns:a16="http://schemas.microsoft.com/office/drawing/2014/main" val="10000"/>
+                    <a16:rowId xmlns:a16="http://schemas.microsoft.com/office/drawing/2014/main" xmlns="" val="10000"/>
                   </a:ext>
                 </a:extLst>
               </a:tr>
@@ -40789,7 +41005,7 @@
                 </a:tc>
                 <a:extLst>
                   <a:ext uri="{0D108BD9-81ED-4DB2-BD59-A6C34878D82A}">
-                    <a16:rowId xmlns:a16="http://schemas.microsoft.com/office/drawing/2014/main" val="10001"/>
+                    <a16:rowId xmlns:a16="http://schemas.microsoft.com/office/drawing/2014/main" xmlns="" val="10001"/>
                   </a:ext>
                 </a:extLst>
               </a:tr>
@@ -40851,7 +41067,7 @@
                 </a:tc>
                 <a:extLst>
                   <a:ext uri="{0D108BD9-81ED-4DB2-BD59-A6C34878D82A}">
-                    <a16:rowId xmlns:a16="http://schemas.microsoft.com/office/drawing/2014/main" val="10002"/>
+                    <a16:rowId xmlns:a16="http://schemas.microsoft.com/office/drawing/2014/main" xmlns="" val="10002"/>
                   </a:ext>
                 </a:extLst>
               </a:tr>
@@ -40913,7 +41129,7 @@
                 </a:tc>
                 <a:extLst>
                   <a:ext uri="{0D108BD9-81ED-4DB2-BD59-A6C34878D82A}">
-                    <a16:rowId xmlns:a16="http://schemas.microsoft.com/office/drawing/2014/main" val="10003"/>
+                    <a16:rowId xmlns:a16="http://schemas.microsoft.com/office/drawing/2014/main" xmlns="" val="10003"/>
                   </a:ext>
                 </a:extLst>
               </a:tr>
@@ -40975,7 +41191,7 @@
                 </a:tc>
                 <a:extLst>
                   <a:ext uri="{0D108BD9-81ED-4DB2-BD59-A6C34878D82A}">
-                    <a16:rowId xmlns:a16="http://schemas.microsoft.com/office/drawing/2014/main" val="10004"/>
+                    <a16:rowId xmlns:a16="http://schemas.microsoft.com/office/drawing/2014/main" xmlns="" val="10004"/>
                   </a:ext>
                 </a:extLst>
               </a:tr>
@@ -41100,7 +41316,7 @@
                 </a:tc>
                 <a:extLst>
                   <a:ext uri="{0D108BD9-81ED-4DB2-BD59-A6C34878D82A}">
-                    <a16:rowId xmlns:a16="http://schemas.microsoft.com/office/drawing/2014/main" val="10005"/>
+                    <a16:rowId xmlns:a16="http://schemas.microsoft.com/office/drawing/2014/main" xmlns="" val="10005"/>
                   </a:ext>
                 </a:extLst>
               </a:tr>
@@ -41235,14 +41451,14 @@
                 <a:gridCol w="4507312">
                   <a:extLst>
                     <a:ext uri="{9D8B030D-6E8A-4147-A177-3AD203B41FA5}">
-                      <a16:colId xmlns:a16="http://schemas.microsoft.com/office/drawing/2014/main" val="20000"/>
+                      <a16:colId xmlns:a16="http://schemas.microsoft.com/office/drawing/2014/main" xmlns="" val="20000"/>
                     </a:ext>
                   </a:extLst>
                 </a:gridCol>
                 <a:gridCol w="4507312">
                   <a:extLst>
                     <a:ext uri="{9D8B030D-6E8A-4147-A177-3AD203B41FA5}">
-                      <a16:colId xmlns:a16="http://schemas.microsoft.com/office/drawing/2014/main" val="20001"/>
+                      <a16:colId xmlns:a16="http://schemas.microsoft.com/office/drawing/2014/main" xmlns="" val="20001"/>
                     </a:ext>
                   </a:extLst>
                 </a:gridCol>
@@ -41288,7 +41504,7 @@
                 </a:tc>
                 <a:extLst>
                   <a:ext uri="{0D108BD9-81ED-4DB2-BD59-A6C34878D82A}">
-                    <a16:rowId xmlns:a16="http://schemas.microsoft.com/office/drawing/2014/main" val="10000"/>
+                    <a16:rowId xmlns:a16="http://schemas.microsoft.com/office/drawing/2014/main" xmlns="" val="10000"/>
                   </a:ext>
                 </a:extLst>
               </a:tr>
@@ -41362,7 +41578,7 @@
                 </a:tc>
                 <a:extLst>
                   <a:ext uri="{0D108BD9-81ED-4DB2-BD59-A6C34878D82A}">
-                    <a16:rowId xmlns:a16="http://schemas.microsoft.com/office/drawing/2014/main" val="10001"/>
+                    <a16:rowId xmlns:a16="http://schemas.microsoft.com/office/drawing/2014/main" xmlns="" val="10001"/>
                   </a:ext>
                 </a:extLst>
               </a:tr>
@@ -41424,7 +41640,7 @@
                 </a:tc>
                 <a:extLst>
                   <a:ext uri="{0D108BD9-81ED-4DB2-BD59-A6C34878D82A}">
-                    <a16:rowId xmlns:a16="http://schemas.microsoft.com/office/drawing/2014/main" val="10002"/>
+                    <a16:rowId xmlns:a16="http://schemas.microsoft.com/office/drawing/2014/main" xmlns="" val="10002"/>
                   </a:ext>
                 </a:extLst>
               </a:tr>
@@ -41486,7 +41702,7 @@
                 </a:tc>
                 <a:extLst>
                   <a:ext uri="{0D108BD9-81ED-4DB2-BD59-A6C34878D82A}">
-                    <a16:rowId xmlns:a16="http://schemas.microsoft.com/office/drawing/2014/main" val="10003"/>
+                    <a16:rowId xmlns:a16="http://schemas.microsoft.com/office/drawing/2014/main" xmlns="" val="10003"/>
                   </a:ext>
                 </a:extLst>
               </a:tr>
@@ -41548,7 +41764,7 @@
                 </a:tc>
                 <a:extLst>
                   <a:ext uri="{0D108BD9-81ED-4DB2-BD59-A6C34878D82A}">
-                    <a16:rowId xmlns:a16="http://schemas.microsoft.com/office/drawing/2014/main" val="10004"/>
+                    <a16:rowId xmlns:a16="http://schemas.microsoft.com/office/drawing/2014/main" xmlns="" val="10004"/>
                   </a:ext>
                 </a:extLst>
               </a:tr>
@@ -41673,7 +41889,7 @@
                 </a:tc>
                 <a:extLst>
                   <a:ext uri="{0D108BD9-81ED-4DB2-BD59-A6C34878D82A}">
-                    <a16:rowId xmlns:a16="http://schemas.microsoft.com/office/drawing/2014/main" val="10005"/>
+                    <a16:rowId xmlns:a16="http://schemas.microsoft.com/office/drawing/2014/main" xmlns="" val="10005"/>
                   </a:ext>
                 </a:extLst>
               </a:tr>
@@ -41753,7 +41969,7 @@
                 </a:tc>
                 <a:extLst>
                   <a:ext uri="{0D108BD9-81ED-4DB2-BD59-A6C34878D82A}">
-                    <a16:rowId xmlns:a16="http://schemas.microsoft.com/office/drawing/2014/main" val="10006"/>
+                    <a16:rowId xmlns:a16="http://schemas.microsoft.com/office/drawing/2014/main" xmlns="" val="10006"/>
                   </a:ext>
                 </a:extLst>
               </a:tr>
@@ -42107,14 +42323,14 @@
                 <a:gridCol w="4507312">
                   <a:extLst>
                     <a:ext uri="{9D8B030D-6E8A-4147-A177-3AD203B41FA5}">
-                      <a16:colId xmlns:a16="http://schemas.microsoft.com/office/drawing/2014/main" val="20000"/>
+                      <a16:colId xmlns:a16="http://schemas.microsoft.com/office/drawing/2014/main" xmlns="" val="20000"/>
                     </a:ext>
                   </a:extLst>
                 </a:gridCol>
                 <a:gridCol w="4507312">
                   <a:extLst>
                     <a:ext uri="{9D8B030D-6E8A-4147-A177-3AD203B41FA5}">
-                      <a16:colId xmlns:a16="http://schemas.microsoft.com/office/drawing/2014/main" val="20001"/>
+                      <a16:colId xmlns:a16="http://schemas.microsoft.com/office/drawing/2014/main" xmlns="" val="20001"/>
                     </a:ext>
                   </a:extLst>
                 </a:gridCol>
@@ -42160,7 +42376,7 @@
                 </a:tc>
                 <a:extLst>
                   <a:ext uri="{0D108BD9-81ED-4DB2-BD59-A6C34878D82A}">
-                    <a16:rowId xmlns:a16="http://schemas.microsoft.com/office/drawing/2014/main" val="10000"/>
+                    <a16:rowId xmlns:a16="http://schemas.microsoft.com/office/drawing/2014/main" xmlns="" val="10000"/>
                   </a:ext>
                 </a:extLst>
               </a:tr>
@@ -42234,7 +42450,7 @@
                 </a:tc>
                 <a:extLst>
                   <a:ext uri="{0D108BD9-81ED-4DB2-BD59-A6C34878D82A}">
-                    <a16:rowId xmlns:a16="http://schemas.microsoft.com/office/drawing/2014/main" val="10001"/>
+                    <a16:rowId xmlns:a16="http://schemas.microsoft.com/office/drawing/2014/main" xmlns="" val="10001"/>
                   </a:ext>
                 </a:extLst>
               </a:tr>
@@ -42296,7 +42512,7 @@
                 </a:tc>
                 <a:extLst>
                   <a:ext uri="{0D108BD9-81ED-4DB2-BD59-A6C34878D82A}">
-                    <a16:rowId xmlns:a16="http://schemas.microsoft.com/office/drawing/2014/main" val="10002"/>
+                    <a16:rowId xmlns:a16="http://schemas.microsoft.com/office/drawing/2014/main" xmlns="" val="10002"/>
                   </a:ext>
                 </a:extLst>
               </a:tr>
@@ -42358,7 +42574,7 @@
                 </a:tc>
                 <a:extLst>
                   <a:ext uri="{0D108BD9-81ED-4DB2-BD59-A6C34878D82A}">
-                    <a16:rowId xmlns:a16="http://schemas.microsoft.com/office/drawing/2014/main" val="10003"/>
+                    <a16:rowId xmlns:a16="http://schemas.microsoft.com/office/drawing/2014/main" xmlns="" val="10003"/>
                   </a:ext>
                 </a:extLst>
               </a:tr>
@@ -42420,7 +42636,7 @@
                 </a:tc>
                 <a:extLst>
                   <a:ext uri="{0D108BD9-81ED-4DB2-BD59-A6C34878D82A}">
-                    <a16:rowId xmlns:a16="http://schemas.microsoft.com/office/drawing/2014/main" val="10004"/>
+                    <a16:rowId xmlns:a16="http://schemas.microsoft.com/office/drawing/2014/main" xmlns="" val="10004"/>
                   </a:ext>
                 </a:extLst>
               </a:tr>
@@ -42545,7 +42761,7 @@
                 </a:tc>
                 <a:extLst>
                   <a:ext uri="{0D108BD9-81ED-4DB2-BD59-A6C34878D82A}">
-                    <a16:rowId xmlns:a16="http://schemas.microsoft.com/office/drawing/2014/main" val="10005"/>
+                    <a16:rowId xmlns:a16="http://schemas.microsoft.com/office/drawing/2014/main" xmlns="" val="10005"/>
                   </a:ext>
                 </a:extLst>
               </a:tr>
@@ -42625,7 +42841,7 @@
                 </a:tc>
                 <a:extLst>
                   <a:ext uri="{0D108BD9-81ED-4DB2-BD59-A6C34878D82A}">
-                    <a16:rowId xmlns:a16="http://schemas.microsoft.com/office/drawing/2014/main" val="10006"/>
+                    <a16:rowId xmlns:a16="http://schemas.microsoft.com/office/drawing/2014/main" xmlns="" val="10006"/>
                   </a:ext>
                 </a:extLst>
               </a:tr>
@@ -42691,7 +42907,7 @@
                 </a:tc>
                 <a:extLst>
                   <a:ext uri="{0D108BD9-81ED-4DB2-BD59-A6C34878D82A}">
-                    <a16:rowId xmlns:a16="http://schemas.microsoft.com/office/drawing/2014/main" val="10007"/>
+                    <a16:rowId xmlns:a16="http://schemas.microsoft.com/office/drawing/2014/main" xmlns="" val="10007"/>
                   </a:ext>
                 </a:extLst>
               </a:tr>
@@ -42826,14 +43042,14 @@
                 <a:gridCol w="4507312">
                   <a:extLst>
                     <a:ext uri="{9D8B030D-6E8A-4147-A177-3AD203B41FA5}">
-                      <a16:colId xmlns:a16="http://schemas.microsoft.com/office/drawing/2014/main" val="20000"/>
+                      <a16:colId xmlns:a16="http://schemas.microsoft.com/office/drawing/2014/main" xmlns="" val="20000"/>
                     </a:ext>
                   </a:extLst>
                 </a:gridCol>
                 <a:gridCol w="4507312">
                   <a:extLst>
                     <a:ext uri="{9D8B030D-6E8A-4147-A177-3AD203B41FA5}">
-                      <a16:colId xmlns:a16="http://schemas.microsoft.com/office/drawing/2014/main" val="20001"/>
+                      <a16:colId xmlns:a16="http://schemas.microsoft.com/office/drawing/2014/main" xmlns="" val="20001"/>
                     </a:ext>
                   </a:extLst>
                 </a:gridCol>
@@ -42879,7 +43095,7 @@
                 </a:tc>
                 <a:extLst>
                   <a:ext uri="{0D108BD9-81ED-4DB2-BD59-A6C34878D82A}">
-                    <a16:rowId xmlns:a16="http://schemas.microsoft.com/office/drawing/2014/main" val="10000"/>
+                    <a16:rowId xmlns:a16="http://schemas.microsoft.com/office/drawing/2014/main" xmlns="" val="10000"/>
                   </a:ext>
                 </a:extLst>
               </a:tr>
@@ -42953,7 +43169,7 @@
                 </a:tc>
                 <a:extLst>
                   <a:ext uri="{0D108BD9-81ED-4DB2-BD59-A6C34878D82A}">
-                    <a16:rowId xmlns:a16="http://schemas.microsoft.com/office/drawing/2014/main" val="10001"/>
+                    <a16:rowId xmlns:a16="http://schemas.microsoft.com/office/drawing/2014/main" xmlns="" val="10001"/>
                   </a:ext>
                 </a:extLst>
               </a:tr>
@@ -43015,7 +43231,7 @@
                 </a:tc>
                 <a:extLst>
                   <a:ext uri="{0D108BD9-81ED-4DB2-BD59-A6C34878D82A}">
-                    <a16:rowId xmlns:a16="http://schemas.microsoft.com/office/drawing/2014/main" val="10002"/>
+                    <a16:rowId xmlns:a16="http://schemas.microsoft.com/office/drawing/2014/main" xmlns="" val="10002"/>
                   </a:ext>
                 </a:extLst>
               </a:tr>
@@ -43077,7 +43293,7 @@
                 </a:tc>
                 <a:extLst>
                   <a:ext uri="{0D108BD9-81ED-4DB2-BD59-A6C34878D82A}">
-                    <a16:rowId xmlns:a16="http://schemas.microsoft.com/office/drawing/2014/main" val="10003"/>
+                    <a16:rowId xmlns:a16="http://schemas.microsoft.com/office/drawing/2014/main" xmlns="" val="10003"/>
                   </a:ext>
                 </a:extLst>
               </a:tr>
@@ -43139,7 +43355,7 @@
                 </a:tc>
                 <a:extLst>
                   <a:ext uri="{0D108BD9-81ED-4DB2-BD59-A6C34878D82A}">
-                    <a16:rowId xmlns:a16="http://schemas.microsoft.com/office/drawing/2014/main" val="10004"/>
+                    <a16:rowId xmlns:a16="http://schemas.microsoft.com/office/drawing/2014/main" xmlns="" val="10004"/>
                   </a:ext>
                 </a:extLst>
               </a:tr>
@@ -43264,7 +43480,7 @@
                 </a:tc>
                 <a:extLst>
                   <a:ext uri="{0D108BD9-81ED-4DB2-BD59-A6C34878D82A}">
-                    <a16:rowId xmlns:a16="http://schemas.microsoft.com/office/drawing/2014/main" val="10005"/>
+                    <a16:rowId xmlns:a16="http://schemas.microsoft.com/office/drawing/2014/main" xmlns="" val="10005"/>
                   </a:ext>
                 </a:extLst>
               </a:tr>
@@ -43344,7 +43560,7 @@
                 </a:tc>
                 <a:extLst>
                   <a:ext uri="{0D108BD9-81ED-4DB2-BD59-A6C34878D82A}">
-                    <a16:rowId xmlns:a16="http://schemas.microsoft.com/office/drawing/2014/main" val="10006"/>
+                    <a16:rowId xmlns:a16="http://schemas.microsoft.com/office/drawing/2014/main" xmlns="" val="10006"/>
                   </a:ext>
                 </a:extLst>
               </a:tr>
@@ -43406,7 +43622,7 @@
                 </a:tc>
                 <a:extLst>
                   <a:ext uri="{0D108BD9-81ED-4DB2-BD59-A6C34878D82A}">
-                    <a16:rowId xmlns:a16="http://schemas.microsoft.com/office/drawing/2014/main" val="10007"/>
+                    <a16:rowId xmlns:a16="http://schemas.microsoft.com/office/drawing/2014/main" xmlns="" val="10007"/>
                   </a:ext>
                 </a:extLst>
               </a:tr>
@@ -43451,7 +43667,7 @@
                 </a:tc>
                 <a:extLst>
                   <a:ext uri="{0D108BD9-81ED-4DB2-BD59-A6C34878D82A}">
-                    <a16:rowId xmlns:a16="http://schemas.microsoft.com/office/drawing/2014/main" val="10008"/>
+                    <a16:rowId xmlns:a16="http://schemas.microsoft.com/office/drawing/2014/main" xmlns="" val="10008"/>
                   </a:ext>
                 </a:extLst>
               </a:tr>
@@ -47809,6 +48025,36 @@
           </a:p>
         </p:txBody>
       </p:sp>
+      <p:pic>
+        <p:nvPicPr>
+          <p:cNvPr id="2" name="Grafik 1"/>
+          <p:cNvPicPr>
+            <a:picLocks noChangeAspect="1"/>
+          </p:cNvPicPr>
+          <p:nvPr/>
+        </p:nvPicPr>
+        <p:blipFill>
+          <a:blip r:embed="rId3">
+            <a:extLst>
+              <a:ext uri="{28A0092B-C50C-407E-A947-70E740481C1C}">
+                <a14:useLocalDpi xmlns:a14="http://schemas.microsoft.com/office/drawing/2010/main" val="0"/>
+              </a:ext>
+            </a:extLst>
+          </a:blip>
+          <a:stretch>
+            <a:fillRect/>
+          </a:stretch>
+        </p:blipFill>
+        <p:spPr>
+          <a:xfrm>
+            <a:off x="4456549" y="4156245"/>
+            <a:ext cx="4659549" cy="2040127"/>
+          </a:xfrm>
+          <a:prstGeom prst="rect">
+            <a:avLst/>
+          </a:prstGeom>
+        </p:spPr>
+      </p:pic>
     </p:spTree>
     <p:extLst>
       <p:ext uri="{BB962C8B-B14F-4D97-AF65-F5344CB8AC3E}">
@@ -47841,7 +48087,7 @@
                             </p:stCondLst>
                             <p:childTnLst>
                               <p:par>
-                                <p:cTn id="5" presetID="26" presetClass="entr" presetSubtype="0" fill="hold" nodeType="clickEffect">
+                                <p:cTn id="5" presetID="1" presetClass="entr" presetSubtype="0" fill="hold" nodeType="clickEffect">
                                   <p:stCondLst>
                                     <p:cond delay="0"/>
                                   </p:stCondLst>
@@ -47868,313 +48114,6 @@
                                         <p:strVal val="visible"/>
                                       </p:to>
                                     </p:set>
-                                    <p:animEffect transition="in" filter="wipe(down)">
-                                      <p:cBhvr>
-                                        <p:cTn id="7" dur="580">
-                                          <p:stCondLst>
-                                            <p:cond delay="0"/>
-                                          </p:stCondLst>
-                                        </p:cTn>
-                                        <p:tgtEl>
-                                          <p:spTgt spid="5">
-                                            <p:txEl>
-                                              <p:pRg st="1" end="1"/>
-                                            </p:txEl>
-                                          </p:spTgt>
-                                        </p:tgtEl>
-                                      </p:cBhvr>
-                                    </p:animEffect>
-                                    <p:anim calcmode="lin" valueType="num">
-                                      <p:cBhvr>
-                                        <p:cTn id="8" dur="1822" tmFilter="0,0; 0.14,0.36; 0.43,0.73; 0.71,0.91; 1.0,1.0">
-                                          <p:stCondLst>
-                                            <p:cond delay="0"/>
-                                          </p:stCondLst>
-                                        </p:cTn>
-                                        <p:tgtEl>
-                                          <p:spTgt spid="5">
-                                            <p:txEl>
-                                              <p:pRg st="1" end="1"/>
-                                            </p:txEl>
-                                          </p:spTgt>
-                                        </p:tgtEl>
-                                        <p:attrNameLst>
-                                          <p:attrName>ppt_x</p:attrName>
-                                        </p:attrNameLst>
-                                      </p:cBhvr>
-                                      <p:tavLst>
-                                        <p:tav tm="0">
-                                          <p:val>
-                                            <p:strVal val="#ppt_x-0.25"/>
-                                          </p:val>
-                                        </p:tav>
-                                        <p:tav tm="100000">
-                                          <p:val>
-                                            <p:strVal val="#ppt_x"/>
-                                          </p:val>
-                                        </p:tav>
-                                      </p:tavLst>
-                                    </p:anim>
-                                    <p:anim calcmode="lin" valueType="num">
-                                      <p:cBhvr>
-                                        <p:cTn id="9" dur="664" tmFilter="0.0,0.0; 0.25,0.07; 0.50,0.2; 0.75,0.467; 1.0,1.0">
-                                          <p:stCondLst>
-                                            <p:cond delay="0"/>
-                                          </p:stCondLst>
-                                        </p:cTn>
-                                        <p:tgtEl>
-                                          <p:spTgt spid="5">
-                                            <p:txEl>
-                                              <p:pRg st="1" end="1"/>
-                                            </p:txEl>
-                                          </p:spTgt>
-                                        </p:tgtEl>
-                                        <p:attrNameLst>
-                                          <p:attrName>ppt_y</p:attrName>
-                                        </p:attrNameLst>
-                                      </p:cBhvr>
-                                      <p:tavLst>
-                                        <p:tav tm="0" fmla="#ppt_y-sin(pi*$)/3">
-                                          <p:val>
-                                            <p:fltVal val="0.5"/>
-                                          </p:val>
-                                        </p:tav>
-                                        <p:tav tm="100000">
-                                          <p:val>
-                                            <p:fltVal val="1"/>
-                                          </p:val>
-                                        </p:tav>
-                                      </p:tavLst>
-                                    </p:anim>
-                                    <p:anim calcmode="lin" valueType="num">
-                                      <p:cBhvr>
-                                        <p:cTn id="10" dur="664" tmFilter="0, 0; 0.125,0.2665; 0.25,0.4; 0.375,0.465; 0.5,0.5;  0.625,0.535; 0.75,0.6; 0.875,0.7335; 1,1">
-                                          <p:stCondLst>
-                                            <p:cond delay="664"/>
-                                          </p:stCondLst>
-                                        </p:cTn>
-                                        <p:tgtEl>
-                                          <p:spTgt spid="5">
-                                            <p:txEl>
-                                              <p:pRg st="1" end="1"/>
-                                            </p:txEl>
-                                          </p:spTgt>
-                                        </p:tgtEl>
-                                        <p:attrNameLst>
-                                          <p:attrName>ppt_y</p:attrName>
-                                        </p:attrNameLst>
-                                      </p:cBhvr>
-                                      <p:tavLst>
-                                        <p:tav tm="0" fmla="#ppt_y-sin(pi*$)/9">
-                                          <p:val>
-                                            <p:fltVal val="0"/>
-                                          </p:val>
-                                        </p:tav>
-                                        <p:tav tm="100000">
-                                          <p:val>
-                                            <p:fltVal val="1"/>
-                                          </p:val>
-                                        </p:tav>
-                                      </p:tavLst>
-                                    </p:anim>
-                                    <p:anim calcmode="lin" valueType="num">
-                                      <p:cBhvr>
-                                        <p:cTn id="11" dur="332" tmFilter="0, 0; 0.125,0.2665; 0.25,0.4; 0.375,0.465; 0.5,0.5;  0.625,0.535; 0.75,0.6; 0.875,0.7335; 1,1">
-                                          <p:stCondLst>
-                                            <p:cond delay="1324"/>
-                                          </p:stCondLst>
-                                        </p:cTn>
-                                        <p:tgtEl>
-                                          <p:spTgt spid="5">
-                                            <p:txEl>
-                                              <p:pRg st="1" end="1"/>
-                                            </p:txEl>
-                                          </p:spTgt>
-                                        </p:tgtEl>
-                                        <p:attrNameLst>
-                                          <p:attrName>ppt_y</p:attrName>
-                                        </p:attrNameLst>
-                                      </p:cBhvr>
-                                      <p:tavLst>
-                                        <p:tav tm="0" fmla="#ppt_y-sin(pi*$)/27">
-                                          <p:val>
-                                            <p:fltVal val="0"/>
-                                          </p:val>
-                                        </p:tav>
-                                        <p:tav tm="100000">
-                                          <p:val>
-                                            <p:fltVal val="1"/>
-                                          </p:val>
-                                        </p:tav>
-                                      </p:tavLst>
-                                    </p:anim>
-                                    <p:anim calcmode="lin" valueType="num">
-                                      <p:cBhvr>
-                                        <p:cTn id="12" dur="164" tmFilter="0, 0; 0.125,0.2665; 0.25,0.4; 0.375,0.465; 0.5,0.5;  0.625,0.535; 0.75,0.6; 0.875,0.7335; 1,1">
-                                          <p:stCondLst>
-                                            <p:cond delay="1656"/>
-                                          </p:stCondLst>
-                                        </p:cTn>
-                                        <p:tgtEl>
-                                          <p:spTgt spid="5">
-                                            <p:txEl>
-                                              <p:pRg st="1" end="1"/>
-                                            </p:txEl>
-                                          </p:spTgt>
-                                        </p:tgtEl>
-                                        <p:attrNameLst>
-                                          <p:attrName>ppt_y</p:attrName>
-                                        </p:attrNameLst>
-                                      </p:cBhvr>
-                                      <p:tavLst>
-                                        <p:tav tm="0" fmla="#ppt_y-sin(pi*$)/81">
-                                          <p:val>
-                                            <p:fltVal val="0"/>
-                                          </p:val>
-                                        </p:tav>
-                                        <p:tav tm="100000">
-                                          <p:val>
-                                            <p:fltVal val="1"/>
-                                          </p:val>
-                                        </p:tav>
-                                      </p:tavLst>
-                                    </p:anim>
-                                    <p:animScale>
-                                      <p:cBhvr>
-                                        <p:cTn id="13" dur="26">
-                                          <p:stCondLst>
-                                            <p:cond delay="650"/>
-                                          </p:stCondLst>
-                                        </p:cTn>
-                                        <p:tgtEl>
-                                          <p:spTgt spid="5">
-                                            <p:txEl>
-                                              <p:pRg st="1" end="1"/>
-                                            </p:txEl>
-                                          </p:spTgt>
-                                        </p:tgtEl>
-                                      </p:cBhvr>
-                                      <p:to x="100000" y="60000"/>
-                                    </p:animScale>
-                                    <p:animScale>
-                                      <p:cBhvr>
-                                        <p:cTn id="14" dur="166" decel="50000">
-                                          <p:stCondLst>
-                                            <p:cond delay="676"/>
-                                          </p:stCondLst>
-                                        </p:cTn>
-                                        <p:tgtEl>
-                                          <p:spTgt spid="5">
-                                            <p:txEl>
-                                              <p:pRg st="1" end="1"/>
-                                            </p:txEl>
-                                          </p:spTgt>
-                                        </p:tgtEl>
-                                      </p:cBhvr>
-                                      <p:to x="100000" y="100000"/>
-                                    </p:animScale>
-                                    <p:animScale>
-                                      <p:cBhvr>
-                                        <p:cTn id="15" dur="26">
-                                          <p:stCondLst>
-                                            <p:cond delay="1312"/>
-                                          </p:stCondLst>
-                                        </p:cTn>
-                                        <p:tgtEl>
-                                          <p:spTgt spid="5">
-                                            <p:txEl>
-                                              <p:pRg st="1" end="1"/>
-                                            </p:txEl>
-                                          </p:spTgt>
-                                        </p:tgtEl>
-                                      </p:cBhvr>
-                                      <p:to x="100000" y="80000"/>
-                                    </p:animScale>
-                                    <p:animScale>
-                                      <p:cBhvr>
-                                        <p:cTn id="16" dur="166" decel="50000">
-                                          <p:stCondLst>
-                                            <p:cond delay="1338"/>
-                                          </p:stCondLst>
-                                        </p:cTn>
-                                        <p:tgtEl>
-                                          <p:spTgt spid="5">
-                                            <p:txEl>
-                                              <p:pRg st="1" end="1"/>
-                                            </p:txEl>
-                                          </p:spTgt>
-                                        </p:tgtEl>
-                                      </p:cBhvr>
-                                      <p:to x="100000" y="100000"/>
-                                    </p:animScale>
-                                    <p:animScale>
-                                      <p:cBhvr>
-                                        <p:cTn id="17" dur="26">
-                                          <p:stCondLst>
-                                            <p:cond delay="1642"/>
-                                          </p:stCondLst>
-                                        </p:cTn>
-                                        <p:tgtEl>
-                                          <p:spTgt spid="5">
-                                            <p:txEl>
-                                              <p:pRg st="1" end="1"/>
-                                            </p:txEl>
-                                          </p:spTgt>
-                                        </p:tgtEl>
-                                      </p:cBhvr>
-                                      <p:to x="100000" y="90000"/>
-                                    </p:animScale>
-                                    <p:animScale>
-                                      <p:cBhvr>
-                                        <p:cTn id="18" dur="166" decel="50000">
-                                          <p:stCondLst>
-                                            <p:cond delay="1668"/>
-                                          </p:stCondLst>
-                                        </p:cTn>
-                                        <p:tgtEl>
-                                          <p:spTgt spid="5">
-                                            <p:txEl>
-                                              <p:pRg st="1" end="1"/>
-                                            </p:txEl>
-                                          </p:spTgt>
-                                        </p:tgtEl>
-                                      </p:cBhvr>
-                                      <p:to x="100000" y="100000"/>
-                                    </p:animScale>
-                                    <p:animScale>
-                                      <p:cBhvr>
-                                        <p:cTn id="19" dur="26">
-                                          <p:stCondLst>
-                                            <p:cond delay="1808"/>
-                                          </p:stCondLst>
-                                        </p:cTn>
-                                        <p:tgtEl>
-                                          <p:spTgt spid="5">
-                                            <p:txEl>
-                                              <p:pRg st="1" end="1"/>
-                                            </p:txEl>
-                                          </p:spTgt>
-                                        </p:tgtEl>
-                                      </p:cBhvr>
-                                      <p:to x="100000" y="95000"/>
-                                    </p:animScale>
-                                    <p:animScale>
-                                      <p:cBhvr>
-                                        <p:cTn id="20" dur="166" decel="50000">
-                                          <p:stCondLst>
-                                            <p:cond delay="1834"/>
-                                          </p:stCondLst>
-                                        </p:cTn>
-                                        <p:tgtEl>
-                                          <p:spTgt spid="5">
-                                            <p:txEl>
-                                              <p:pRg st="1" end="1"/>
-                                            </p:txEl>
-                                          </p:spTgt>
-                                        </p:tgtEl>
-                                      </p:cBhvr>
-                                      <p:to x="100000" y="100000"/>
-                                    </p:animScale>
                                   </p:childTnLst>
                                 </p:cTn>
                               </p:par>
@@ -48185,26 +48124,26 @@
                     </p:cTn>
                   </p:par>
                   <p:par>
-                    <p:cTn id="21" fill="hold">
+                    <p:cTn id="7" fill="hold">
                       <p:stCondLst>
                         <p:cond delay="indefinite"/>
                       </p:stCondLst>
                       <p:childTnLst>
                         <p:par>
-                          <p:cTn id="22" fill="hold">
+                          <p:cTn id="8" fill="hold">
                             <p:stCondLst>
                               <p:cond delay="0"/>
                             </p:stCondLst>
                             <p:childTnLst>
                               <p:par>
-                                <p:cTn id="23" presetID="26" presetClass="entr" presetSubtype="0" fill="hold" nodeType="clickEffect">
+                                <p:cTn id="9" presetID="1" presetClass="entr" presetSubtype="0" fill="hold" nodeType="clickEffect">
                                   <p:stCondLst>
                                     <p:cond delay="0"/>
                                   </p:stCondLst>
                                   <p:childTnLst>
                                     <p:set>
                                       <p:cBhvr>
-                                        <p:cTn id="24" dur="1" fill="hold">
+                                        <p:cTn id="10" dur="1" fill="hold">
                                           <p:stCondLst>
                                             <p:cond delay="0"/>
                                           </p:stCondLst>
@@ -48224,313 +48163,6 @@
                                         <p:strVal val="visible"/>
                                       </p:to>
                                     </p:set>
-                                    <p:animEffect transition="in" filter="wipe(down)">
-                                      <p:cBhvr>
-                                        <p:cTn id="25" dur="580">
-                                          <p:stCondLst>
-                                            <p:cond delay="0"/>
-                                          </p:stCondLst>
-                                        </p:cTn>
-                                        <p:tgtEl>
-                                          <p:spTgt spid="5">
-                                            <p:txEl>
-                                              <p:pRg st="3" end="3"/>
-                                            </p:txEl>
-                                          </p:spTgt>
-                                        </p:tgtEl>
-                                      </p:cBhvr>
-                                    </p:animEffect>
-                                    <p:anim calcmode="lin" valueType="num">
-                                      <p:cBhvr>
-                                        <p:cTn id="26" dur="1822" tmFilter="0,0; 0.14,0.36; 0.43,0.73; 0.71,0.91; 1.0,1.0">
-                                          <p:stCondLst>
-                                            <p:cond delay="0"/>
-                                          </p:stCondLst>
-                                        </p:cTn>
-                                        <p:tgtEl>
-                                          <p:spTgt spid="5">
-                                            <p:txEl>
-                                              <p:pRg st="3" end="3"/>
-                                            </p:txEl>
-                                          </p:spTgt>
-                                        </p:tgtEl>
-                                        <p:attrNameLst>
-                                          <p:attrName>ppt_x</p:attrName>
-                                        </p:attrNameLst>
-                                      </p:cBhvr>
-                                      <p:tavLst>
-                                        <p:tav tm="0">
-                                          <p:val>
-                                            <p:strVal val="#ppt_x-0.25"/>
-                                          </p:val>
-                                        </p:tav>
-                                        <p:tav tm="100000">
-                                          <p:val>
-                                            <p:strVal val="#ppt_x"/>
-                                          </p:val>
-                                        </p:tav>
-                                      </p:tavLst>
-                                    </p:anim>
-                                    <p:anim calcmode="lin" valueType="num">
-                                      <p:cBhvr>
-                                        <p:cTn id="27" dur="664" tmFilter="0.0,0.0; 0.25,0.07; 0.50,0.2; 0.75,0.467; 1.0,1.0">
-                                          <p:stCondLst>
-                                            <p:cond delay="0"/>
-                                          </p:stCondLst>
-                                        </p:cTn>
-                                        <p:tgtEl>
-                                          <p:spTgt spid="5">
-                                            <p:txEl>
-                                              <p:pRg st="3" end="3"/>
-                                            </p:txEl>
-                                          </p:spTgt>
-                                        </p:tgtEl>
-                                        <p:attrNameLst>
-                                          <p:attrName>ppt_y</p:attrName>
-                                        </p:attrNameLst>
-                                      </p:cBhvr>
-                                      <p:tavLst>
-                                        <p:tav tm="0" fmla="#ppt_y-sin(pi*$)/3">
-                                          <p:val>
-                                            <p:fltVal val="0.5"/>
-                                          </p:val>
-                                        </p:tav>
-                                        <p:tav tm="100000">
-                                          <p:val>
-                                            <p:fltVal val="1"/>
-                                          </p:val>
-                                        </p:tav>
-                                      </p:tavLst>
-                                    </p:anim>
-                                    <p:anim calcmode="lin" valueType="num">
-                                      <p:cBhvr>
-                                        <p:cTn id="28" dur="664" tmFilter="0, 0; 0.125,0.2665; 0.25,0.4; 0.375,0.465; 0.5,0.5;  0.625,0.535; 0.75,0.6; 0.875,0.7335; 1,1">
-                                          <p:stCondLst>
-                                            <p:cond delay="664"/>
-                                          </p:stCondLst>
-                                        </p:cTn>
-                                        <p:tgtEl>
-                                          <p:spTgt spid="5">
-                                            <p:txEl>
-                                              <p:pRg st="3" end="3"/>
-                                            </p:txEl>
-                                          </p:spTgt>
-                                        </p:tgtEl>
-                                        <p:attrNameLst>
-                                          <p:attrName>ppt_y</p:attrName>
-                                        </p:attrNameLst>
-                                      </p:cBhvr>
-                                      <p:tavLst>
-                                        <p:tav tm="0" fmla="#ppt_y-sin(pi*$)/9">
-                                          <p:val>
-                                            <p:fltVal val="0"/>
-                                          </p:val>
-                                        </p:tav>
-                                        <p:tav tm="100000">
-                                          <p:val>
-                                            <p:fltVal val="1"/>
-                                          </p:val>
-                                        </p:tav>
-                                      </p:tavLst>
-                                    </p:anim>
-                                    <p:anim calcmode="lin" valueType="num">
-                                      <p:cBhvr>
-                                        <p:cTn id="29" dur="332" tmFilter="0, 0; 0.125,0.2665; 0.25,0.4; 0.375,0.465; 0.5,0.5;  0.625,0.535; 0.75,0.6; 0.875,0.7335; 1,1">
-                                          <p:stCondLst>
-                                            <p:cond delay="1324"/>
-                                          </p:stCondLst>
-                                        </p:cTn>
-                                        <p:tgtEl>
-                                          <p:spTgt spid="5">
-                                            <p:txEl>
-                                              <p:pRg st="3" end="3"/>
-                                            </p:txEl>
-                                          </p:spTgt>
-                                        </p:tgtEl>
-                                        <p:attrNameLst>
-                                          <p:attrName>ppt_y</p:attrName>
-                                        </p:attrNameLst>
-                                      </p:cBhvr>
-                                      <p:tavLst>
-                                        <p:tav tm="0" fmla="#ppt_y-sin(pi*$)/27">
-                                          <p:val>
-                                            <p:fltVal val="0"/>
-                                          </p:val>
-                                        </p:tav>
-                                        <p:tav tm="100000">
-                                          <p:val>
-                                            <p:fltVal val="1"/>
-                                          </p:val>
-                                        </p:tav>
-                                      </p:tavLst>
-                                    </p:anim>
-                                    <p:anim calcmode="lin" valueType="num">
-                                      <p:cBhvr>
-                                        <p:cTn id="30" dur="164" tmFilter="0, 0; 0.125,0.2665; 0.25,0.4; 0.375,0.465; 0.5,0.5;  0.625,0.535; 0.75,0.6; 0.875,0.7335; 1,1">
-                                          <p:stCondLst>
-                                            <p:cond delay="1656"/>
-                                          </p:stCondLst>
-                                        </p:cTn>
-                                        <p:tgtEl>
-                                          <p:spTgt spid="5">
-                                            <p:txEl>
-                                              <p:pRg st="3" end="3"/>
-                                            </p:txEl>
-                                          </p:spTgt>
-                                        </p:tgtEl>
-                                        <p:attrNameLst>
-                                          <p:attrName>ppt_y</p:attrName>
-                                        </p:attrNameLst>
-                                      </p:cBhvr>
-                                      <p:tavLst>
-                                        <p:tav tm="0" fmla="#ppt_y-sin(pi*$)/81">
-                                          <p:val>
-                                            <p:fltVal val="0"/>
-                                          </p:val>
-                                        </p:tav>
-                                        <p:tav tm="100000">
-                                          <p:val>
-                                            <p:fltVal val="1"/>
-                                          </p:val>
-                                        </p:tav>
-                                      </p:tavLst>
-                                    </p:anim>
-                                    <p:animScale>
-                                      <p:cBhvr>
-                                        <p:cTn id="31" dur="26">
-                                          <p:stCondLst>
-                                            <p:cond delay="650"/>
-                                          </p:stCondLst>
-                                        </p:cTn>
-                                        <p:tgtEl>
-                                          <p:spTgt spid="5">
-                                            <p:txEl>
-                                              <p:pRg st="3" end="3"/>
-                                            </p:txEl>
-                                          </p:spTgt>
-                                        </p:tgtEl>
-                                      </p:cBhvr>
-                                      <p:to x="100000" y="60000"/>
-                                    </p:animScale>
-                                    <p:animScale>
-                                      <p:cBhvr>
-                                        <p:cTn id="32" dur="166" decel="50000">
-                                          <p:stCondLst>
-                                            <p:cond delay="676"/>
-                                          </p:stCondLst>
-                                        </p:cTn>
-                                        <p:tgtEl>
-                                          <p:spTgt spid="5">
-                                            <p:txEl>
-                                              <p:pRg st="3" end="3"/>
-                                            </p:txEl>
-                                          </p:spTgt>
-                                        </p:tgtEl>
-                                      </p:cBhvr>
-                                      <p:to x="100000" y="100000"/>
-                                    </p:animScale>
-                                    <p:animScale>
-                                      <p:cBhvr>
-                                        <p:cTn id="33" dur="26">
-                                          <p:stCondLst>
-                                            <p:cond delay="1312"/>
-                                          </p:stCondLst>
-                                        </p:cTn>
-                                        <p:tgtEl>
-                                          <p:spTgt spid="5">
-                                            <p:txEl>
-                                              <p:pRg st="3" end="3"/>
-                                            </p:txEl>
-                                          </p:spTgt>
-                                        </p:tgtEl>
-                                      </p:cBhvr>
-                                      <p:to x="100000" y="80000"/>
-                                    </p:animScale>
-                                    <p:animScale>
-                                      <p:cBhvr>
-                                        <p:cTn id="34" dur="166" decel="50000">
-                                          <p:stCondLst>
-                                            <p:cond delay="1338"/>
-                                          </p:stCondLst>
-                                        </p:cTn>
-                                        <p:tgtEl>
-                                          <p:spTgt spid="5">
-                                            <p:txEl>
-                                              <p:pRg st="3" end="3"/>
-                                            </p:txEl>
-                                          </p:spTgt>
-                                        </p:tgtEl>
-                                      </p:cBhvr>
-                                      <p:to x="100000" y="100000"/>
-                                    </p:animScale>
-                                    <p:animScale>
-                                      <p:cBhvr>
-                                        <p:cTn id="35" dur="26">
-                                          <p:stCondLst>
-                                            <p:cond delay="1642"/>
-                                          </p:stCondLst>
-                                        </p:cTn>
-                                        <p:tgtEl>
-                                          <p:spTgt spid="5">
-                                            <p:txEl>
-                                              <p:pRg st="3" end="3"/>
-                                            </p:txEl>
-                                          </p:spTgt>
-                                        </p:tgtEl>
-                                      </p:cBhvr>
-                                      <p:to x="100000" y="90000"/>
-                                    </p:animScale>
-                                    <p:animScale>
-                                      <p:cBhvr>
-                                        <p:cTn id="36" dur="166" decel="50000">
-                                          <p:stCondLst>
-                                            <p:cond delay="1668"/>
-                                          </p:stCondLst>
-                                        </p:cTn>
-                                        <p:tgtEl>
-                                          <p:spTgt spid="5">
-                                            <p:txEl>
-                                              <p:pRg st="3" end="3"/>
-                                            </p:txEl>
-                                          </p:spTgt>
-                                        </p:tgtEl>
-                                      </p:cBhvr>
-                                      <p:to x="100000" y="100000"/>
-                                    </p:animScale>
-                                    <p:animScale>
-                                      <p:cBhvr>
-                                        <p:cTn id="37" dur="26">
-                                          <p:stCondLst>
-                                            <p:cond delay="1808"/>
-                                          </p:stCondLst>
-                                        </p:cTn>
-                                        <p:tgtEl>
-                                          <p:spTgt spid="5">
-                                            <p:txEl>
-                                              <p:pRg st="3" end="3"/>
-                                            </p:txEl>
-                                          </p:spTgt>
-                                        </p:tgtEl>
-                                      </p:cBhvr>
-                                      <p:to x="100000" y="95000"/>
-                                    </p:animScale>
-                                    <p:animScale>
-                                      <p:cBhvr>
-                                        <p:cTn id="38" dur="166" decel="50000">
-                                          <p:stCondLst>
-                                            <p:cond delay="1834"/>
-                                          </p:stCondLst>
-                                        </p:cTn>
-                                        <p:tgtEl>
-                                          <p:spTgt spid="5">
-                                            <p:txEl>
-                                              <p:pRg st="3" end="3"/>
-                                            </p:txEl>
-                                          </p:spTgt>
-                                        </p:tgtEl>
-                                      </p:cBhvr>
-                                      <p:to x="100000" y="100000"/>
-                                    </p:animScale>
                                   </p:childTnLst>
                                 </p:cTn>
                               </p:par>
@@ -48541,26 +48173,26 @@
                     </p:cTn>
                   </p:par>
                   <p:par>
-                    <p:cTn id="39" fill="hold">
+                    <p:cTn id="11" fill="hold">
                       <p:stCondLst>
                         <p:cond delay="indefinite"/>
                       </p:stCondLst>
                       <p:childTnLst>
                         <p:par>
-                          <p:cTn id="40" fill="hold">
+                          <p:cTn id="12" fill="hold">
                             <p:stCondLst>
                               <p:cond delay="0"/>
                             </p:stCondLst>
                             <p:childTnLst>
                               <p:par>
-                                <p:cTn id="41" presetID="26" presetClass="entr" presetSubtype="0" fill="hold" nodeType="clickEffect">
+                                <p:cTn id="13" presetID="1" presetClass="entr" presetSubtype="0" fill="hold" nodeType="clickEffect">
                                   <p:stCondLst>
                                     <p:cond delay="0"/>
                                   </p:stCondLst>
                                   <p:childTnLst>
                                     <p:set>
                                       <p:cBhvr>
-                                        <p:cTn id="42" dur="1" fill="hold">
+                                        <p:cTn id="14" dur="1" fill="hold">
                                           <p:stCondLst>
                                             <p:cond delay="0"/>
                                           </p:stCondLst>
@@ -48580,313 +48212,6 @@
                                         <p:strVal val="visible"/>
                                       </p:to>
                                     </p:set>
-                                    <p:animEffect transition="in" filter="wipe(down)">
-                                      <p:cBhvr>
-                                        <p:cTn id="43" dur="580">
-                                          <p:stCondLst>
-                                            <p:cond delay="0"/>
-                                          </p:stCondLst>
-                                        </p:cTn>
-                                        <p:tgtEl>
-                                          <p:spTgt spid="5">
-                                            <p:txEl>
-                                              <p:pRg st="5" end="5"/>
-                                            </p:txEl>
-                                          </p:spTgt>
-                                        </p:tgtEl>
-                                      </p:cBhvr>
-                                    </p:animEffect>
-                                    <p:anim calcmode="lin" valueType="num">
-                                      <p:cBhvr>
-                                        <p:cTn id="44" dur="1822" tmFilter="0,0; 0.14,0.36; 0.43,0.73; 0.71,0.91; 1.0,1.0">
-                                          <p:stCondLst>
-                                            <p:cond delay="0"/>
-                                          </p:stCondLst>
-                                        </p:cTn>
-                                        <p:tgtEl>
-                                          <p:spTgt spid="5">
-                                            <p:txEl>
-                                              <p:pRg st="5" end="5"/>
-                                            </p:txEl>
-                                          </p:spTgt>
-                                        </p:tgtEl>
-                                        <p:attrNameLst>
-                                          <p:attrName>ppt_x</p:attrName>
-                                        </p:attrNameLst>
-                                      </p:cBhvr>
-                                      <p:tavLst>
-                                        <p:tav tm="0">
-                                          <p:val>
-                                            <p:strVal val="#ppt_x-0.25"/>
-                                          </p:val>
-                                        </p:tav>
-                                        <p:tav tm="100000">
-                                          <p:val>
-                                            <p:strVal val="#ppt_x"/>
-                                          </p:val>
-                                        </p:tav>
-                                      </p:tavLst>
-                                    </p:anim>
-                                    <p:anim calcmode="lin" valueType="num">
-                                      <p:cBhvr>
-                                        <p:cTn id="45" dur="664" tmFilter="0.0,0.0; 0.25,0.07; 0.50,0.2; 0.75,0.467; 1.0,1.0">
-                                          <p:stCondLst>
-                                            <p:cond delay="0"/>
-                                          </p:stCondLst>
-                                        </p:cTn>
-                                        <p:tgtEl>
-                                          <p:spTgt spid="5">
-                                            <p:txEl>
-                                              <p:pRg st="5" end="5"/>
-                                            </p:txEl>
-                                          </p:spTgt>
-                                        </p:tgtEl>
-                                        <p:attrNameLst>
-                                          <p:attrName>ppt_y</p:attrName>
-                                        </p:attrNameLst>
-                                      </p:cBhvr>
-                                      <p:tavLst>
-                                        <p:tav tm="0" fmla="#ppt_y-sin(pi*$)/3">
-                                          <p:val>
-                                            <p:fltVal val="0.5"/>
-                                          </p:val>
-                                        </p:tav>
-                                        <p:tav tm="100000">
-                                          <p:val>
-                                            <p:fltVal val="1"/>
-                                          </p:val>
-                                        </p:tav>
-                                      </p:tavLst>
-                                    </p:anim>
-                                    <p:anim calcmode="lin" valueType="num">
-                                      <p:cBhvr>
-                                        <p:cTn id="46" dur="664" tmFilter="0, 0; 0.125,0.2665; 0.25,0.4; 0.375,0.465; 0.5,0.5;  0.625,0.535; 0.75,0.6; 0.875,0.7335; 1,1">
-                                          <p:stCondLst>
-                                            <p:cond delay="664"/>
-                                          </p:stCondLst>
-                                        </p:cTn>
-                                        <p:tgtEl>
-                                          <p:spTgt spid="5">
-                                            <p:txEl>
-                                              <p:pRg st="5" end="5"/>
-                                            </p:txEl>
-                                          </p:spTgt>
-                                        </p:tgtEl>
-                                        <p:attrNameLst>
-                                          <p:attrName>ppt_y</p:attrName>
-                                        </p:attrNameLst>
-                                      </p:cBhvr>
-                                      <p:tavLst>
-                                        <p:tav tm="0" fmla="#ppt_y-sin(pi*$)/9">
-                                          <p:val>
-                                            <p:fltVal val="0"/>
-                                          </p:val>
-                                        </p:tav>
-                                        <p:tav tm="100000">
-                                          <p:val>
-                                            <p:fltVal val="1"/>
-                                          </p:val>
-                                        </p:tav>
-                                      </p:tavLst>
-                                    </p:anim>
-                                    <p:anim calcmode="lin" valueType="num">
-                                      <p:cBhvr>
-                                        <p:cTn id="47" dur="332" tmFilter="0, 0; 0.125,0.2665; 0.25,0.4; 0.375,0.465; 0.5,0.5;  0.625,0.535; 0.75,0.6; 0.875,0.7335; 1,1">
-                                          <p:stCondLst>
-                                            <p:cond delay="1324"/>
-                                          </p:stCondLst>
-                                        </p:cTn>
-                                        <p:tgtEl>
-                                          <p:spTgt spid="5">
-                                            <p:txEl>
-                                              <p:pRg st="5" end="5"/>
-                                            </p:txEl>
-                                          </p:spTgt>
-                                        </p:tgtEl>
-                                        <p:attrNameLst>
-                                          <p:attrName>ppt_y</p:attrName>
-                                        </p:attrNameLst>
-                                      </p:cBhvr>
-                                      <p:tavLst>
-                                        <p:tav tm="0" fmla="#ppt_y-sin(pi*$)/27">
-                                          <p:val>
-                                            <p:fltVal val="0"/>
-                                          </p:val>
-                                        </p:tav>
-                                        <p:tav tm="100000">
-                                          <p:val>
-                                            <p:fltVal val="1"/>
-                                          </p:val>
-                                        </p:tav>
-                                      </p:tavLst>
-                                    </p:anim>
-                                    <p:anim calcmode="lin" valueType="num">
-                                      <p:cBhvr>
-                                        <p:cTn id="48" dur="164" tmFilter="0, 0; 0.125,0.2665; 0.25,0.4; 0.375,0.465; 0.5,0.5;  0.625,0.535; 0.75,0.6; 0.875,0.7335; 1,1">
-                                          <p:stCondLst>
-                                            <p:cond delay="1656"/>
-                                          </p:stCondLst>
-                                        </p:cTn>
-                                        <p:tgtEl>
-                                          <p:spTgt spid="5">
-                                            <p:txEl>
-                                              <p:pRg st="5" end="5"/>
-                                            </p:txEl>
-                                          </p:spTgt>
-                                        </p:tgtEl>
-                                        <p:attrNameLst>
-                                          <p:attrName>ppt_y</p:attrName>
-                                        </p:attrNameLst>
-                                      </p:cBhvr>
-                                      <p:tavLst>
-                                        <p:tav tm="0" fmla="#ppt_y-sin(pi*$)/81">
-                                          <p:val>
-                                            <p:fltVal val="0"/>
-                                          </p:val>
-                                        </p:tav>
-                                        <p:tav tm="100000">
-                                          <p:val>
-                                            <p:fltVal val="1"/>
-                                          </p:val>
-                                        </p:tav>
-                                      </p:tavLst>
-                                    </p:anim>
-                                    <p:animScale>
-                                      <p:cBhvr>
-                                        <p:cTn id="49" dur="26">
-                                          <p:stCondLst>
-                                            <p:cond delay="650"/>
-                                          </p:stCondLst>
-                                        </p:cTn>
-                                        <p:tgtEl>
-                                          <p:spTgt spid="5">
-                                            <p:txEl>
-                                              <p:pRg st="5" end="5"/>
-                                            </p:txEl>
-                                          </p:spTgt>
-                                        </p:tgtEl>
-                                      </p:cBhvr>
-                                      <p:to x="100000" y="60000"/>
-                                    </p:animScale>
-                                    <p:animScale>
-                                      <p:cBhvr>
-                                        <p:cTn id="50" dur="166" decel="50000">
-                                          <p:stCondLst>
-                                            <p:cond delay="676"/>
-                                          </p:stCondLst>
-                                        </p:cTn>
-                                        <p:tgtEl>
-                                          <p:spTgt spid="5">
-                                            <p:txEl>
-                                              <p:pRg st="5" end="5"/>
-                                            </p:txEl>
-                                          </p:spTgt>
-                                        </p:tgtEl>
-                                      </p:cBhvr>
-                                      <p:to x="100000" y="100000"/>
-                                    </p:animScale>
-                                    <p:animScale>
-                                      <p:cBhvr>
-                                        <p:cTn id="51" dur="26">
-                                          <p:stCondLst>
-                                            <p:cond delay="1312"/>
-                                          </p:stCondLst>
-                                        </p:cTn>
-                                        <p:tgtEl>
-                                          <p:spTgt spid="5">
-                                            <p:txEl>
-                                              <p:pRg st="5" end="5"/>
-                                            </p:txEl>
-                                          </p:spTgt>
-                                        </p:tgtEl>
-                                      </p:cBhvr>
-                                      <p:to x="100000" y="80000"/>
-                                    </p:animScale>
-                                    <p:animScale>
-                                      <p:cBhvr>
-                                        <p:cTn id="52" dur="166" decel="50000">
-                                          <p:stCondLst>
-                                            <p:cond delay="1338"/>
-                                          </p:stCondLst>
-                                        </p:cTn>
-                                        <p:tgtEl>
-                                          <p:spTgt spid="5">
-                                            <p:txEl>
-                                              <p:pRg st="5" end="5"/>
-                                            </p:txEl>
-                                          </p:spTgt>
-                                        </p:tgtEl>
-                                      </p:cBhvr>
-                                      <p:to x="100000" y="100000"/>
-                                    </p:animScale>
-                                    <p:animScale>
-                                      <p:cBhvr>
-                                        <p:cTn id="53" dur="26">
-                                          <p:stCondLst>
-                                            <p:cond delay="1642"/>
-                                          </p:stCondLst>
-                                        </p:cTn>
-                                        <p:tgtEl>
-                                          <p:spTgt spid="5">
-                                            <p:txEl>
-                                              <p:pRg st="5" end="5"/>
-                                            </p:txEl>
-                                          </p:spTgt>
-                                        </p:tgtEl>
-                                      </p:cBhvr>
-                                      <p:to x="100000" y="90000"/>
-                                    </p:animScale>
-                                    <p:animScale>
-                                      <p:cBhvr>
-                                        <p:cTn id="54" dur="166" decel="50000">
-                                          <p:stCondLst>
-                                            <p:cond delay="1668"/>
-                                          </p:stCondLst>
-                                        </p:cTn>
-                                        <p:tgtEl>
-                                          <p:spTgt spid="5">
-                                            <p:txEl>
-                                              <p:pRg st="5" end="5"/>
-                                            </p:txEl>
-                                          </p:spTgt>
-                                        </p:tgtEl>
-                                      </p:cBhvr>
-                                      <p:to x="100000" y="100000"/>
-                                    </p:animScale>
-                                    <p:animScale>
-                                      <p:cBhvr>
-                                        <p:cTn id="55" dur="26">
-                                          <p:stCondLst>
-                                            <p:cond delay="1808"/>
-                                          </p:stCondLst>
-                                        </p:cTn>
-                                        <p:tgtEl>
-                                          <p:spTgt spid="5">
-                                            <p:txEl>
-                                              <p:pRg st="5" end="5"/>
-                                            </p:txEl>
-                                          </p:spTgt>
-                                        </p:tgtEl>
-                                      </p:cBhvr>
-                                      <p:to x="100000" y="95000"/>
-                                    </p:animScale>
-                                    <p:animScale>
-                                      <p:cBhvr>
-                                        <p:cTn id="56" dur="166" decel="50000">
-                                          <p:stCondLst>
-                                            <p:cond delay="1834"/>
-                                          </p:stCondLst>
-                                        </p:cTn>
-                                        <p:tgtEl>
-                                          <p:spTgt spid="5">
-                                            <p:txEl>
-                                              <p:pRg st="5" end="5"/>
-                                            </p:txEl>
-                                          </p:spTgt>
-                                        </p:tgtEl>
-                                      </p:cBhvr>
-                                      <p:to x="100000" y="100000"/>
-                                    </p:animScale>
                                   </p:childTnLst>
                                 </p:cTn>
                               </p:par>
@@ -48897,26 +48222,26 @@
                     </p:cTn>
                   </p:par>
                   <p:par>
-                    <p:cTn id="57" fill="hold">
+                    <p:cTn id="15" fill="hold">
                       <p:stCondLst>
                         <p:cond delay="indefinite"/>
                       </p:stCondLst>
                       <p:childTnLst>
                         <p:par>
-                          <p:cTn id="58" fill="hold">
+                          <p:cTn id="16" fill="hold">
                             <p:stCondLst>
                               <p:cond delay="0"/>
                             </p:stCondLst>
                             <p:childTnLst>
                               <p:par>
-                                <p:cTn id="59" presetID="26" presetClass="entr" presetSubtype="0" fill="hold" nodeType="clickEffect">
+                                <p:cTn id="17" presetID="1" presetClass="entr" presetSubtype="0" fill="hold" nodeType="clickEffect">
                                   <p:stCondLst>
                                     <p:cond delay="0"/>
                                   </p:stCondLst>
                                   <p:childTnLst>
                                     <p:set>
                                       <p:cBhvr>
-                                        <p:cTn id="60" dur="1" fill="hold">
+                                        <p:cTn id="18" dur="1" fill="hold">
                                           <p:stCondLst>
                                             <p:cond delay="0"/>
                                           </p:stCondLst>
@@ -48936,313 +48261,6 @@
                                         <p:strVal val="visible"/>
                                       </p:to>
                                     </p:set>
-                                    <p:animEffect transition="in" filter="wipe(down)">
-                                      <p:cBhvr>
-                                        <p:cTn id="61" dur="580">
-                                          <p:stCondLst>
-                                            <p:cond delay="0"/>
-                                          </p:stCondLst>
-                                        </p:cTn>
-                                        <p:tgtEl>
-                                          <p:spTgt spid="5">
-                                            <p:txEl>
-                                              <p:pRg st="7" end="7"/>
-                                            </p:txEl>
-                                          </p:spTgt>
-                                        </p:tgtEl>
-                                      </p:cBhvr>
-                                    </p:animEffect>
-                                    <p:anim calcmode="lin" valueType="num">
-                                      <p:cBhvr>
-                                        <p:cTn id="62" dur="1822" tmFilter="0,0; 0.14,0.36; 0.43,0.73; 0.71,0.91; 1.0,1.0">
-                                          <p:stCondLst>
-                                            <p:cond delay="0"/>
-                                          </p:stCondLst>
-                                        </p:cTn>
-                                        <p:tgtEl>
-                                          <p:spTgt spid="5">
-                                            <p:txEl>
-                                              <p:pRg st="7" end="7"/>
-                                            </p:txEl>
-                                          </p:spTgt>
-                                        </p:tgtEl>
-                                        <p:attrNameLst>
-                                          <p:attrName>ppt_x</p:attrName>
-                                        </p:attrNameLst>
-                                      </p:cBhvr>
-                                      <p:tavLst>
-                                        <p:tav tm="0">
-                                          <p:val>
-                                            <p:strVal val="#ppt_x-0.25"/>
-                                          </p:val>
-                                        </p:tav>
-                                        <p:tav tm="100000">
-                                          <p:val>
-                                            <p:strVal val="#ppt_x"/>
-                                          </p:val>
-                                        </p:tav>
-                                      </p:tavLst>
-                                    </p:anim>
-                                    <p:anim calcmode="lin" valueType="num">
-                                      <p:cBhvr>
-                                        <p:cTn id="63" dur="664" tmFilter="0.0,0.0; 0.25,0.07; 0.50,0.2; 0.75,0.467; 1.0,1.0">
-                                          <p:stCondLst>
-                                            <p:cond delay="0"/>
-                                          </p:stCondLst>
-                                        </p:cTn>
-                                        <p:tgtEl>
-                                          <p:spTgt spid="5">
-                                            <p:txEl>
-                                              <p:pRg st="7" end="7"/>
-                                            </p:txEl>
-                                          </p:spTgt>
-                                        </p:tgtEl>
-                                        <p:attrNameLst>
-                                          <p:attrName>ppt_y</p:attrName>
-                                        </p:attrNameLst>
-                                      </p:cBhvr>
-                                      <p:tavLst>
-                                        <p:tav tm="0" fmla="#ppt_y-sin(pi*$)/3">
-                                          <p:val>
-                                            <p:fltVal val="0.5"/>
-                                          </p:val>
-                                        </p:tav>
-                                        <p:tav tm="100000">
-                                          <p:val>
-                                            <p:fltVal val="1"/>
-                                          </p:val>
-                                        </p:tav>
-                                      </p:tavLst>
-                                    </p:anim>
-                                    <p:anim calcmode="lin" valueType="num">
-                                      <p:cBhvr>
-                                        <p:cTn id="64" dur="664" tmFilter="0, 0; 0.125,0.2665; 0.25,0.4; 0.375,0.465; 0.5,0.5;  0.625,0.535; 0.75,0.6; 0.875,0.7335; 1,1">
-                                          <p:stCondLst>
-                                            <p:cond delay="664"/>
-                                          </p:stCondLst>
-                                        </p:cTn>
-                                        <p:tgtEl>
-                                          <p:spTgt spid="5">
-                                            <p:txEl>
-                                              <p:pRg st="7" end="7"/>
-                                            </p:txEl>
-                                          </p:spTgt>
-                                        </p:tgtEl>
-                                        <p:attrNameLst>
-                                          <p:attrName>ppt_y</p:attrName>
-                                        </p:attrNameLst>
-                                      </p:cBhvr>
-                                      <p:tavLst>
-                                        <p:tav tm="0" fmla="#ppt_y-sin(pi*$)/9">
-                                          <p:val>
-                                            <p:fltVal val="0"/>
-                                          </p:val>
-                                        </p:tav>
-                                        <p:tav tm="100000">
-                                          <p:val>
-                                            <p:fltVal val="1"/>
-                                          </p:val>
-                                        </p:tav>
-                                      </p:tavLst>
-                                    </p:anim>
-                                    <p:anim calcmode="lin" valueType="num">
-                                      <p:cBhvr>
-                                        <p:cTn id="65" dur="332" tmFilter="0, 0; 0.125,0.2665; 0.25,0.4; 0.375,0.465; 0.5,0.5;  0.625,0.535; 0.75,0.6; 0.875,0.7335; 1,1">
-                                          <p:stCondLst>
-                                            <p:cond delay="1324"/>
-                                          </p:stCondLst>
-                                        </p:cTn>
-                                        <p:tgtEl>
-                                          <p:spTgt spid="5">
-                                            <p:txEl>
-                                              <p:pRg st="7" end="7"/>
-                                            </p:txEl>
-                                          </p:spTgt>
-                                        </p:tgtEl>
-                                        <p:attrNameLst>
-                                          <p:attrName>ppt_y</p:attrName>
-                                        </p:attrNameLst>
-                                      </p:cBhvr>
-                                      <p:tavLst>
-                                        <p:tav tm="0" fmla="#ppt_y-sin(pi*$)/27">
-                                          <p:val>
-                                            <p:fltVal val="0"/>
-                                          </p:val>
-                                        </p:tav>
-                                        <p:tav tm="100000">
-                                          <p:val>
-                                            <p:fltVal val="1"/>
-                                          </p:val>
-                                        </p:tav>
-                                      </p:tavLst>
-                                    </p:anim>
-                                    <p:anim calcmode="lin" valueType="num">
-                                      <p:cBhvr>
-                                        <p:cTn id="66" dur="164" tmFilter="0, 0; 0.125,0.2665; 0.25,0.4; 0.375,0.465; 0.5,0.5;  0.625,0.535; 0.75,0.6; 0.875,0.7335; 1,1">
-                                          <p:stCondLst>
-                                            <p:cond delay="1656"/>
-                                          </p:stCondLst>
-                                        </p:cTn>
-                                        <p:tgtEl>
-                                          <p:spTgt spid="5">
-                                            <p:txEl>
-                                              <p:pRg st="7" end="7"/>
-                                            </p:txEl>
-                                          </p:spTgt>
-                                        </p:tgtEl>
-                                        <p:attrNameLst>
-                                          <p:attrName>ppt_y</p:attrName>
-                                        </p:attrNameLst>
-                                      </p:cBhvr>
-                                      <p:tavLst>
-                                        <p:tav tm="0" fmla="#ppt_y-sin(pi*$)/81">
-                                          <p:val>
-                                            <p:fltVal val="0"/>
-                                          </p:val>
-                                        </p:tav>
-                                        <p:tav tm="100000">
-                                          <p:val>
-                                            <p:fltVal val="1"/>
-                                          </p:val>
-                                        </p:tav>
-                                      </p:tavLst>
-                                    </p:anim>
-                                    <p:animScale>
-                                      <p:cBhvr>
-                                        <p:cTn id="67" dur="26">
-                                          <p:stCondLst>
-                                            <p:cond delay="650"/>
-                                          </p:stCondLst>
-                                        </p:cTn>
-                                        <p:tgtEl>
-                                          <p:spTgt spid="5">
-                                            <p:txEl>
-                                              <p:pRg st="7" end="7"/>
-                                            </p:txEl>
-                                          </p:spTgt>
-                                        </p:tgtEl>
-                                      </p:cBhvr>
-                                      <p:to x="100000" y="60000"/>
-                                    </p:animScale>
-                                    <p:animScale>
-                                      <p:cBhvr>
-                                        <p:cTn id="68" dur="166" decel="50000">
-                                          <p:stCondLst>
-                                            <p:cond delay="676"/>
-                                          </p:stCondLst>
-                                        </p:cTn>
-                                        <p:tgtEl>
-                                          <p:spTgt spid="5">
-                                            <p:txEl>
-                                              <p:pRg st="7" end="7"/>
-                                            </p:txEl>
-                                          </p:spTgt>
-                                        </p:tgtEl>
-                                      </p:cBhvr>
-                                      <p:to x="100000" y="100000"/>
-                                    </p:animScale>
-                                    <p:animScale>
-                                      <p:cBhvr>
-                                        <p:cTn id="69" dur="26">
-                                          <p:stCondLst>
-                                            <p:cond delay="1312"/>
-                                          </p:stCondLst>
-                                        </p:cTn>
-                                        <p:tgtEl>
-                                          <p:spTgt spid="5">
-                                            <p:txEl>
-                                              <p:pRg st="7" end="7"/>
-                                            </p:txEl>
-                                          </p:spTgt>
-                                        </p:tgtEl>
-                                      </p:cBhvr>
-                                      <p:to x="100000" y="80000"/>
-                                    </p:animScale>
-                                    <p:animScale>
-                                      <p:cBhvr>
-                                        <p:cTn id="70" dur="166" decel="50000">
-                                          <p:stCondLst>
-                                            <p:cond delay="1338"/>
-                                          </p:stCondLst>
-                                        </p:cTn>
-                                        <p:tgtEl>
-                                          <p:spTgt spid="5">
-                                            <p:txEl>
-                                              <p:pRg st="7" end="7"/>
-                                            </p:txEl>
-                                          </p:spTgt>
-                                        </p:tgtEl>
-                                      </p:cBhvr>
-                                      <p:to x="100000" y="100000"/>
-                                    </p:animScale>
-                                    <p:animScale>
-                                      <p:cBhvr>
-                                        <p:cTn id="71" dur="26">
-                                          <p:stCondLst>
-                                            <p:cond delay="1642"/>
-                                          </p:stCondLst>
-                                        </p:cTn>
-                                        <p:tgtEl>
-                                          <p:spTgt spid="5">
-                                            <p:txEl>
-                                              <p:pRg st="7" end="7"/>
-                                            </p:txEl>
-                                          </p:spTgt>
-                                        </p:tgtEl>
-                                      </p:cBhvr>
-                                      <p:to x="100000" y="90000"/>
-                                    </p:animScale>
-                                    <p:animScale>
-                                      <p:cBhvr>
-                                        <p:cTn id="72" dur="166" decel="50000">
-                                          <p:stCondLst>
-                                            <p:cond delay="1668"/>
-                                          </p:stCondLst>
-                                        </p:cTn>
-                                        <p:tgtEl>
-                                          <p:spTgt spid="5">
-                                            <p:txEl>
-                                              <p:pRg st="7" end="7"/>
-                                            </p:txEl>
-                                          </p:spTgt>
-                                        </p:tgtEl>
-                                      </p:cBhvr>
-                                      <p:to x="100000" y="100000"/>
-                                    </p:animScale>
-                                    <p:animScale>
-                                      <p:cBhvr>
-                                        <p:cTn id="73" dur="26">
-                                          <p:stCondLst>
-                                            <p:cond delay="1808"/>
-                                          </p:stCondLst>
-                                        </p:cTn>
-                                        <p:tgtEl>
-                                          <p:spTgt spid="5">
-                                            <p:txEl>
-                                              <p:pRg st="7" end="7"/>
-                                            </p:txEl>
-                                          </p:spTgt>
-                                        </p:tgtEl>
-                                      </p:cBhvr>
-                                      <p:to x="100000" y="95000"/>
-                                    </p:animScale>
-                                    <p:animScale>
-                                      <p:cBhvr>
-                                        <p:cTn id="74" dur="166" decel="50000">
-                                          <p:stCondLst>
-                                            <p:cond delay="1834"/>
-                                          </p:stCondLst>
-                                        </p:cTn>
-                                        <p:tgtEl>
-                                          <p:spTgt spid="5">
-                                            <p:txEl>
-                                              <p:pRg st="7" end="7"/>
-                                            </p:txEl>
-                                          </p:spTgt>
-                                        </p:tgtEl>
-                                      </p:cBhvr>
-                                      <p:to x="100000" y="100000"/>
-                                    </p:animScale>
                                   </p:childTnLst>
                                 </p:cTn>
                               </p:par>
@@ -49253,26 +48271,26 @@
                     </p:cTn>
                   </p:par>
                   <p:par>
-                    <p:cTn id="75" fill="hold">
+                    <p:cTn id="19" fill="hold">
                       <p:stCondLst>
                         <p:cond delay="indefinite"/>
                       </p:stCondLst>
                       <p:childTnLst>
                         <p:par>
-                          <p:cTn id="76" fill="hold">
+                          <p:cTn id="20" fill="hold">
                             <p:stCondLst>
                               <p:cond delay="0"/>
                             </p:stCondLst>
                             <p:childTnLst>
                               <p:par>
-                                <p:cTn id="77" presetID="26" presetClass="entr" presetSubtype="0" fill="hold" nodeType="clickEffect">
+                                <p:cTn id="21" presetID="1" presetClass="entr" presetSubtype="0" fill="hold" nodeType="clickEffect">
                                   <p:stCondLst>
                                     <p:cond delay="0"/>
                                   </p:stCondLst>
                                   <p:childTnLst>
                                     <p:set>
                                       <p:cBhvr>
-                                        <p:cTn id="78" dur="1" fill="hold">
+                                        <p:cTn id="22" dur="1" fill="hold">
                                           <p:stCondLst>
                                             <p:cond delay="0"/>
                                           </p:stCondLst>
@@ -49292,313 +48310,6 @@
                                         <p:strVal val="visible"/>
                                       </p:to>
                                     </p:set>
-                                    <p:animEffect transition="in" filter="wipe(down)">
-                                      <p:cBhvr>
-                                        <p:cTn id="79" dur="580">
-                                          <p:stCondLst>
-                                            <p:cond delay="0"/>
-                                          </p:stCondLst>
-                                        </p:cTn>
-                                        <p:tgtEl>
-                                          <p:spTgt spid="5">
-                                            <p:txEl>
-                                              <p:pRg st="9" end="9"/>
-                                            </p:txEl>
-                                          </p:spTgt>
-                                        </p:tgtEl>
-                                      </p:cBhvr>
-                                    </p:animEffect>
-                                    <p:anim calcmode="lin" valueType="num">
-                                      <p:cBhvr>
-                                        <p:cTn id="80" dur="1822" tmFilter="0,0; 0.14,0.36; 0.43,0.73; 0.71,0.91; 1.0,1.0">
-                                          <p:stCondLst>
-                                            <p:cond delay="0"/>
-                                          </p:stCondLst>
-                                        </p:cTn>
-                                        <p:tgtEl>
-                                          <p:spTgt spid="5">
-                                            <p:txEl>
-                                              <p:pRg st="9" end="9"/>
-                                            </p:txEl>
-                                          </p:spTgt>
-                                        </p:tgtEl>
-                                        <p:attrNameLst>
-                                          <p:attrName>ppt_x</p:attrName>
-                                        </p:attrNameLst>
-                                      </p:cBhvr>
-                                      <p:tavLst>
-                                        <p:tav tm="0">
-                                          <p:val>
-                                            <p:strVal val="#ppt_x-0.25"/>
-                                          </p:val>
-                                        </p:tav>
-                                        <p:tav tm="100000">
-                                          <p:val>
-                                            <p:strVal val="#ppt_x"/>
-                                          </p:val>
-                                        </p:tav>
-                                      </p:tavLst>
-                                    </p:anim>
-                                    <p:anim calcmode="lin" valueType="num">
-                                      <p:cBhvr>
-                                        <p:cTn id="81" dur="664" tmFilter="0.0,0.0; 0.25,0.07; 0.50,0.2; 0.75,0.467; 1.0,1.0">
-                                          <p:stCondLst>
-                                            <p:cond delay="0"/>
-                                          </p:stCondLst>
-                                        </p:cTn>
-                                        <p:tgtEl>
-                                          <p:spTgt spid="5">
-                                            <p:txEl>
-                                              <p:pRg st="9" end="9"/>
-                                            </p:txEl>
-                                          </p:spTgt>
-                                        </p:tgtEl>
-                                        <p:attrNameLst>
-                                          <p:attrName>ppt_y</p:attrName>
-                                        </p:attrNameLst>
-                                      </p:cBhvr>
-                                      <p:tavLst>
-                                        <p:tav tm="0" fmla="#ppt_y-sin(pi*$)/3">
-                                          <p:val>
-                                            <p:fltVal val="0.5"/>
-                                          </p:val>
-                                        </p:tav>
-                                        <p:tav tm="100000">
-                                          <p:val>
-                                            <p:fltVal val="1"/>
-                                          </p:val>
-                                        </p:tav>
-                                      </p:tavLst>
-                                    </p:anim>
-                                    <p:anim calcmode="lin" valueType="num">
-                                      <p:cBhvr>
-                                        <p:cTn id="82" dur="664" tmFilter="0, 0; 0.125,0.2665; 0.25,0.4; 0.375,0.465; 0.5,0.5;  0.625,0.535; 0.75,0.6; 0.875,0.7335; 1,1">
-                                          <p:stCondLst>
-                                            <p:cond delay="664"/>
-                                          </p:stCondLst>
-                                        </p:cTn>
-                                        <p:tgtEl>
-                                          <p:spTgt spid="5">
-                                            <p:txEl>
-                                              <p:pRg st="9" end="9"/>
-                                            </p:txEl>
-                                          </p:spTgt>
-                                        </p:tgtEl>
-                                        <p:attrNameLst>
-                                          <p:attrName>ppt_y</p:attrName>
-                                        </p:attrNameLst>
-                                      </p:cBhvr>
-                                      <p:tavLst>
-                                        <p:tav tm="0" fmla="#ppt_y-sin(pi*$)/9">
-                                          <p:val>
-                                            <p:fltVal val="0"/>
-                                          </p:val>
-                                        </p:tav>
-                                        <p:tav tm="100000">
-                                          <p:val>
-                                            <p:fltVal val="1"/>
-                                          </p:val>
-                                        </p:tav>
-                                      </p:tavLst>
-                                    </p:anim>
-                                    <p:anim calcmode="lin" valueType="num">
-                                      <p:cBhvr>
-                                        <p:cTn id="83" dur="332" tmFilter="0, 0; 0.125,0.2665; 0.25,0.4; 0.375,0.465; 0.5,0.5;  0.625,0.535; 0.75,0.6; 0.875,0.7335; 1,1">
-                                          <p:stCondLst>
-                                            <p:cond delay="1324"/>
-                                          </p:stCondLst>
-                                        </p:cTn>
-                                        <p:tgtEl>
-                                          <p:spTgt spid="5">
-                                            <p:txEl>
-                                              <p:pRg st="9" end="9"/>
-                                            </p:txEl>
-                                          </p:spTgt>
-                                        </p:tgtEl>
-                                        <p:attrNameLst>
-                                          <p:attrName>ppt_y</p:attrName>
-                                        </p:attrNameLst>
-                                      </p:cBhvr>
-                                      <p:tavLst>
-                                        <p:tav tm="0" fmla="#ppt_y-sin(pi*$)/27">
-                                          <p:val>
-                                            <p:fltVal val="0"/>
-                                          </p:val>
-                                        </p:tav>
-                                        <p:tav tm="100000">
-                                          <p:val>
-                                            <p:fltVal val="1"/>
-                                          </p:val>
-                                        </p:tav>
-                                      </p:tavLst>
-                                    </p:anim>
-                                    <p:anim calcmode="lin" valueType="num">
-                                      <p:cBhvr>
-                                        <p:cTn id="84" dur="164" tmFilter="0, 0; 0.125,0.2665; 0.25,0.4; 0.375,0.465; 0.5,0.5;  0.625,0.535; 0.75,0.6; 0.875,0.7335; 1,1">
-                                          <p:stCondLst>
-                                            <p:cond delay="1656"/>
-                                          </p:stCondLst>
-                                        </p:cTn>
-                                        <p:tgtEl>
-                                          <p:spTgt spid="5">
-                                            <p:txEl>
-                                              <p:pRg st="9" end="9"/>
-                                            </p:txEl>
-                                          </p:spTgt>
-                                        </p:tgtEl>
-                                        <p:attrNameLst>
-                                          <p:attrName>ppt_y</p:attrName>
-                                        </p:attrNameLst>
-                                      </p:cBhvr>
-                                      <p:tavLst>
-                                        <p:tav tm="0" fmla="#ppt_y-sin(pi*$)/81">
-                                          <p:val>
-                                            <p:fltVal val="0"/>
-                                          </p:val>
-                                        </p:tav>
-                                        <p:tav tm="100000">
-                                          <p:val>
-                                            <p:fltVal val="1"/>
-                                          </p:val>
-                                        </p:tav>
-                                      </p:tavLst>
-                                    </p:anim>
-                                    <p:animScale>
-                                      <p:cBhvr>
-                                        <p:cTn id="85" dur="26">
-                                          <p:stCondLst>
-                                            <p:cond delay="650"/>
-                                          </p:stCondLst>
-                                        </p:cTn>
-                                        <p:tgtEl>
-                                          <p:spTgt spid="5">
-                                            <p:txEl>
-                                              <p:pRg st="9" end="9"/>
-                                            </p:txEl>
-                                          </p:spTgt>
-                                        </p:tgtEl>
-                                      </p:cBhvr>
-                                      <p:to x="100000" y="60000"/>
-                                    </p:animScale>
-                                    <p:animScale>
-                                      <p:cBhvr>
-                                        <p:cTn id="86" dur="166" decel="50000">
-                                          <p:stCondLst>
-                                            <p:cond delay="676"/>
-                                          </p:stCondLst>
-                                        </p:cTn>
-                                        <p:tgtEl>
-                                          <p:spTgt spid="5">
-                                            <p:txEl>
-                                              <p:pRg st="9" end="9"/>
-                                            </p:txEl>
-                                          </p:spTgt>
-                                        </p:tgtEl>
-                                      </p:cBhvr>
-                                      <p:to x="100000" y="100000"/>
-                                    </p:animScale>
-                                    <p:animScale>
-                                      <p:cBhvr>
-                                        <p:cTn id="87" dur="26">
-                                          <p:stCondLst>
-                                            <p:cond delay="1312"/>
-                                          </p:stCondLst>
-                                        </p:cTn>
-                                        <p:tgtEl>
-                                          <p:spTgt spid="5">
-                                            <p:txEl>
-                                              <p:pRg st="9" end="9"/>
-                                            </p:txEl>
-                                          </p:spTgt>
-                                        </p:tgtEl>
-                                      </p:cBhvr>
-                                      <p:to x="100000" y="80000"/>
-                                    </p:animScale>
-                                    <p:animScale>
-                                      <p:cBhvr>
-                                        <p:cTn id="88" dur="166" decel="50000">
-                                          <p:stCondLst>
-                                            <p:cond delay="1338"/>
-                                          </p:stCondLst>
-                                        </p:cTn>
-                                        <p:tgtEl>
-                                          <p:spTgt spid="5">
-                                            <p:txEl>
-                                              <p:pRg st="9" end="9"/>
-                                            </p:txEl>
-                                          </p:spTgt>
-                                        </p:tgtEl>
-                                      </p:cBhvr>
-                                      <p:to x="100000" y="100000"/>
-                                    </p:animScale>
-                                    <p:animScale>
-                                      <p:cBhvr>
-                                        <p:cTn id="89" dur="26">
-                                          <p:stCondLst>
-                                            <p:cond delay="1642"/>
-                                          </p:stCondLst>
-                                        </p:cTn>
-                                        <p:tgtEl>
-                                          <p:spTgt spid="5">
-                                            <p:txEl>
-                                              <p:pRg st="9" end="9"/>
-                                            </p:txEl>
-                                          </p:spTgt>
-                                        </p:tgtEl>
-                                      </p:cBhvr>
-                                      <p:to x="100000" y="90000"/>
-                                    </p:animScale>
-                                    <p:animScale>
-                                      <p:cBhvr>
-                                        <p:cTn id="90" dur="166" decel="50000">
-                                          <p:stCondLst>
-                                            <p:cond delay="1668"/>
-                                          </p:stCondLst>
-                                        </p:cTn>
-                                        <p:tgtEl>
-                                          <p:spTgt spid="5">
-                                            <p:txEl>
-                                              <p:pRg st="9" end="9"/>
-                                            </p:txEl>
-                                          </p:spTgt>
-                                        </p:tgtEl>
-                                      </p:cBhvr>
-                                      <p:to x="100000" y="100000"/>
-                                    </p:animScale>
-                                    <p:animScale>
-                                      <p:cBhvr>
-                                        <p:cTn id="91" dur="26">
-                                          <p:stCondLst>
-                                            <p:cond delay="1808"/>
-                                          </p:stCondLst>
-                                        </p:cTn>
-                                        <p:tgtEl>
-                                          <p:spTgt spid="5">
-                                            <p:txEl>
-                                              <p:pRg st="9" end="9"/>
-                                            </p:txEl>
-                                          </p:spTgt>
-                                        </p:tgtEl>
-                                      </p:cBhvr>
-                                      <p:to x="100000" y="95000"/>
-                                    </p:animScale>
-                                    <p:animScale>
-                                      <p:cBhvr>
-                                        <p:cTn id="92" dur="166" decel="50000">
-                                          <p:stCondLst>
-                                            <p:cond delay="1834"/>
-                                          </p:stCondLst>
-                                        </p:cTn>
-                                        <p:tgtEl>
-                                          <p:spTgt spid="5">
-                                            <p:txEl>
-                                              <p:pRg st="9" end="9"/>
-                                            </p:txEl>
-                                          </p:spTgt>
-                                        </p:tgtEl>
-                                      </p:cBhvr>
-                                      <p:to x="100000" y="100000"/>
-                                    </p:animScale>
                                   </p:childTnLst>
                                 </p:cTn>
                               </p:par>
@@ -49609,26 +48320,26 @@
                     </p:cTn>
                   </p:par>
                   <p:par>
-                    <p:cTn id="93" fill="hold">
+                    <p:cTn id="23" fill="hold">
                       <p:stCondLst>
                         <p:cond delay="indefinite"/>
                       </p:stCondLst>
                       <p:childTnLst>
                         <p:par>
-                          <p:cTn id="94" fill="hold">
+                          <p:cTn id="24" fill="hold">
                             <p:stCondLst>
                               <p:cond delay="0"/>
                             </p:stCondLst>
                             <p:childTnLst>
                               <p:par>
-                                <p:cTn id="95" presetID="26" presetClass="entr" presetSubtype="0" fill="hold" nodeType="clickEffect">
+                                <p:cTn id="25" presetID="1" presetClass="entr" presetSubtype="0" fill="hold" nodeType="clickEffect">
                                   <p:stCondLst>
                                     <p:cond delay="0"/>
                                   </p:stCondLst>
                                   <p:childTnLst>
                                     <p:set>
                                       <p:cBhvr>
-                                        <p:cTn id="96" dur="1" fill="hold">
+                                        <p:cTn id="26" dur="1" fill="hold">
                                           <p:stCondLst>
                                             <p:cond delay="0"/>
                                           </p:stCondLst>
@@ -49648,313 +48359,6 @@
                                         <p:strVal val="visible"/>
                                       </p:to>
                                     </p:set>
-                                    <p:animEffect transition="in" filter="wipe(down)">
-                                      <p:cBhvr>
-                                        <p:cTn id="97" dur="580">
-                                          <p:stCondLst>
-                                            <p:cond delay="0"/>
-                                          </p:stCondLst>
-                                        </p:cTn>
-                                        <p:tgtEl>
-                                          <p:spTgt spid="5">
-                                            <p:txEl>
-                                              <p:pRg st="11" end="11"/>
-                                            </p:txEl>
-                                          </p:spTgt>
-                                        </p:tgtEl>
-                                      </p:cBhvr>
-                                    </p:animEffect>
-                                    <p:anim calcmode="lin" valueType="num">
-                                      <p:cBhvr>
-                                        <p:cTn id="98" dur="1822" tmFilter="0,0; 0.14,0.36; 0.43,0.73; 0.71,0.91; 1.0,1.0">
-                                          <p:stCondLst>
-                                            <p:cond delay="0"/>
-                                          </p:stCondLst>
-                                        </p:cTn>
-                                        <p:tgtEl>
-                                          <p:spTgt spid="5">
-                                            <p:txEl>
-                                              <p:pRg st="11" end="11"/>
-                                            </p:txEl>
-                                          </p:spTgt>
-                                        </p:tgtEl>
-                                        <p:attrNameLst>
-                                          <p:attrName>ppt_x</p:attrName>
-                                        </p:attrNameLst>
-                                      </p:cBhvr>
-                                      <p:tavLst>
-                                        <p:tav tm="0">
-                                          <p:val>
-                                            <p:strVal val="#ppt_x-0.25"/>
-                                          </p:val>
-                                        </p:tav>
-                                        <p:tav tm="100000">
-                                          <p:val>
-                                            <p:strVal val="#ppt_x"/>
-                                          </p:val>
-                                        </p:tav>
-                                      </p:tavLst>
-                                    </p:anim>
-                                    <p:anim calcmode="lin" valueType="num">
-                                      <p:cBhvr>
-                                        <p:cTn id="99" dur="664" tmFilter="0.0,0.0; 0.25,0.07; 0.50,0.2; 0.75,0.467; 1.0,1.0">
-                                          <p:stCondLst>
-                                            <p:cond delay="0"/>
-                                          </p:stCondLst>
-                                        </p:cTn>
-                                        <p:tgtEl>
-                                          <p:spTgt spid="5">
-                                            <p:txEl>
-                                              <p:pRg st="11" end="11"/>
-                                            </p:txEl>
-                                          </p:spTgt>
-                                        </p:tgtEl>
-                                        <p:attrNameLst>
-                                          <p:attrName>ppt_y</p:attrName>
-                                        </p:attrNameLst>
-                                      </p:cBhvr>
-                                      <p:tavLst>
-                                        <p:tav tm="0" fmla="#ppt_y-sin(pi*$)/3">
-                                          <p:val>
-                                            <p:fltVal val="0.5"/>
-                                          </p:val>
-                                        </p:tav>
-                                        <p:tav tm="100000">
-                                          <p:val>
-                                            <p:fltVal val="1"/>
-                                          </p:val>
-                                        </p:tav>
-                                      </p:tavLst>
-                                    </p:anim>
-                                    <p:anim calcmode="lin" valueType="num">
-                                      <p:cBhvr>
-                                        <p:cTn id="100" dur="664" tmFilter="0, 0; 0.125,0.2665; 0.25,0.4; 0.375,0.465; 0.5,0.5;  0.625,0.535; 0.75,0.6; 0.875,0.7335; 1,1">
-                                          <p:stCondLst>
-                                            <p:cond delay="664"/>
-                                          </p:stCondLst>
-                                        </p:cTn>
-                                        <p:tgtEl>
-                                          <p:spTgt spid="5">
-                                            <p:txEl>
-                                              <p:pRg st="11" end="11"/>
-                                            </p:txEl>
-                                          </p:spTgt>
-                                        </p:tgtEl>
-                                        <p:attrNameLst>
-                                          <p:attrName>ppt_y</p:attrName>
-                                        </p:attrNameLst>
-                                      </p:cBhvr>
-                                      <p:tavLst>
-                                        <p:tav tm="0" fmla="#ppt_y-sin(pi*$)/9">
-                                          <p:val>
-                                            <p:fltVal val="0"/>
-                                          </p:val>
-                                        </p:tav>
-                                        <p:tav tm="100000">
-                                          <p:val>
-                                            <p:fltVal val="1"/>
-                                          </p:val>
-                                        </p:tav>
-                                      </p:tavLst>
-                                    </p:anim>
-                                    <p:anim calcmode="lin" valueType="num">
-                                      <p:cBhvr>
-                                        <p:cTn id="101" dur="332" tmFilter="0, 0; 0.125,0.2665; 0.25,0.4; 0.375,0.465; 0.5,0.5;  0.625,0.535; 0.75,0.6; 0.875,0.7335; 1,1">
-                                          <p:stCondLst>
-                                            <p:cond delay="1324"/>
-                                          </p:stCondLst>
-                                        </p:cTn>
-                                        <p:tgtEl>
-                                          <p:spTgt spid="5">
-                                            <p:txEl>
-                                              <p:pRg st="11" end="11"/>
-                                            </p:txEl>
-                                          </p:spTgt>
-                                        </p:tgtEl>
-                                        <p:attrNameLst>
-                                          <p:attrName>ppt_y</p:attrName>
-                                        </p:attrNameLst>
-                                      </p:cBhvr>
-                                      <p:tavLst>
-                                        <p:tav tm="0" fmla="#ppt_y-sin(pi*$)/27">
-                                          <p:val>
-                                            <p:fltVal val="0"/>
-                                          </p:val>
-                                        </p:tav>
-                                        <p:tav tm="100000">
-                                          <p:val>
-                                            <p:fltVal val="1"/>
-                                          </p:val>
-                                        </p:tav>
-                                      </p:tavLst>
-                                    </p:anim>
-                                    <p:anim calcmode="lin" valueType="num">
-                                      <p:cBhvr>
-                                        <p:cTn id="102" dur="164" tmFilter="0, 0; 0.125,0.2665; 0.25,0.4; 0.375,0.465; 0.5,0.5;  0.625,0.535; 0.75,0.6; 0.875,0.7335; 1,1">
-                                          <p:stCondLst>
-                                            <p:cond delay="1656"/>
-                                          </p:stCondLst>
-                                        </p:cTn>
-                                        <p:tgtEl>
-                                          <p:spTgt spid="5">
-                                            <p:txEl>
-                                              <p:pRg st="11" end="11"/>
-                                            </p:txEl>
-                                          </p:spTgt>
-                                        </p:tgtEl>
-                                        <p:attrNameLst>
-                                          <p:attrName>ppt_y</p:attrName>
-                                        </p:attrNameLst>
-                                      </p:cBhvr>
-                                      <p:tavLst>
-                                        <p:tav tm="0" fmla="#ppt_y-sin(pi*$)/81">
-                                          <p:val>
-                                            <p:fltVal val="0"/>
-                                          </p:val>
-                                        </p:tav>
-                                        <p:tav tm="100000">
-                                          <p:val>
-                                            <p:fltVal val="1"/>
-                                          </p:val>
-                                        </p:tav>
-                                      </p:tavLst>
-                                    </p:anim>
-                                    <p:animScale>
-                                      <p:cBhvr>
-                                        <p:cTn id="103" dur="26">
-                                          <p:stCondLst>
-                                            <p:cond delay="650"/>
-                                          </p:stCondLst>
-                                        </p:cTn>
-                                        <p:tgtEl>
-                                          <p:spTgt spid="5">
-                                            <p:txEl>
-                                              <p:pRg st="11" end="11"/>
-                                            </p:txEl>
-                                          </p:spTgt>
-                                        </p:tgtEl>
-                                      </p:cBhvr>
-                                      <p:to x="100000" y="60000"/>
-                                    </p:animScale>
-                                    <p:animScale>
-                                      <p:cBhvr>
-                                        <p:cTn id="104" dur="166" decel="50000">
-                                          <p:stCondLst>
-                                            <p:cond delay="676"/>
-                                          </p:stCondLst>
-                                        </p:cTn>
-                                        <p:tgtEl>
-                                          <p:spTgt spid="5">
-                                            <p:txEl>
-                                              <p:pRg st="11" end="11"/>
-                                            </p:txEl>
-                                          </p:spTgt>
-                                        </p:tgtEl>
-                                      </p:cBhvr>
-                                      <p:to x="100000" y="100000"/>
-                                    </p:animScale>
-                                    <p:animScale>
-                                      <p:cBhvr>
-                                        <p:cTn id="105" dur="26">
-                                          <p:stCondLst>
-                                            <p:cond delay="1312"/>
-                                          </p:stCondLst>
-                                        </p:cTn>
-                                        <p:tgtEl>
-                                          <p:spTgt spid="5">
-                                            <p:txEl>
-                                              <p:pRg st="11" end="11"/>
-                                            </p:txEl>
-                                          </p:spTgt>
-                                        </p:tgtEl>
-                                      </p:cBhvr>
-                                      <p:to x="100000" y="80000"/>
-                                    </p:animScale>
-                                    <p:animScale>
-                                      <p:cBhvr>
-                                        <p:cTn id="106" dur="166" decel="50000">
-                                          <p:stCondLst>
-                                            <p:cond delay="1338"/>
-                                          </p:stCondLst>
-                                        </p:cTn>
-                                        <p:tgtEl>
-                                          <p:spTgt spid="5">
-                                            <p:txEl>
-                                              <p:pRg st="11" end="11"/>
-                                            </p:txEl>
-                                          </p:spTgt>
-                                        </p:tgtEl>
-                                      </p:cBhvr>
-                                      <p:to x="100000" y="100000"/>
-                                    </p:animScale>
-                                    <p:animScale>
-                                      <p:cBhvr>
-                                        <p:cTn id="107" dur="26">
-                                          <p:stCondLst>
-                                            <p:cond delay="1642"/>
-                                          </p:stCondLst>
-                                        </p:cTn>
-                                        <p:tgtEl>
-                                          <p:spTgt spid="5">
-                                            <p:txEl>
-                                              <p:pRg st="11" end="11"/>
-                                            </p:txEl>
-                                          </p:spTgt>
-                                        </p:tgtEl>
-                                      </p:cBhvr>
-                                      <p:to x="100000" y="90000"/>
-                                    </p:animScale>
-                                    <p:animScale>
-                                      <p:cBhvr>
-                                        <p:cTn id="108" dur="166" decel="50000">
-                                          <p:stCondLst>
-                                            <p:cond delay="1668"/>
-                                          </p:stCondLst>
-                                        </p:cTn>
-                                        <p:tgtEl>
-                                          <p:spTgt spid="5">
-                                            <p:txEl>
-                                              <p:pRg st="11" end="11"/>
-                                            </p:txEl>
-                                          </p:spTgt>
-                                        </p:tgtEl>
-                                      </p:cBhvr>
-                                      <p:to x="100000" y="100000"/>
-                                    </p:animScale>
-                                    <p:animScale>
-                                      <p:cBhvr>
-                                        <p:cTn id="109" dur="26">
-                                          <p:stCondLst>
-                                            <p:cond delay="1808"/>
-                                          </p:stCondLst>
-                                        </p:cTn>
-                                        <p:tgtEl>
-                                          <p:spTgt spid="5">
-                                            <p:txEl>
-                                              <p:pRg st="11" end="11"/>
-                                            </p:txEl>
-                                          </p:spTgt>
-                                        </p:tgtEl>
-                                      </p:cBhvr>
-                                      <p:to x="100000" y="95000"/>
-                                    </p:animScale>
-                                    <p:animScale>
-                                      <p:cBhvr>
-                                        <p:cTn id="110" dur="166" decel="50000">
-                                          <p:stCondLst>
-                                            <p:cond delay="1834"/>
-                                          </p:stCondLst>
-                                        </p:cTn>
-                                        <p:tgtEl>
-                                          <p:spTgt spid="5">
-                                            <p:txEl>
-                                              <p:pRg st="11" end="11"/>
-                                            </p:txEl>
-                                          </p:spTgt>
-                                        </p:tgtEl>
-                                      </p:cBhvr>
-                                      <p:to x="100000" y="100000"/>
-                                    </p:animScale>
                                   </p:childTnLst>
                                 </p:cTn>
                               </p:par>
@@ -50219,6 +48623,183 @@
     <a:masterClrMapping/>
   </p:clrMapOvr>
   <p:transition/>
+  <p:timing>
+    <p:tnLst>
+      <p:par>
+        <p:cTn id="1" dur="indefinite" restart="never" nodeType="tmRoot">
+          <p:childTnLst>
+            <p:seq concurrent="1" nextAc="seek">
+              <p:cTn id="2" dur="indefinite" nodeType="mainSeq">
+                <p:childTnLst>
+                  <p:par>
+                    <p:cTn id="3" fill="hold">
+                      <p:stCondLst>
+                        <p:cond delay="indefinite"/>
+                      </p:stCondLst>
+                      <p:childTnLst>
+                        <p:par>
+                          <p:cTn id="4" fill="hold">
+                            <p:stCondLst>
+                              <p:cond delay="0"/>
+                            </p:stCondLst>
+                            <p:childTnLst>
+                              <p:par>
+                                <p:cTn id="5" presetID="1" presetClass="entr" presetSubtype="0" fill="hold" nodeType="clickEffect">
+                                  <p:stCondLst>
+                                    <p:cond delay="0"/>
+                                  </p:stCondLst>
+                                  <p:childTnLst>
+                                    <p:set>
+                                      <p:cBhvr>
+                                        <p:cTn id="6" dur="1" fill="hold">
+                                          <p:stCondLst>
+                                            <p:cond delay="0"/>
+                                          </p:stCondLst>
+                                        </p:cTn>
+                                        <p:tgtEl>
+                                          <p:spTgt spid="5">
+                                            <p:txEl>
+                                              <p:pRg st="1" end="1"/>
+                                            </p:txEl>
+                                          </p:spTgt>
+                                        </p:tgtEl>
+                                        <p:attrNameLst>
+                                          <p:attrName>style.visibility</p:attrName>
+                                        </p:attrNameLst>
+                                      </p:cBhvr>
+                                      <p:to>
+                                        <p:strVal val="visible"/>
+                                      </p:to>
+                                    </p:set>
+                                  </p:childTnLst>
+                                </p:cTn>
+                              </p:par>
+                            </p:childTnLst>
+                          </p:cTn>
+                        </p:par>
+                      </p:childTnLst>
+                    </p:cTn>
+                  </p:par>
+                  <p:par>
+                    <p:cTn id="7" fill="hold">
+                      <p:stCondLst>
+                        <p:cond delay="indefinite"/>
+                      </p:stCondLst>
+                      <p:childTnLst>
+                        <p:par>
+                          <p:cTn id="8" fill="hold">
+                            <p:stCondLst>
+                              <p:cond delay="0"/>
+                            </p:stCondLst>
+                            <p:childTnLst>
+                              <p:par>
+                                <p:cTn id="9" presetID="1" presetClass="entr" presetSubtype="0" fill="hold" nodeType="clickEffect">
+                                  <p:stCondLst>
+                                    <p:cond delay="0"/>
+                                  </p:stCondLst>
+                                  <p:childTnLst>
+                                    <p:set>
+                                      <p:cBhvr>
+                                        <p:cTn id="10" dur="1" fill="hold">
+                                          <p:stCondLst>
+                                            <p:cond delay="0"/>
+                                          </p:stCondLst>
+                                        </p:cTn>
+                                        <p:tgtEl>
+                                          <p:spTgt spid="5">
+                                            <p:txEl>
+                                              <p:pRg st="3" end="3"/>
+                                            </p:txEl>
+                                          </p:spTgt>
+                                        </p:tgtEl>
+                                        <p:attrNameLst>
+                                          <p:attrName>style.visibility</p:attrName>
+                                        </p:attrNameLst>
+                                      </p:cBhvr>
+                                      <p:to>
+                                        <p:strVal val="visible"/>
+                                      </p:to>
+                                    </p:set>
+                                  </p:childTnLst>
+                                </p:cTn>
+                              </p:par>
+                            </p:childTnLst>
+                          </p:cTn>
+                        </p:par>
+                      </p:childTnLst>
+                    </p:cTn>
+                  </p:par>
+                  <p:par>
+                    <p:cTn id="11" fill="hold">
+                      <p:stCondLst>
+                        <p:cond delay="indefinite"/>
+                      </p:stCondLst>
+                      <p:childTnLst>
+                        <p:par>
+                          <p:cTn id="12" fill="hold">
+                            <p:stCondLst>
+                              <p:cond delay="0"/>
+                            </p:stCondLst>
+                            <p:childTnLst>
+                              <p:par>
+                                <p:cTn id="13" presetID="1" presetClass="entr" presetSubtype="0" fill="hold" nodeType="clickEffect">
+                                  <p:stCondLst>
+                                    <p:cond delay="0"/>
+                                  </p:stCondLst>
+                                  <p:childTnLst>
+                                    <p:set>
+                                      <p:cBhvr>
+                                        <p:cTn id="14" dur="1" fill="hold">
+                                          <p:stCondLst>
+                                            <p:cond delay="0"/>
+                                          </p:stCondLst>
+                                        </p:cTn>
+                                        <p:tgtEl>
+                                          <p:spTgt spid="5">
+                                            <p:txEl>
+                                              <p:pRg st="7" end="7"/>
+                                            </p:txEl>
+                                          </p:spTgt>
+                                        </p:tgtEl>
+                                        <p:attrNameLst>
+                                          <p:attrName>style.visibility</p:attrName>
+                                        </p:attrNameLst>
+                                      </p:cBhvr>
+                                      <p:to>
+                                        <p:strVal val="visible"/>
+                                      </p:to>
+                                    </p:set>
+                                  </p:childTnLst>
+                                </p:cTn>
+                              </p:par>
+                            </p:childTnLst>
+                          </p:cTn>
+                        </p:par>
+                      </p:childTnLst>
+                    </p:cTn>
+                  </p:par>
+                </p:childTnLst>
+              </p:cTn>
+              <p:prevCondLst>
+                <p:cond evt="onPrev" delay="0">
+                  <p:tgtEl>
+                    <p:sldTgt/>
+                  </p:tgtEl>
+                </p:cond>
+              </p:prevCondLst>
+              <p:nextCondLst>
+                <p:cond evt="onNext" delay="0">
+                  <p:tgtEl>
+                    <p:sldTgt/>
+                  </p:tgtEl>
+                </p:cond>
+              </p:nextCondLst>
+            </p:seq>
+          </p:childTnLst>
+        </p:cTn>
+      </p:par>
+    </p:tnLst>
+  </p:timing>
 </p:sld>
 </file>
 
@@ -50319,6 +48900,34 @@
               <a:rPr lang="de-DE" dirty="0" err="1"/>
               <a:t>Merge</a:t>
             </a:r>
+            <a:endParaRPr lang="de-DE" dirty="0"/>
+          </a:p>
+          <a:p>
+            <a:pPr marL="285750" indent="-285750">
+              <a:buFontTx/>
+              <a:buChar char="-"/>
+            </a:pPr>
+            <a:endParaRPr lang="de-DE" dirty="0" smtClean="0"/>
+          </a:p>
+          <a:p>
+            <a:pPr marL="285750" indent="-285750">
+              <a:buFontTx/>
+              <a:buChar char="-"/>
+            </a:pPr>
+            <a:endParaRPr lang="de-DE" dirty="0"/>
+          </a:p>
+          <a:p>
+            <a:pPr marL="285750" indent="-285750">
+              <a:buFontTx/>
+              <a:buChar char="-"/>
+            </a:pPr>
+            <a:endParaRPr lang="de-DE" dirty="0" smtClean="0"/>
+          </a:p>
+          <a:p>
+            <a:pPr marL="285750" indent="-285750">
+              <a:buFontTx/>
+              <a:buChar char="-"/>
+            </a:pPr>
             <a:endParaRPr lang="de-DE" dirty="0"/>
           </a:p>
           <a:p>
@@ -50533,6 +49142,96 @@
           </a:prstGeom>
         </p:spPr>
       </p:pic>
+      <p:pic>
+        <p:nvPicPr>
+          <p:cNvPr id="7" name="Grafik 6"/>
+          <p:cNvPicPr>
+            <a:picLocks noChangeAspect="1"/>
+          </p:cNvPicPr>
+          <p:nvPr/>
+        </p:nvPicPr>
+        <p:blipFill>
+          <a:blip r:embed="rId5">
+            <a:extLst>
+              <a:ext uri="{28A0092B-C50C-407E-A947-70E740481C1C}">
+                <a14:useLocalDpi xmlns:a14="http://schemas.microsoft.com/office/drawing/2010/main" val="0"/>
+              </a:ext>
+            </a:extLst>
+          </a:blip>
+          <a:stretch>
+            <a:fillRect/>
+          </a:stretch>
+        </p:blipFill>
+        <p:spPr>
+          <a:xfrm>
+            <a:off x="191069" y="4048741"/>
+            <a:ext cx="2101755" cy="734927"/>
+          </a:xfrm>
+          <a:prstGeom prst="rect">
+            <a:avLst/>
+          </a:prstGeom>
+        </p:spPr>
+      </p:pic>
+      <p:pic>
+        <p:nvPicPr>
+          <p:cNvPr id="10" name="Grafik 9"/>
+          <p:cNvPicPr>
+            <a:picLocks noChangeAspect="1"/>
+          </p:cNvPicPr>
+          <p:nvPr/>
+        </p:nvPicPr>
+        <p:blipFill>
+          <a:blip r:embed="rId6">
+            <a:extLst>
+              <a:ext uri="{28A0092B-C50C-407E-A947-70E740481C1C}">
+                <a14:useLocalDpi xmlns:a14="http://schemas.microsoft.com/office/drawing/2010/main" val="0"/>
+              </a:ext>
+            </a:extLst>
+          </a:blip>
+          <a:stretch>
+            <a:fillRect/>
+          </a:stretch>
+        </p:blipFill>
+        <p:spPr>
+          <a:xfrm>
+            <a:off x="191069" y="5023193"/>
+            <a:ext cx="2029108" cy="619211"/>
+          </a:xfrm>
+          <a:prstGeom prst="rect">
+            <a:avLst/>
+          </a:prstGeom>
+        </p:spPr>
+      </p:pic>
+      <p:pic>
+        <p:nvPicPr>
+          <p:cNvPr id="11" name="Grafik 10"/>
+          <p:cNvPicPr>
+            <a:picLocks noChangeAspect="1"/>
+          </p:cNvPicPr>
+          <p:nvPr/>
+        </p:nvPicPr>
+        <p:blipFill>
+          <a:blip r:embed="rId7">
+            <a:extLst>
+              <a:ext uri="{28A0092B-C50C-407E-A947-70E740481C1C}">
+                <a14:useLocalDpi xmlns:a14="http://schemas.microsoft.com/office/drawing/2010/main" val="0"/>
+              </a:ext>
+            </a:extLst>
+          </a:blip>
+          <a:stretch>
+            <a:fillRect/>
+          </a:stretch>
+        </p:blipFill>
+        <p:spPr>
+          <a:xfrm>
+            <a:off x="3009900" y="3361938"/>
+            <a:ext cx="1570964" cy="1373606"/>
+          </a:xfrm>
+          <a:prstGeom prst="rect">
+            <a:avLst/>
+          </a:prstGeom>
+        </p:spPr>
+      </p:pic>
     </p:spTree>
     <p:extLst>
       <p:ext uri="{BB962C8B-B14F-4D97-AF65-F5344CB8AC3E}">
@@ -50565,7 +49264,7 @@
                             </p:stCondLst>
                             <p:childTnLst>
                               <p:par>
-                                <p:cTn id="5" presetID="2" presetClass="entr" presetSubtype="4" fill="hold" nodeType="clickEffect">
+                                <p:cTn id="5" presetID="1" presetClass="entr" presetSubtype="0" fill="hold" nodeType="clickEffect">
                                   <p:stCondLst>
                                     <p:cond delay="0"/>
                                   </p:stCondLst>
@@ -50592,60 +49291,6 @@
                                         <p:strVal val="visible"/>
                                       </p:to>
                                     </p:set>
-                                    <p:anim calcmode="lin" valueType="num">
-                                      <p:cBhvr additive="base">
-                                        <p:cTn id="7" dur="500" fill="hold"/>
-                                        <p:tgtEl>
-                                          <p:spTgt spid="5">
-                                            <p:txEl>
-                                              <p:pRg st="0" end="0"/>
-                                            </p:txEl>
-                                          </p:spTgt>
-                                        </p:tgtEl>
-                                        <p:attrNameLst>
-                                          <p:attrName>ppt_x</p:attrName>
-                                        </p:attrNameLst>
-                                      </p:cBhvr>
-                                      <p:tavLst>
-                                        <p:tav tm="0">
-                                          <p:val>
-                                            <p:strVal val="#ppt_x"/>
-                                          </p:val>
-                                        </p:tav>
-                                        <p:tav tm="100000">
-                                          <p:val>
-                                            <p:strVal val="#ppt_x"/>
-                                          </p:val>
-                                        </p:tav>
-                                      </p:tavLst>
-                                    </p:anim>
-                                    <p:anim calcmode="lin" valueType="num">
-                                      <p:cBhvr additive="base">
-                                        <p:cTn id="8" dur="500" fill="hold"/>
-                                        <p:tgtEl>
-                                          <p:spTgt spid="5">
-                                            <p:txEl>
-                                              <p:pRg st="0" end="0"/>
-                                            </p:txEl>
-                                          </p:spTgt>
-                                        </p:tgtEl>
-                                        <p:attrNameLst>
-                                          <p:attrName>ppt_y</p:attrName>
-                                        </p:attrNameLst>
-                                      </p:cBhvr>
-                                      <p:tavLst>
-                                        <p:tav tm="0">
-                                          <p:val>
-                                            <p:strVal val="1+#ppt_h/2"/>
-                                          </p:val>
-                                        </p:tav>
-                                        <p:tav tm="100000">
-                                          <p:val>
-                                            <p:strVal val="#ppt_y"/>
-                                          </p:val>
-                                        </p:tav>
-                                      </p:tavLst>
-                                    </p:anim>
                                   </p:childTnLst>
                                 </p:cTn>
                               </p:par>
@@ -50656,26 +49301,26 @@
                     </p:cTn>
                   </p:par>
                   <p:par>
-                    <p:cTn id="9" fill="hold">
+                    <p:cTn id="7" fill="hold">
                       <p:stCondLst>
                         <p:cond delay="indefinite"/>
                       </p:stCondLst>
                       <p:childTnLst>
                         <p:par>
-                          <p:cTn id="10" fill="hold">
+                          <p:cTn id="8" fill="hold">
                             <p:stCondLst>
                               <p:cond delay="0"/>
                             </p:stCondLst>
                             <p:childTnLst>
                               <p:par>
-                                <p:cTn id="11" presetID="2" presetClass="entr" presetSubtype="4" fill="hold" nodeType="clickEffect">
+                                <p:cTn id="9" presetID="1" presetClass="entr" presetSubtype="0" fill="hold" nodeType="clickEffect">
                                   <p:stCondLst>
                                     <p:cond delay="0"/>
                                   </p:stCondLst>
                                   <p:childTnLst>
                                     <p:set>
                                       <p:cBhvr>
-                                        <p:cTn id="12" dur="1" fill="hold">
+                                        <p:cTn id="10" dur="1" fill="hold">
                                           <p:stCondLst>
                                             <p:cond delay="0"/>
                                           </p:stCondLst>
@@ -50695,60 +49340,55 @@
                                         <p:strVal val="visible"/>
                                       </p:to>
                                     </p:set>
-                                    <p:anim calcmode="lin" valueType="num">
-                                      <p:cBhvr additive="base">
-                                        <p:cTn id="13" dur="500" fill="hold"/>
+                                  </p:childTnLst>
+                                </p:cTn>
+                              </p:par>
+                            </p:childTnLst>
+                          </p:cTn>
+                        </p:par>
+                      </p:childTnLst>
+                    </p:cTn>
+                  </p:par>
+                  <p:par>
+                    <p:cTn id="11" fill="hold">
+                      <p:stCondLst>
+                        <p:cond delay="indefinite"/>
+                      </p:stCondLst>
+                      <p:childTnLst>
+                        <p:par>
+                          <p:cTn id="12" fill="hold">
+                            <p:stCondLst>
+                              <p:cond delay="0"/>
+                            </p:stCondLst>
+                            <p:childTnLst>
+                              <p:par>
+                                <p:cTn id="13" presetID="1" presetClass="entr" presetSubtype="0" fill="hold" nodeType="clickEffect">
+                                  <p:stCondLst>
+                                    <p:cond delay="0"/>
+                                  </p:stCondLst>
+                                  <p:childTnLst>
+                                    <p:set>
+                                      <p:cBhvr>
+                                        <p:cTn id="14" dur="1" fill="hold">
+                                          <p:stCondLst>
+                                            <p:cond delay="0"/>
+                                          </p:stCondLst>
+                                        </p:cTn>
                                         <p:tgtEl>
                                           <p:spTgt spid="5">
                                             <p:txEl>
-                                              <p:pRg st="3" end="3"/>
+                                              <p:pRg st="6" end="6"/>
                                             </p:txEl>
                                           </p:spTgt>
                                         </p:tgtEl>
                                         <p:attrNameLst>
-                                          <p:attrName>ppt_x</p:attrName>
+                                          <p:attrName>style.visibility</p:attrName>
                                         </p:attrNameLst>
                                       </p:cBhvr>
-                                      <p:tavLst>
-                                        <p:tav tm="0">
-                                          <p:val>
-                                            <p:strVal val="#ppt_x"/>
-                                          </p:val>
-                                        </p:tav>
-                                        <p:tav tm="100000">
-                                          <p:val>
-                                            <p:strVal val="#ppt_x"/>
-                                          </p:val>
-                                        </p:tav>
-                                      </p:tavLst>
-                                    </p:anim>
-                                    <p:anim calcmode="lin" valueType="num">
-                                      <p:cBhvr additive="base">
-                                        <p:cTn id="14" dur="500" fill="hold"/>
-                                        <p:tgtEl>
-                                          <p:spTgt spid="5">
-                                            <p:txEl>
-                                              <p:pRg st="3" end="3"/>
-                                            </p:txEl>
-                                          </p:spTgt>
-                                        </p:tgtEl>
-                                        <p:attrNameLst>
-                                          <p:attrName>ppt_y</p:attrName>
-                                        </p:attrNameLst>
-                                      </p:cBhvr>
-                                      <p:tavLst>
-                                        <p:tav tm="0">
-                                          <p:val>
-                                            <p:strVal val="1+#ppt_h/2"/>
-                                          </p:val>
-                                        </p:tav>
-                                        <p:tav tm="100000">
-                                          <p:val>
-                                            <p:strVal val="#ppt_y"/>
-                                          </p:val>
-                                        </p:tav>
-                                      </p:tavLst>
-                                    </p:anim>
+                                      <p:to>
+                                        <p:strVal val="visible"/>
+                                      </p:to>
+                                    </p:set>
                                   </p:childTnLst>
                                 </p:cTn>
                               </p:par>
@@ -50771,7 +49411,7 @@
                             </p:stCondLst>
                             <p:childTnLst>
                               <p:par>
-                                <p:cTn id="17" presetID="2" presetClass="entr" presetSubtype="4" fill="hold" nodeType="clickEffect">
+                                <p:cTn id="17" presetID="1" presetClass="entr" presetSubtype="0" fill="hold" nodeType="clickEffect">
                                   <p:stCondLst>
                                     <p:cond delay="0"/>
                                   </p:stCondLst>
@@ -50786,7 +49426,7 @@
                                         <p:tgtEl>
                                           <p:spTgt spid="5">
                                             <p:txEl>
-                                              <p:pRg st="6" end="6"/>
+                                              <p:pRg st="13" end="13"/>
                                             </p:txEl>
                                           </p:spTgt>
                                         </p:tgtEl>
@@ -50798,60 +49438,6 @@
                                         <p:strVal val="visible"/>
                                       </p:to>
                                     </p:set>
-                                    <p:anim calcmode="lin" valueType="num">
-                                      <p:cBhvr additive="base">
-                                        <p:cTn id="19" dur="500" fill="hold"/>
-                                        <p:tgtEl>
-                                          <p:spTgt spid="5">
-                                            <p:txEl>
-                                              <p:pRg st="6" end="6"/>
-                                            </p:txEl>
-                                          </p:spTgt>
-                                        </p:tgtEl>
-                                        <p:attrNameLst>
-                                          <p:attrName>ppt_x</p:attrName>
-                                        </p:attrNameLst>
-                                      </p:cBhvr>
-                                      <p:tavLst>
-                                        <p:tav tm="0">
-                                          <p:val>
-                                            <p:strVal val="#ppt_x"/>
-                                          </p:val>
-                                        </p:tav>
-                                        <p:tav tm="100000">
-                                          <p:val>
-                                            <p:strVal val="#ppt_x"/>
-                                          </p:val>
-                                        </p:tav>
-                                      </p:tavLst>
-                                    </p:anim>
-                                    <p:anim calcmode="lin" valueType="num">
-                                      <p:cBhvr additive="base">
-                                        <p:cTn id="20" dur="500" fill="hold"/>
-                                        <p:tgtEl>
-                                          <p:spTgt spid="5">
-                                            <p:txEl>
-                                              <p:pRg st="6" end="6"/>
-                                            </p:txEl>
-                                          </p:spTgt>
-                                        </p:tgtEl>
-                                        <p:attrNameLst>
-                                          <p:attrName>ppt_y</p:attrName>
-                                        </p:attrNameLst>
-                                      </p:cBhvr>
-                                      <p:tavLst>
-                                        <p:tav tm="0">
-                                          <p:val>
-                                            <p:strVal val="1+#ppt_h/2"/>
-                                          </p:val>
-                                        </p:tav>
-                                        <p:tav tm="100000">
-                                          <p:val>
-                                            <p:strVal val="#ppt_y"/>
-                                          </p:val>
-                                        </p:tav>
-                                      </p:tavLst>
-                                    </p:anim>
                                   </p:childTnLst>
                                 </p:cTn>
                               </p:par>
@@ -50862,26 +49448,26 @@
                     </p:cTn>
                   </p:par>
                   <p:par>
-                    <p:cTn id="21" fill="hold">
+                    <p:cTn id="19" fill="hold">
                       <p:stCondLst>
                         <p:cond delay="indefinite"/>
                       </p:stCondLst>
                       <p:childTnLst>
                         <p:par>
-                          <p:cTn id="22" fill="hold">
+                          <p:cTn id="20" fill="hold">
                             <p:stCondLst>
                               <p:cond delay="0"/>
                             </p:stCondLst>
                             <p:childTnLst>
                               <p:par>
-                                <p:cTn id="23" presetID="2" presetClass="entr" presetSubtype="4" fill="hold" nodeType="clickEffect">
+                                <p:cTn id="21" presetID="1" presetClass="entr" presetSubtype="0" fill="hold" nodeType="clickEffect">
                                   <p:stCondLst>
                                     <p:cond delay="0"/>
                                   </p:stCondLst>
                                   <p:childTnLst>
                                     <p:set>
                                       <p:cBhvr>
-                                        <p:cTn id="24" dur="1" fill="hold">
+                                        <p:cTn id="22" dur="1" fill="hold">
                                           <p:stCondLst>
                                             <p:cond delay="0"/>
                                           </p:stCondLst>
@@ -50889,7 +49475,7 @@
                                         <p:tgtEl>
                                           <p:spTgt spid="5">
                                             <p:txEl>
-                                              <p:pRg st="9" end="9"/>
+                                              <p:pRg st="16" end="16"/>
                                             </p:txEl>
                                           </p:spTgt>
                                         </p:tgtEl>
@@ -50901,163 +49487,6 @@
                                         <p:strVal val="visible"/>
                                       </p:to>
                                     </p:set>
-                                    <p:anim calcmode="lin" valueType="num">
-                                      <p:cBhvr additive="base">
-                                        <p:cTn id="25" dur="500" fill="hold"/>
-                                        <p:tgtEl>
-                                          <p:spTgt spid="5">
-                                            <p:txEl>
-                                              <p:pRg st="9" end="9"/>
-                                            </p:txEl>
-                                          </p:spTgt>
-                                        </p:tgtEl>
-                                        <p:attrNameLst>
-                                          <p:attrName>ppt_x</p:attrName>
-                                        </p:attrNameLst>
-                                      </p:cBhvr>
-                                      <p:tavLst>
-                                        <p:tav tm="0">
-                                          <p:val>
-                                            <p:strVal val="#ppt_x"/>
-                                          </p:val>
-                                        </p:tav>
-                                        <p:tav tm="100000">
-                                          <p:val>
-                                            <p:strVal val="#ppt_x"/>
-                                          </p:val>
-                                        </p:tav>
-                                      </p:tavLst>
-                                    </p:anim>
-                                    <p:anim calcmode="lin" valueType="num">
-                                      <p:cBhvr additive="base">
-                                        <p:cTn id="26" dur="500" fill="hold"/>
-                                        <p:tgtEl>
-                                          <p:spTgt spid="5">
-                                            <p:txEl>
-                                              <p:pRg st="9" end="9"/>
-                                            </p:txEl>
-                                          </p:spTgt>
-                                        </p:tgtEl>
-                                        <p:attrNameLst>
-                                          <p:attrName>ppt_y</p:attrName>
-                                        </p:attrNameLst>
-                                      </p:cBhvr>
-                                      <p:tavLst>
-                                        <p:tav tm="0">
-                                          <p:val>
-                                            <p:strVal val="1+#ppt_h/2"/>
-                                          </p:val>
-                                        </p:tav>
-                                        <p:tav tm="100000">
-                                          <p:val>
-                                            <p:strVal val="#ppt_y"/>
-                                          </p:val>
-                                        </p:tav>
-                                      </p:tavLst>
-                                    </p:anim>
-                                  </p:childTnLst>
-                                </p:cTn>
-                              </p:par>
-                            </p:childTnLst>
-                          </p:cTn>
-                        </p:par>
-                      </p:childTnLst>
-                    </p:cTn>
-                  </p:par>
-                  <p:par>
-                    <p:cTn id="27" fill="hold">
-                      <p:stCondLst>
-                        <p:cond delay="indefinite"/>
-                      </p:stCondLst>
-                      <p:childTnLst>
-                        <p:par>
-                          <p:cTn id="28" fill="hold">
-                            <p:stCondLst>
-                              <p:cond delay="0"/>
-                            </p:stCondLst>
-                            <p:childTnLst>
-                              <p:par>
-                                <p:cTn id="29" presetID="2" presetClass="entr" presetSubtype="4" fill="hold" nodeType="clickEffect">
-                                  <p:stCondLst>
-                                    <p:cond delay="0"/>
-                                  </p:stCondLst>
-                                  <p:childTnLst>
-                                    <p:set>
-                                      <p:cBhvr>
-                                        <p:cTn id="30" dur="1" fill="hold">
-                                          <p:stCondLst>
-                                            <p:cond delay="0"/>
-                                          </p:stCondLst>
-                                        </p:cTn>
-                                        <p:tgtEl>
-                                          <p:spTgt spid="5">
-                                            <p:txEl>
-                                              <p:pRg st="12" end="12"/>
-                                            </p:txEl>
-                                          </p:spTgt>
-                                        </p:tgtEl>
-                                        <p:attrNameLst>
-                                          <p:attrName>style.visibility</p:attrName>
-                                        </p:attrNameLst>
-                                      </p:cBhvr>
-                                      <p:to>
-                                        <p:strVal val="visible"/>
-                                      </p:to>
-                                    </p:set>
-                                    <p:anim calcmode="lin" valueType="num">
-                                      <p:cBhvr additive="base">
-                                        <p:cTn id="31" dur="500" fill="hold"/>
-                                        <p:tgtEl>
-                                          <p:spTgt spid="5">
-                                            <p:txEl>
-                                              <p:pRg st="12" end="12"/>
-                                            </p:txEl>
-                                          </p:spTgt>
-                                        </p:tgtEl>
-                                        <p:attrNameLst>
-                                          <p:attrName>ppt_x</p:attrName>
-                                        </p:attrNameLst>
-                                      </p:cBhvr>
-                                      <p:tavLst>
-                                        <p:tav tm="0">
-                                          <p:val>
-                                            <p:strVal val="#ppt_x"/>
-                                          </p:val>
-                                        </p:tav>
-                                        <p:tav tm="100000">
-                                          <p:val>
-                                            <p:strVal val="#ppt_x"/>
-                                          </p:val>
-                                        </p:tav>
-                                      </p:tavLst>
-                                    </p:anim>
-                                    <p:anim calcmode="lin" valueType="num">
-                                      <p:cBhvr additive="base">
-                                        <p:cTn id="32" dur="500" fill="hold"/>
-                                        <p:tgtEl>
-                                          <p:spTgt spid="5">
-                                            <p:txEl>
-                                              <p:pRg st="12" end="12"/>
-                                            </p:txEl>
-                                          </p:spTgt>
-                                        </p:tgtEl>
-                                        <p:attrNameLst>
-                                          <p:attrName>ppt_y</p:attrName>
-                                        </p:attrNameLst>
-                                      </p:cBhvr>
-                                      <p:tavLst>
-                                        <p:tav tm="0">
-                                          <p:val>
-                                            <p:strVal val="1+#ppt_h/2"/>
-                                          </p:val>
-                                        </p:tav>
-                                        <p:tav tm="100000">
-                                          <p:val>
-                                            <p:strVal val="#ppt_y"/>
-                                          </p:val>
-                                        </p:tav>
-                                      </p:tavLst>
-                                    </p:anim>
                                   </p:childTnLst>
                                 </p:cTn>
                               </p:par>

--- a/Präsentation_Seminararbeit.pptx
+++ b/Präsentation_Seminararbeit.pptx
@@ -14835,13 +14835,6 @@
     <a:masterClrMapping/>
   </p:clrMapOvr>
   <p:transition/>
-  <p:timing>
-    <p:tnLst>
-      <p:par>
-        <p:cTn id="1" dur="indefinite" restart="never" nodeType="tmRoot"/>
-      </p:par>
-    </p:tnLst>
-  </p:timing>
 </p:sld>
 </file>
 
@@ -35362,13 +35355,6 @@
     <a:masterClrMapping/>
   </p:clrMapOvr>
   <p:transition/>
-  <p:timing>
-    <p:tnLst>
-      <p:par>
-        <p:cTn id="1" dur="indefinite" restart="never" nodeType="tmRoot"/>
-      </p:par>
-    </p:tnLst>
-  </p:timing>
 </p:sld>
 </file>
 
@@ -35709,13 +35695,6 @@
     <a:masterClrMapping/>
   </p:clrMapOvr>
   <p:transition/>
-  <p:timing>
-    <p:tnLst>
-      <p:par>
-        <p:cTn id="1" dur="indefinite" restart="never" nodeType="tmRoot"/>
-      </p:par>
-    </p:tnLst>
-  </p:timing>
 </p:sld>
 </file>
 
@@ -36181,13 +36160,6 @@
     <a:masterClrMapping/>
   </p:clrMapOvr>
   <p:transition/>
-  <p:timing>
-    <p:tnLst>
-      <p:par>
-        <p:cTn id="1" dur="indefinite" restart="never" nodeType="tmRoot"/>
-      </p:par>
-    </p:tnLst>
-  </p:timing>
 </p:sld>
 </file>
 
@@ -36750,13 +36722,6 @@
     <a:masterClrMapping/>
   </p:clrMapOvr>
   <p:transition/>
-  <p:timing>
-    <p:tnLst>
-      <p:par>
-        <p:cTn id="1" dur="indefinite" restart="never" nodeType="tmRoot"/>
-      </p:par>
-    </p:tnLst>
-  </p:timing>
 </p:sld>
 </file>
 
@@ -37534,13 +37499,6 @@
     <a:masterClrMapping/>
   </p:clrMapOvr>
   <p:transition/>
-  <p:timing>
-    <p:tnLst>
-      <p:par>
-        <p:cTn id="1" dur="indefinite" restart="never" nodeType="tmRoot"/>
-      </p:par>
-    </p:tnLst>
-  </p:timing>
 </p:sld>
 </file>
 
@@ -38581,13 +38539,6 @@
     <a:masterClrMapping/>
   </p:clrMapOvr>
   <p:transition/>
-  <p:timing>
-    <p:tnLst>
-      <p:par>
-        <p:cTn id="1" dur="indefinite" restart="never" nodeType="tmRoot"/>
-      </p:par>
-    </p:tnLst>
-  </p:timing>
 </p:sld>
 </file>
 
@@ -38962,13 +38913,6 @@
     <a:masterClrMapping/>
   </p:clrMapOvr>
   <p:transition/>
-  <p:timing>
-    <p:tnLst>
-      <p:par>
-        <p:cTn id="1" dur="indefinite" restart="never" nodeType="tmRoot"/>
-      </p:par>
-    </p:tnLst>
-  </p:timing>
 </p:sld>
 </file>
 
@@ -39085,14 +39029,14 @@
                 <a:gridCol w="4507312">
                   <a:extLst>
                     <a:ext uri="{9D8B030D-6E8A-4147-A177-3AD203B41FA5}">
-                      <a16:colId xmlns:a16="http://schemas.microsoft.com/office/drawing/2014/main" xmlns="" val="20000"/>
+                      <a16:colId xmlns:a16="http://schemas.microsoft.com/office/drawing/2014/main" val="20000"/>
                     </a:ext>
                   </a:extLst>
                 </a:gridCol>
                 <a:gridCol w="4507312">
                   <a:extLst>
                     <a:ext uri="{9D8B030D-6E8A-4147-A177-3AD203B41FA5}">
-                      <a16:colId xmlns:a16="http://schemas.microsoft.com/office/drawing/2014/main" xmlns="" val="20001"/>
+                      <a16:colId xmlns:a16="http://schemas.microsoft.com/office/drawing/2014/main" val="20001"/>
                     </a:ext>
                   </a:extLst>
                 </a:gridCol>
@@ -39138,7 +39082,7 @@
                 </a:tc>
                 <a:extLst>
                   <a:ext uri="{0D108BD9-81ED-4DB2-BD59-A6C34878D82A}">
-                    <a16:rowId xmlns:a16="http://schemas.microsoft.com/office/drawing/2014/main" xmlns="" val="10000"/>
+                    <a16:rowId xmlns:a16="http://schemas.microsoft.com/office/drawing/2014/main" val="10000"/>
                   </a:ext>
                 </a:extLst>
               </a:tr>
@@ -39212,7 +39156,7 @@
                 </a:tc>
                 <a:extLst>
                   <a:ext uri="{0D108BD9-81ED-4DB2-BD59-A6C34878D82A}">
-                    <a16:rowId xmlns:a16="http://schemas.microsoft.com/office/drawing/2014/main" xmlns="" val="10001"/>
+                    <a16:rowId xmlns:a16="http://schemas.microsoft.com/office/drawing/2014/main" val="10001"/>
                   </a:ext>
                 </a:extLst>
               </a:tr>
@@ -39231,13 +39175,6 @@
     <a:masterClrMapping/>
   </p:clrMapOvr>
   <p:transition/>
-  <p:timing>
-    <p:tnLst>
-      <p:par>
-        <p:cTn id="1" dur="indefinite" restart="never" nodeType="tmRoot"/>
-      </p:par>
-    </p:tnLst>
-  </p:timing>
 </p:sld>
 </file>
 
@@ -39720,14 +39657,14 @@
                 <a:gridCol w="4507312">
                   <a:extLst>
                     <a:ext uri="{9D8B030D-6E8A-4147-A177-3AD203B41FA5}">
-                      <a16:colId xmlns:a16="http://schemas.microsoft.com/office/drawing/2014/main" xmlns="" val="20000"/>
+                      <a16:colId xmlns:a16="http://schemas.microsoft.com/office/drawing/2014/main" val="20000"/>
                     </a:ext>
                   </a:extLst>
                 </a:gridCol>
                 <a:gridCol w="4507312">
                   <a:extLst>
                     <a:ext uri="{9D8B030D-6E8A-4147-A177-3AD203B41FA5}">
-                      <a16:colId xmlns:a16="http://schemas.microsoft.com/office/drawing/2014/main" xmlns="" val="20001"/>
+                      <a16:colId xmlns:a16="http://schemas.microsoft.com/office/drawing/2014/main" val="20001"/>
                     </a:ext>
                   </a:extLst>
                 </a:gridCol>
@@ -39773,7 +39710,7 @@
                 </a:tc>
                 <a:extLst>
                   <a:ext uri="{0D108BD9-81ED-4DB2-BD59-A6C34878D82A}">
-                    <a16:rowId xmlns:a16="http://schemas.microsoft.com/office/drawing/2014/main" xmlns="" val="10000"/>
+                    <a16:rowId xmlns:a16="http://schemas.microsoft.com/office/drawing/2014/main" val="10000"/>
                   </a:ext>
                 </a:extLst>
               </a:tr>
@@ -39847,7 +39784,7 @@
                 </a:tc>
                 <a:extLst>
                   <a:ext uri="{0D108BD9-81ED-4DB2-BD59-A6C34878D82A}">
-                    <a16:rowId xmlns:a16="http://schemas.microsoft.com/office/drawing/2014/main" xmlns="" val="10001"/>
+                    <a16:rowId xmlns:a16="http://schemas.microsoft.com/office/drawing/2014/main" val="10001"/>
                   </a:ext>
                 </a:extLst>
               </a:tr>
@@ -39909,7 +39846,7 @@
                 </a:tc>
                 <a:extLst>
                   <a:ext uri="{0D108BD9-81ED-4DB2-BD59-A6C34878D82A}">
-                    <a16:rowId xmlns:a16="http://schemas.microsoft.com/office/drawing/2014/main" xmlns="" val="10002"/>
+                    <a16:rowId xmlns:a16="http://schemas.microsoft.com/office/drawing/2014/main" val="10002"/>
                   </a:ext>
                 </a:extLst>
               </a:tr>
@@ -40044,14 +39981,14 @@
                 <a:gridCol w="4507312">
                   <a:extLst>
                     <a:ext uri="{9D8B030D-6E8A-4147-A177-3AD203B41FA5}">
-                      <a16:colId xmlns:a16="http://schemas.microsoft.com/office/drawing/2014/main" xmlns="" val="20000"/>
+                      <a16:colId xmlns:a16="http://schemas.microsoft.com/office/drawing/2014/main" val="20000"/>
                     </a:ext>
                   </a:extLst>
                 </a:gridCol>
                 <a:gridCol w="4507312">
                   <a:extLst>
                     <a:ext uri="{9D8B030D-6E8A-4147-A177-3AD203B41FA5}">
-                      <a16:colId xmlns:a16="http://schemas.microsoft.com/office/drawing/2014/main" xmlns="" val="20001"/>
+                      <a16:colId xmlns:a16="http://schemas.microsoft.com/office/drawing/2014/main" val="20001"/>
                     </a:ext>
                   </a:extLst>
                 </a:gridCol>
@@ -40097,7 +40034,7 @@
                 </a:tc>
                 <a:extLst>
                   <a:ext uri="{0D108BD9-81ED-4DB2-BD59-A6C34878D82A}">
-                    <a16:rowId xmlns:a16="http://schemas.microsoft.com/office/drawing/2014/main" xmlns="" val="10000"/>
+                    <a16:rowId xmlns:a16="http://schemas.microsoft.com/office/drawing/2014/main" val="10000"/>
                   </a:ext>
                 </a:extLst>
               </a:tr>
@@ -40171,7 +40108,7 @@
                 </a:tc>
                 <a:extLst>
                   <a:ext uri="{0D108BD9-81ED-4DB2-BD59-A6C34878D82A}">
-                    <a16:rowId xmlns:a16="http://schemas.microsoft.com/office/drawing/2014/main" xmlns="" val="10001"/>
+                    <a16:rowId xmlns:a16="http://schemas.microsoft.com/office/drawing/2014/main" val="10001"/>
                   </a:ext>
                 </a:extLst>
               </a:tr>
@@ -40233,7 +40170,7 @@
                 </a:tc>
                 <a:extLst>
                   <a:ext uri="{0D108BD9-81ED-4DB2-BD59-A6C34878D82A}">
-                    <a16:rowId xmlns:a16="http://schemas.microsoft.com/office/drawing/2014/main" xmlns="" val="10002"/>
+                    <a16:rowId xmlns:a16="http://schemas.microsoft.com/office/drawing/2014/main" val="10002"/>
                   </a:ext>
                 </a:extLst>
               </a:tr>
@@ -40295,7 +40232,7 @@
                 </a:tc>
                 <a:extLst>
                   <a:ext uri="{0D108BD9-81ED-4DB2-BD59-A6C34878D82A}">
-                    <a16:rowId xmlns:a16="http://schemas.microsoft.com/office/drawing/2014/main" xmlns="" val="10003"/>
+                    <a16:rowId xmlns:a16="http://schemas.microsoft.com/office/drawing/2014/main" val="10003"/>
                   </a:ext>
                 </a:extLst>
               </a:tr>
@@ -40430,14 +40367,14 @@
                 <a:gridCol w="4507312">
                   <a:extLst>
                     <a:ext uri="{9D8B030D-6E8A-4147-A177-3AD203B41FA5}">
-                      <a16:colId xmlns:a16="http://schemas.microsoft.com/office/drawing/2014/main" xmlns="" val="20000"/>
+                      <a16:colId xmlns:a16="http://schemas.microsoft.com/office/drawing/2014/main" val="20000"/>
                     </a:ext>
                   </a:extLst>
                 </a:gridCol>
                 <a:gridCol w="4507312">
                   <a:extLst>
                     <a:ext uri="{9D8B030D-6E8A-4147-A177-3AD203B41FA5}">
-                      <a16:colId xmlns:a16="http://schemas.microsoft.com/office/drawing/2014/main" xmlns="" val="20001"/>
+                      <a16:colId xmlns:a16="http://schemas.microsoft.com/office/drawing/2014/main" val="20001"/>
                     </a:ext>
                   </a:extLst>
                 </a:gridCol>
@@ -40483,7 +40420,7 @@
                 </a:tc>
                 <a:extLst>
                   <a:ext uri="{0D108BD9-81ED-4DB2-BD59-A6C34878D82A}">
-                    <a16:rowId xmlns:a16="http://schemas.microsoft.com/office/drawing/2014/main" xmlns="" val="10000"/>
+                    <a16:rowId xmlns:a16="http://schemas.microsoft.com/office/drawing/2014/main" val="10000"/>
                   </a:ext>
                 </a:extLst>
               </a:tr>
@@ -40557,7 +40494,7 @@
                 </a:tc>
                 <a:extLst>
                   <a:ext uri="{0D108BD9-81ED-4DB2-BD59-A6C34878D82A}">
-                    <a16:rowId xmlns:a16="http://schemas.microsoft.com/office/drawing/2014/main" xmlns="" val="10001"/>
+                    <a16:rowId xmlns:a16="http://schemas.microsoft.com/office/drawing/2014/main" val="10001"/>
                   </a:ext>
                 </a:extLst>
               </a:tr>
@@ -40619,7 +40556,7 @@
                 </a:tc>
                 <a:extLst>
                   <a:ext uri="{0D108BD9-81ED-4DB2-BD59-A6C34878D82A}">
-                    <a16:rowId xmlns:a16="http://schemas.microsoft.com/office/drawing/2014/main" xmlns="" val="10002"/>
+                    <a16:rowId xmlns:a16="http://schemas.microsoft.com/office/drawing/2014/main" val="10002"/>
                   </a:ext>
                 </a:extLst>
               </a:tr>
@@ -40681,7 +40618,7 @@
                 </a:tc>
                 <a:extLst>
                   <a:ext uri="{0D108BD9-81ED-4DB2-BD59-A6C34878D82A}">
-                    <a16:rowId xmlns:a16="http://schemas.microsoft.com/office/drawing/2014/main" xmlns="" val="10003"/>
+                    <a16:rowId xmlns:a16="http://schemas.microsoft.com/office/drawing/2014/main" val="10003"/>
                   </a:ext>
                 </a:extLst>
               </a:tr>
@@ -40743,7 +40680,7 @@
                 </a:tc>
                 <a:extLst>
                   <a:ext uri="{0D108BD9-81ED-4DB2-BD59-A6C34878D82A}">
-                    <a16:rowId xmlns:a16="http://schemas.microsoft.com/office/drawing/2014/main" xmlns="" val="10004"/>
+                    <a16:rowId xmlns:a16="http://schemas.microsoft.com/office/drawing/2014/main" val="10004"/>
                   </a:ext>
                 </a:extLst>
               </a:tr>
@@ -40878,14 +40815,14 @@
                 <a:gridCol w="4507312">
                   <a:extLst>
                     <a:ext uri="{9D8B030D-6E8A-4147-A177-3AD203B41FA5}">
-                      <a16:colId xmlns:a16="http://schemas.microsoft.com/office/drawing/2014/main" xmlns="" val="20000"/>
+                      <a16:colId xmlns:a16="http://schemas.microsoft.com/office/drawing/2014/main" val="20000"/>
                     </a:ext>
                   </a:extLst>
                 </a:gridCol>
                 <a:gridCol w="4507312">
                   <a:extLst>
                     <a:ext uri="{9D8B030D-6E8A-4147-A177-3AD203B41FA5}">
-                      <a16:colId xmlns:a16="http://schemas.microsoft.com/office/drawing/2014/main" xmlns="" val="20001"/>
+                      <a16:colId xmlns:a16="http://schemas.microsoft.com/office/drawing/2014/main" val="20001"/>
                     </a:ext>
                   </a:extLst>
                 </a:gridCol>
@@ -40931,7 +40868,7 @@
                 </a:tc>
                 <a:extLst>
                   <a:ext uri="{0D108BD9-81ED-4DB2-BD59-A6C34878D82A}">
-                    <a16:rowId xmlns:a16="http://schemas.microsoft.com/office/drawing/2014/main" xmlns="" val="10000"/>
+                    <a16:rowId xmlns:a16="http://schemas.microsoft.com/office/drawing/2014/main" val="10000"/>
                   </a:ext>
                 </a:extLst>
               </a:tr>
@@ -41005,7 +40942,7 @@
                 </a:tc>
                 <a:extLst>
                   <a:ext uri="{0D108BD9-81ED-4DB2-BD59-A6C34878D82A}">
-                    <a16:rowId xmlns:a16="http://schemas.microsoft.com/office/drawing/2014/main" xmlns="" val="10001"/>
+                    <a16:rowId xmlns:a16="http://schemas.microsoft.com/office/drawing/2014/main" val="10001"/>
                   </a:ext>
                 </a:extLst>
               </a:tr>
@@ -41067,7 +41004,7 @@
                 </a:tc>
                 <a:extLst>
                   <a:ext uri="{0D108BD9-81ED-4DB2-BD59-A6C34878D82A}">
-                    <a16:rowId xmlns:a16="http://schemas.microsoft.com/office/drawing/2014/main" xmlns="" val="10002"/>
+                    <a16:rowId xmlns:a16="http://schemas.microsoft.com/office/drawing/2014/main" val="10002"/>
                   </a:ext>
                 </a:extLst>
               </a:tr>
@@ -41129,7 +41066,7 @@
                 </a:tc>
                 <a:extLst>
                   <a:ext uri="{0D108BD9-81ED-4DB2-BD59-A6C34878D82A}">
-                    <a16:rowId xmlns:a16="http://schemas.microsoft.com/office/drawing/2014/main" xmlns="" val="10003"/>
+                    <a16:rowId xmlns:a16="http://schemas.microsoft.com/office/drawing/2014/main" val="10003"/>
                   </a:ext>
                 </a:extLst>
               </a:tr>
@@ -41191,7 +41128,7 @@
                 </a:tc>
                 <a:extLst>
                   <a:ext uri="{0D108BD9-81ED-4DB2-BD59-A6C34878D82A}">
-                    <a16:rowId xmlns:a16="http://schemas.microsoft.com/office/drawing/2014/main" xmlns="" val="10004"/>
+                    <a16:rowId xmlns:a16="http://schemas.microsoft.com/office/drawing/2014/main" val="10004"/>
                   </a:ext>
                 </a:extLst>
               </a:tr>
@@ -41316,7 +41253,7 @@
                 </a:tc>
                 <a:extLst>
                   <a:ext uri="{0D108BD9-81ED-4DB2-BD59-A6C34878D82A}">
-                    <a16:rowId xmlns:a16="http://schemas.microsoft.com/office/drawing/2014/main" xmlns="" val="10005"/>
+                    <a16:rowId xmlns:a16="http://schemas.microsoft.com/office/drawing/2014/main" val="10005"/>
                   </a:ext>
                 </a:extLst>
               </a:tr>
@@ -41451,14 +41388,14 @@
                 <a:gridCol w="4507312">
                   <a:extLst>
                     <a:ext uri="{9D8B030D-6E8A-4147-A177-3AD203B41FA5}">
-                      <a16:colId xmlns:a16="http://schemas.microsoft.com/office/drawing/2014/main" xmlns="" val="20000"/>
+                      <a16:colId xmlns:a16="http://schemas.microsoft.com/office/drawing/2014/main" val="20000"/>
                     </a:ext>
                   </a:extLst>
                 </a:gridCol>
                 <a:gridCol w="4507312">
                   <a:extLst>
                     <a:ext uri="{9D8B030D-6E8A-4147-A177-3AD203B41FA5}">
-                      <a16:colId xmlns:a16="http://schemas.microsoft.com/office/drawing/2014/main" xmlns="" val="20001"/>
+                      <a16:colId xmlns:a16="http://schemas.microsoft.com/office/drawing/2014/main" val="20001"/>
                     </a:ext>
                   </a:extLst>
                 </a:gridCol>
@@ -41504,7 +41441,7 @@
                 </a:tc>
                 <a:extLst>
                   <a:ext uri="{0D108BD9-81ED-4DB2-BD59-A6C34878D82A}">
-                    <a16:rowId xmlns:a16="http://schemas.microsoft.com/office/drawing/2014/main" xmlns="" val="10000"/>
+                    <a16:rowId xmlns:a16="http://schemas.microsoft.com/office/drawing/2014/main" val="10000"/>
                   </a:ext>
                 </a:extLst>
               </a:tr>
@@ -41578,7 +41515,7 @@
                 </a:tc>
                 <a:extLst>
                   <a:ext uri="{0D108BD9-81ED-4DB2-BD59-A6C34878D82A}">
-                    <a16:rowId xmlns:a16="http://schemas.microsoft.com/office/drawing/2014/main" xmlns="" val="10001"/>
+                    <a16:rowId xmlns:a16="http://schemas.microsoft.com/office/drawing/2014/main" val="10001"/>
                   </a:ext>
                 </a:extLst>
               </a:tr>
@@ -41640,7 +41577,7 @@
                 </a:tc>
                 <a:extLst>
                   <a:ext uri="{0D108BD9-81ED-4DB2-BD59-A6C34878D82A}">
-                    <a16:rowId xmlns:a16="http://schemas.microsoft.com/office/drawing/2014/main" xmlns="" val="10002"/>
+                    <a16:rowId xmlns:a16="http://schemas.microsoft.com/office/drawing/2014/main" val="10002"/>
                   </a:ext>
                 </a:extLst>
               </a:tr>
@@ -41702,7 +41639,7 @@
                 </a:tc>
                 <a:extLst>
                   <a:ext uri="{0D108BD9-81ED-4DB2-BD59-A6C34878D82A}">
-                    <a16:rowId xmlns:a16="http://schemas.microsoft.com/office/drawing/2014/main" xmlns="" val="10003"/>
+                    <a16:rowId xmlns:a16="http://schemas.microsoft.com/office/drawing/2014/main" val="10003"/>
                   </a:ext>
                 </a:extLst>
               </a:tr>
@@ -41764,7 +41701,7 @@
                 </a:tc>
                 <a:extLst>
                   <a:ext uri="{0D108BD9-81ED-4DB2-BD59-A6C34878D82A}">
-                    <a16:rowId xmlns:a16="http://schemas.microsoft.com/office/drawing/2014/main" xmlns="" val="10004"/>
+                    <a16:rowId xmlns:a16="http://schemas.microsoft.com/office/drawing/2014/main" val="10004"/>
                   </a:ext>
                 </a:extLst>
               </a:tr>
@@ -41889,7 +41826,7 @@
                 </a:tc>
                 <a:extLst>
                   <a:ext uri="{0D108BD9-81ED-4DB2-BD59-A6C34878D82A}">
-                    <a16:rowId xmlns:a16="http://schemas.microsoft.com/office/drawing/2014/main" xmlns="" val="10005"/>
+                    <a16:rowId xmlns:a16="http://schemas.microsoft.com/office/drawing/2014/main" val="10005"/>
                   </a:ext>
                 </a:extLst>
               </a:tr>
@@ -41969,7 +41906,7 @@
                 </a:tc>
                 <a:extLst>
                   <a:ext uri="{0D108BD9-81ED-4DB2-BD59-A6C34878D82A}">
-                    <a16:rowId xmlns:a16="http://schemas.microsoft.com/office/drawing/2014/main" xmlns="" val="10006"/>
+                    <a16:rowId xmlns:a16="http://schemas.microsoft.com/office/drawing/2014/main" val="10006"/>
                   </a:ext>
                 </a:extLst>
               </a:tr>
@@ -42323,14 +42260,14 @@
                 <a:gridCol w="4507312">
                   <a:extLst>
                     <a:ext uri="{9D8B030D-6E8A-4147-A177-3AD203B41FA5}">
-                      <a16:colId xmlns:a16="http://schemas.microsoft.com/office/drawing/2014/main" xmlns="" val="20000"/>
+                      <a16:colId xmlns:a16="http://schemas.microsoft.com/office/drawing/2014/main" val="20000"/>
                     </a:ext>
                   </a:extLst>
                 </a:gridCol>
                 <a:gridCol w="4507312">
                   <a:extLst>
                     <a:ext uri="{9D8B030D-6E8A-4147-A177-3AD203B41FA5}">
-                      <a16:colId xmlns:a16="http://schemas.microsoft.com/office/drawing/2014/main" xmlns="" val="20001"/>
+                      <a16:colId xmlns:a16="http://schemas.microsoft.com/office/drawing/2014/main" val="20001"/>
                     </a:ext>
                   </a:extLst>
                 </a:gridCol>
@@ -42376,7 +42313,7 @@
                 </a:tc>
                 <a:extLst>
                   <a:ext uri="{0D108BD9-81ED-4DB2-BD59-A6C34878D82A}">
-                    <a16:rowId xmlns:a16="http://schemas.microsoft.com/office/drawing/2014/main" xmlns="" val="10000"/>
+                    <a16:rowId xmlns:a16="http://schemas.microsoft.com/office/drawing/2014/main" val="10000"/>
                   </a:ext>
                 </a:extLst>
               </a:tr>
@@ -42450,7 +42387,7 @@
                 </a:tc>
                 <a:extLst>
                   <a:ext uri="{0D108BD9-81ED-4DB2-BD59-A6C34878D82A}">
-                    <a16:rowId xmlns:a16="http://schemas.microsoft.com/office/drawing/2014/main" xmlns="" val="10001"/>
+                    <a16:rowId xmlns:a16="http://schemas.microsoft.com/office/drawing/2014/main" val="10001"/>
                   </a:ext>
                 </a:extLst>
               </a:tr>
@@ -42512,7 +42449,7 @@
                 </a:tc>
                 <a:extLst>
                   <a:ext uri="{0D108BD9-81ED-4DB2-BD59-A6C34878D82A}">
-                    <a16:rowId xmlns:a16="http://schemas.microsoft.com/office/drawing/2014/main" xmlns="" val="10002"/>
+                    <a16:rowId xmlns:a16="http://schemas.microsoft.com/office/drawing/2014/main" val="10002"/>
                   </a:ext>
                 </a:extLst>
               </a:tr>
@@ -42574,7 +42511,7 @@
                 </a:tc>
                 <a:extLst>
                   <a:ext uri="{0D108BD9-81ED-4DB2-BD59-A6C34878D82A}">
-                    <a16:rowId xmlns:a16="http://schemas.microsoft.com/office/drawing/2014/main" xmlns="" val="10003"/>
+                    <a16:rowId xmlns:a16="http://schemas.microsoft.com/office/drawing/2014/main" val="10003"/>
                   </a:ext>
                 </a:extLst>
               </a:tr>
@@ -42636,7 +42573,7 @@
                 </a:tc>
                 <a:extLst>
                   <a:ext uri="{0D108BD9-81ED-4DB2-BD59-A6C34878D82A}">
-                    <a16:rowId xmlns:a16="http://schemas.microsoft.com/office/drawing/2014/main" xmlns="" val="10004"/>
+                    <a16:rowId xmlns:a16="http://schemas.microsoft.com/office/drawing/2014/main" val="10004"/>
                   </a:ext>
                 </a:extLst>
               </a:tr>
@@ -42761,7 +42698,7 @@
                 </a:tc>
                 <a:extLst>
                   <a:ext uri="{0D108BD9-81ED-4DB2-BD59-A6C34878D82A}">
-                    <a16:rowId xmlns:a16="http://schemas.microsoft.com/office/drawing/2014/main" xmlns="" val="10005"/>
+                    <a16:rowId xmlns:a16="http://schemas.microsoft.com/office/drawing/2014/main" val="10005"/>
                   </a:ext>
                 </a:extLst>
               </a:tr>
@@ -42841,7 +42778,7 @@
                 </a:tc>
                 <a:extLst>
                   <a:ext uri="{0D108BD9-81ED-4DB2-BD59-A6C34878D82A}">
-                    <a16:rowId xmlns:a16="http://schemas.microsoft.com/office/drawing/2014/main" xmlns="" val="10006"/>
+                    <a16:rowId xmlns:a16="http://schemas.microsoft.com/office/drawing/2014/main" val="10006"/>
                   </a:ext>
                 </a:extLst>
               </a:tr>
@@ -42907,7 +42844,7 @@
                 </a:tc>
                 <a:extLst>
                   <a:ext uri="{0D108BD9-81ED-4DB2-BD59-A6C34878D82A}">
-                    <a16:rowId xmlns:a16="http://schemas.microsoft.com/office/drawing/2014/main" xmlns="" val="10007"/>
+                    <a16:rowId xmlns:a16="http://schemas.microsoft.com/office/drawing/2014/main" val="10007"/>
                   </a:ext>
                 </a:extLst>
               </a:tr>
@@ -43042,14 +42979,14 @@
                 <a:gridCol w="4507312">
                   <a:extLst>
                     <a:ext uri="{9D8B030D-6E8A-4147-A177-3AD203B41FA5}">
-                      <a16:colId xmlns:a16="http://schemas.microsoft.com/office/drawing/2014/main" xmlns="" val="20000"/>
+                      <a16:colId xmlns:a16="http://schemas.microsoft.com/office/drawing/2014/main" val="20000"/>
                     </a:ext>
                   </a:extLst>
                 </a:gridCol>
                 <a:gridCol w="4507312">
                   <a:extLst>
                     <a:ext uri="{9D8B030D-6E8A-4147-A177-3AD203B41FA5}">
-                      <a16:colId xmlns:a16="http://schemas.microsoft.com/office/drawing/2014/main" xmlns="" val="20001"/>
+                      <a16:colId xmlns:a16="http://schemas.microsoft.com/office/drawing/2014/main" val="20001"/>
                     </a:ext>
                   </a:extLst>
                 </a:gridCol>
@@ -43095,7 +43032,7 @@
                 </a:tc>
                 <a:extLst>
                   <a:ext uri="{0D108BD9-81ED-4DB2-BD59-A6C34878D82A}">
-                    <a16:rowId xmlns:a16="http://schemas.microsoft.com/office/drawing/2014/main" xmlns="" val="10000"/>
+                    <a16:rowId xmlns:a16="http://schemas.microsoft.com/office/drawing/2014/main" val="10000"/>
                   </a:ext>
                 </a:extLst>
               </a:tr>
@@ -43169,7 +43106,7 @@
                 </a:tc>
                 <a:extLst>
                   <a:ext uri="{0D108BD9-81ED-4DB2-BD59-A6C34878D82A}">
-                    <a16:rowId xmlns:a16="http://schemas.microsoft.com/office/drawing/2014/main" xmlns="" val="10001"/>
+                    <a16:rowId xmlns:a16="http://schemas.microsoft.com/office/drawing/2014/main" val="10001"/>
                   </a:ext>
                 </a:extLst>
               </a:tr>
@@ -43231,7 +43168,7 @@
                 </a:tc>
                 <a:extLst>
                   <a:ext uri="{0D108BD9-81ED-4DB2-BD59-A6C34878D82A}">
-                    <a16:rowId xmlns:a16="http://schemas.microsoft.com/office/drawing/2014/main" xmlns="" val="10002"/>
+                    <a16:rowId xmlns:a16="http://schemas.microsoft.com/office/drawing/2014/main" val="10002"/>
                   </a:ext>
                 </a:extLst>
               </a:tr>
@@ -43293,7 +43230,7 @@
                 </a:tc>
                 <a:extLst>
                   <a:ext uri="{0D108BD9-81ED-4DB2-BD59-A6C34878D82A}">
-                    <a16:rowId xmlns:a16="http://schemas.microsoft.com/office/drawing/2014/main" xmlns="" val="10003"/>
+                    <a16:rowId xmlns:a16="http://schemas.microsoft.com/office/drawing/2014/main" val="10003"/>
                   </a:ext>
                 </a:extLst>
               </a:tr>
@@ -43355,7 +43292,7 @@
                 </a:tc>
                 <a:extLst>
                   <a:ext uri="{0D108BD9-81ED-4DB2-BD59-A6C34878D82A}">
-                    <a16:rowId xmlns:a16="http://schemas.microsoft.com/office/drawing/2014/main" xmlns="" val="10004"/>
+                    <a16:rowId xmlns:a16="http://schemas.microsoft.com/office/drawing/2014/main" val="10004"/>
                   </a:ext>
                 </a:extLst>
               </a:tr>
@@ -43480,7 +43417,7 @@
                 </a:tc>
                 <a:extLst>
                   <a:ext uri="{0D108BD9-81ED-4DB2-BD59-A6C34878D82A}">
-                    <a16:rowId xmlns:a16="http://schemas.microsoft.com/office/drawing/2014/main" xmlns="" val="10005"/>
+                    <a16:rowId xmlns:a16="http://schemas.microsoft.com/office/drawing/2014/main" val="10005"/>
                   </a:ext>
                 </a:extLst>
               </a:tr>
@@ -43560,7 +43497,7 @@
                 </a:tc>
                 <a:extLst>
                   <a:ext uri="{0D108BD9-81ED-4DB2-BD59-A6C34878D82A}">
-                    <a16:rowId xmlns:a16="http://schemas.microsoft.com/office/drawing/2014/main" xmlns="" val="10006"/>
+                    <a16:rowId xmlns:a16="http://schemas.microsoft.com/office/drawing/2014/main" val="10006"/>
                   </a:ext>
                 </a:extLst>
               </a:tr>
@@ -43622,7 +43559,7 @@
                 </a:tc>
                 <a:extLst>
                   <a:ext uri="{0D108BD9-81ED-4DB2-BD59-A6C34878D82A}">
-                    <a16:rowId xmlns:a16="http://schemas.microsoft.com/office/drawing/2014/main" xmlns="" val="10007"/>
+                    <a16:rowId xmlns:a16="http://schemas.microsoft.com/office/drawing/2014/main" val="10007"/>
                   </a:ext>
                 </a:extLst>
               </a:tr>
@@ -43667,7 +43604,7 @@
                 </a:tc>
                 <a:extLst>
                   <a:ext uri="{0D108BD9-81ED-4DB2-BD59-A6C34878D82A}">
-                    <a16:rowId xmlns:a16="http://schemas.microsoft.com/office/drawing/2014/main" xmlns="" val="10008"/>
+                    <a16:rowId xmlns:a16="http://schemas.microsoft.com/office/drawing/2014/main" val="10008"/>
                   </a:ext>
                 </a:extLst>
               </a:tr>
@@ -43817,88 +43754,6 @@
           </a:p>
         </p:txBody>
       </p:sp>
-      <p:pic>
-        <p:nvPicPr>
-          <p:cNvPr id="1025" name="Picture 1" descr="Henry Ford"/>
-          <p:cNvPicPr>
-            <a:picLocks noChangeAspect="1" noChangeArrowheads="1"/>
-          </p:cNvPicPr>
-          <p:nvPr/>
-        </p:nvPicPr>
-        <p:blipFill>
-          <a:blip r:embed="rId3" cstate="print">
-            <a:extLst>
-              <a:ext uri="{28A0092B-C50C-407E-A947-70E740481C1C}">
-                <a14:useLocalDpi xmlns:a14="http://schemas.microsoft.com/office/drawing/2010/main" val="0"/>
-              </a:ext>
-            </a:extLst>
-          </a:blip>
-          <a:srcRect/>
-          <a:stretch>
-            <a:fillRect/>
-          </a:stretch>
-        </p:blipFill>
-        <p:spPr bwMode="auto">
-          <a:xfrm>
-            <a:off x="0" y="0"/>
-            <a:ext cx="485775" cy="647700"/>
-          </a:xfrm>
-          <a:prstGeom prst="rect">
-            <a:avLst/>
-          </a:prstGeom>
-          <a:noFill/>
-          <a:extLst>
-            <a:ext uri="{909E8E84-426E-40DD-AFC4-6F175D3DCCD1}">
-              <a14:hiddenFill xmlns:a14="http://schemas.microsoft.com/office/drawing/2010/main">
-                <a:solidFill>
-                  <a:srgbClr val="FFFFFF"/>
-                </a:solidFill>
-              </a14:hiddenFill>
-            </a:ext>
-          </a:extLst>
-        </p:spPr>
-      </p:pic>
-      <p:pic>
-        <p:nvPicPr>
-          <p:cNvPr id="1026" name="Picture 2" descr="Henry Ford"/>
-          <p:cNvPicPr>
-            <a:picLocks noChangeAspect="1" noChangeArrowheads="1"/>
-          </p:cNvPicPr>
-          <p:nvPr/>
-        </p:nvPicPr>
-        <p:blipFill>
-          <a:blip r:embed="rId3" cstate="print">
-            <a:extLst>
-              <a:ext uri="{28A0092B-C50C-407E-A947-70E740481C1C}">
-                <a14:useLocalDpi xmlns:a14="http://schemas.microsoft.com/office/drawing/2010/main" val="0"/>
-              </a:ext>
-            </a:extLst>
-          </a:blip>
-          <a:srcRect/>
-          <a:stretch>
-            <a:fillRect/>
-          </a:stretch>
-        </p:blipFill>
-        <p:spPr bwMode="auto">
-          <a:xfrm>
-            <a:off x="0" y="0"/>
-            <a:ext cx="485775" cy="647700"/>
-          </a:xfrm>
-          <a:prstGeom prst="rect">
-            <a:avLst/>
-          </a:prstGeom>
-          <a:noFill/>
-          <a:extLst>
-            <a:ext uri="{909E8E84-426E-40DD-AFC4-6F175D3DCCD1}">
-              <a14:hiddenFill xmlns:a14="http://schemas.microsoft.com/office/drawing/2010/main">
-                <a:solidFill>
-                  <a:srgbClr val="FFFFFF"/>
-                </a:solidFill>
-              </a14:hiddenFill>
-            </a:ext>
-          </a:extLst>
-        </p:spPr>
-      </p:pic>
     </p:spTree>
     <p:extLst>
       <p:ext uri="{BB962C8B-B14F-4D97-AF65-F5344CB8AC3E}">
@@ -48907,7 +48762,7 @@
               <a:buFontTx/>
               <a:buChar char="-"/>
             </a:pPr>
-            <a:endParaRPr lang="de-DE" dirty="0" smtClean="0"/>
+            <a:endParaRPr lang="de-DE" dirty="0"/>
           </a:p>
           <a:p>
             <a:pPr marL="285750" indent="-285750">
@@ -48921,7 +48776,7 @@
               <a:buFontTx/>
               <a:buChar char="-"/>
             </a:pPr>
-            <a:endParaRPr lang="de-DE" dirty="0" smtClean="0"/>
+            <a:endParaRPr lang="de-DE" dirty="0"/>
           </a:p>
           <a:p>
             <a:pPr marL="285750" indent="-285750">

--- a/Präsentation_Seminararbeit.pptx
+++ b/Präsentation_Seminararbeit.pptx
@@ -1522,51 +1522,118 @@
           <a:bodyPr/>
           <a:lstStyle/>
           <a:p>
+            <a:pPr marL="171450" indent="-171450">
+              <a:spcBef>
+                <a:spcPts val="0"/>
+              </a:spcBef>
+              <a:spcAft>
+                <a:spcPts val="1200"/>
+              </a:spcAft>
+              <a:buFontTx/>
+              <a:buChar char="-"/>
+            </a:pPr>
+            <a:r>
+              <a:rPr lang="de-DE" sz="1600" b="1" baseline="0" dirty="0">
+                <a:latin typeface="+mj-lt"/>
+              </a:rPr>
+              <a:t>Fachbegriffen geklärt</a:t>
+            </a:r>
+          </a:p>
+          <a:p>
+            <a:pPr marL="171450" indent="-171450">
+              <a:spcBef>
+                <a:spcPts val="0"/>
+              </a:spcBef>
+              <a:spcAft>
+                <a:spcPts val="1200"/>
+              </a:spcAft>
+              <a:buFontTx/>
+              <a:buChar char="-"/>
+            </a:pPr>
+            <a:r>
+              <a:rPr lang="de-DE" sz="1600" b="1" baseline="0" dirty="0">
+                <a:latin typeface="+mj-lt"/>
+              </a:rPr>
+              <a:t>Einarbeitung in Themenfeld</a:t>
+            </a:r>
+          </a:p>
+          <a:p>
+            <a:pPr marL="171450" indent="-171450">
+              <a:spcBef>
+                <a:spcPts val="0"/>
+              </a:spcBef>
+              <a:spcAft>
+                <a:spcPts val="1200"/>
+              </a:spcAft>
+              <a:buFontTx/>
+              <a:buChar char="-"/>
+            </a:pPr>
+            <a:r>
+              <a:rPr lang="de-DE" sz="1600" b="1" dirty="0">
+                <a:latin typeface="+mj-lt"/>
+              </a:rPr>
+              <a:t>Was </a:t>
+            </a:r>
+            <a:r>
+              <a:rPr lang="de-DE" sz="1600" b="1" baseline="0" dirty="0">
+                <a:latin typeface="+mj-lt"/>
+              </a:rPr>
+              <a:t>VCS ist</a:t>
+            </a:r>
+            <a:r>
+              <a:rPr lang="de-DE" sz="1600" b="1" dirty="0">
+                <a:latin typeface="+mj-lt"/>
+              </a:rPr>
+              <a:t> - </a:t>
+            </a:r>
+            <a:r>
+              <a:rPr lang="de-DE" sz="1600" b="1" baseline="0" dirty="0">
+                <a:latin typeface="+mj-lt"/>
+              </a:rPr>
+              <a:t>bereits oberflächlich besprochen</a:t>
+            </a:r>
+          </a:p>
+          <a:p>
+            <a:pPr marL="171450" indent="-171450">
+              <a:spcBef>
+                <a:spcPts val="0"/>
+              </a:spcBef>
+              <a:spcAft>
+                <a:spcPts val="1200"/>
+              </a:spcAft>
+              <a:buFontTx/>
+              <a:buChar char="-"/>
+            </a:pPr>
+            <a:r>
+              <a:rPr lang="de-DE" sz="1600" b="1" baseline="0" dirty="0">
+                <a:latin typeface="+mj-lt"/>
+              </a:rPr>
+              <a:t>Detail</a:t>
+            </a:r>
+            <a:r>
+              <a:rPr lang="de-DE" sz="1600" b="1" dirty="0">
+                <a:latin typeface="+mj-lt"/>
+              </a:rPr>
+              <a:t> jetzt</a:t>
+            </a:r>
+            <a:endParaRPr lang="de-DE" sz="1600" b="1" baseline="0" dirty="0">
+              <a:latin typeface="+mj-lt"/>
+            </a:endParaRPr>
+          </a:p>
+          <a:p>
             <a:pPr marL="0" indent="0">
+              <a:spcBef>
+                <a:spcPts val="0"/>
+              </a:spcBef>
+              <a:spcAft>
+                <a:spcPts val="1200"/>
+              </a:spcAft>
               <a:buFontTx/>
               <a:buNone/>
             </a:pPr>
-            <a:r>
-              <a:rPr lang="de-DE" b="0" baseline="0" dirty="0"/>
-              <a:t>Einleitung: </a:t>
-            </a:r>
-          </a:p>
-          <a:p>
-            <a:pPr marL="171450" indent="-171450">
-              <a:buFontTx/>
-              <a:buChar char="-"/>
-            </a:pPr>
-            <a:r>
-              <a:rPr lang="de-DE" b="0" baseline="0" dirty="0"/>
-              <a:t>Nun da wir uns mit den Fachbegriffen beschäftigt haben, können wir mit der Einarbeitung in das Themenfeld beginnen</a:t>
-            </a:r>
-          </a:p>
-          <a:p>
-            <a:pPr marL="171450" indent="-171450">
-              <a:buFontTx/>
-              <a:buChar char="-"/>
-            </a:pPr>
-            <a:r>
-              <a:rPr lang="de-DE" b="0" baseline="0" dirty="0"/>
-              <a:t>Was ein VCS ist haben wir bereits oberflächlich besprochen</a:t>
-            </a:r>
-          </a:p>
-          <a:p>
-            <a:pPr marL="171450" indent="-171450">
-              <a:buFontTx/>
-              <a:buChar char="-"/>
-            </a:pPr>
-            <a:r>
-              <a:rPr lang="de-DE" b="0" baseline="0" dirty="0"/>
-              <a:t>Wie das ganze im Detail aussehen kann, werde ich nun vorstellen</a:t>
-            </a:r>
-          </a:p>
-          <a:p>
-            <a:pPr marL="0" indent="0">
-              <a:buFontTx/>
-              <a:buNone/>
-            </a:pPr>
-            <a:endParaRPr lang="de-DE" baseline="0" dirty="0"/>
+            <a:endParaRPr lang="de-DE" sz="1600" b="1" baseline="0" dirty="0">
+              <a:latin typeface="+mj-lt"/>
+            </a:endParaRPr>
           </a:p>
         </p:txBody>
       </p:sp>
@@ -1662,11 +1729,15 @@
               <a:buChar char="-"/>
             </a:pPr>
             <a:r>
-              <a:rPr lang="de-DE" b="1" dirty="0"/>
-              <a:t>lokale, zentrale und verteilte</a:t>
-            </a:r>
-            <a:r>
-              <a:rPr lang="de-DE" b="1" baseline="0" dirty="0"/>
+              <a:rPr lang="de-DE" sz="1600" b="1" dirty="0">
+                <a:latin typeface="+mj-lt"/>
+              </a:rPr>
+              <a:t>Es gibt lokales, zentrales und verteiltes</a:t>
+            </a:r>
+            <a:r>
+              <a:rPr lang="de-DE" sz="1600" b="1" baseline="0" dirty="0">
+                <a:latin typeface="+mj-lt"/>
+              </a:rPr>
               <a:t> Versionsverwaltungskonzept </a:t>
             </a:r>
           </a:p>
@@ -1682,8 +1753,28 @@
               <a:buChar char="-"/>
             </a:pPr>
             <a:r>
-              <a:rPr lang="de-DE" b="1" baseline="0" dirty="0"/>
-              <a:t>SVN zentral</a:t>
+              <a:rPr lang="de-DE" sz="1600" b="1" baseline="0" dirty="0">
+                <a:latin typeface="+mj-lt"/>
+              </a:rPr>
+              <a:t>SVN zentral,</a:t>
+            </a:r>
+            <a:r>
+              <a:rPr lang="de-DE" sz="1600" b="1" dirty="0">
+                <a:latin typeface="+mj-lt"/>
+              </a:rPr>
+              <a:t> </a:t>
+            </a:r>
+            <a:r>
+              <a:rPr lang="de-DE" sz="1600" b="1" baseline="0" dirty="0" err="1">
+                <a:latin typeface="+mj-lt"/>
+              </a:rPr>
+              <a:t>Git</a:t>
+            </a:r>
+            <a:r>
+              <a:rPr lang="de-DE" sz="1600" b="1" baseline="0" dirty="0">
+                <a:latin typeface="+mj-lt"/>
+              </a:rPr>
+              <a:t> verteilt </a:t>
             </a:r>
           </a:p>
           <a:p>
@@ -1698,8 +1789,16 @@
               <a:buChar char="-"/>
             </a:pPr>
             <a:r>
-              <a:rPr lang="de-DE" b="1" baseline="0" dirty="0"/>
-              <a:t>Git verteilt </a:t>
+              <a:rPr lang="de-DE" sz="1600" b="1" dirty="0">
+                <a:latin typeface="+mj-lt"/>
+              </a:rPr>
+              <a:t>Zeitgründen Beschränkung</a:t>
+            </a:r>
+            <a:r>
+              <a:rPr lang="de-DE" sz="1600" b="1" baseline="0" dirty="0">
+                <a:latin typeface="+mj-lt"/>
+              </a:rPr>
+              <a:t> zentral und verteilt</a:t>
             </a:r>
           </a:p>
           <a:p>
@@ -1714,30 +1813,14 @@
               <a:buChar char="-"/>
             </a:pPr>
             <a:r>
-              <a:rPr lang="de-DE" b="1" dirty="0"/>
-              <a:t>Zeitgründen Beschränkung</a:t>
-            </a:r>
-            <a:r>
-              <a:rPr lang="de-DE" b="1" baseline="0" dirty="0"/>
-              <a:t> auf zentral und verteilt Versionsverwaltung</a:t>
-            </a:r>
-          </a:p>
-          <a:p>
-            <a:pPr marL="171450" indent="-171450">
-              <a:spcBef>
-                <a:spcPts val="0"/>
-              </a:spcBef>
-              <a:spcAft>
-                <a:spcPts val="1200"/>
-              </a:spcAft>
-              <a:buFontTx/>
-              <a:buChar char="-"/>
-            </a:pPr>
-            <a:r>
-              <a:rPr lang="de-DE" b="1" baseline="0" dirty="0"/>
-              <a:t>Beginnen zentralen Versionsverwaltung.</a:t>
-            </a:r>
-            <a:endParaRPr lang="de-DE" b="1" dirty="0"/>
+              <a:rPr lang="de-DE" sz="1600" b="1" baseline="0" dirty="0">
+                <a:latin typeface="+mj-lt"/>
+              </a:rPr>
+              <a:t>Begin zentralen Versionsverwaltung</a:t>
+            </a:r>
+            <a:endParaRPr lang="de-DE" sz="1600" b="1" dirty="0">
+              <a:latin typeface="+mj-lt"/>
+            </a:endParaRPr>
           </a:p>
           <a:p>
             <a:pPr>
@@ -1748,7 +1831,9 @@
                 <a:spcPts val="1200"/>
               </a:spcAft>
             </a:pPr>
-            <a:endParaRPr lang="de-DE" b="1" dirty="0"/>
+            <a:endParaRPr lang="de-DE" sz="1600" b="1" dirty="0">
+              <a:latin typeface="+mj-lt"/>
+            </a:endParaRPr>
           </a:p>
           <a:p>
             <a:pPr marL="228600" indent="-228600">
@@ -1762,7 +1847,9 @@
               <a:buAutoNum type="arabicPeriod"/>
             </a:pPr>
             <a:r>
-              <a:rPr lang="de-DE" b="1" baseline="0" dirty="0"/>
+              <a:rPr lang="de-DE" sz="1600" b="1" baseline="0" dirty="0">
+                <a:latin typeface="+mj-lt"/>
+              </a:rPr>
               <a:t>Bei CVCS immer ein Server und unbestimmte Anzahl Clients</a:t>
             </a:r>
           </a:p>
@@ -1778,7 +1865,9 @@
               <a:buAutoNum type="arabicPeriod"/>
             </a:pPr>
             <a:r>
-              <a:rPr lang="de-DE" b="1" baseline="0" dirty="0"/>
+              <a:rPr lang="de-DE" sz="1600" b="1" baseline="0" dirty="0">
+                <a:latin typeface="+mj-lt"/>
+              </a:rPr>
               <a:t>Repositories mit versionierten Dateien auf Server</a:t>
             </a:r>
           </a:p>
@@ -1794,7 +1883,9 @@
               <a:buAutoNum type="arabicPeriod"/>
             </a:pPr>
             <a:r>
-              <a:rPr lang="de-DE" b="1" baseline="0" dirty="0"/>
+              <a:rPr lang="de-DE" sz="1600" b="1" baseline="0" dirty="0">
+                <a:latin typeface="+mj-lt"/>
+              </a:rPr>
               <a:t>Checkout überträgt Dateien in Working Directories. </a:t>
             </a:r>
           </a:p>
@@ -1810,7 +1901,9 @@
               <a:buNone/>
             </a:pPr>
             <a:r>
-              <a:rPr lang="de-DE" b="1" baseline="0" dirty="0"/>
+              <a:rPr lang="de-DE" sz="1600" b="1" baseline="0" dirty="0">
+                <a:latin typeface="+mj-lt"/>
+              </a:rPr>
               <a:t>     Working Directories auf Clients.</a:t>
             </a:r>
           </a:p>
@@ -1826,7 +1919,9 @@
               <a:buNone/>
             </a:pPr>
             <a:r>
-              <a:rPr lang="de-DE" b="1" baseline="0" dirty="0"/>
+              <a:rPr lang="de-DE" sz="1600" b="1" baseline="0" dirty="0">
+                <a:latin typeface="+mj-lt"/>
+              </a:rPr>
               <a:t>     Datei-Bearbeitung in Working Directories</a:t>
             </a:r>
           </a:p>
@@ -1842,7 +1937,9 @@
               <a:buAutoNum type="arabicPeriod" startAt="4"/>
             </a:pPr>
             <a:r>
-              <a:rPr lang="de-DE" b="1" baseline="0" dirty="0"/>
+              <a:rPr lang="de-DE" sz="1600" b="1" baseline="0" dirty="0">
+                <a:latin typeface="+mj-lt"/>
+              </a:rPr>
               <a:t>speichern, über Commit, neue Versionen in Repositories</a:t>
             </a:r>
           </a:p>
@@ -1929,106 +2026,6 @@
           <a:bodyPr/>
           <a:lstStyle/>
           <a:p>
-            <a:pPr marL="171450" indent="-171450">
-              <a:spcBef>
-                <a:spcPts val="0"/>
-              </a:spcBef>
-              <a:spcAft>
-                <a:spcPts val="1200"/>
-              </a:spcAft>
-              <a:buFontTx/>
-              <a:buChar char="-"/>
-            </a:pPr>
-            <a:r>
-              <a:rPr lang="de-DE" b="1" dirty="0"/>
-              <a:t>lokale, zentrale und verteilte</a:t>
-            </a:r>
-            <a:r>
-              <a:rPr lang="de-DE" b="1" baseline="0" dirty="0"/>
-              <a:t> Versionsverwaltungskonzept </a:t>
-            </a:r>
-          </a:p>
-          <a:p>
-            <a:pPr marL="171450" indent="-171450">
-              <a:spcBef>
-                <a:spcPts val="0"/>
-              </a:spcBef>
-              <a:spcAft>
-                <a:spcPts val="1200"/>
-              </a:spcAft>
-              <a:buFontTx/>
-              <a:buChar char="-"/>
-            </a:pPr>
-            <a:r>
-              <a:rPr lang="de-DE" b="1" baseline="0" dirty="0"/>
-              <a:t>SVN zentral</a:t>
-            </a:r>
-          </a:p>
-          <a:p>
-            <a:pPr marL="171450" indent="-171450">
-              <a:spcBef>
-                <a:spcPts val="0"/>
-              </a:spcBef>
-              <a:spcAft>
-                <a:spcPts val="1200"/>
-              </a:spcAft>
-              <a:buFontTx/>
-              <a:buChar char="-"/>
-            </a:pPr>
-            <a:r>
-              <a:rPr lang="de-DE" b="1" baseline="0" dirty="0"/>
-              <a:t>Git verteilt </a:t>
-            </a:r>
-          </a:p>
-          <a:p>
-            <a:pPr marL="171450" indent="-171450">
-              <a:spcBef>
-                <a:spcPts val="0"/>
-              </a:spcBef>
-              <a:spcAft>
-                <a:spcPts val="1200"/>
-              </a:spcAft>
-              <a:buFontTx/>
-              <a:buChar char="-"/>
-            </a:pPr>
-            <a:r>
-              <a:rPr lang="de-DE" b="1" dirty="0"/>
-              <a:t>Zeitgründen Beschränkung</a:t>
-            </a:r>
-            <a:r>
-              <a:rPr lang="de-DE" b="1" baseline="0" dirty="0"/>
-              <a:t> auf zentral und verteilt Versionsverwaltung</a:t>
-            </a:r>
-          </a:p>
-          <a:p>
-            <a:pPr marL="171450" indent="-171450">
-              <a:spcBef>
-                <a:spcPts val="0"/>
-              </a:spcBef>
-              <a:spcAft>
-                <a:spcPts val="1200"/>
-              </a:spcAft>
-              <a:buFontTx/>
-              <a:buChar char="-"/>
-            </a:pPr>
-            <a:r>
-              <a:rPr lang="de-DE" b="1" baseline="0" dirty="0"/>
-              <a:t>Beginnen zentralen Versionsverwaltung.</a:t>
-            </a:r>
-            <a:endParaRPr lang="de-DE" b="1" dirty="0"/>
-          </a:p>
-          <a:p>
-            <a:pPr>
-              <a:spcBef>
-                <a:spcPts val="0"/>
-              </a:spcBef>
-              <a:spcAft>
-                <a:spcPts val="1200"/>
-              </a:spcAft>
-            </a:pPr>
-            <a:endParaRPr lang="de-DE" b="1" dirty="0"/>
-          </a:p>
-          <a:p>
             <a:pPr marL="228600" indent="-228600">
               <a:spcBef>
                 <a:spcPts val="0"/>
@@ -2040,8 +2037,10 @@
               <a:buAutoNum type="arabicPeriod"/>
             </a:pPr>
             <a:r>
-              <a:rPr lang="de-DE" b="1" baseline="0" dirty="0"/>
-              <a:t>Bei CVCS immer ein Server und unbestimmte Anzahl Clients</a:t>
+              <a:rPr lang="de-DE" sz="1600" b="1" dirty="0">
+                <a:latin typeface="+mj-lt"/>
+              </a:rPr>
+              <a:t>Änderungen an Dateien von verschiedenen Computern möglich</a:t>
             </a:r>
           </a:p>
           <a:p>
@@ -2056,8 +2055,10 @@
               <a:buAutoNum type="arabicPeriod"/>
             </a:pPr>
             <a:r>
-              <a:rPr lang="de-DE" b="1" baseline="0" dirty="0"/>
-              <a:t>Repositories mit versionierten Dateien auf Server</a:t>
+              <a:rPr lang="de-DE" sz="1600" b="1" dirty="0">
+                <a:latin typeface="+mj-lt"/>
+              </a:rPr>
+              <a:t>verschiedene Plattformen möglich</a:t>
             </a:r>
           </a:p>
           <a:p>
@@ -2072,12 +2073,14 @@
               <a:buAutoNum type="arabicPeriod"/>
             </a:pPr>
             <a:r>
-              <a:rPr lang="de-DE" b="1" baseline="0" dirty="0"/>
-              <a:t>Checkout überträgt Dateien in Working Directories. </a:t>
-            </a:r>
-          </a:p>
-          <a:p>
-            <a:pPr marL="0" indent="0">
+              <a:rPr lang="de-DE" sz="1600" b="1" dirty="0">
+                <a:latin typeface="+mj-lt"/>
+              </a:rPr>
+              <a:t>Bearbeitung der selben Ressource gleiche Zeit</a:t>
+            </a:r>
+          </a:p>
+          <a:p>
+            <a:pPr marL="228600" indent="-228600">
               <a:spcBef>
                 <a:spcPts val="0"/>
               </a:spcBef>
@@ -2085,15 +2088,23 @@
                 <a:spcPts val="1200"/>
               </a:spcAft>
               <a:buFontTx/>
-              <a:buNone/>
+              <a:buAutoNum type="arabicPeriod"/>
             </a:pPr>
             <a:r>
-              <a:rPr lang="de-DE" b="1" baseline="0" dirty="0"/>
-              <a:t>     Working Directories auf Clients.</a:t>
-            </a:r>
-          </a:p>
-          <a:p>
-            <a:pPr marL="0" indent="0">
+              <a:rPr lang="de-DE" sz="1600" b="1" baseline="0" dirty="0" err="1">
+                <a:latin typeface="+mj-lt"/>
+              </a:rPr>
+              <a:t>Repositories</a:t>
+            </a:r>
+            <a:r>
+              <a:rPr lang="de-DE" sz="1600" b="1" dirty="0">
+                <a:latin typeface="+mj-lt"/>
+              </a:rPr>
+              <a:t> auf Server</a:t>
+            </a:r>
+          </a:p>
+          <a:p>
+            <a:pPr marL="228600" indent="-228600">
               <a:spcBef>
                 <a:spcPts val="0"/>
               </a:spcBef>
@@ -2101,28 +2112,17 @@
                 <a:spcPts val="1200"/>
               </a:spcAft>
               <a:buFontTx/>
-              <a:buNone/>
+              <a:buAutoNum type="arabicPeriod"/>
             </a:pPr>
             <a:r>
-              <a:rPr lang="de-DE" b="1" baseline="0" dirty="0"/>
-              <a:t>     Datei-Bearbeitung in Working Directories</a:t>
-            </a:r>
-          </a:p>
-          <a:p>
-            <a:pPr marL="228600" indent="-228600">
-              <a:spcBef>
-                <a:spcPts val="0"/>
-              </a:spcBef>
-              <a:spcAft>
-                <a:spcPts val="1200"/>
-              </a:spcAft>
-              <a:buFont typeface="+mj-lt"/>
-              <a:buAutoNum type="arabicPeriod" startAt="4"/>
-            </a:pPr>
-            <a:r>
-              <a:rPr lang="de-DE" b="1" baseline="0" dirty="0"/>
-              <a:t>speichern, über Commit, neue Versionen in Repositories</a:t>
-            </a:r>
+              <a:rPr lang="de-DE" sz="1600" b="1" dirty="0">
+                <a:latin typeface="+mj-lt"/>
+              </a:rPr>
+              <a:t>Für Transaktionen Netzwerk notwendig</a:t>
+            </a:r>
+            <a:endParaRPr lang="de-DE" sz="1600" b="1" baseline="0" dirty="0">
+              <a:latin typeface="+mj-lt"/>
+            </a:endParaRPr>
           </a:p>
         </p:txBody>
       </p:sp>
@@ -2208,7 +2208,9 @@
           <a:lstStyle/>
           <a:p>
             <a:r>
-              <a:rPr lang="de-DE" b="1" baseline="0" dirty="0"/>
+              <a:rPr lang="de-DE" sz="1600" b="1" baseline="0" dirty="0">
+                <a:latin typeface="+mj-lt"/>
+              </a:rPr>
               <a:t>Wie Eingehens bereits erwähnt ist basiert SVN auf diesem Konzept.</a:t>
             </a:r>
           </a:p>
@@ -2305,23 +2307,33 @@
               <a:buAutoNum type="arabicPeriod"/>
             </a:pPr>
             <a:r>
-              <a:rPr lang="de-DE" b="1" baseline="0" dirty="0"/>
+              <a:rPr lang="de-DE" sz="1600" b="1" baseline="0" dirty="0">
+                <a:latin typeface="+mj-lt"/>
+              </a:rPr>
               <a:t>Single Point </a:t>
             </a:r>
             <a:r>
-              <a:rPr lang="de-DE" b="1" baseline="0" dirty="0" err="1"/>
+              <a:rPr lang="de-DE" sz="1600" b="1" baseline="0" dirty="0" err="1">
+                <a:latin typeface="+mj-lt"/>
+              </a:rPr>
               <a:t>of</a:t>
             </a:r>
             <a:r>
-              <a:rPr lang="de-DE" b="1" baseline="0" dirty="0"/>
+              <a:rPr lang="de-DE" sz="1600" b="1" baseline="0" dirty="0">
+                <a:latin typeface="+mj-lt"/>
+              </a:rPr>
               <a:t> </a:t>
             </a:r>
             <a:r>
-              <a:rPr lang="de-DE" b="1" baseline="0" dirty="0" err="1"/>
+              <a:rPr lang="de-DE" sz="1600" b="1" baseline="0" dirty="0" err="1">
+                <a:latin typeface="+mj-lt"/>
+              </a:rPr>
               <a:t>Failure</a:t>
             </a:r>
             <a:r>
-              <a:rPr lang="de-DE" b="1" baseline="0" dirty="0"/>
+              <a:rPr lang="de-DE" sz="1600" b="1" baseline="0" dirty="0">
+                <a:latin typeface="+mj-lt"/>
+              </a:rPr>
               <a:t> aufgrund einmalige Speicherung Repositories auf Server</a:t>
             </a:r>
           </a:p>
@@ -2336,7 +2348,9 @@
               <a:buAutoNum type="arabicPeriod"/>
             </a:pPr>
             <a:r>
-              <a:rPr lang="de-DE" b="1" baseline="0" dirty="0"/>
+              <a:rPr lang="de-DE" sz="1600" b="1" baseline="0" dirty="0">
+                <a:latin typeface="+mj-lt"/>
+              </a:rPr>
               <a:t>Gleicher Grund System stark netzwerkabhängig. Kein Internet- bzw. Netzwerk kein VCS</a:t>
             </a:r>
           </a:p>
@@ -2423,33 +2437,6 @@
           <a:bodyPr/>
           <a:lstStyle/>
           <a:p>
-            <a:pPr marL="0" indent="0">
-              <a:buFontTx/>
-              <a:buNone/>
-            </a:pPr>
-            <a:r>
-              <a:rPr lang="de-DE" baseline="0" dirty="0"/>
-              <a:t>Diese Probleme kann man mit einer verteilten Versionsverwaltung beheben. </a:t>
-            </a:r>
-          </a:p>
-          <a:p>
-            <a:pPr marL="0" indent="0">
-              <a:buFontTx/>
-              <a:buNone/>
-            </a:pPr>
-            <a:endParaRPr lang="de-DE" baseline="0" dirty="0"/>
-          </a:p>
-          <a:p>
-            <a:pPr marL="0" indent="0">
-              <a:buFontTx/>
-              <a:buNone/>
-            </a:pPr>
-            <a:r>
-              <a:rPr lang="de-DE" baseline="0" dirty="0"/>
-              <a:t>Beschreibung:</a:t>
-            </a:r>
-          </a:p>
-          <a:p>
             <a:pPr marL="228600" marR="0" indent="-228600" algn="l" defTabSz="914400" rtl="0" eaLnBrk="0" fontAlgn="base" latinLnBrk="0" hangingPunct="0">
               <a:lnSpc>
                 <a:spcPct val="100000"/>
@@ -2469,7 +2456,15 @@
             </a:pPr>
             <a:r>
               <a:rPr lang="de-DE" baseline="0" dirty="0"/>
-              <a:t>Grundsätzlich benötigen wir bei der verteilten Versionsverwaltung keinen Server. </a:t>
+              <a:t>Grundsätzlich keine Server</a:t>
+            </a:r>
+            <a:r>
+              <a:rPr lang="de-DE" dirty="0"/>
+              <a:t> notwendig</a:t>
+            </a:r>
+            <a:r>
+              <a:rPr lang="de-DE" baseline="0" dirty="0"/>
+              <a:t> </a:t>
             </a:r>
           </a:p>
           <a:p>
@@ -2492,24 +2487,30 @@
             </a:pPr>
             <a:r>
               <a:rPr lang="de-DE" baseline="0" dirty="0"/>
-              <a:t>     Wir könnten also ein DVCS nur mit Clients einrichten</a:t>
-            </a:r>
-          </a:p>
-          <a:p>
-            <a:pPr marL="0" indent="0">
-              <a:buFontTx/>
-              <a:buNone/>
-            </a:pPr>
+              <a:t>      DVCS nur mit Clients </a:t>
+            </a:r>
+            <a:r>
+              <a:rPr lang="de-DE" dirty="0"/>
+              <a:t>möglich</a:t>
+            </a:r>
             <a:endParaRPr lang="de-DE" baseline="0" dirty="0"/>
           </a:p>
           <a:p>
             <a:pPr marL="228600" indent="-228600">
               <a:buFont typeface="+mj-lt"/>
-              <a:buAutoNum type="arabicPeriod" startAt="2"/>
+              <a:buAutoNum type="arabicPeriod" startAt="3"/>
             </a:pPr>
             <a:r>
               <a:rPr lang="de-DE" baseline="0" dirty="0"/>
-              <a:t>Ein Server ist aber ratsam und macht durchaus Sinn</a:t>
+              <a:t>Server aber ratsam,</a:t>
+            </a:r>
+            <a:r>
+              <a:rPr lang="de-DE" dirty="0"/>
+              <a:t> </a:t>
+            </a:r>
+            <a:r>
+              <a:rPr lang="de-DE" baseline="0" dirty="0"/>
+              <a:t>macht Sinn</a:t>
             </a:r>
           </a:p>
           <a:p>
@@ -2532,7 +2533,7 @@
             </a:pPr>
             <a:r>
               <a:rPr lang="de-DE" baseline="0" dirty="0"/>
-              <a:t>     Zwar ist es technisch möglich direkt mit </a:t>
+              <a:t>      Zwar technisch möglich mit </a:t>
             </a:r>
             <a:r>
               <a:rPr lang="de-DE" sz="1200" b="0" i="0" kern="1200" dirty="0">
@@ -2544,7 +2545,7 @@
                 <a:ea typeface="+mn-ea"/>
                 <a:cs typeface="+mn-cs"/>
               </a:rPr>
-              <a:t>Repositories Anderer zu arbeiten, Änderungen dorthin zu pushen oder von dort zu holen</a:t>
+              <a:t>Repositories Anderer zu arbeiten </a:t>
             </a:r>
           </a:p>
           <a:p>
@@ -2566,8 +2567,8 @@
               <a:defRPr/>
             </a:pPr>
             <a:r>
-              <a:rPr lang="de-DE" baseline="0" dirty="0"/>
-              <a:t>     </a:t>
+              <a:rPr lang="de-DE" dirty="0"/>
+              <a:t>      (</a:t>
             </a:r>
             <a:r>
               <a:rPr lang="de-DE" sz="1200" b="0" i="0" kern="1200" dirty="0">
@@ -2579,31 +2580,7 @@
                 <a:ea typeface="+mn-ea"/>
                 <a:cs typeface="+mn-cs"/>
               </a:rPr>
-              <a:t>leicht die Arbeit Anderer durcheinander</a:t>
-            </a:r>
-            <a:r>
-              <a:rPr lang="de-DE" sz="1200" b="0" i="0" kern="1200" baseline="0" dirty="0">
-                <a:solidFill>
-                  <a:schemeClr val="tx1"/>
-                </a:solidFill>
-                <a:effectLst/>
-                <a:latin typeface="Times" pitchFamily="18" charset="0"/>
-                <a:ea typeface="+mn-ea"/>
-                <a:cs typeface="+mn-cs"/>
-              </a:rPr>
-              <a:t> </a:t>
-            </a:r>
-            <a:r>
-              <a:rPr lang="de-DE" sz="1200" b="0" i="0" kern="1200" dirty="0">
-                <a:solidFill>
-                  <a:schemeClr val="tx1"/>
-                </a:solidFill>
-                <a:effectLst/>
-                <a:latin typeface="Times" pitchFamily="18" charset="0"/>
-                <a:ea typeface="+mn-ea"/>
-                <a:cs typeface="+mn-cs"/>
-              </a:rPr>
-              <a:t>bringen</a:t>
+              <a:t>Änderungen dorthin zu pushen oder von dort zu holen)</a:t>
             </a:r>
           </a:p>
           <a:p>
@@ -2626,7 +2603,7 @@
             </a:pPr>
             <a:r>
               <a:rPr lang="de-DE" baseline="0" dirty="0"/>
-              <a:t>     </a:t>
+              <a:t>      </a:t>
             </a:r>
             <a:r>
               <a:rPr lang="de-DE" sz="1200" b="0" i="0" kern="1200" dirty="0">
@@ -2638,7 +2615,7 @@
                 <a:ea typeface="+mn-ea"/>
                 <a:cs typeface="+mn-cs"/>
               </a:rPr>
-              <a:t>Repositories sollten von</a:t>
+              <a:t>leicht Arbeit Anderer durcheinander</a:t>
             </a:r>
             <a:r>
               <a:rPr lang="de-DE" sz="1200" b="0" i="0" kern="1200" baseline="0" dirty="0">
@@ -2650,7 +2627,19 @@
                 <a:ea typeface="+mn-ea"/>
                 <a:cs typeface="+mn-cs"/>
               </a:rPr>
-              <a:t> überall und möglichst zu jeder Zeit verfügbar sein</a:t>
+              <a:t> </a:t>
+            </a:r>
+            <a:r>
+              <a:rPr lang="de-DE" sz="1200" b="0" i="0" kern="1200" dirty="0">
+                <a:solidFill>
+                  <a:schemeClr val="tx1"/>
+                </a:solidFill>
+                <a:effectLst/>
+                <a:latin typeface="Times" pitchFamily="18" charset="0"/>
+                <a:ea typeface="+mn-ea"/>
+                <a:cs typeface="+mn-cs"/>
+              </a:rPr>
+              <a:t>bringen</a:t>
             </a:r>
           </a:p>
           <a:p>
@@ -2673,7 +2662,31 @@
             </a:pPr>
             <a:r>
               <a:rPr lang="de-DE" baseline="0" dirty="0"/>
-              <a:t>     </a:t>
+              <a:t>      Und </a:t>
+            </a:r>
+            <a:r>
+              <a:rPr lang="de-DE" sz="1200" b="0" i="0" kern="1200" dirty="0" err="1">
+                <a:solidFill>
+                  <a:schemeClr val="tx1"/>
+                </a:solidFill>
+                <a:effectLst/>
+                <a:latin typeface="Times" pitchFamily="18" charset="0"/>
+                <a:ea typeface="+mn-ea"/>
+                <a:cs typeface="+mn-cs"/>
+              </a:rPr>
+              <a:t>Repositories</a:t>
+            </a:r>
+            <a:r>
+              <a:rPr lang="de-DE" sz="1200" b="0" i="0" kern="1200" dirty="0">
+                <a:solidFill>
+                  <a:schemeClr val="tx1"/>
+                </a:solidFill>
+                <a:effectLst/>
+                <a:latin typeface="Times" pitchFamily="18" charset="0"/>
+                <a:ea typeface="+mn-ea"/>
+                <a:cs typeface="+mn-cs"/>
+              </a:rPr>
+              <a:t> von</a:t>
             </a:r>
             <a:r>
               <a:rPr lang="de-DE" sz="1200" b="0" i="0" kern="1200" baseline="0" dirty="0">
@@ -2685,46 +2698,7 @@
                 <a:ea typeface="+mn-ea"/>
                 <a:cs typeface="+mn-cs"/>
               </a:rPr>
-              <a:t>Ohne Server sind andere Repositories nur Verfügbar, wenn der entsprechende Computer eingeschaltet ist</a:t>
-            </a:r>
-            <a:endParaRPr lang="de-DE" sz="1200" b="0" i="0" kern="1200" dirty="0">
-              <a:solidFill>
-                <a:schemeClr val="tx1"/>
-              </a:solidFill>
-              <a:effectLst/>
-              <a:latin typeface="Times" pitchFamily="18" charset="0"/>
-              <a:ea typeface="+mn-ea"/>
-              <a:cs typeface="+mn-cs"/>
-            </a:endParaRPr>
-          </a:p>
-          <a:p>
-            <a:pPr marL="0" indent="0">
-              <a:buFont typeface="+mj-lt"/>
-              <a:buNone/>
-            </a:pPr>
-            <a:endParaRPr lang="de-DE" baseline="0" dirty="0"/>
-          </a:p>
-          <a:p>
-            <a:pPr marL="228600" marR="0" indent="-228600" algn="l" defTabSz="914400" rtl="0" eaLnBrk="0" fontAlgn="base" latinLnBrk="0" hangingPunct="0">
-              <a:lnSpc>
-                <a:spcPct val="100000"/>
-              </a:lnSpc>
-              <a:spcBef>
-                <a:spcPct val="30000"/>
-              </a:spcBef>
-              <a:spcAft>
-                <a:spcPct val="0"/>
-              </a:spcAft>
-              <a:buClrTx/>
-              <a:buSzTx/>
-              <a:buFont typeface="+mj-lt"/>
-              <a:buAutoNum type="arabicPeriod" startAt="3"/>
-              <a:tabLst/>
-              <a:defRPr/>
-            </a:pPr>
-            <a:r>
-              <a:rPr lang="de-DE" baseline="0" dirty="0"/>
-              <a:t>Die Repositories mit den versionierten Dateien werden auf dem Server UND auf den Clients gespeichert!</a:t>
+              <a:t> überall und möglichst zu jeder Zeit verfügbar</a:t>
             </a:r>
           </a:p>
           <a:p>
@@ -2745,6 +2719,57 @@
               <a:tabLst/>
               <a:defRPr/>
             </a:pPr>
+            <a:r>
+              <a:rPr lang="de-DE" baseline="0" dirty="0"/>
+              <a:t>      </a:t>
+            </a:r>
+            <a:r>
+              <a:rPr lang="de-DE" sz="1200" b="0" i="0" kern="1200" baseline="0" dirty="0">
+                <a:solidFill>
+                  <a:schemeClr val="tx1"/>
+                </a:solidFill>
+                <a:effectLst/>
+                <a:latin typeface="Times" pitchFamily="18" charset="0"/>
+                <a:ea typeface="+mn-ea"/>
+                <a:cs typeface="+mn-cs"/>
+              </a:rPr>
+              <a:t>Ohne Server andere Repositories nur Verfügbar, wenn Computer   </a:t>
+            </a:r>
+          </a:p>
+          <a:p>
+            <a:pPr marL="0" marR="0" indent="0" algn="l" defTabSz="914400" rtl="0" eaLnBrk="0" fontAlgn="base" latinLnBrk="0" hangingPunct="0">
+              <a:lnSpc>
+                <a:spcPct val="100000"/>
+              </a:lnSpc>
+              <a:spcBef>
+                <a:spcPct val="30000"/>
+              </a:spcBef>
+              <a:spcAft>
+                <a:spcPct val="0"/>
+              </a:spcAft>
+              <a:buClrTx/>
+              <a:buSzTx/>
+              <a:buFont typeface="+mj-lt"/>
+              <a:buNone/>
+              <a:tabLst/>
+              <a:defRPr/>
+            </a:pPr>
+            <a:r>
+              <a:rPr lang="de-DE" dirty="0"/>
+              <a:t>      </a:t>
+            </a:r>
+            <a:r>
+              <a:rPr lang="de-DE" sz="1200" b="0" i="0" kern="1200" baseline="0" dirty="0">
+                <a:solidFill>
+                  <a:schemeClr val="tx1"/>
+                </a:solidFill>
+                <a:effectLst/>
+                <a:latin typeface="Times" pitchFamily="18" charset="0"/>
+                <a:ea typeface="+mn-ea"/>
+                <a:cs typeface="+mn-cs"/>
+              </a:rPr>
+              <a:t>eingeschaltet ist</a:t>
+            </a:r>
             <a:endParaRPr lang="de-DE" baseline="0" dirty="0"/>
           </a:p>
           <a:p>
@@ -2766,8 +2791,125 @@
               <a:defRPr/>
             </a:pPr>
             <a:r>
+              <a:rPr lang="de-DE" baseline="0" dirty="0" err="1"/>
+              <a:t>Repositories</a:t>
+            </a:r>
+            <a:r>
               <a:rPr lang="de-DE" baseline="0" dirty="0"/>
-              <a:t>Wir gehen davon aus, dass auf dem Server die aktuellen Repositories liegen. Also mit den aktuellen Versionen  </a:t>
+              <a:t> auf</a:t>
+            </a:r>
+            <a:r>
+              <a:rPr lang="de-DE" dirty="0"/>
+              <a:t> </a:t>
+            </a:r>
+            <a:r>
+              <a:rPr lang="de-DE" baseline="0" dirty="0"/>
+              <a:t>Server UND Clients gespeichert</a:t>
+            </a:r>
+          </a:p>
+          <a:p>
+            <a:pPr marL="228600" marR="0" indent="-228600" algn="l" defTabSz="914400" rtl="0" eaLnBrk="0" fontAlgn="base" latinLnBrk="0" hangingPunct="0">
+              <a:lnSpc>
+                <a:spcPct val="100000"/>
+              </a:lnSpc>
+              <a:spcBef>
+                <a:spcPct val="30000"/>
+              </a:spcBef>
+              <a:spcAft>
+                <a:spcPct val="0"/>
+              </a:spcAft>
+              <a:buClrTx/>
+              <a:buSzTx/>
+              <a:buFont typeface="+mj-lt"/>
+              <a:buAutoNum type="arabicPeriod" startAt="4"/>
+              <a:tabLst/>
+              <a:defRPr/>
+            </a:pPr>
+            <a:r>
+              <a:rPr lang="de-DE" baseline="0" dirty="0"/>
+              <a:t>Annahme: auf dem Server aktuelle </a:t>
+            </a:r>
+            <a:r>
+              <a:rPr lang="de-DE" baseline="0" dirty="0" err="1"/>
+              <a:t>Repositories</a:t>
+            </a:r>
+            <a:endParaRPr lang="de-DE" baseline="0" dirty="0"/>
+          </a:p>
+          <a:p>
+            <a:pPr marL="228600" marR="0" indent="-228600" algn="l" defTabSz="914400" rtl="0" eaLnBrk="0" fontAlgn="base" latinLnBrk="0" hangingPunct="0">
+              <a:lnSpc>
+                <a:spcPct val="100000"/>
+              </a:lnSpc>
+              <a:spcBef>
+                <a:spcPct val="30000"/>
+              </a:spcBef>
+              <a:spcAft>
+                <a:spcPct val="0"/>
+              </a:spcAft>
+              <a:buClrTx/>
+              <a:buSzTx/>
+              <a:buFont typeface="+mj-lt"/>
+              <a:buAutoNum type="arabicPeriod" startAt="6"/>
+              <a:tabLst/>
+              <a:defRPr/>
+            </a:pPr>
+            <a:r>
+              <a:rPr lang="de-DE" baseline="0" dirty="0"/>
+              <a:t>Abgleich über entsprechende Operationen (z.B. Push oder Pull)</a:t>
+            </a:r>
+          </a:p>
+          <a:p>
+            <a:pPr marL="228600" marR="0" indent="-228600" algn="l" defTabSz="914400" rtl="0" eaLnBrk="0" fontAlgn="base" latinLnBrk="0" hangingPunct="0">
+              <a:lnSpc>
+                <a:spcPct val="100000"/>
+              </a:lnSpc>
+              <a:spcBef>
+                <a:spcPct val="30000"/>
+              </a:spcBef>
+              <a:spcAft>
+                <a:spcPct val="0"/>
+              </a:spcAft>
+              <a:buClrTx/>
+              <a:buSzTx/>
+              <a:buFont typeface="+mj-lt"/>
+              <a:buAutoNum type="arabicPeriod" startAt="6"/>
+              <a:tabLst/>
+              <a:defRPr/>
+            </a:pPr>
+            <a:r>
+              <a:rPr lang="de-DE" baseline="0" dirty="0"/>
+              <a:t>„</a:t>
+            </a:r>
+            <a:r>
+              <a:rPr lang="de-DE" baseline="0" dirty="0" err="1"/>
+              <a:t>clone</a:t>
+            </a:r>
+            <a:r>
+              <a:rPr lang="de-DE" baseline="0" dirty="0"/>
+              <a:t>“ können die Repositories vom Server auf einen Client übertragen eben geklont werden, wo diese Repositories noch nicht vorhanden sind</a:t>
+            </a:r>
+          </a:p>
+          <a:p>
+            <a:pPr marL="228600" marR="0" indent="-228600" algn="l" defTabSz="914400" rtl="0" eaLnBrk="0" fontAlgn="base" latinLnBrk="0" hangingPunct="0">
+              <a:lnSpc>
+                <a:spcPct val="100000"/>
+              </a:lnSpc>
+              <a:spcBef>
+                <a:spcPct val="30000"/>
+              </a:spcBef>
+              <a:spcAft>
+                <a:spcPct val="0"/>
+              </a:spcAft>
+              <a:buClrTx/>
+              <a:buSzTx/>
+              <a:buFont typeface="+mj-lt"/>
+              <a:buAutoNum type="arabicPeriod" startAt="6"/>
+              <a:tabLst/>
+              <a:defRPr/>
+            </a:pPr>
+            <a:r>
+              <a:rPr lang="de-DE" baseline="0" dirty="0"/>
+              <a:t>Mit einem Checkout übertragen wir zu bearbeitende Dateien in Working Directories. Die Working Directories liegen auf den Clients.</a:t>
             </a:r>
           </a:p>
           <a:p>
@@ -2790,7 +2932,15 @@
             </a:pPr>
             <a:r>
               <a:rPr lang="de-DE" baseline="0" dirty="0"/>
-              <a:t> </a:t>
+              <a:t>     Die Dateien werden innerhalb der Working </a:t>
+            </a:r>
+            <a:r>
+              <a:rPr lang="de-DE" baseline="0" dirty="0" err="1"/>
+              <a:t>Directories</a:t>
+            </a:r>
+            <a:r>
+              <a:rPr lang="de-DE" baseline="0" dirty="0"/>
+              <a:t> bearbeitet</a:t>
             </a:r>
           </a:p>
           <a:p>
@@ -2807,13 +2957,21 @@
               <a:buClrTx/>
               <a:buSzTx/>
               <a:buFont typeface="+mj-lt"/>
-              <a:buAutoNum type="arabicPeriod" startAt="5"/>
+              <a:buAutoNum type="arabicPeriod" startAt="9"/>
               <a:tabLst/>
               <a:defRPr/>
             </a:pPr>
             <a:r>
               <a:rPr lang="de-DE" baseline="0" dirty="0"/>
-              <a:t>Über entsprechende Operationen (z.B. Push oder Pull) werden die Repositories untereinander abgeglichen.</a:t>
+              <a:t>Über ein Commit werden neue Versionen der bearbeiteten Dateien in den lokalen </a:t>
+            </a:r>
+            <a:r>
+              <a:rPr lang="de-DE" baseline="0" dirty="0" err="1"/>
+              <a:t>Repositories</a:t>
+            </a:r>
+            <a:r>
+              <a:rPr lang="de-DE" baseline="0" dirty="0"/>
+              <a:t> erzeugt</a:t>
             </a:r>
           </a:p>
           <a:p>
@@ -2830,11 +2988,14 @@
               <a:buClrTx/>
               <a:buSzTx/>
               <a:buFont typeface="+mj-lt"/>
-              <a:buAutoNum type="arabicPeriod" startAt="5"/>
+              <a:buAutoNum type="arabicPeriod" startAt="9"/>
               <a:tabLst/>
               <a:defRPr/>
             </a:pPr>
-            <a:endParaRPr lang="de-DE" baseline="0" dirty="0"/>
+            <a:r>
+              <a:rPr lang="de-DE" baseline="0" dirty="0"/>
+              <a:t>Über ein Push werden die veränderten Repositories mit den sich auf den Server oder anderen Clients befindenden Repositories abgeglichen</a:t>
+            </a:r>
           </a:p>
           <a:p>
             <a:pPr marL="228600" marR="0" indent="-228600" algn="l" defTabSz="914400" rtl="0" eaLnBrk="0" fontAlgn="base" latinLnBrk="0" hangingPunct="0">
@@ -2850,190 +3011,7 @@
               <a:buClrTx/>
               <a:buSzTx/>
               <a:buFont typeface="+mj-lt"/>
-              <a:buAutoNum type="arabicPeriod" startAt="5"/>
-              <a:tabLst/>
-              <a:defRPr/>
-            </a:pPr>
-            <a:r>
-              <a:rPr lang="de-DE" baseline="0" dirty="0"/>
-              <a:t>Über ein „</a:t>
-            </a:r>
-            <a:r>
-              <a:rPr lang="de-DE" baseline="0" dirty="0" err="1"/>
-              <a:t>clone</a:t>
-            </a:r>
-            <a:r>
-              <a:rPr lang="de-DE" baseline="0" dirty="0"/>
-              <a:t>“ können die Repositories vom Server auf einen Client übertragen eben geklont werden, wo diese Repositories noch nicht vorhanden sind</a:t>
-            </a:r>
-          </a:p>
-          <a:p>
-            <a:pPr marL="228600" marR="0" indent="-228600" algn="l" defTabSz="914400" rtl="0" eaLnBrk="0" fontAlgn="base" latinLnBrk="0" hangingPunct="0">
-              <a:lnSpc>
-                <a:spcPct val="100000"/>
-              </a:lnSpc>
-              <a:spcBef>
-                <a:spcPct val="30000"/>
-              </a:spcBef>
-              <a:spcAft>
-                <a:spcPct val="0"/>
-              </a:spcAft>
-              <a:buClrTx/>
-              <a:buSzTx/>
-              <a:buFont typeface="+mj-lt"/>
-              <a:buAutoNum type="arabicPeriod" startAt="5"/>
-              <a:tabLst/>
-              <a:defRPr/>
-            </a:pPr>
-            <a:endParaRPr lang="de-DE" baseline="0" dirty="0"/>
-          </a:p>
-          <a:p>
-            <a:pPr marL="228600" marR="0" indent="-228600" algn="l" defTabSz="914400" rtl="0" eaLnBrk="0" fontAlgn="base" latinLnBrk="0" hangingPunct="0">
-              <a:lnSpc>
-                <a:spcPct val="100000"/>
-              </a:lnSpc>
-              <a:spcBef>
-                <a:spcPct val="30000"/>
-              </a:spcBef>
-              <a:spcAft>
-                <a:spcPct val="0"/>
-              </a:spcAft>
-              <a:buClrTx/>
-              <a:buSzTx/>
-              <a:buFont typeface="+mj-lt"/>
-              <a:buAutoNum type="arabicPeriod" startAt="5"/>
-              <a:tabLst/>
-              <a:defRPr/>
-            </a:pPr>
-            <a:r>
-              <a:rPr lang="de-DE" baseline="0" dirty="0"/>
-              <a:t>Mit einem Checkout übertragen wir zu bearbeitende Dateien in Working Directories. Die Working Directories liegen auf den Clients.</a:t>
-            </a:r>
-          </a:p>
-          <a:p>
-            <a:pPr marL="0" marR="0" indent="0" algn="l" defTabSz="914400" rtl="0" eaLnBrk="0" fontAlgn="base" latinLnBrk="0" hangingPunct="0">
-              <a:lnSpc>
-                <a:spcPct val="100000"/>
-              </a:lnSpc>
-              <a:spcBef>
-                <a:spcPct val="30000"/>
-              </a:spcBef>
-              <a:spcAft>
-                <a:spcPct val="0"/>
-              </a:spcAft>
-              <a:buClrTx/>
-              <a:buSzTx/>
-              <a:buFont typeface="+mj-lt"/>
-              <a:buNone/>
-              <a:tabLst/>
-              <a:defRPr/>
-            </a:pPr>
-            <a:r>
-              <a:rPr lang="de-DE" baseline="0" dirty="0"/>
-              <a:t>     Die Dateien werden innerhalb der Working Directories bearbeitet</a:t>
-            </a:r>
-          </a:p>
-          <a:p>
-            <a:pPr marL="228600" marR="0" indent="-228600" algn="l" defTabSz="914400" rtl="0" eaLnBrk="0" fontAlgn="base" latinLnBrk="0" hangingPunct="0">
-              <a:lnSpc>
-                <a:spcPct val="100000"/>
-              </a:lnSpc>
-              <a:spcBef>
-                <a:spcPct val="30000"/>
-              </a:spcBef>
-              <a:spcAft>
-                <a:spcPct val="0"/>
-              </a:spcAft>
-              <a:buClrTx/>
-              <a:buSzTx/>
-              <a:buFont typeface="+mj-lt"/>
-              <a:buAutoNum type="arabicPeriod" startAt="5"/>
-              <a:tabLst/>
-              <a:defRPr/>
-            </a:pPr>
-            <a:endParaRPr lang="de-DE" baseline="0" dirty="0"/>
-          </a:p>
-          <a:p>
-            <a:pPr marL="228600" marR="0" indent="-228600" algn="l" defTabSz="914400" rtl="0" eaLnBrk="0" fontAlgn="base" latinLnBrk="0" hangingPunct="0">
-              <a:lnSpc>
-                <a:spcPct val="100000"/>
-              </a:lnSpc>
-              <a:spcBef>
-                <a:spcPct val="30000"/>
-              </a:spcBef>
-              <a:spcAft>
-                <a:spcPct val="0"/>
-              </a:spcAft>
-              <a:buClrTx/>
-              <a:buSzTx/>
-              <a:buFont typeface="+mj-lt"/>
-              <a:buAutoNum type="arabicPeriod" startAt="8"/>
-              <a:tabLst/>
-              <a:defRPr/>
-            </a:pPr>
-            <a:r>
-              <a:rPr lang="de-DE" baseline="0" dirty="0"/>
-              <a:t>Über ein Commit werden neue Versionen der bearbeiteten Dateien in den lokalen Repositories erzeugt</a:t>
-            </a:r>
-          </a:p>
-          <a:p>
-            <a:pPr marL="228600" marR="0" indent="-228600" algn="l" defTabSz="914400" rtl="0" eaLnBrk="0" fontAlgn="base" latinLnBrk="0" hangingPunct="0">
-              <a:lnSpc>
-                <a:spcPct val="100000"/>
-              </a:lnSpc>
-              <a:spcBef>
-                <a:spcPct val="30000"/>
-              </a:spcBef>
-              <a:spcAft>
-                <a:spcPct val="0"/>
-              </a:spcAft>
-              <a:buClrTx/>
-              <a:buSzTx/>
-              <a:buFont typeface="+mj-lt"/>
-              <a:buAutoNum type="arabicPeriod" startAt="8"/>
-              <a:tabLst/>
-              <a:defRPr/>
-            </a:pPr>
-            <a:endParaRPr lang="de-DE" baseline="0" dirty="0"/>
-          </a:p>
-          <a:p>
-            <a:pPr marL="228600" marR="0" indent="-228600" algn="l" defTabSz="914400" rtl="0" eaLnBrk="0" fontAlgn="base" latinLnBrk="0" hangingPunct="0">
-              <a:lnSpc>
-                <a:spcPct val="100000"/>
-              </a:lnSpc>
-              <a:spcBef>
-                <a:spcPct val="30000"/>
-              </a:spcBef>
-              <a:spcAft>
-                <a:spcPct val="0"/>
-              </a:spcAft>
-              <a:buClrTx/>
-              <a:buSzTx/>
-              <a:buFont typeface="+mj-lt"/>
-              <a:buAutoNum type="arabicPeriod" startAt="8"/>
-              <a:tabLst/>
-              <a:defRPr/>
-            </a:pPr>
-            <a:r>
-              <a:rPr lang="de-DE" baseline="0" dirty="0"/>
-              <a:t>Über ein Push werden die veränderten Repositories mit den sich auf den Server oder anderen Clients befindenden Repositories abgeglichen</a:t>
-            </a:r>
-          </a:p>
-          <a:p>
-            <a:pPr marL="228600" marR="0" indent="-228600" algn="l" defTabSz="914400" rtl="0" eaLnBrk="0" fontAlgn="base" latinLnBrk="0" hangingPunct="0">
-              <a:lnSpc>
-                <a:spcPct val="100000"/>
-              </a:lnSpc>
-              <a:spcBef>
-                <a:spcPct val="30000"/>
-              </a:spcBef>
-              <a:spcAft>
-                <a:spcPct val="0"/>
-              </a:spcAft>
-              <a:buClrTx/>
-              <a:buSzTx/>
-              <a:buFont typeface="+mj-lt"/>
-              <a:buAutoNum type="arabicPeriod" startAt="8"/>
+              <a:buAutoNum type="arabicPeriod" startAt="9"/>
               <a:tabLst/>
               <a:defRPr/>
             </a:pPr>
@@ -3313,12 +3291,12 @@
               <a:buNone/>
             </a:pPr>
             <a:r>
-              <a:rPr lang="de-DE" sz="1200" b="0" i="0" kern="1200" baseline="0" dirty="0">
+              <a:rPr lang="de-DE" sz="1600" b="1" i="0" kern="1200" baseline="0" dirty="0">
                 <a:solidFill>
                   <a:schemeClr val="tx1"/>
                 </a:solidFill>
                 <a:effectLst/>
-                <a:latin typeface="Times" pitchFamily="18" charset="0"/>
+                <a:latin typeface="+mj-lt"/>
                 <a:ea typeface="+mn-ea"/>
                 <a:cs typeface="+mn-cs"/>
               </a:rPr>
@@ -3330,12 +3308,12 @@
               <a:buFontTx/>
               <a:buNone/>
             </a:pPr>
-            <a:endParaRPr lang="de-DE" sz="1200" b="0" i="0" kern="1200" baseline="0" dirty="0">
+            <a:endParaRPr lang="de-DE" sz="1600" b="1" i="0" kern="1200" baseline="0" dirty="0">
               <a:solidFill>
                 <a:schemeClr val="tx1"/>
               </a:solidFill>
               <a:effectLst/>
-              <a:latin typeface="Times" pitchFamily="18" charset="0"/>
+              <a:latin typeface="+mj-lt"/>
               <a:ea typeface="+mn-ea"/>
               <a:cs typeface="+mn-cs"/>
             </a:endParaRPr>
@@ -3428,8 +3406,34 @@
               <a:buChar char="-"/>
             </a:pPr>
             <a:r>
-              <a:rPr lang="de-DE" baseline="0" dirty="0"/>
-              <a:t>Neben den Konzepten auf die SVN und Git basieren unterscheidet die beiden Systeme noch etwas Grundlegendes.</a:t>
+              <a:rPr lang="de-DE" sz="1600" b="1" baseline="0" dirty="0">
+                <a:latin typeface="+mj-lt"/>
+              </a:rPr>
+              <a:t>Neben Konzept </a:t>
+            </a:r>
+            <a:r>
+              <a:rPr lang="de-DE" sz="1600" b="1" dirty="0">
+                <a:latin typeface="+mj-lt"/>
+              </a:rPr>
+              <a:t>von </a:t>
+            </a:r>
+            <a:r>
+              <a:rPr lang="de-DE" sz="1600" b="1" baseline="0" dirty="0">
+                <a:latin typeface="+mj-lt"/>
+              </a:rPr>
+              <a:t>SVN und </a:t>
+            </a:r>
+            <a:r>
+              <a:rPr lang="de-DE" sz="1600" b="1" baseline="0" dirty="0" err="1">
+                <a:latin typeface="+mj-lt"/>
+              </a:rPr>
+              <a:t>Git</a:t>
+            </a:r>
+            <a:r>
+              <a:rPr lang="de-DE" sz="1600" b="1" baseline="0" dirty="0">
+                <a:latin typeface="+mj-lt"/>
+              </a:rPr>
+              <a:t> unterscheidet die beiden Systeme noch etwas Grundlegendes</a:t>
             </a:r>
           </a:p>
           <a:p>
@@ -3438,8 +3442,10 @@
               <a:buChar char="-"/>
             </a:pPr>
             <a:r>
-              <a:rPr lang="de-DE" baseline="0" dirty="0"/>
-              <a:t>Der Arbeitsprozess der durchlaufen wird, wenn man mit den System arbeitet.</a:t>
+              <a:rPr lang="de-DE" sz="1600" b="1" baseline="0" dirty="0">
+                <a:latin typeface="+mj-lt"/>
+              </a:rPr>
+              <a:t>Der Arbeitsprozess wenn man mit den System arbeitet</a:t>
             </a:r>
           </a:p>
           <a:p>
@@ -3448,24 +3454,42 @@
               <a:buChar char="-"/>
             </a:pPr>
             <a:r>
-              <a:rPr lang="de-DE" baseline="0" dirty="0"/>
-              <a:t>Links haben wir den Arbeitsprozess mit SVN und rechts den von Git</a:t>
-            </a:r>
+              <a:rPr lang="de-DE" sz="1600" b="1" baseline="0" dirty="0">
+                <a:latin typeface="+mj-lt"/>
+              </a:rPr>
+              <a:t>Links Arbeitsprozess SVN,</a:t>
+            </a:r>
+            <a:r>
+              <a:rPr lang="de-DE" sz="1600" b="1" dirty="0">
+                <a:latin typeface="+mj-lt"/>
+              </a:rPr>
+              <a:t> </a:t>
+            </a:r>
+            <a:r>
+              <a:rPr lang="de-DE" sz="1600" b="1" baseline="0" dirty="0">
+                <a:latin typeface="+mj-lt"/>
+              </a:rPr>
+              <a:t>rechts </a:t>
+            </a:r>
+            <a:r>
+              <a:rPr lang="de-DE" sz="1600" b="1" baseline="0" dirty="0" err="1">
+                <a:latin typeface="+mj-lt"/>
+              </a:rPr>
+              <a:t>Git</a:t>
+            </a:r>
+            <a:endParaRPr lang="de-DE" sz="1600" b="1" baseline="0" dirty="0">
+              <a:latin typeface="+mj-lt"/>
+            </a:endParaRPr>
           </a:p>
           <a:p>
             <a:pPr marL="171450" indent="-171450">
               <a:buFontTx/>
               <a:buChar char="-"/>
             </a:pPr>
-            <a:endParaRPr lang="de-DE" baseline="0" dirty="0"/>
-          </a:p>
-          <a:p>
-            <a:pPr marL="171450" indent="-171450">
-              <a:buFontTx/>
-              <a:buChar char="-"/>
-            </a:pPr>
-            <a:r>
-              <a:rPr lang="de-DE" baseline="0" dirty="0"/>
+            <a:r>
+              <a:rPr lang="de-DE" sz="1600" b="1" baseline="0" dirty="0">
+                <a:latin typeface="+mj-lt"/>
+              </a:rPr>
               <a:t>Beschreibung der Prozesse…</a:t>
             </a:r>
           </a:p>
@@ -3474,7 +3498,9 @@
               <a:buFontTx/>
               <a:buNone/>
             </a:pPr>
-            <a:endParaRPr lang="de-DE" dirty="0"/>
+            <a:endParaRPr lang="de-DE" sz="1600" b="1" dirty="0">
+              <a:latin typeface="+mj-lt"/>
+            </a:endParaRPr>
           </a:p>
           <a:p>
             <a:pPr marL="0" marR="0" indent="0" algn="l" defTabSz="914400" rtl="0" eaLnBrk="0" fontAlgn="base" latinLnBrk="0" hangingPunct="0">
@@ -3495,29 +3521,132 @@
               <a:defRPr/>
             </a:pPr>
             <a:r>
-              <a:rPr lang="de-DE" sz="1200" b="0" i="0" kern="1200" baseline="0" dirty="0">
+              <a:rPr lang="de-DE" sz="1600" b="1" i="0" kern="1200" baseline="0" dirty="0">
                 <a:solidFill>
                   <a:schemeClr val="tx1"/>
                 </a:solidFill>
                 <a:effectLst/>
-                <a:latin typeface="Times" pitchFamily="18" charset="0"/>
-                <a:ea typeface="+mn-ea"/>
-                <a:cs typeface="+mn-cs"/>
-              </a:rPr>
-              <a:t>Sobald keine Fragen Ihrerseits mehr zum theoretischen Hintergrund der beiden Systeme bestehen, werde ich an Christian übergeben, der Ihnen Git in der Praxis vorstellen wird.</a:t>
-            </a:r>
-            <a:endParaRPr lang="de-DE" sz="1200" b="0" i="0" kern="1200" dirty="0">
+                <a:latin typeface="+mj-lt"/>
+              </a:rPr>
+              <a:t>Sobald keine Fragen zu</a:t>
+            </a:r>
+            <a:r>
+              <a:rPr lang="de-DE" sz="1600" b="1" i="0" kern="1200" dirty="0">
+                <a:solidFill>
+                  <a:schemeClr val="tx1"/>
+                </a:solidFill>
+                <a:effectLst/>
+                <a:latin typeface="+mj-lt"/>
+              </a:rPr>
+              <a:t> </a:t>
+            </a:r>
+            <a:r>
+              <a:rPr lang="de-DE" sz="1600" b="1" i="0" kern="1200" baseline="0" dirty="0">
+                <a:solidFill>
+                  <a:schemeClr val="tx1"/>
+                </a:solidFill>
+                <a:effectLst/>
+                <a:latin typeface="+mj-lt"/>
+              </a:rPr>
+              <a:t>theoretischem</a:t>
+            </a:r>
+            <a:r>
+              <a:rPr lang="de-DE" sz="1600" b="1" i="0" kern="1200" dirty="0">
+                <a:solidFill>
+                  <a:schemeClr val="tx1"/>
+                </a:solidFill>
+                <a:effectLst/>
+                <a:latin typeface="+mj-lt"/>
+              </a:rPr>
+              <a:t> </a:t>
+            </a:r>
+            <a:r>
+              <a:rPr lang="de-DE" sz="1600" b="1" i="0" kern="1200" baseline="0" dirty="0">
+                <a:solidFill>
+                  <a:schemeClr val="tx1"/>
+                </a:solidFill>
+                <a:effectLst/>
+                <a:latin typeface="+mj-lt"/>
+              </a:rPr>
+              <a:t>Hintergrund Übergabe</a:t>
+            </a:r>
+            <a:r>
+              <a:rPr lang="de-DE" sz="1600" b="1" i="0" kern="1200" dirty="0">
+                <a:solidFill>
+                  <a:schemeClr val="tx1"/>
+                </a:solidFill>
+                <a:effectLst/>
+                <a:latin typeface="+mj-lt"/>
+              </a:rPr>
+              <a:t> </a:t>
+            </a:r>
+            <a:r>
+              <a:rPr lang="de-DE" sz="1600" b="1" i="0" kern="1200" baseline="0" dirty="0">
+                <a:solidFill>
+                  <a:schemeClr val="tx1"/>
+                </a:solidFill>
+                <a:effectLst/>
+                <a:latin typeface="+mj-lt"/>
+              </a:rPr>
+              <a:t>an Christian</a:t>
+            </a:r>
+          </a:p>
+          <a:p>
+            <a:pPr marL="0" marR="0" indent="0" algn="l" defTabSz="914400" rtl="0" eaLnBrk="0" fontAlgn="base" latinLnBrk="0" hangingPunct="0">
+              <a:lnSpc>
+                <a:spcPct val="100000"/>
+              </a:lnSpc>
+              <a:spcBef>
+                <a:spcPct val="30000"/>
+              </a:spcBef>
+              <a:spcAft>
+                <a:spcPct val="0"/>
+              </a:spcAft>
+              <a:buClrTx/>
+              <a:buSzTx/>
+              <a:buFontTx/>
+              <a:buNone/>
+              <a:tabLst/>
+              <a:defRPr/>
+            </a:pPr>
+            <a:r>
+              <a:rPr lang="de-DE" sz="1600" b="1" dirty="0">
+                <a:latin typeface="+mj-lt"/>
+              </a:rPr>
+              <a:t>-&gt; </a:t>
+            </a:r>
+            <a:r>
+              <a:rPr lang="de-DE" sz="1600" b="1" i="0" kern="1200" baseline="0" dirty="0" err="1">
+                <a:solidFill>
+                  <a:schemeClr val="tx1"/>
+                </a:solidFill>
+                <a:effectLst/>
+                <a:latin typeface="+mj-lt"/>
+              </a:rPr>
+              <a:t>Git</a:t>
+            </a:r>
+            <a:r>
+              <a:rPr lang="de-DE" sz="1600" b="1" i="0" kern="1200" baseline="0" dirty="0">
+                <a:solidFill>
+                  <a:schemeClr val="tx1"/>
+                </a:solidFill>
+                <a:effectLst/>
+                <a:latin typeface="+mj-lt"/>
+              </a:rPr>
+              <a:t> in der Praxis</a:t>
+            </a:r>
+            <a:endParaRPr lang="de-DE" sz="1600" b="1" i="0" kern="1200" dirty="0">
               <a:solidFill>
                 <a:schemeClr val="tx1"/>
               </a:solidFill>
               <a:effectLst/>
-              <a:latin typeface="Times" pitchFamily="18" charset="0"/>
-              <a:ea typeface="+mn-ea"/>
-              <a:cs typeface="+mn-cs"/>
+              <a:latin typeface="+mj-lt"/>
             </a:endParaRPr>
           </a:p>
           <a:p>
-            <a:endParaRPr lang="de-DE" dirty="0"/>
+            <a:endParaRPr lang="de-DE" sz="1600" b="1" dirty="0">
+              <a:latin typeface="+mj-lt"/>
+            </a:endParaRPr>
           </a:p>
         </p:txBody>
       </p:sp>
@@ -4493,60 +4622,102 @@
           <a:lstStyle/>
           <a:p>
             <a:pPr marL="171450" indent="-171450">
+              <a:spcBef>
+                <a:spcPts val="0"/>
+              </a:spcBef>
+              <a:spcAft>
+                <a:spcPts val="1200"/>
+              </a:spcAft>
               <a:buFontTx/>
               <a:buChar char="-"/>
             </a:pPr>
             <a:r>
-              <a:rPr lang="de-DE" dirty="0"/>
-              <a:t>Der</a:t>
-            </a:r>
-            <a:r>
-              <a:rPr lang="de-DE" baseline="0" dirty="0"/>
-              <a:t> SVN Server den wir haben, liegt einmalig in der Cloud</a:t>
+              <a:rPr lang="de-DE" sz="1600" b="1" baseline="0" dirty="0">
+                <a:latin typeface="+mj-lt"/>
+              </a:rPr>
+              <a:t>SVN Server liegt einmalig in der Cloud (Bsp. Von uns)</a:t>
             </a:r>
           </a:p>
           <a:p>
             <a:pPr marL="171450" indent="-171450">
+              <a:spcBef>
+                <a:spcPts val="0"/>
+              </a:spcBef>
+              <a:spcAft>
+                <a:spcPts val="1200"/>
+              </a:spcAft>
               <a:buFontTx/>
               <a:buChar char="-"/>
             </a:pPr>
             <a:r>
-              <a:rPr lang="de-DE" baseline="0" dirty="0"/>
-              <a:t>Dort sind alle älteren Versionen der darin verwalteten Daten abgelegt</a:t>
+              <a:rPr lang="de-DE" sz="1600" b="1" baseline="0" dirty="0">
+                <a:latin typeface="+mj-lt"/>
+              </a:rPr>
+              <a:t>Dort alle älteren Versionen der verwalteten Daten</a:t>
             </a:r>
           </a:p>
           <a:p>
             <a:pPr marL="171450" indent="-171450">
+              <a:spcBef>
+                <a:spcPts val="0"/>
+              </a:spcBef>
+              <a:spcAft>
+                <a:spcPts val="1200"/>
+              </a:spcAft>
               <a:buFontTx/>
               <a:buChar char="-"/>
             </a:pPr>
             <a:r>
-              <a:rPr lang="de-DE" baseline="0" dirty="0"/>
-              <a:t>Wenn der Server nun </a:t>
-            </a:r>
-            <a:endParaRPr lang="de-DE" dirty="0"/>
+              <a:rPr lang="de-DE" sz="1600" b="1" dirty="0">
+                <a:latin typeface="+mj-lt"/>
+              </a:rPr>
+              <a:t>Server nicht erreichbar (Grund egal)</a:t>
+            </a:r>
           </a:p>
           <a:p>
             <a:pPr marL="171450" indent="-171450">
+              <a:spcBef>
+                <a:spcPts val="0"/>
+              </a:spcBef>
+              <a:spcAft>
+                <a:spcPts val="1200"/>
+              </a:spcAft>
               <a:buFontTx/>
               <a:buChar char="-"/>
             </a:pPr>
             <a:r>
-              <a:rPr lang="de-DE" dirty="0"/>
-              <a:t>Bei Git</a:t>
-            </a:r>
-            <a:r>
-              <a:rPr lang="de-DE" baseline="0" dirty="0"/>
-              <a:t> kein Problem, alle Rechner, die einen Klon von dem Repository haben, können weiterarbeiten und sobald der Server wieder verfügbar ist, die Repositories </a:t>
-            </a:r>
-            <a:r>
-              <a:rPr lang="de-DE" baseline="0" dirty="0" err="1"/>
-              <a:t>mergen</a:t>
-            </a:r>
-            <a:endParaRPr lang="de-DE" baseline="0" dirty="0"/>
-          </a:p>
-          <a:p>
-            <a:endParaRPr lang="de-DE" dirty="0"/>
+              <a:rPr lang="de-DE" sz="1600" b="1" dirty="0">
+                <a:latin typeface="+mj-lt"/>
+              </a:rPr>
+              <a:t>Kein Problem bei </a:t>
+            </a:r>
+            <a:r>
+              <a:rPr lang="de-DE" sz="1600" b="1" dirty="0" err="1">
+                <a:latin typeface="+mj-lt"/>
+              </a:rPr>
+              <a:t>Git</a:t>
+            </a:r>
+            <a:endParaRPr lang="de-DE" sz="1600" b="1" dirty="0">
+              <a:latin typeface="+mj-lt"/>
+            </a:endParaRPr>
+          </a:p>
+          <a:p>
+            <a:pPr marL="171450" indent="-171450">
+              <a:spcBef>
+                <a:spcPts val="0"/>
+              </a:spcBef>
+              <a:spcAft>
+                <a:spcPts val="1200"/>
+              </a:spcAft>
+              <a:buFontTx/>
+              <a:buChar char="-"/>
+            </a:pPr>
+            <a:r>
+              <a:rPr lang="de-DE" sz="1600" b="1" dirty="0">
+                <a:latin typeface="+mj-lt"/>
+              </a:rPr>
+              <a:t>Das führt mich zum nächsten Punkt</a:t>
+            </a:r>
           </a:p>
         </p:txBody>
       </p:sp>
@@ -4721,56 +4892,171 @@
           <a:lstStyle/>
           <a:p>
             <a:pPr marL="171450" indent="-171450">
+              <a:spcBef>
+                <a:spcPts val="0"/>
+              </a:spcBef>
+              <a:spcAft>
+                <a:spcPts val="1200"/>
+              </a:spcAft>
               <a:buFontTx/>
               <a:buChar char="-"/>
             </a:pPr>
             <a:r>
-              <a:rPr lang="de-DE" dirty="0"/>
-              <a:t>Vom Netzwerk</a:t>
-            </a:r>
-            <a:r>
-              <a:rPr lang="de-DE" baseline="0" dirty="0"/>
-              <a:t> trennen</a:t>
-            </a:r>
-            <a:endParaRPr lang="de-DE" dirty="0"/>
+              <a:rPr lang="de-DE" sz="1600" b="1" dirty="0">
+                <a:latin typeface="+mj-lt"/>
+              </a:rPr>
+              <a:t>Nicht nur Serverausfall</a:t>
+            </a:r>
           </a:p>
           <a:p>
             <a:pPr marL="171450" indent="-171450">
+              <a:spcBef>
+                <a:spcPts val="0"/>
+              </a:spcBef>
+              <a:spcAft>
+                <a:spcPts val="1200"/>
+              </a:spcAft>
               <a:buFontTx/>
               <a:buChar char="-"/>
             </a:pPr>
             <a:r>
-              <a:rPr lang="de-DE" dirty="0"/>
-              <a:t>Änderungen an dem Text der HTML Datei durchführen</a:t>
+              <a:rPr lang="de-DE" sz="1600" b="1" dirty="0">
+                <a:latin typeface="+mj-lt"/>
+              </a:rPr>
+              <a:t>Kein Netz = kein VCS</a:t>
+            </a:r>
+          </a:p>
+          <a:p>
+            <a:pPr>
+              <a:spcBef>
+                <a:spcPts val="0"/>
+              </a:spcBef>
+              <a:spcAft>
+                <a:spcPts val="1200"/>
+              </a:spcAft>
+            </a:pPr>
+            <a:endParaRPr lang="de-DE" sz="1600" b="1" dirty="0">
+              <a:latin typeface="+mj-lt"/>
+            </a:endParaRPr>
+          </a:p>
+          <a:p>
+            <a:pPr>
+              <a:spcBef>
+                <a:spcPts val="0"/>
+              </a:spcBef>
+              <a:spcAft>
+                <a:spcPts val="1200"/>
+              </a:spcAft>
+            </a:pPr>
+            <a:r>
+              <a:rPr lang="de-DE" sz="1600" b="1" dirty="0">
+                <a:latin typeface="+mj-lt"/>
+              </a:rPr>
+              <a:t>Vorgehen:</a:t>
             </a:r>
           </a:p>
           <a:p>
             <a:pPr marL="171450" indent="-171450">
+              <a:spcBef>
+                <a:spcPts val="0"/>
+              </a:spcBef>
+              <a:spcAft>
+                <a:spcPts val="1200"/>
+              </a:spcAft>
               <a:buFontTx/>
               <a:buChar char="-"/>
             </a:pPr>
             <a:r>
-              <a:rPr lang="de-DE" dirty="0"/>
-              <a:t>Commit bei SVN</a:t>
-            </a:r>
-            <a:r>
-              <a:rPr lang="de-DE" baseline="0" dirty="0"/>
-              <a:t> durchführen -&gt; Wird nicht funktionieren</a:t>
-            </a:r>
+              <a:rPr lang="de-DE" sz="1600" b="1" dirty="0">
+                <a:latin typeface="+mj-lt"/>
+              </a:rPr>
+              <a:t>Vom Netzwerk</a:t>
+            </a:r>
+            <a:r>
+              <a:rPr lang="de-DE" sz="1600" b="1" baseline="0" dirty="0">
+                <a:latin typeface="+mj-lt"/>
+              </a:rPr>
+              <a:t> trennen</a:t>
+            </a:r>
+            <a:endParaRPr lang="de-DE" sz="1600" b="1" dirty="0">
+              <a:latin typeface="+mj-lt"/>
+            </a:endParaRPr>
           </a:p>
           <a:p>
             <a:pPr marL="171450" indent="-171450">
+              <a:spcBef>
+                <a:spcPts val="0"/>
+              </a:spcBef>
+              <a:spcAft>
+                <a:spcPts val="1200"/>
+              </a:spcAft>
               <a:buFontTx/>
               <a:buChar char="-"/>
             </a:pPr>
             <a:r>
-              <a:rPr lang="de-DE" baseline="0" dirty="0"/>
+              <a:rPr lang="de-DE" sz="1600" b="1" dirty="0">
+                <a:latin typeface="+mj-lt"/>
+              </a:rPr>
+              <a:t>Änderungen an dem Text der HTML Datei durchführen</a:t>
+            </a:r>
+          </a:p>
+          <a:p>
+            <a:pPr marL="171450" indent="-171450">
+              <a:spcBef>
+                <a:spcPts val="0"/>
+              </a:spcBef>
+              <a:spcAft>
+                <a:spcPts val="1200"/>
+              </a:spcAft>
+              <a:buFontTx/>
+              <a:buChar char="-"/>
+            </a:pPr>
+            <a:r>
+              <a:rPr lang="de-DE" sz="1600" b="1" dirty="0">
+                <a:latin typeface="+mj-lt"/>
+              </a:rPr>
+              <a:t>Commit bei SVN</a:t>
+            </a:r>
+            <a:r>
+              <a:rPr lang="de-DE" sz="1600" b="1" baseline="0" dirty="0">
+                <a:latin typeface="+mj-lt"/>
+              </a:rPr>
+              <a:t> durchführen -&gt; Wird nicht funktionieren</a:t>
+            </a:r>
+          </a:p>
+          <a:p>
+            <a:pPr marL="171450" indent="-171450">
+              <a:spcBef>
+                <a:spcPts val="0"/>
+              </a:spcBef>
+              <a:spcAft>
+                <a:spcPts val="1200"/>
+              </a:spcAft>
+              <a:buFontTx/>
+              <a:buChar char="-"/>
+            </a:pPr>
+            <a:r>
+              <a:rPr lang="de-DE" sz="1600" b="1" baseline="0" dirty="0">
+                <a:latin typeface="+mj-lt"/>
+              </a:rPr>
               <a:t>Commit bei Git durchführen -&gt; Kein Problem!</a:t>
             </a:r>
-            <a:endParaRPr lang="de-DE" dirty="0"/>
-          </a:p>
-          <a:p>
-            <a:endParaRPr lang="de-DE" dirty="0"/>
+            <a:endParaRPr lang="de-DE" sz="1600" b="1" dirty="0">
+              <a:latin typeface="+mj-lt"/>
+            </a:endParaRPr>
+          </a:p>
+          <a:p>
+            <a:pPr>
+              <a:spcBef>
+                <a:spcPts val="0"/>
+              </a:spcBef>
+              <a:spcAft>
+                <a:spcPts val="1200"/>
+              </a:spcAft>
+            </a:pPr>
+            <a:endParaRPr lang="de-DE" sz="1600" b="1" dirty="0">
+              <a:latin typeface="+mj-lt"/>
+            </a:endParaRPr>
           </a:p>
         </p:txBody>
       </p:sp>
@@ -4856,68 +5142,151 @@
           <a:lstStyle/>
           <a:p>
             <a:pPr marL="0" indent="0">
+              <a:spcBef>
+                <a:spcPts val="0"/>
+              </a:spcBef>
+              <a:spcAft>
+                <a:spcPts val="1200"/>
+              </a:spcAft>
               <a:buFontTx/>
               <a:buNone/>
             </a:pPr>
             <a:r>
-              <a:rPr lang="de-DE" dirty="0"/>
-              <a:t>Die Operationen von SVN sind nicht nur netzabhängig</a:t>
-            </a:r>
-            <a:r>
-              <a:rPr lang="de-DE" baseline="0" dirty="0"/>
-              <a:t>, sondern auch deutlich langsamer als die von Git, da diese über das Netzwerk gehen.</a:t>
-            </a:r>
-            <a:endParaRPr lang="de-DE" dirty="0"/>
+              <a:rPr lang="de-DE" sz="1600" b="1" dirty="0">
+                <a:latin typeface="+mj-lt"/>
+              </a:rPr>
+              <a:t>Operationen SVN nicht nur netzabhängig</a:t>
+            </a:r>
+            <a:r>
+              <a:rPr lang="de-DE" sz="1600" b="1" baseline="0" dirty="0">
+                <a:latin typeface="+mj-lt"/>
+              </a:rPr>
+              <a:t>, sondern deutlich langsamer</a:t>
+            </a:r>
+            <a:r>
+              <a:rPr lang="de-DE" sz="1600" b="1" dirty="0">
+                <a:latin typeface="+mj-lt"/>
+              </a:rPr>
+              <a:t> da über Netzwerk</a:t>
+            </a:r>
+          </a:p>
+          <a:p>
+            <a:pPr marL="0" indent="0">
+              <a:spcBef>
+                <a:spcPts val="0"/>
+              </a:spcBef>
+              <a:spcAft>
+                <a:spcPts val="1200"/>
+              </a:spcAft>
+              <a:buFontTx/>
+              <a:buNone/>
+            </a:pPr>
+            <a:endParaRPr lang="de-DE" sz="1600" b="1" dirty="0">
+              <a:latin typeface="+mj-lt"/>
+            </a:endParaRPr>
+          </a:p>
+          <a:p>
+            <a:pPr marL="0" indent="0">
+              <a:spcBef>
+                <a:spcPts val="0"/>
+              </a:spcBef>
+              <a:spcAft>
+                <a:spcPts val="1200"/>
+              </a:spcAft>
+              <a:buFontTx/>
+              <a:buNone/>
+            </a:pPr>
+            <a:r>
+              <a:rPr lang="de-DE" sz="1600" b="1" dirty="0">
+                <a:latin typeface="+mj-lt"/>
+              </a:rPr>
+              <a:t>Vorgehen:</a:t>
+            </a:r>
           </a:p>
           <a:p>
             <a:pPr marL="171450" indent="-171450">
+              <a:spcBef>
+                <a:spcPts val="0"/>
+              </a:spcBef>
+              <a:spcAft>
+                <a:spcPts val="1200"/>
+              </a:spcAft>
               <a:buFontTx/>
               <a:buChar char="-"/>
             </a:pPr>
-            <a:endParaRPr lang="de-DE" dirty="0"/>
+            <a:r>
+              <a:rPr lang="de-DE" sz="1600" b="1" dirty="0">
+                <a:latin typeface="+mj-lt"/>
+              </a:rPr>
+              <a:t>Video lokal</a:t>
+            </a:r>
+            <a:r>
+              <a:rPr lang="de-DE" sz="1600" b="1" baseline="0" dirty="0">
+                <a:latin typeface="+mj-lt"/>
+              </a:rPr>
+              <a:t> vom Desktop in das Git und in das SVN Verzeichnis ziehen</a:t>
+            </a:r>
           </a:p>
           <a:p>
             <a:pPr marL="171450" indent="-171450">
+              <a:spcBef>
+                <a:spcPts val="0"/>
+              </a:spcBef>
+              <a:spcAft>
+                <a:spcPts val="1200"/>
+              </a:spcAft>
               <a:buFontTx/>
               <a:buChar char="-"/>
             </a:pPr>
             <a:r>
-              <a:rPr lang="de-DE" dirty="0"/>
-              <a:t>Video lokal</a:t>
-            </a:r>
-            <a:r>
-              <a:rPr lang="de-DE" baseline="0" dirty="0"/>
-              <a:t> vom Desktop in das Git und in das SVN Verzeichnis ziehen</a:t>
-            </a:r>
+              <a:rPr lang="de-DE" sz="1600" b="1" baseline="0" dirty="0">
+                <a:latin typeface="+mj-lt"/>
+              </a:rPr>
+              <a:t>Beide Videos </a:t>
+            </a:r>
+            <a:r>
+              <a:rPr lang="de-DE" sz="1600" b="1" baseline="0" dirty="0" err="1">
+                <a:latin typeface="+mj-lt"/>
+              </a:rPr>
+              <a:t>Comitten</a:t>
+            </a:r>
+            <a:endParaRPr lang="de-DE" sz="1600" b="1" baseline="0" dirty="0">
+              <a:latin typeface="+mj-lt"/>
+            </a:endParaRPr>
           </a:p>
           <a:p>
             <a:pPr marL="171450" indent="-171450">
+              <a:spcBef>
+                <a:spcPts val="0"/>
+              </a:spcBef>
+              <a:spcAft>
+                <a:spcPts val="1200"/>
+              </a:spcAft>
               <a:buFontTx/>
               <a:buChar char="-"/>
             </a:pPr>
             <a:r>
-              <a:rPr lang="de-DE" baseline="0" dirty="0"/>
-              <a:t>Beide Videos </a:t>
-            </a:r>
-            <a:r>
-              <a:rPr lang="de-DE" baseline="0" dirty="0" err="1"/>
-              <a:t>Comitten</a:t>
-            </a:r>
-            <a:endParaRPr lang="de-DE" baseline="0" dirty="0"/>
-          </a:p>
-          <a:p>
-            <a:pPr marL="171450" indent="-171450">
-              <a:buFontTx/>
-              <a:buChar char="-"/>
+              <a:rPr lang="de-DE" sz="1600" b="1" baseline="0" dirty="0">
+                <a:latin typeface="+mj-lt"/>
+              </a:rPr>
+              <a:t>SVN überträgt beim Commit die Daten auf den Server -&gt; Das dauert</a:t>
+            </a:r>
+            <a:endParaRPr lang="de-DE" sz="1600" b="1" dirty="0">
+              <a:latin typeface="+mj-lt"/>
+            </a:endParaRPr>
+          </a:p>
+          <a:p>
+            <a:pPr>
+              <a:spcBef>
+                <a:spcPts val="0"/>
+              </a:spcBef>
+              <a:spcAft>
+                <a:spcPts val="1200"/>
+              </a:spcAft>
             </a:pPr>
-            <a:r>
-              <a:rPr lang="de-DE" baseline="0" dirty="0"/>
-              <a:t>SVN überträgt beim Commit die Daten auf den Server -&gt; Das dauert</a:t>
-            </a:r>
-            <a:endParaRPr lang="de-DE" dirty="0"/>
-          </a:p>
-          <a:p>
-            <a:endParaRPr lang="de-DE" dirty="0"/>
+            <a:endParaRPr lang="de-DE" sz="1600" b="1" dirty="0">
+              <a:latin typeface="+mj-lt"/>
+            </a:endParaRPr>
           </a:p>
         </p:txBody>
       </p:sp>
@@ -5003,30 +5372,265 @@
           <a:lstStyle/>
           <a:p>
             <a:pPr marL="171450" indent="-171450">
+              <a:spcBef>
+                <a:spcPts val="0"/>
+              </a:spcBef>
+              <a:spcAft>
+                <a:spcPts val="1200"/>
+              </a:spcAft>
               <a:buFontTx/>
               <a:buChar char="-"/>
             </a:pPr>
             <a:r>
-              <a:rPr lang="de-DE" dirty="0"/>
-              <a:t>Selbst wenn bei Git ein</a:t>
-            </a:r>
-            <a:r>
-              <a:rPr lang="de-DE" baseline="0" dirty="0"/>
-              <a:t> Server oder Client ausfällt, sind die Versionsstände die mit den anderen Repositories abgeglichen worden sind, noch verfügbar</a:t>
+              <a:rPr lang="de-DE" sz="1600" b="1" dirty="0">
+                <a:latin typeface="+mj-lt"/>
+              </a:rPr>
+              <a:t>Daten liegen einmalig auf Server</a:t>
             </a:r>
           </a:p>
           <a:p>
             <a:pPr marL="171450" indent="-171450">
+              <a:spcBef>
+                <a:spcPts val="0"/>
+              </a:spcBef>
+              <a:spcAft>
+                <a:spcPts val="1200"/>
+              </a:spcAft>
               <a:buFontTx/>
               <a:buChar char="-"/>
             </a:pPr>
             <a:r>
-              <a:rPr lang="de-DE" baseline="0" dirty="0"/>
-              <a:t>Ist hingegen bei SVN der Server nicht mehr funktionsfähig, sind alle Versionen der Dateien verloren</a:t>
-            </a:r>
-          </a:p>
-          <a:p>
-            <a:endParaRPr lang="de-DE" dirty="0"/>
+              <a:rPr lang="de-DE" sz="1600" b="1" dirty="0">
+                <a:latin typeface="+mj-lt"/>
+              </a:rPr>
+              <a:t>Irreparable Schäden am Server heißt Datenverlust</a:t>
+            </a:r>
+          </a:p>
+          <a:p>
+            <a:pPr marL="171450" indent="-171450">
+              <a:spcBef>
+                <a:spcPts val="0"/>
+              </a:spcBef>
+              <a:spcAft>
+                <a:spcPts val="1200"/>
+              </a:spcAft>
+              <a:buFontTx/>
+              <a:buChar char="-"/>
+            </a:pPr>
+            <a:r>
+              <a:rPr lang="de-DE" sz="1600" b="1" dirty="0">
+                <a:latin typeface="+mj-lt"/>
+              </a:rPr>
+              <a:t>Bsp. Datenbank vollgelaufen, DB zerschossen, auf letztes Backup zurück, alt!</a:t>
+            </a:r>
+          </a:p>
+          <a:p>
+            <a:pPr marL="171450" indent="-171450">
+              <a:spcBef>
+                <a:spcPts val="0"/>
+              </a:spcBef>
+              <a:spcAft>
+                <a:spcPts val="1200"/>
+              </a:spcAft>
+              <a:buFontTx/>
+              <a:buChar char="-"/>
+            </a:pPr>
+            <a:r>
+              <a:rPr lang="de-DE" sz="1600" b="1" dirty="0">
+                <a:latin typeface="+mj-lt"/>
+              </a:rPr>
+              <a:t>Bei </a:t>
+            </a:r>
+            <a:r>
+              <a:rPr lang="de-DE" sz="1600" b="1" dirty="0" err="1">
+                <a:latin typeface="+mj-lt"/>
+              </a:rPr>
+              <a:t>Git</a:t>
+            </a:r>
+            <a:r>
+              <a:rPr lang="de-DE" sz="1600" b="1" dirty="0">
+                <a:latin typeface="+mj-lt"/>
+              </a:rPr>
+              <a:t> nicht schlimm</a:t>
+            </a:r>
+            <a:r>
+              <a:rPr lang="de-DE" sz="1600" b="1" baseline="0" dirty="0">
+                <a:latin typeface="+mj-lt"/>
+              </a:rPr>
+              <a:t>, da redundante </a:t>
+            </a:r>
+            <a:r>
+              <a:rPr lang="de-DE" sz="1600" b="1" baseline="0" dirty="0" err="1">
+                <a:latin typeface="+mj-lt"/>
+              </a:rPr>
+              <a:t>Repos</a:t>
+            </a:r>
+            <a:endParaRPr lang="de-DE" sz="1600" b="1" baseline="0" dirty="0">
+              <a:latin typeface="+mj-lt"/>
+            </a:endParaRPr>
+          </a:p>
+          <a:p>
+            <a:pPr marL="171450" indent="-171450">
+              <a:spcBef>
+                <a:spcPts val="0"/>
+              </a:spcBef>
+              <a:spcAft>
+                <a:spcPts val="1200"/>
+              </a:spcAft>
+              <a:buFontTx/>
+              <a:buChar char="-"/>
+            </a:pPr>
+            <a:r>
+              <a:rPr lang="de-DE" sz="1600" b="1" baseline="0" dirty="0">
+                <a:latin typeface="+mj-lt"/>
+              </a:rPr>
+              <a:t>Versionsstände in anderen </a:t>
+            </a:r>
+            <a:r>
+              <a:rPr lang="de-DE" sz="1600" b="1" baseline="0" dirty="0" err="1">
+                <a:latin typeface="+mj-lt"/>
+              </a:rPr>
+              <a:t>Repositories</a:t>
+            </a:r>
+            <a:r>
+              <a:rPr lang="de-DE" sz="1600" b="1" dirty="0">
+                <a:latin typeface="+mj-lt"/>
+              </a:rPr>
+              <a:t> </a:t>
+            </a:r>
+            <a:r>
+              <a:rPr lang="de-DE" sz="1600" b="1" baseline="0" dirty="0">
+                <a:latin typeface="+mj-lt"/>
+              </a:rPr>
+              <a:t>noch verfügbar</a:t>
+            </a:r>
+          </a:p>
+          <a:p>
+            <a:pPr marL="171450" indent="-171450">
+              <a:spcBef>
+                <a:spcPts val="0"/>
+              </a:spcBef>
+              <a:spcAft>
+                <a:spcPts val="1200"/>
+              </a:spcAft>
+              <a:buFontTx/>
+              <a:buChar char="-"/>
+            </a:pPr>
+            <a:endParaRPr lang="de-DE" sz="1600" b="1" dirty="0">
+              <a:latin typeface="+mj-lt"/>
+            </a:endParaRPr>
+          </a:p>
+          <a:p>
+            <a:pPr>
+              <a:spcBef>
+                <a:spcPts val="0"/>
+              </a:spcBef>
+              <a:spcAft>
+                <a:spcPts val="1200"/>
+              </a:spcAft>
+            </a:pPr>
+            <a:r>
+              <a:rPr lang="de-DE" sz="1600" b="1" dirty="0">
+                <a:latin typeface="+mj-lt"/>
+              </a:rPr>
+              <a:t>Vorgehen:</a:t>
+            </a:r>
+          </a:p>
+          <a:p>
+            <a:pPr marL="228600" indent="-228600">
+              <a:spcBef>
+                <a:spcPts val="0"/>
+              </a:spcBef>
+              <a:spcAft>
+                <a:spcPts val="1200"/>
+              </a:spcAft>
+              <a:buAutoNum type="arabicPeriod"/>
+            </a:pPr>
+            <a:r>
+              <a:rPr lang="de-DE" sz="1600" b="1" dirty="0">
+                <a:latin typeface="+mj-lt"/>
+              </a:rPr>
+              <a:t>SVNSeminar2 ist nicht ausgecheckt </a:t>
+            </a:r>
+          </a:p>
+          <a:p>
+            <a:pPr marL="228600" indent="-228600">
+              <a:spcBef>
+                <a:spcPts val="0"/>
+              </a:spcBef>
+              <a:spcAft>
+                <a:spcPts val="1200"/>
+              </a:spcAft>
+              <a:buAutoNum type="arabicPeriod"/>
+            </a:pPr>
+            <a:r>
+              <a:rPr lang="de-DE" sz="1600" b="1" dirty="0">
+                <a:latin typeface="+mj-lt"/>
+              </a:rPr>
+              <a:t>Repository vom SVN Server löschen</a:t>
+            </a:r>
+          </a:p>
+          <a:p>
+            <a:pPr marL="228600" indent="-228600">
+              <a:spcBef>
+                <a:spcPts val="0"/>
+              </a:spcBef>
+              <a:spcAft>
+                <a:spcPts val="1200"/>
+              </a:spcAft>
+              <a:buFontTx/>
+              <a:buAutoNum type="arabicPeriod"/>
+            </a:pPr>
+            <a:r>
+              <a:rPr lang="de-DE" sz="1600" b="1" dirty="0" err="1">
+                <a:latin typeface="+mj-lt"/>
+              </a:rPr>
+              <a:t>SeminarGit</a:t>
+            </a:r>
+            <a:r>
+              <a:rPr lang="de-DE" sz="1600" b="1" dirty="0">
+                <a:latin typeface="+mj-lt"/>
+              </a:rPr>
+              <a:t> vom Server löschen</a:t>
+            </a:r>
+          </a:p>
+          <a:p>
+            <a:pPr marL="228600" indent="-228600">
+              <a:spcBef>
+                <a:spcPts val="0"/>
+              </a:spcBef>
+              <a:spcAft>
+                <a:spcPts val="1200"/>
+              </a:spcAft>
+              <a:buFontTx/>
+              <a:buAutoNum type="arabicPeriod"/>
+            </a:pPr>
+            <a:r>
+              <a:rPr lang="de-DE" sz="1600" b="1" dirty="0" err="1">
+                <a:latin typeface="+mj-lt"/>
+              </a:rPr>
+              <a:t>SeminarGit</a:t>
+            </a:r>
+            <a:r>
+              <a:rPr lang="de-DE" sz="1600" b="1" dirty="0">
+                <a:latin typeface="+mj-lt"/>
+              </a:rPr>
+              <a:t> ist noch komplett auf Computer vorhanden</a:t>
+            </a:r>
+          </a:p>
+          <a:p>
+            <a:pPr marL="228600" indent="-228600">
+              <a:spcBef>
+                <a:spcPts val="0"/>
+              </a:spcBef>
+              <a:spcAft>
+                <a:spcPts val="1200"/>
+              </a:spcAft>
+              <a:buAutoNum type="arabicPeriod"/>
+            </a:pPr>
+            <a:endParaRPr lang="de-DE" sz="1600" b="1" baseline="0" dirty="0">
+              <a:latin typeface="+mj-lt"/>
+            </a:endParaRPr>
           </a:p>
         </p:txBody>
       </p:sp>
@@ -5111,35 +5715,229 @@
           <a:bodyPr/>
           <a:lstStyle/>
           <a:p>
-            <a:pPr marL="0" marR="0" indent="0" algn="l" defTabSz="914400" rtl="0" eaLnBrk="0" fontAlgn="base" latinLnBrk="0" hangingPunct="0">
-              <a:lnSpc>
-                <a:spcPct val="100000"/>
-              </a:lnSpc>
+            <a:pPr marL="171450" indent="-171450">
               <a:spcBef>
-                <a:spcPct val="30000"/>
+                <a:spcPts val="0"/>
               </a:spcBef>
               <a:spcAft>
-                <a:spcPct val="0"/>
+                <a:spcPts val="1200"/>
               </a:spcAft>
-              <a:buClrTx/>
-              <a:buSzTx/>
               <a:buFontTx/>
-              <a:buNone/>
-              <a:tabLst/>
-              <a:defRPr/>
+              <a:buChar char="-"/>
             </a:pPr>
             <a:r>
-              <a:rPr lang="de-DE" dirty="0"/>
-              <a:t>Git bietet im Gegensatz</a:t>
-            </a:r>
-            <a:r>
-              <a:rPr lang="de-DE" baseline="0" dirty="0"/>
-              <a:t> zu SVN eine weitere Ebene oder auch einen weiteren Status an, indem sich die Dateien befinden können. Die Staging Area. -&gt; Staging Area je nach Zeit noch näher erklären!</a:t>
-            </a:r>
-            <a:endParaRPr lang="de-DE" dirty="0"/>
-          </a:p>
-          <a:p>
-            <a:endParaRPr lang="de-DE" dirty="0"/>
+              <a:rPr lang="de-DE" sz="1600" b="1" dirty="0">
+                <a:latin typeface="+mj-lt"/>
+              </a:rPr>
+              <a:t>Vorstellen Abends noch schnell was machen (10 Min)</a:t>
+            </a:r>
+          </a:p>
+          <a:p>
+            <a:pPr marL="171450" indent="-171450">
+              <a:spcBef>
+                <a:spcPts val="0"/>
+              </a:spcBef>
+              <a:spcAft>
+                <a:spcPts val="1200"/>
+              </a:spcAft>
+              <a:buFontTx/>
+              <a:buChar char="-"/>
+            </a:pPr>
+            <a:r>
+              <a:rPr lang="de-DE" sz="1600" b="1" dirty="0">
+                <a:latin typeface="+mj-lt"/>
+              </a:rPr>
+              <a:t>Dauert doch länger, mitten drin aufhören</a:t>
+            </a:r>
+          </a:p>
+          <a:p>
+            <a:pPr marL="171450" indent="-171450">
+              <a:spcBef>
+                <a:spcPts val="0"/>
+              </a:spcBef>
+              <a:spcAft>
+                <a:spcPts val="1200"/>
+              </a:spcAft>
+              <a:buFontTx/>
+              <a:buChar char="-"/>
+            </a:pPr>
+            <a:r>
+              <a:rPr lang="de-DE" sz="1600" b="1" dirty="0">
+                <a:latin typeface="+mj-lt"/>
+              </a:rPr>
+              <a:t>Nächster Tag andere Änderung, selbe Datei</a:t>
+            </a:r>
+          </a:p>
+          <a:p>
+            <a:pPr marL="171450" indent="-171450">
+              <a:spcBef>
+                <a:spcPts val="0"/>
+              </a:spcBef>
+              <a:spcAft>
+                <a:spcPts val="1200"/>
+              </a:spcAft>
+              <a:buFontTx/>
+              <a:buChar char="-"/>
+            </a:pPr>
+            <a:r>
+              <a:rPr lang="de-DE" sz="1600" b="1" dirty="0">
+                <a:latin typeface="+mj-lt"/>
+              </a:rPr>
+              <a:t>Diese Änderung ist fertig und soll veröffentlicht werden</a:t>
+            </a:r>
+          </a:p>
+          <a:p>
+            <a:pPr marL="171450" indent="-171450">
+              <a:spcBef>
+                <a:spcPts val="0"/>
+              </a:spcBef>
+              <a:spcAft>
+                <a:spcPts val="1200"/>
+              </a:spcAft>
+              <a:buFontTx/>
+              <a:buChar char="-"/>
+            </a:pPr>
+            <a:r>
+              <a:rPr lang="de-DE" sz="1600" b="1" dirty="0">
+                <a:latin typeface="+mj-lt"/>
+              </a:rPr>
+              <a:t>Jetzt veröffentliche ich aber automatisch auch die unfertige Änderung</a:t>
+            </a:r>
+          </a:p>
+          <a:p>
+            <a:pPr>
+              <a:spcBef>
+                <a:spcPts val="0"/>
+              </a:spcBef>
+              <a:spcAft>
+                <a:spcPts val="1200"/>
+              </a:spcAft>
+            </a:pPr>
+            <a:endParaRPr lang="de-DE" sz="1600" b="1" dirty="0">
+              <a:latin typeface="+mj-lt"/>
+            </a:endParaRPr>
+          </a:p>
+          <a:p>
+            <a:pPr>
+              <a:spcBef>
+                <a:spcPts val="0"/>
+              </a:spcBef>
+              <a:spcAft>
+                <a:spcPts val="1200"/>
+              </a:spcAft>
+            </a:pPr>
+            <a:r>
+              <a:rPr lang="de-DE" sz="1600" b="1" dirty="0">
+                <a:latin typeface="+mj-lt"/>
+              </a:rPr>
+              <a:t>Vorgehen:</a:t>
+            </a:r>
+          </a:p>
+          <a:p>
+            <a:pPr marL="228600" indent="-228600">
+              <a:spcBef>
+                <a:spcPts val="0"/>
+              </a:spcBef>
+              <a:spcAft>
+                <a:spcPts val="1200"/>
+              </a:spcAft>
+              <a:buAutoNum type="arabicPeriod"/>
+            </a:pPr>
+            <a:r>
+              <a:rPr lang="de-DE" sz="1600" b="1" dirty="0">
+                <a:latin typeface="+mj-lt"/>
+              </a:rPr>
+              <a:t>Änderung Link von style.css auf style_neu.css</a:t>
+            </a:r>
+          </a:p>
+          <a:p>
+            <a:pPr marL="228600" indent="-228600">
+              <a:spcBef>
+                <a:spcPts val="0"/>
+              </a:spcBef>
+              <a:spcAft>
+                <a:spcPts val="1200"/>
+              </a:spcAft>
+              <a:buAutoNum type="arabicPeriod"/>
+            </a:pPr>
+            <a:r>
+              <a:rPr lang="de-DE" sz="1600" b="1" dirty="0">
+                <a:latin typeface="+mj-lt"/>
+              </a:rPr>
+              <a:t>Style neu ist noch nicht fertig</a:t>
+            </a:r>
+          </a:p>
+          <a:p>
+            <a:pPr marL="228600" indent="-228600">
+              <a:spcBef>
+                <a:spcPts val="0"/>
+              </a:spcBef>
+              <a:spcAft>
+                <a:spcPts val="1200"/>
+              </a:spcAft>
+              <a:buAutoNum type="arabicPeriod"/>
+            </a:pPr>
+            <a:r>
+              <a:rPr lang="de-DE" sz="1600" b="1" dirty="0">
+                <a:latin typeface="+mj-lt"/>
+              </a:rPr>
+              <a:t>Änderung des Texts auf „Ich bin ein neuer Text!“</a:t>
+            </a:r>
+          </a:p>
+          <a:p>
+            <a:pPr marL="228600" indent="-228600">
+              <a:spcBef>
+                <a:spcPts val="0"/>
+              </a:spcBef>
+              <a:spcAft>
+                <a:spcPts val="1200"/>
+              </a:spcAft>
+              <a:buAutoNum type="arabicPeriod"/>
+            </a:pPr>
+            <a:r>
+              <a:rPr lang="de-DE" sz="1600" b="1" dirty="0">
+                <a:latin typeface="+mj-lt"/>
+              </a:rPr>
+              <a:t>Commit des Dokuments unter SVN</a:t>
+            </a:r>
+          </a:p>
+          <a:p>
+            <a:pPr marL="228600" indent="-228600">
+              <a:spcBef>
+                <a:spcPts val="0"/>
+              </a:spcBef>
+              <a:spcAft>
+                <a:spcPts val="1200"/>
+              </a:spcAft>
+              <a:buAutoNum type="arabicPeriod"/>
+            </a:pPr>
+            <a:r>
+              <a:rPr lang="de-DE" sz="1600" b="1" dirty="0">
+                <a:latin typeface="+mj-lt"/>
+              </a:rPr>
+              <a:t>Add –</a:t>
+            </a:r>
+            <a:r>
+              <a:rPr lang="de-DE" sz="1600" b="1" dirty="0" err="1">
+                <a:latin typeface="+mj-lt"/>
+              </a:rPr>
+              <a:t>patch</a:t>
+            </a:r>
+            <a:r>
+              <a:rPr lang="de-DE" sz="1600" b="1" dirty="0">
+                <a:latin typeface="+mj-lt"/>
+              </a:rPr>
+              <a:t> des Dokuments auf </a:t>
+            </a:r>
+            <a:r>
+              <a:rPr lang="de-DE" sz="1600" b="1" dirty="0" err="1">
+                <a:latin typeface="+mj-lt"/>
+              </a:rPr>
+              <a:t>Git</a:t>
+            </a:r>
+            <a:endParaRPr lang="de-DE" sz="1600" b="1" dirty="0">
+              <a:latin typeface="+mj-lt"/>
+            </a:endParaRPr>
           </a:p>
         </p:txBody>
       </p:sp>
@@ -5224,7 +6022,10 @@
           <a:bodyPr/>
           <a:lstStyle/>
           <a:p>
-            <a:endParaRPr lang="de-DE" dirty="0"/>
+            <a:r>
+              <a:rPr lang="de-DE" dirty="0"/>
+              <a:t>Siehe nächste Folie</a:t>
+            </a:r>
           </a:p>
         </p:txBody>
       </p:sp>
@@ -5347,7 +6148,7 @@
           </a:p>
           <a:p>
             <a:r>
-              <a:rPr lang="de-DE"/>
+              <a:rPr lang="de-DE" dirty="0"/>
               <a:t>https://git.wiki.kernel.org/index.php/GitSvnComparison</a:t>
             </a:r>
           </a:p>
@@ -5438,63 +6239,115 @@
           <a:lstStyle/>
           <a:p>
             <a:pPr marL="0" indent="0">
+              <a:spcBef>
+                <a:spcPts val="0"/>
+              </a:spcBef>
+              <a:spcAft>
+                <a:spcPts val="1200"/>
+              </a:spcAft>
               <a:buFontTx/>
               <a:buNone/>
             </a:pPr>
             <a:r>
-              <a:rPr lang="de-DE" baseline="0" dirty="0"/>
+              <a:rPr lang="de-DE" sz="1600" b="1" baseline="0" dirty="0">
+                <a:latin typeface="+mj-lt"/>
+              </a:rPr>
               <a:t>Der Unterschied:</a:t>
             </a:r>
           </a:p>
           <a:p>
             <a:pPr marL="171450" indent="-171450">
+              <a:spcBef>
+                <a:spcPts val="0"/>
+              </a:spcBef>
+              <a:spcAft>
+                <a:spcPts val="1200"/>
+              </a:spcAft>
               <a:buFontTx/>
               <a:buChar char="-"/>
             </a:pPr>
             <a:r>
-              <a:rPr lang="de-DE" baseline="0" dirty="0"/>
-              <a:t>SVN hält nur die aktuellen Versionen der Dateien im WD vor</a:t>
+              <a:rPr lang="de-DE" sz="1600" b="1" baseline="0" dirty="0">
+                <a:latin typeface="+mj-lt"/>
+              </a:rPr>
+              <a:t>SVN hält nur die aktuellen Versionen der Dateien im WD </a:t>
             </a:r>
           </a:p>
           <a:p>
             <a:pPr marL="171450" indent="-171450">
+              <a:spcBef>
+                <a:spcPts val="0"/>
+              </a:spcBef>
+              <a:spcAft>
+                <a:spcPts val="1200"/>
+              </a:spcAft>
               <a:buFontTx/>
               <a:buChar char="-"/>
             </a:pPr>
             <a:r>
-              <a:rPr lang="de-DE" baseline="0" dirty="0"/>
+              <a:rPr lang="de-DE" sz="1600" b="1" baseline="0" dirty="0">
+                <a:latin typeface="+mj-lt"/>
+              </a:rPr>
               <a:t>Git hält alle Versionen lokal</a:t>
             </a:r>
           </a:p>
           <a:p>
             <a:pPr marL="171450" indent="-171450">
+              <a:spcBef>
+                <a:spcPts val="0"/>
+              </a:spcBef>
+              <a:spcAft>
+                <a:spcPts val="1200"/>
+              </a:spcAft>
               <a:buFontTx/>
               <a:buChar char="-"/>
             </a:pPr>
             <a:r>
-              <a:rPr lang="de-DE" dirty="0"/>
+              <a:rPr lang="de-DE" sz="1600" b="1" dirty="0">
+                <a:latin typeface="+mj-lt"/>
+              </a:rPr>
               <a:t>Anschauen</a:t>
             </a:r>
             <a:r>
-              <a:rPr lang="de-DE" baseline="0" dirty="0"/>
+              <a:rPr lang="de-DE" sz="1600" b="1" baseline="0" dirty="0">
+                <a:latin typeface="+mj-lt"/>
+              </a:rPr>
               <a:t> der lokalen </a:t>
             </a:r>
             <a:r>
-              <a:rPr lang="de-DE" baseline="0" dirty="0" err="1"/>
+              <a:rPr lang="de-DE" sz="1600" b="1" baseline="0" dirty="0" err="1">
+                <a:latin typeface="+mj-lt"/>
+              </a:rPr>
               <a:t>DB‘s</a:t>
             </a:r>
             <a:r>
-              <a:rPr lang="de-DE" baseline="0" dirty="0"/>
+              <a:rPr lang="de-DE" sz="1600" b="1" baseline="0" dirty="0">
+                <a:latin typeface="+mj-lt"/>
+              </a:rPr>
               <a:t> -&gt; Git hat Repository, SVN hat Working </a:t>
             </a:r>
             <a:r>
-              <a:rPr lang="de-DE" baseline="0" dirty="0" err="1"/>
+              <a:rPr lang="de-DE" sz="1600" b="1" baseline="0" dirty="0" err="1">
+                <a:latin typeface="+mj-lt"/>
+              </a:rPr>
               <a:t>Copy</a:t>
             </a:r>
-            <a:endParaRPr lang="de-DE" dirty="0"/>
-          </a:p>
-          <a:p>
-            <a:endParaRPr lang="de-DE" dirty="0"/>
+            <a:endParaRPr lang="de-DE" sz="1600" b="1" dirty="0">
+              <a:latin typeface="+mj-lt"/>
+            </a:endParaRPr>
+          </a:p>
+          <a:p>
+            <a:pPr>
+              <a:spcBef>
+                <a:spcPts val="0"/>
+              </a:spcBef>
+              <a:spcAft>
+                <a:spcPts val="1200"/>
+              </a:spcAft>
+            </a:pPr>
+            <a:endParaRPr lang="de-DE" sz="1600" b="1" dirty="0">
+              <a:latin typeface="+mj-lt"/>
+            </a:endParaRPr>
           </a:p>
         </p:txBody>
       </p:sp>
@@ -5851,21 +6704,7 @@
           <a:bodyPr/>
           <a:lstStyle/>
           <a:p>
-            <a:r>
-              <a:rPr lang="de-DE" dirty="0"/>
-              <a:t>Die</a:t>
-            </a:r>
-            <a:r>
-              <a:rPr lang="de-DE" baseline="0" dirty="0"/>
-              <a:t> Datei wird nur einmal gespeichert.</a:t>
-            </a:r>
-          </a:p>
-          <a:p>
-            <a:r>
-              <a:rPr lang="de-DE" baseline="0" dirty="0"/>
-              <a:t>Aufbauend auf der Datei werden die Änderungen an dieser Datei als Version abgelegt.</a:t>
-            </a:r>
-            <a:endParaRPr lang="de-DE" dirty="0"/>
+            <a:endParaRPr lang="de-DE"/>
           </a:p>
         </p:txBody>
       </p:sp>
@@ -5887,7 +6726,7 @@
             <a:fld id="{269F4C00-FE88-4296-AE19-2C7D870243C7}" type="slidenum">
               <a:rPr lang="de-DE" smtClean="0"/>
               <a:pPr/>
-              <a:t>42</a:t>
+              <a:t>39</a:t>
             </a:fld>
             <a:endParaRPr lang="de-DE" dirty="0"/>
           </a:p>
@@ -5896,7 +6735,7 @@
     </p:spTree>
     <p:extLst>
       <p:ext uri="{BB962C8B-B14F-4D97-AF65-F5344CB8AC3E}">
-        <p14:creationId xmlns:p14="http://schemas.microsoft.com/office/powerpoint/2010/main" val="564577279"/>
+        <p14:creationId xmlns:p14="http://schemas.microsoft.com/office/powerpoint/2010/main" val="3642424410"/>
       </p:ext>
     </p:extLst>
   </p:cSld>
@@ -6248,6 +7087,275 @@
           <a:bodyPr/>
           <a:lstStyle/>
           <a:p>
+            <a:endParaRPr lang="de-DE"/>
+          </a:p>
+        </p:txBody>
+      </p:sp>
+      <p:sp>
+        <p:nvSpPr>
+          <p:cNvPr id="4" name="Foliennummernplatzhalter 3"/>
+          <p:cNvSpPr>
+            <a:spLocks noGrp="1"/>
+          </p:cNvSpPr>
+          <p:nvPr>
+            <p:ph type="sldNum" sz="quarter" idx="10"/>
+          </p:nvPr>
+        </p:nvSpPr>
+        <p:spPr/>
+        <p:txBody>
+          <a:bodyPr/>
+          <a:lstStyle/>
+          <a:p>
+            <a:fld id="{269F4C00-FE88-4296-AE19-2C7D870243C7}" type="slidenum">
+              <a:rPr lang="de-DE" smtClean="0"/>
+              <a:pPr/>
+              <a:t>40</a:t>
+            </a:fld>
+            <a:endParaRPr lang="de-DE" dirty="0"/>
+          </a:p>
+        </p:txBody>
+      </p:sp>
+    </p:spTree>
+    <p:extLst>
+      <p:ext uri="{BB962C8B-B14F-4D97-AF65-F5344CB8AC3E}">
+        <p14:creationId xmlns:p14="http://schemas.microsoft.com/office/powerpoint/2010/main" val="3127393726"/>
+      </p:ext>
+    </p:extLst>
+  </p:cSld>
+  <p:clrMapOvr>
+    <a:masterClrMapping/>
+  </p:clrMapOvr>
+</p:notes>
+</file>
+
+<file path=ppt/notesSlides/notesSlide41.xml><?xml version="1.0" encoding="utf-8"?>
+<p:notes xmlns:a="http://schemas.openxmlformats.org/drawingml/2006/main" xmlns:r="http://schemas.openxmlformats.org/officeDocument/2006/relationships" xmlns:p="http://schemas.openxmlformats.org/presentationml/2006/main">
+  <p:cSld>
+    <p:spTree>
+      <p:nvGrpSpPr>
+        <p:cNvPr id="1" name=""/>
+        <p:cNvGrpSpPr/>
+        <p:nvPr/>
+      </p:nvGrpSpPr>
+      <p:grpSpPr>
+        <a:xfrm>
+          <a:off x="0" y="0"/>
+          <a:ext cx="0" cy="0"/>
+          <a:chOff x="0" y="0"/>
+          <a:chExt cx="0" cy="0"/>
+        </a:xfrm>
+      </p:grpSpPr>
+      <p:sp>
+        <p:nvSpPr>
+          <p:cNvPr id="2" name="Folienbildplatzhalter 1"/>
+          <p:cNvSpPr>
+            <a:spLocks noGrp="1" noRot="1" noChangeAspect="1"/>
+          </p:cNvSpPr>
+          <p:nvPr>
+            <p:ph type="sldImg"/>
+          </p:nvPr>
+        </p:nvSpPr>
+        <p:spPr/>
+      </p:sp>
+      <p:sp>
+        <p:nvSpPr>
+          <p:cNvPr id="3" name="Notizenplatzhalter 2"/>
+          <p:cNvSpPr>
+            <a:spLocks noGrp="1"/>
+          </p:cNvSpPr>
+          <p:nvPr>
+            <p:ph type="body" idx="1"/>
+          </p:nvPr>
+        </p:nvSpPr>
+        <p:spPr/>
+        <p:txBody>
+          <a:bodyPr/>
+          <a:lstStyle/>
+          <a:p>
+            <a:endParaRPr lang="de-DE"/>
+          </a:p>
+        </p:txBody>
+      </p:sp>
+      <p:sp>
+        <p:nvSpPr>
+          <p:cNvPr id="4" name="Foliennummernplatzhalter 3"/>
+          <p:cNvSpPr>
+            <a:spLocks noGrp="1"/>
+          </p:cNvSpPr>
+          <p:nvPr>
+            <p:ph type="sldNum" sz="quarter" idx="10"/>
+          </p:nvPr>
+        </p:nvSpPr>
+        <p:spPr/>
+        <p:txBody>
+          <a:bodyPr/>
+          <a:lstStyle/>
+          <a:p>
+            <a:fld id="{269F4C00-FE88-4296-AE19-2C7D870243C7}" type="slidenum">
+              <a:rPr lang="de-DE" smtClean="0"/>
+              <a:pPr/>
+              <a:t>41</a:t>
+            </a:fld>
+            <a:endParaRPr lang="de-DE" dirty="0"/>
+          </a:p>
+        </p:txBody>
+      </p:sp>
+    </p:spTree>
+    <p:extLst>
+      <p:ext uri="{BB962C8B-B14F-4D97-AF65-F5344CB8AC3E}">
+        <p14:creationId xmlns:p14="http://schemas.microsoft.com/office/powerpoint/2010/main" val="3722208372"/>
+      </p:ext>
+    </p:extLst>
+  </p:cSld>
+  <p:clrMapOvr>
+    <a:masterClrMapping/>
+  </p:clrMapOvr>
+</p:notes>
+</file>
+
+<file path=ppt/notesSlides/notesSlide42.xml><?xml version="1.0" encoding="utf-8"?>
+<p:notes xmlns:a="http://schemas.openxmlformats.org/drawingml/2006/main" xmlns:r="http://schemas.openxmlformats.org/officeDocument/2006/relationships" xmlns:p="http://schemas.openxmlformats.org/presentationml/2006/main">
+  <p:cSld>
+    <p:spTree>
+      <p:nvGrpSpPr>
+        <p:cNvPr id="1" name=""/>
+        <p:cNvGrpSpPr/>
+        <p:nvPr/>
+      </p:nvGrpSpPr>
+      <p:grpSpPr>
+        <a:xfrm>
+          <a:off x="0" y="0"/>
+          <a:ext cx="0" cy="0"/>
+          <a:chOff x="0" y="0"/>
+          <a:chExt cx="0" cy="0"/>
+        </a:xfrm>
+      </p:grpSpPr>
+      <p:sp>
+        <p:nvSpPr>
+          <p:cNvPr id="2" name="Folienbildplatzhalter 1"/>
+          <p:cNvSpPr>
+            <a:spLocks noGrp="1" noRot="1" noChangeAspect="1"/>
+          </p:cNvSpPr>
+          <p:nvPr>
+            <p:ph type="sldImg"/>
+          </p:nvPr>
+        </p:nvSpPr>
+        <p:spPr/>
+      </p:sp>
+      <p:sp>
+        <p:nvSpPr>
+          <p:cNvPr id="3" name="Notizenplatzhalter 2"/>
+          <p:cNvSpPr>
+            <a:spLocks noGrp="1"/>
+          </p:cNvSpPr>
+          <p:nvPr>
+            <p:ph type="body" idx="1"/>
+          </p:nvPr>
+        </p:nvSpPr>
+        <p:spPr/>
+        <p:txBody>
+          <a:bodyPr/>
+          <a:lstStyle/>
+          <a:p>
+            <a:r>
+              <a:rPr lang="de-DE" dirty="0"/>
+              <a:t>Die</a:t>
+            </a:r>
+            <a:r>
+              <a:rPr lang="de-DE" baseline="0" dirty="0"/>
+              <a:t> Datei wird nur einmal gespeichert.</a:t>
+            </a:r>
+          </a:p>
+          <a:p>
+            <a:r>
+              <a:rPr lang="de-DE" baseline="0" dirty="0"/>
+              <a:t>Aufbauend auf der Datei werden die Änderungen an dieser Datei als Version abgelegt.</a:t>
+            </a:r>
+            <a:endParaRPr lang="de-DE" dirty="0"/>
+          </a:p>
+        </p:txBody>
+      </p:sp>
+      <p:sp>
+        <p:nvSpPr>
+          <p:cNvPr id="4" name="Foliennummernplatzhalter 3"/>
+          <p:cNvSpPr>
+            <a:spLocks noGrp="1"/>
+          </p:cNvSpPr>
+          <p:nvPr>
+            <p:ph type="sldNum" sz="quarter" idx="10"/>
+          </p:nvPr>
+        </p:nvSpPr>
+        <p:spPr/>
+        <p:txBody>
+          <a:bodyPr/>
+          <a:lstStyle/>
+          <a:p>
+            <a:fld id="{269F4C00-FE88-4296-AE19-2C7D870243C7}" type="slidenum">
+              <a:rPr lang="de-DE" smtClean="0"/>
+              <a:pPr/>
+              <a:t>42</a:t>
+            </a:fld>
+            <a:endParaRPr lang="de-DE" dirty="0"/>
+          </a:p>
+        </p:txBody>
+      </p:sp>
+    </p:spTree>
+    <p:extLst>
+      <p:ext uri="{BB962C8B-B14F-4D97-AF65-F5344CB8AC3E}">
+        <p14:creationId xmlns:p14="http://schemas.microsoft.com/office/powerpoint/2010/main" val="564577279"/>
+      </p:ext>
+    </p:extLst>
+  </p:cSld>
+  <p:clrMapOvr>
+    <a:masterClrMapping/>
+  </p:clrMapOvr>
+</p:notes>
+</file>
+
+<file path=ppt/notesSlides/notesSlide43.xml><?xml version="1.0" encoding="utf-8"?>
+<p:notes xmlns:a="http://schemas.openxmlformats.org/drawingml/2006/main" xmlns:r="http://schemas.openxmlformats.org/officeDocument/2006/relationships" xmlns:p="http://schemas.openxmlformats.org/presentationml/2006/main">
+  <p:cSld>
+    <p:spTree>
+      <p:nvGrpSpPr>
+        <p:cNvPr id="1" name=""/>
+        <p:cNvGrpSpPr/>
+        <p:nvPr/>
+      </p:nvGrpSpPr>
+      <p:grpSpPr>
+        <a:xfrm>
+          <a:off x="0" y="0"/>
+          <a:ext cx="0" cy="0"/>
+          <a:chOff x="0" y="0"/>
+          <a:chExt cx="0" cy="0"/>
+        </a:xfrm>
+      </p:grpSpPr>
+      <p:sp>
+        <p:nvSpPr>
+          <p:cNvPr id="2" name="Folienbildplatzhalter 1"/>
+          <p:cNvSpPr>
+            <a:spLocks noGrp="1" noRot="1" noChangeAspect="1"/>
+          </p:cNvSpPr>
+          <p:nvPr>
+            <p:ph type="sldImg"/>
+          </p:nvPr>
+        </p:nvSpPr>
+        <p:spPr/>
+      </p:sp>
+      <p:sp>
+        <p:nvSpPr>
+          <p:cNvPr id="3" name="Notizenplatzhalter 2"/>
+          <p:cNvSpPr>
+            <a:spLocks noGrp="1"/>
+          </p:cNvSpPr>
+          <p:nvPr>
+            <p:ph type="body" idx="1"/>
+          </p:nvPr>
+        </p:nvSpPr>
+        <p:spPr/>
+        <p:txBody>
+          <a:bodyPr/>
+          <a:lstStyle/>
+          <a:p>
             <a:r>
               <a:rPr lang="de-DE" sz="1200" b="0" i="0" u="none" strike="noStrike" kern="1200" baseline="0" dirty="0">
                 <a:solidFill>
@@ -6304,6 +7412,346 @@
     <p:extLst>
       <p:ext uri="{BB962C8B-B14F-4D97-AF65-F5344CB8AC3E}">
         <p14:creationId xmlns:p14="http://schemas.microsoft.com/office/powerpoint/2010/main" val="3698202152"/>
+      </p:ext>
+    </p:extLst>
+  </p:cSld>
+  <p:clrMapOvr>
+    <a:masterClrMapping/>
+  </p:clrMapOvr>
+</p:notes>
+</file>
+
+<file path=ppt/notesSlides/notesSlide44.xml><?xml version="1.0" encoding="utf-8"?>
+<p:notes xmlns:a="http://schemas.openxmlformats.org/drawingml/2006/main" xmlns:r="http://schemas.openxmlformats.org/officeDocument/2006/relationships" xmlns:p="http://schemas.openxmlformats.org/presentationml/2006/main">
+  <p:cSld>
+    <p:spTree>
+      <p:nvGrpSpPr>
+        <p:cNvPr id="1" name=""/>
+        <p:cNvGrpSpPr/>
+        <p:nvPr/>
+      </p:nvGrpSpPr>
+      <p:grpSpPr>
+        <a:xfrm>
+          <a:off x="0" y="0"/>
+          <a:ext cx="0" cy="0"/>
+          <a:chOff x="0" y="0"/>
+          <a:chExt cx="0" cy="0"/>
+        </a:xfrm>
+      </p:grpSpPr>
+      <p:sp>
+        <p:nvSpPr>
+          <p:cNvPr id="2" name="Folienbildplatzhalter 1"/>
+          <p:cNvSpPr>
+            <a:spLocks noGrp="1" noRot="1" noChangeAspect="1"/>
+          </p:cNvSpPr>
+          <p:nvPr>
+            <p:ph type="sldImg"/>
+          </p:nvPr>
+        </p:nvSpPr>
+        <p:spPr/>
+      </p:sp>
+      <p:sp>
+        <p:nvSpPr>
+          <p:cNvPr id="3" name="Notizenplatzhalter 2"/>
+          <p:cNvSpPr>
+            <a:spLocks noGrp="1"/>
+          </p:cNvSpPr>
+          <p:nvPr>
+            <p:ph type="body" idx="1"/>
+          </p:nvPr>
+        </p:nvSpPr>
+        <p:spPr/>
+        <p:txBody>
+          <a:bodyPr/>
+          <a:lstStyle/>
+          <a:p>
+            <a:endParaRPr lang="de-DE"/>
+          </a:p>
+        </p:txBody>
+      </p:sp>
+      <p:sp>
+        <p:nvSpPr>
+          <p:cNvPr id="4" name="Foliennummernplatzhalter 3"/>
+          <p:cNvSpPr>
+            <a:spLocks noGrp="1"/>
+          </p:cNvSpPr>
+          <p:nvPr>
+            <p:ph type="sldNum" sz="quarter" idx="10"/>
+          </p:nvPr>
+        </p:nvSpPr>
+        <p:spPr/>
+        <p:txBody>
+          <a:bodyPr/>
+          <a:lstStyle/>
+          <a:p>
+            <a:fld id="{269F4C00-FE88-4296-AE19-2C7D870243C7}" type="slidenum">
+              <a:rPr lang="de-DE" smtClean="0"/>
+              <a:pPr/>
+              <a:t>44</a:t>
+            </a:fld>
+            <a:endParaRPr lang="de-DE" dirty="0"/>
+          </a:p>
+        </p:txBody>
+      </p:sp>
+    </p:spTree>
+    <p:extLst>
+      <p:ext uri="{BB962C8B-B14F-4D97-AF65-F5344CB8AC3E}">
+        <p14:creationId xmlns:p14="http://schemas.microsoft.com/office/powerpoint/2010/main" val="2297665925"/>
+      </p:ext>
+    </p:extLst>
+  </p:cSld>
+  <p:clrMapOvr>
+    <a:masterClrMapping/>
+  </p:clrMapOvr>
+</p:notes>
+</file>
+
+<file path=ppt/notesSlides/notesSlide45.xml><?xml version="1.0" encoding="utf-8"?>
+<p:notes xmlns:a="http://schemas.openxmlformats.org/drawingml/2006/main" xmlns:r="http://schemas.openxmlformats.org/officeDocument/2006/relationships" xmlns:p="http://schemas.openxmlformats.org/presentationml/2006/main">
+  <p:cSld>
+    <p:spTree>
+      <p:nvGrpSpPr>
+        <p:cNvPr id="1" name=""/>
+        <p:cNvGrpSpPr/>
+        <p:nvPr/>
+      </p:nvGrpSpPr>
+      <p:grpSpPr>
+        <a:xfrm>
+          <a:off x="0" y="0"/>
+          <a:ext cx="0" cy="0"/>
+          <a:chOff x="0" y="0"/>
+          <a:chExt cx="0" cy="0"/>
+        </a:xfrm>
+      </p:grpSpPr>
+      <p:sp>
+        <p:nvSpPr>
+          <p:cNvPr id="2" name="Folienbildplatzhalter 1"/>
+          <p:cNvSpPr>
+            <a:spLocks noGrp="1" noRot="1" noChangeAspect="1"/>
+          </p:cNvSpPr>
+          <p:nvPr>
+            <p:ph type="sldImg"/>
+          </p:nvPr>
+        </p:nvSpPr>
+        <p:spPr/>
+      </p:sp>
+      <p:sp>
+        <p:nvSpPr>
+          <p:cNvPr id="3" name="Notizenplatzhalter 2"/>
+          <p:cNvSpPr>
+            <a:spLocks noGrp="1"/>
+          </p:cNvSpPr>
+          <p:nvPr>
+            <p:ph type="body" idx="1"/>
+          </p:nvPr>
+        </p:nvSpPr>
+        <p:spPr/>
+        <p:txBody>
+          <a:bodyPr/>
+          <a:lstStyle/>
+          <a:p>
+            <a:endParaRPr lang="de-DE"/>
+          </a:p>
+        </p:txBody>
+      </p:sp>
+      <p:sp>
+        <p:nvSpPr>
+          <p:cNvPr id="4" name="Foliennummernplatzhalter 3"/>
+          <p:cNvSpPr>
+            <a:spLocks noGrp="1"/>
+          </p:cNvSpPr>
+          <p:nvPr>
+            <p:ph type="sldNum" sz="quarter" idx="10"/>
+          </p:nvPr>
+        </p:nvSpPr>
+        <p:spPr/>
+        <p:txBody>
+          <a:bodyPr/>
+          <a:lstStyle/>
+          <a:p>
+            <a:fld id="{269F4C00-FE88-4296-AE19-2C7D870243C7}" type="slidenum">
+              <a:rPr lang="de-DE" smtClean="0"/>
+              <a:pPr/>
+              <a:t>45</a:t>
+            </a:fld>
+            <a:endParaRPr lang="de-DE" dirty="0"/>
+          </a:p>
+        </p:txBody>
+      </p:sp>
+    </p:spTree>
+    <p:extLst>
+      <p:ext uri="{BB962C8B-B14F-4D97-AF65-F5344CB8AC3E}">
+        <p14:creationId xmlns:p14="http://schemas.microsoft.com/office/powerpoint/2010/main" val="4118029313"/>
+      </p:ext>
+    </p:extLst>
+  </p:cSld>
+  <p:clrMapOvr>
+    <a:masterClrMapping/>
+  </p:clrMapOvr>
+</p:notes>
+</file>
+
+<file path=ppt/notesSlides/notesSlide46.xml><?xml version="1.0" encoding="utf-8"?>
+<p:notes xmlns:a="http://schemas.openxmlformats.org/drawingml/2006/main" xmlns:r="http://schemas.openxmlformats.org/officeDocument/2006/relationships" xmlns:p="http://schemas.openxmlformats.org/presentationml/2006/main">
+  <p:cSld>
+    <p:spTree>
+      <p:nvGrpSpPr>
+        <p:cNvPr id="1" name=""/>
+        <p:cNvGrpSpPr/>
+        <p:nvPr/>
+      </p:nvGrpSpPr>
+      <p:grpSpPr>
+        <a:xfrm>
+          <a:off x="0" y="0"/>
+          <a:ext cx="0" cy="0"/>
+          <a:chOff x="0" y="0"/>
+          <a:chExt cx="0" cy="0"/>
+        </a:xfrm>
+      </p:grpSpPr>
+      <p:sp>
+        <p:nvSpPr>
+          <p:cNvPr id="2" name="Folienbildplatzhalter 1"/>
+          <p:cNvSpPr>
+            <a:spLocks noGrp="1" noRot="1" noChangeAspect="1"/>
+          </p:cNvSpPr>
+          <p:nvPr>
+            <p:ph type="sldImg"/>
+          </p:nvPr>
+        </p:nvSpPr>
+        <p:spPr/>
+      </p:sp>
+      <p:sp>
+        <p:nvSpPr>
+          <p:cNvPr id="3" name="Notizenplatzhalter 2"/>
+          <p:cNvSpPr>
+            <a:spLocks noGrp="1"/>
+          </p:cNvSpPr>
+          <p:nvPr>
+            <p:ph type="body" idx="1"/>
+          </p:nvPr>
+        </p:nvSpPr>
+        <p:spPr/>
+        <p:txBody>
+          <a:bodyPr/>
+          <a:lstStyle/>
+          <a:p>
+            <a:endParaRPr lang="de-DE"/>
+          </a:p>
+        </p:txBody>
+      </p:sp>
+      <p:sp>
+        <p:nvSpPr>
+          <p:cNvPr id="4" name="Foliennummernplatzhalter 3"/>
+          <p:cNvSpPr>
+            <a:spLocks noGrp="1"/>
+          </p:cNvSpPr>
+          <p:nvPr>
+            <p:ph type="sldNum" sz="quarter" idx="10"/>
+          </p:nvPr>
+        </p:nvSpPr>
+        <p:spPr/>
+        <p:txBody>
+          <a:bodyPr/>
+          <a:lstStyle/>
+          <a:p>
+            <a:fld id="{269F4C00-FE88-4296-AE19-2C7D870243C7}" type="slidenum">
+              <a:rPr lang="de-DE" smtClean="0"/>
+              <a:pPr/>
+              <a:t>46</a:t>
+            </a:fld>
+            <a:endParaRPr lang="de-DE" dirty="0"/>
+          </a:p>
+        </p:txBody>
+      </p:sp>
+    </p:spTree>
+    <p:extLst>
+      <p:ext uri="{BB962C8B-B14F-4D97-AF65-F5344CB8AC3E}">
+        <p14:creationId xmlns:p14="http://schemas.microsoft.com/office/powerpoint/2010/main" val="2029178080"/>
+      </p:ext>
+    </p:extLst>
+  </p:cSld>
+  <p:clrMapOvr>
+    <a:masterClrMapping/>
+  </p:clrMapOvr>
+</p:notes>
+</file>
+
+<file path=ppt/notesSlides/notesSlide47.xml><?xml version="1.0" encoding="utf-8"?>
+<p:notes xmlns:a="http://schemas.openxmlformats.org/drawingml/2006/main" xmlns:r="http://schemas.openxmlformats.org/officeDocument/2006/relationships" xmlns:p="http://schemas.openxmlformats.org/presentationml/2006/main">
+  <p:cSld>
+    <p:spTree>
+      <p:nvGrpSpPr>
+        <p:cNvPr id="1" name=""/>
+        <p:cNvGrpSpPr/>
+        <p:nvPr/>
+      </p:nvGrpSpPr>
+      <p:grpSpPr>
+        <a:xfrm>
+          <a:off x="0" y="0"/>
+          <a:ext cx="0" cy="0"/>
+          <a:chOff x="0" y="0"/>
+          <a:chExt cx="0" cy="0"/>
+        </a:xfrm>
+      </p:grpSpPr>
+      <p:sp>
+        <p:nvSpPr>
+          <p:cNvPr id="2" name="Folienbildplatzhalter 1"/>
+          <p:cNvSpPr>
+            <a:spLocks noGrp="1" noRot="1" noChangeAspect="1"/>
+          </p:cNvSpPr>
+          <p:nvPr>
+            <p:ph type="sldImg"/>
+          </p:nvPr>
+        </p:nvSpPr>
+        <p:spPr/>
+      </p:sp>
+      <p:sp>
+        <p:nvSpPr>
+          <p:cNvPr id="3" name="Notizenplatzhalter 2"/>
+          <p:cNvSpPr>
+            <a:spLocks noGrp="1"/>
+          </p:cNvSpPr>
+          <p:nvPr>
+            <p:ph type="body" idx="1"/>
+          </p:nvPr>
+        </p:nvSpPr>
+        <p:spPr/>
+        <p:txBody>
+          <a:bodyPr/>
+          <a:lstStyle/>
+          <a:p>
+            <a:endParaRPr lang="de-DE"/>
+          </a:p>
+        </p:txBody>
+      </p:sp>
+      <p:sp>
+        <p:nvSpPr>
+          <p:cNvPr id="4" name="Foliennummernplatzhalter 3"/>
+          <p:cNvSpPr>
+            <a:spLocks noGrp="1"/>
+          </p:cNvSpPr>
+          <p:nvPr>
+            <p:ph type="sldNum" sz="quarter" idx="10"/>
+          </p:nvPr>
+        </p:nvSpPr>
+        <p:spPr/>
+        <p:txBody>
+          <a:bodyPr/>
+          <a:lstStyle/>
+          <a:p>
+            <a:fld id="{269F4C00-FE88-4296-AE19-2C7D870243C7}" type="slidenum">
+              <a:rPr lang="de-DE" smtClean="0"/>
+              <a:pPr/>
+              <a:t>47</a:t>
+            </a:fld>
+            <a:endParaRPr lang="de-DE" dirty="0"/>
+          </a:p>
+        </p:txBody>
+      </p:sp>
+    </p:spTree>
+    <p:extLst>
+      <p:ext uri="{BB962C8B-B14F-4D97-AF65-F5344CB8AC3E}">
+        <p14:creationId xmlns:p14="http://schemas.microsoft.com/office/powerpoint/2010/main" val="1453314541"/>
       </p:ext>
     </p:extLst>
   </p:cSld>
@@ -6368,7 +7816,9 @@
               <a:buAutoNum type="arabicPeriod"/>
             </a:pPr>
             <a:r>
-              <a:rPr lang="de-DE" b="1" baseline="0" dirty="0"/>
+              <a:rPr lang="de-DE" sz="1600" b="1" baseline="0" dirty="0">
+                <a:latin typeface="+mj-lt"/>
+              </a:rPr>
               <a:t>Struktur mit Versionsverwaltungssystem </a:t>
             </a:r>
           </a:p>
@@ -6384,7 +7834,9 @@
               <a:buAutoNum type="arabicPeriod"/>
             </a:pPr>
             <a:r>
-              <a:rPr lang="de-DE" b="1" baseline="0" dirty="0"/>
+              <a:rPr lang="de-DE" sz="1600" b="1" baseline="0" dirty="0">
+                <a:latin typeface="+mj-lt"/>
+              </a:rPr>
               <a:t>Alle älteren Versionen vorhanden</a:t>
             </a:r>
           </a:p>
@@ -6400,7 +7852,9 @@
               <a:buAutoNum type="arabicPeriod"/>
             </a:pPr>
             <a:r>
-              <a:rPr lang="de-DE" b="1" baseline="0" dirty="0"/>
+              <a:rPr lang="de-DE" sz="1600" b="1" baseline="0" dirty="0">
+                <a:latin typeface="+mj-lt"/>
+              </a:rPr>
               <a:t>Deutlich übersichtlicher, besser arbeiten</a:t>
             </a:r>
           </a:p>
@@ -6498,12 +7952,142 @@
               <a:buAutoNum type="arabicPeriod"/>
             </a:pPr>
             <a:r>
-              <a:rPr lang="de-DE" b="1" dirty="0"/>
+              <a:rPr lang="de-DE" sz="1600" b="1" dirty="0">
+                <a:latin typeface="+mj-lt"/>
+              </a:rPr>
               <a:t>Was</a:t>
             </a:r>
             <a:r>
-              <a:rPr lang="de-DE" b="1" baseline="0" dirty="0"/>
+              <a:rPr lang="de-DE" sz="1600" b="1" baseline="0" dirty="0">
+                <a:latin typeface="+mj-lt"/>
+              </a:rPr>
               <a:t> ist eine Versionsverwaltung?</a:t>
+            </a:r>
+          </a:p>
+          <a:p>
+            <a:pPr marL="228600" indent="-228600">
+              <a:spcBef>
+                <a:spcPts val="0"/>
+              </a:spcBef>
+              <a:spcAft>
+                <a:spcPts val="1200"/>
+              </a:spcAft>
+              <a:buFont typeface="+mj-lt"/>
+              <a:buAutoNum type="arabicPeriod" startAt="2"/>
+            </a:pPr>
+            <a:r>
+              <a:rPr lang="de-DE" sz="1600" b="1" dirty="0">
+                <a:latin typeface="+mj-lt"/>
+              </a:rPr>
+              <a:t>Verfolgt,</a:t>
+            </a:r>
+            <a:r>
+              <a:rPr lang="de-DE" sz="1600" b="1" baseline="0" dirty="0">
+                <a:latin typeface="+mj-lt"/>
+              </a:rPr>
+              <a:t> verwaltet und versioniert Dateien</a:t>
+            </a:r>
+          </a:p>
+          <a:p>
+            <a:pPr marL="228600" indent="-228600">
+              <a:spcBef>
+                <a:spcPts val="0"/>
+              </a:spcBef>
+              <a:spcAft>
+                <a:spcPts val="1200"/>
+              </a:spcAft>
+              <a:buFont typeface="+mj-lt"/>
+              <a:buAutoNum type="arabicPeriod" startAt="2"/>
+            </a:pPr>
+            <a:r>
+              <a:rPr lang="de-DE" sz="1600" b="1" baseline="0" dirty="0">
+                <a:latin typeface="+mj-lt"/>
+              </a:rPr>
+              <a:t>Werdegang einer Datei zurückverfolgen</a:t>
+            </a:r>
+          </a:p>
+          <a:p>
+            <a:pPr marL="228600" indent="-228600">
+              <a:spcBef>
+                <a:spcPts val="0"/>
+              </a:spcBef>
+              <a:spcAft>
+                <a:spcPts val="1200"/>
+              </a:spcAft>
+              <a:buFont typeface="+mj-lt"/>
+              <a:buAutoNum type="arabicPeriod" startAt="2"/>
+            </a:pPr>
+            <a:r>
+              <a:rPr lang="de-DE" sz="1600" b="1" baseline="0" dirty="0">
+                <a:latin typeface="+mj-lt"/>
+              </a:rPr>
+              <a:t>auf ältere Dateien zurückkehren</a:t>
+            </a:r>
+          </a:p>
+          <a:p>
+            <a:pPr marL="228600" indent="-228600">
+              <a:spcBef>
+                <a:spcPts val="0"/>
+              </a:spcBef>
+              <a:spcAft>
+                <a:spcPts val="1200"/>
+              </a:spcAft>
+              <a:buFont typeface="+mj-lt"/>
+              <a:buAutoNum type="arabicPeriod" startAt="2"/>
+            </a:pPr>
+            <a:r>
+              <a:rPr lang="de-DE" sz="1600" b="1" baseline="0" dirty="0">
+                <a:latin typeface="+mj-lt"/>
+              </a:rPr>
+              <a:t>Moderne Versionsverwaltungen ermöglichen kooperatives Arbeiten</a:t>
+            </a:r>
+          </a:p>
+          <a:p>
+            <a:pPr marL="0" indent="0">
+              <a:spcBef>
+                <a:spcPts val="0"/>
+              </a:spcBef>
+              <a:spcAft>
+                <a:spcPts val="1200"/>
+              </a:spcAft>
+              <a:buFont typeface="+mj-lt"/>
+              <a:buNone/>
+            </a:pPr>
+            <a:r>
+              <a:rPr lang="de-DE" sz="1600" b="1" baseline="0" dirty="0">
+                <a:latin typeface="+mj-lt"/>
+              </a:rPr>
+              <a:t>	-&gt; </a:t>
+            </a:r>
+            <a:r>
+              <a:rPr lang="de-DE" sz="1600" b="1" baseline="0" dirty="0" err="1">
+                <a:latin typeface="+mj-lt"/>
+              </a:rPr>
+              <a:t>selbes</a:t>
+            </a:r>
+            <a:r>
+              <a:rPr lang="de-DE" sz="1600" b="1" baseline="0" dirty="0">
+                <a:latin typeface="+mj-lt"/>
+              </a:rPr>
+              <a:t> Dokument </a:t>
+            </a:r>
+          </a:p>
+          <a:p>
+            <a:pPr marL="0" indent="0">
+              <a:spcBef>
+                <a:spcPts val="0"/>
+              </a:spcBef>
+              <a:spcAft>
+                <a:spcPts val="1200"/>
+              </a:spcAft>
+              <a:buFont typeface="+mj-lt"/>
+              <a:buNone/>
+            </a:pPr>
+            <a:r>
+              <a:rPr lang="de-DE" sz="1600" b="1" baseline="0" dirty="0">
+                <a:latin typeface="+mj-lt"/>
+              </a:rPr>
+              <a:t>	-&gt; zur gleichen Zeit</a:t>
             </a:r>
           </a:p>
           <a:p>
@@ -6517,128 +8101,9 @@
               <a:buFontTx/>
               <a:buNone/>
             </a:pPr>
-            <a:endParaRPr lang="de-DE" b="1" baseline="0" dirty="0"/>
-          </a:p>
-          <a:p>
-            <a:pPr marL="228600" indent="-228600">
-              <a:spcBef>
-                <a:spcPts val="0"/>
-              </a:spcBef>
-              <a:spcAft>
-                <a:spcPts val="1200"/>
-              </a:spcAft>
-              <a:buFont typeface="+mj-lt"/>
-              <a:buAutoNum type="arabicPeriod" startAt="2"/>
-            </a:pPr>
-            <a:r>
-              <a:rPr lang="de-DE" b="1" dirty="0"/>
-              <a:t>Verfolgt,</a:t>
-            </a:r>
-            <a:r>
-              <a:rPr lang="de-DE" b="1" baseline="0" dirty="0"/>
-              <a:t> verwaltet und versioniert Dateien</a:t>
-            </a:r>
-          </a:p>
-          <a:p>
-            <a:pPr marL="228600" indent="-228600">
-              <a:spcBef>
-                <a:spcPts val="0"/>
-              </a:spcBef>
-              <a:spcAft>
-                <a:spcPts val="1200"/>
-              </a:spcAft>
-              <a:buFont typeface="+mj-lt"/>
-              <a:buAutoNum type="arabicPeriod" startAt="2"/>
-            </a:pPr>
-            <a:r>
-              <a:rPr lang="de-DE" b="1" baseline="0" dirty="0"/>
-              <a:t>Werdegang einer Datei zurückverfolgen</a:t>
-            </a:r>
-          </a:p>
-          <a:p>
-            <a:pPr marL="228600" indent="-228600">
-              <a:spcBef>
-                <a:spcPts val="0"/>
-              </a:spcBef>
-              <a:spcAft>
-                <a:spcPts val="1200"/>
-              </a:spcAft>
-              <a:buFont typeface="+mj-lt"/>
-              <a:buAutoNum type="arabicPeriod" startAt="2"/>
-            </a:pPr>
-            <a:r>
-              <a:rPr lang="de-DE" b="1" baseline="0" dirty="0"/>
-              <a:t>auf ältere Dateien zurückkehren</a:t>
-            </a:r>
-          </a:p>
-          <a:p>
-            <a:pPr marL="228600" indent="-228600">
-              <a:spcBef>
-                <a:spcPts val="0"/>
-              </a:spcBef>
-              <a:spcAft>
-                <a:spcPts val="1200"/>
-              </a:spcAft>
-              <a:buFont typeface="+mj-lt"/>
-              <a:buAutoNum type="arabicPeriod" startAt="2"/>
-            </a:pPr>
-            <a:r>
-              <a:rPr lang="de-DE" b="1" baseline="0" dirty="0"/>
-              <a:t>Moderne Versionsverwaltungen ermöglichen kooperative Arbeiten</a:t>
-            </a:r>
-          </a:p>
-          <a:p>
-            <a:pPr marL="0" indent="0">
-              <a:spcBef>
-                <a:spcPts val="0"/>
-              </a:spcBef>
-              <a:spcAft>
-                <a:spcPts val="1200"/>
-              </a:spcAft>
-              <a:buFont typeface="+mj-lt"/>
-              <a:buNone/>
-            </a:pPr>
-            <a:r>
-              <a:rPr lang="de-DE" b="1" baseline="0" dirty="0"/>
-              <a:t>	-&gt; </a:t>
-            </a:r>
-            <a:r>
-              <a:rPr lang="de-DE" b="1" baseline="0" dirty="0" err="1"/>
-              <a:t>selbes</a:t>
-            </a:r>
-            <a:r>
-              <a:rPr lang="de-DE" b="1" baseline="0" dirty="0"/>
-              <a:t> Dokument </a:t>
-            </a:r>
-          </a:p>
-          <a:p>
-            <a:pPr marL="0" indent="0">
-              <a:spcBef>
-                <a:spcPts val="0"/>
-              </a:spcBef>
-              <a:spcAft>
-                <a:spcPts val="1200"/>
-              </a:spcAft>
-              <a:buFont typeface="+mj-lt"/>
-              <a:buNone/>
-            </a:pPr>
-            <a:r>
-              <a:rPr lang="de-DE" b="1" baseline="0" dirty="0"/>
-              <a:t>	-&gt; zur gleichen Zeit</a:t>
-            </a:r>
-          </a:p>
-          <a:p>
-            <a:pPr marL="0" indent="0">
-              <a:spcBef>
-                <a:spcPts val="0"/>
-              </a:spcBef>
-              <a:spcAft>
-                <a:spcPts val="1200"/>
-              </a:spcAft>
-              <a:buFontTx/>
-              <a:buNone/>
-            </a:pPr>
-            <a:endParaRPr lang="de-DE" b="1" baseline="0" dirty="0"/>
+            <a:endParaRPr lang="de-DE" sz="1600" b="1" baseline="0" dirty="0">
+              <a:latin typeface="+mj-lt"/>
+            </a:endParaRPr>
           </a:p>
           <a:p>
             <a:pPr marL="228600" marR="0" indent="-228600" algn="l" defTabSz="914400" rtl="0" eaLnBrk="0" fontAlgn="base" latinLnBrk="0" hangingPunct="0">
@@ -6659,7 +8124,9 @@
               <a:defRPr/>
             </a:pPr>
             <a:r>
-              <a:rPr lang="de-DE" b="1" baseline="0" dirty="0"/>
+              <a:rPr lang="de-DE" sz="1600" b="1" baseline="0" dirty="0">
+                <a:latin typeface="+mj-lt"/>
+              </a:rPr>
               <a:t>Kontext Versionsverwaltung existieren Fachbegriffe</a:t>
             </a:r>
           </a:p>
@@ -6682,7 +8149,9 @@
               <a:defRPr/>
             </a:pPr>
             <a:r>
-              <a:rPr lang="de-DE" b="1" baseline="0" dirty="0"/>
+              <a:rPr lang="de-DE" sz="1600" b="1" baseline="0" dirty="0">
+                <a:latin typeface="+mj-lt"/>
+              </a:rPr>
               <a:t>Definition Übergabe Christian</a:t>
             </a:r>
           </a:p>
@@ -6697,7 +8166,9 @@
               <a:buFontTx/>
               <a:buChar char="-"/>
             </a:pPr>
-            <a:endParaRPr lang="de-DE" dirty="0"/>
+            <a:endParaRPr lang="de-DE" sz="1600" dirty="0">
+              <a:latin typeface="+mj-lt"/>
+            </a:endParaRPr>
           </a:p>
         </p:txBody>
       </p:sp>
@@ -42867,7 +44338,7 @@
 </file>
 
 <file path=ppt/slides/slide37.xml><?xml version="1.0" encoding="utf-8"?>
-<p:sld xmlns:a="http://schemas.openxmlformats.org/drawingml/2006/main" xmlns:r="http://schemas.openxmlformats.org/officeDocument/2006/relationships" xmlns:p="http://schemas.openxmlformats.org/presentationml/2006/main">
+<p:sld xmlns:a="http://schemas.openxmlformats.org/drawingml/2006/main" xmlns:r="http://schemas.openxmlformats.org/officeDocument/2006/relationships" xmlns:p="http://schemas.openxmlformats.org/presentationml/2006/main" show="0">
   <p:cSld>
     <p:spTree>
       <p:nvGrpSpPr>
@@ -45386,7 +46857,7 @@
             </a:pPr>
             <a:r>
               <a:rPr lang="de-DE" dirty="0">
-                <a:hlinkClick r:id="rId2"/>
+                <a:hlinkClick r:id="rId3"/>
               </a:rPr>
               <a:t>https://www.kernel.org/pub/software/scm/git/docs/howto/maintain-git.html</a:t>
             </a:r>
@@ -45399,7 +46870,7 @@
             </a:pPr>
             <a:r>
               <a:rPr lang="de-DE" dirty="0">
-                <a:hlinkClick r:id="rId3"/>
+                <a:hlinkClick r:id="rId4"/>
               </a:rPr>
               <a:t>http://de.gitready.com/beginner/2009/03/02/where-to-find-the-git-community.html</a:t>
             </a:r>
@@ -45780,7 +47251,7 @@
           </p:nvPr>
         </p:nvPicPr>
         <p:blipFill rotWithShape="1">
-          <a:blip r:embed="rId2">
+          <a:blip r:embed="rId3">
             <a:extLst>
               <a:ext uri="{28A0092B-C50C-407E-A947-70E740481C1C}">
                 <a14:useLocalDpi xmlns:a14="http://schemas.microsoft.com/office/drawing/2010/main" val="0"/>

--- a/Präsentation_Seminararbeit.pptx
+++ b/Präsentation_Seminararbeit.pptx
@@ -2442,10 +2442,10 @@
                 <a:spcPct val="100000"/>
               </a:lnSpc>
               <a:spcBef>
-                <a:spcPct val="30000"/>
+                <a:spcPts val="0"/>
               </a:spcBef>
               <a:spcAft>
-                <a:spcPct val="0"/>
+                <a:spcPts val="0"/>
               </a:spcAft>
               <a:buClrTx/>
               <a:buSzTx/>
@@ -2455,15 +2455,21 @@
               <a:defRPr/>
             </a:pPr>
             <a:r>
-              <a:rPr lang="de-DE" baseline="0" dirty="0"/>
+              <a:rPr lang="de-DE" b="1" baseline="0" dirty="0">
+                <a:latin typeface="+mj-lt"/>
+              </a:rPr>
               <a:t>Grundsätzlich keine Server</a:t>
             </a:r>
             <a:r>
-              <a:rPr lang="de-DE" dirty="0"/>
+              <a:rPr lang="de-DE" b="1" dirty="0">
+                <a:latin typeface="+mj-lt"/>
+              </a:rPr>
               <a:t> notwendig</a:t>
             </a:r>
             <a:r>
-              <a:rPr lang="de-DE" baseline="0" dirty="0"/>
+              <a:rPr lang="de-DE" b="1" baseline="0" dirty="0">
+                <a:latin typeface="+mj-lt"/>
+              </a:rPr>
               <a:t> </a:t>
             </a:r>
           </a:p>
@@ -2473,10 +2479,10 @@
                 <a:spcPct val="100000"/>
               </a:lnSpc>
               <a:spcBef>
-                <a:spcPct val="30000"/>
+                <a:spcPts val="0"/>
               </a:spcBef>
               <a:spcAft>
-                <a:spcPct val="0"/>
+                <a:spcPts val="1200"/>
               </a:spcAft>
               <a:buClrTx/>
               <a:buSzTx/>
@@ -2486,30 +2492,48 @@
               <a:defRPr/>
             </a:pPr>
             <a:r>
-              <a:rPr lang="de-DE" baseline="0" dirty="0"/>
+              <a:rPr lang="de-DE" b="1" baseline="0" dirty="0">
+                <a:latin typeface="+mj-lt"/>
+              </a:rPr>
               <a:t>      DVCS nur mit Clients </a:t>
             </a:r>
             <a:r>
-              <a:rPr lang="de-DE" dirty="0"/>
+              <a:rPr lang="de-DE" b="1" dirty="0">
+                <a:latin typeface="+mj-lt"/>
+              </a:rPr>
               <a:t>möglich</a:t>
             </a:r>
-            <a:endParaRPr lang="de-DE" baseline="0" dirty="0"/>
+            <a:endParaRPr lang="de-DE" b="1" baseline="0" dirty="0">
+              <a:latin typeface="+mj-lt"/>
+            </a:endParaRPr>
           </a:p>
           <a:p>
             <a:pPr marL="228600" indent="-228600">
+              <a:spcBef>
+                <a:spcPts val="0"/>
+              </a:spcBef>
+              <a:spcAft>
+                <a:spcPts val="0"/>
+              </a:spcAft>
               <a:buFont typeface="+mj-lt"/>
-              <a:buAutoNum type="arabicPeriod" startAt="3"/>
+              <a:buAutoNum type="arabicPeriod" startAt="2"/>
             </a:pPr>
             <a:r>
-              <a:rPr lang="de-DE" baseline="0" dirty="0"/>
+              <a:rPr lang="de-DE" b="1" baseline="0" dirty="0">
+                <a:latin typeface="+mj-lt"/>
+              </a:rPr>
               <a:t>Server aber ratsam,</a:t>
             </a:r>
             <a:r>
-              <a:rPr lang="de-DE" dirty="0"/>
+              <a:rPr lang="de-DE" b="1" dirty="0">
+                <a:latin typeface="+mj-lt"/>
+              </a:rPr>
               <a:t> </a:t>
             </a:r>
             <a:r>
-              <a:rPr lang="de-DE" baseline="0" dirty="0"/>
+              <a:rPr lang="de-DE" b="1" baseline="0" dirty="0">
+                <a:latin typeface="+mj-lt"/>
+              </a:rPr>
               <a:t>macht Sinn</a:t>
             </a:r>
           </a:p>
@@ -2519,10 +2543,10 @@
                 <a:spcPct val="100000"/>
               </a:lnSpc>
               <a:spcBef>
-                <a:spcPct val="30000"/>
+                <a:spcPts val="0"/>
               </a:spcBef>
               <a:spcAft>
-                <a:spcPct val="0"/>
+                <a:spcPts val="0"/>
               </a:spcAft>
               <a:buClrTx/>
               <a:buSzTx/>
@@ -2532,18 +2556,18 @@
               <a:defRPr/>
             </a:pPr>
             <a:r>
-              <a:rPr lang="de-DE" baseline="0" dirty="0"/>
+              <a:rPr lang="de-DE" b="1" baseline="0" dirty="0">
+                <a:latin typeface="+mj-lt"/>
+              </a:rPr>
               <a:t>      Zwar technisch möglich mit </a:t>
             </a:r>
             <a:r>
-              <a:rPr lang="de-DE" sz="1200" b="0" i="0" kern="1200" dirty="0">
+              <a:rPr lang="de-DE" sz="1200" b="1" i="0" kern="1200" dirty="0">
                 <a:solidFill>
                   <a:schemeClr val="tx1"/>
                 </a:solidFill>
                 <a:effectLst/>
-                <a:latin typeface="Times" pitchFamily="18" charset="0"/>
-                <a:ea typeface="+mn-ea"/>
-                <a:cs typeface="+mn-cs"/>
+                <a:latin typeface="+mj-lt"/>
               </a:rPr>
               <a:t>Repositories Anderer zu arbeiten </a:t>
             </a:r>
@@ -2554,10 +2578,10 @@
                 <a:spcPct val="100000"/>
               </a:lnSpc>
               <a:spcBef>
-                <a:spcPct val="30000"/>
+                <a:spcPts val="0"/>
               </a:spcBef>
               <a:spcAft>
-                <a:spcPct val="0"/>
+                <a:spcPts val="0"/>
               </a:spcAft>
               <a:buClrTx/>
               <a:buSzTx/>
@@ -2567,18 +2591,18 @@
               <a:defRPr/>
             </a:pPr>
             <a:r>
-              <a:rPr lang="de-DE" dirty="0"/>
+              <a:rPr lang="de-DE" b="1" dirty="0">
+                <a:latin typeface="+mj-lt"/>
+              </a:rPr>
               <a:t>      (</a:t>
             </a:r>
             <a:r>
-              <a:rPr lang="de-DE" sz="1200" b="0" i="0" kern="1200" dirty="0">
+              <a:rPr lang="de-DE" sz="1200" b="1" i="0" kern="1200" dirty="0">
                 <a:solidFill>
                   <a:schemeClr val="tx1"/>
                 </a:solidFill>
                 <a:effectLst/>
-                <a:latin typeface="Times" pitchFamily="18" charset="0"/>
-                <a:ea typeface="+mn-ea"/>
-                <a:cs typeface="+mn-cs"/>
+                <a:latin typeface="+mj-lt"/>
               </a:rPr>
               <a:t>Änderungen dorthin zu pushen oder von dort zu holen)</a:t>
             </a:r>
@@ -2589,10 +2613,10 @@
                 <a:spcPct val="100000"/>
               </a:lnSpc>
               <a:spcBef>
-                <a:spcPct val="30000"/>
+                <a:spcPts val="0"/>
               </a:spcBef>
               <a:spcAft>
-                <a:spcPct val="0"/>
+                <a:spcPts val="0"/>
               </a:spcAft>
               <a:buClrTx/>
               <a:buSzTx/>
@@ -2602,42 +2626,38 @@
               <a:defRPr/>
             </a:pPr>
             <a:r>
-              <a:rPr lang="de-DE" baseline="0" dirty="0"/>
+              <a:rPr lang="de-DE" b="1" baseline="0" dirty="0">
+                <a:latin typeface="+mj-lt"/>
+              </a:rPr>
               <a:t>      </a:t>
             </a:r>
             <a:r>
-              <a:rPr lang="de-DE" sz="1200" b="0" i="0" kern="1200" dirty="0">
+              <a:rPr lang="de-DE" sz="1200" b="1" i="0" kern="1200" dirty="0">
                 <a:solidFill>
                   <a:schemeClr val="tx1"/>
                 </a:solidFill>
                 <a:effectLst/>
-                <a:latin typeface="Times" pitchFamily="18" charset="0"/>
-                <a:ea typeface="+mn-ea"/>
-                <a:cs typeface="+mn-cs"/>
+                <a:latin typeface="+mj-lt"/>
               </a:rPr>
               <a:t>leicht Arbeit Anderer durcheinander</a:t>
             </a:r>
             <a:r>
-              <a:rPr lang="de-DE" sz="1200" b="0" i="0" kern="1200" baseline="0" dirty="0">
+              <a:rPr lang="de-DE" sz="1200" b="1" i="0" kern="1200" baseline="0" dirty="0">
                 <a:solidFill>
                   <a:schemeClr val="tx1"/>
                 </a:solidFill>
                 <a:effectLst/>
-                <a:latin typeface="Times" pitchFamily="18" charset="0"/>
-                <a:ea typeface="+mn-ea"/>
-                <a:cs typeface="+mn-cs"/>
+                <a:latin typeface="+mj-lt"/>
               </a:rPr>
               <a:t> </a:t>
             </a:r>
             <a:r>
-              <a:rPr lang="de-DE" sz="1200" b="0" i="0" kern="1200" dirty="0">
+              <a:rPr lang="de-DE" sz="1200" b="1" i="0" kern="1200" dirty="0">
                 <a:solidFill>
                   <a:schemeClr val="tx1"/>
                 </a:solidFill>
                 <a:effectLst/>
-                <a:latin typeface="Times" pitchFamily="18" charset="0"/>
-                <a:ea typeface="+mn-ea"/>
-                <a:cs typeface="+mn-cs"/>
+                <a:latin typeface="+mj-lt"/>
               </a:rPr>
               <a:t>bringen</a:t>
             </a:r>
@@ -2648,10 +2668,10 @@
                 <a:spcPct val="100000"/>
               </a:lnSpc>
               <a:spcBef>
-                <a:spcPct val="30000"/>
+                <a:spcPts val="0"/>
               </a:spcBef>
               <a:spcAft>
-                <a:spcPct val="0"/>
+                <a:spcPts val="0"/>
               </a:spcAft>
               <a:buClrTx/>
               <a:buSzTx/>
@@ -2661,42 +2681,38 @@
               <a:defRPr/>
             </a:pPr>
             <a:r>
-              <a:rPr lang="de-DE" baseline="0" dirty="0"/>
+              <a:rPr lang="de-DE" b="1" baseline="0" dirty="0">
+                <a:latin typeface="+mj-lt"/>
+              </a:rPr>
               <a:t>      Und </a:t>
             </a:r>
             <a:r>
-              <a:rPr lang="de-DE" sz="1200" b="0" i="0" kern="1200" dirty="0" err="1">
+              <a:rPr lang="de-DE" sz="1200" b="1" i="0" kern="1200" dirty="0" err="1">
                 <a:solidFill>
                   <a:schemeClr val="tx1"/>
                 </a:solidFill>
                 <a:effectLst/>
-                <a:latin typeface="Times" pitchFamily="18" charset="0"/>
-                <a:ea typeface="+mn-ea"/>
-                <a:cs typeface="+mn-cs"/>
+                <a:latin typeface="+mj-lt"/>
               </a:rPr>
               <a:t>Repositories</a:t>
             </a:r>
             <a:r>
-              <a:rPr lang="de-DE" sz="1200" b="0" i="0" kern="1200" dirty="0">
+              <a:rPr lang="de-DE" sz="1200" b="1" i="0" kern="1200" dirty="0">
                 <a:solidFill>
                   <a:schemeClr val="tx1"/>
                 </a:solidFill>
                 <a:effectLst/>
-                <a:latin typeface="Times" pitchFamily="18" charset="0"/>
-                <a:ea typeface="+mn-ea"/>
-                <a:cs typeface="+mn-cs"/>
+                <a:latin typeface="+mj-lt"/>
               </a:rPr>
               <a:t> von</a:t>
             </a:r>
             <a:r>
-              <a:rPr lang="de-DE" sz="1200" b="0" i="0" kern="1200" baseline="0" dirty="0">
+              <a:rPr lang="de-DE" sz="1200" b="1" i="0" kern="1200" baseline="0" dirty="0">
                 <a:solidFill>
                   <a:schemeClr val="tx1"/>
                 </a:solidFill>
                 <a:effectLst/>
-                <a:latin typeface="Times" pitchFamily="18" charset="0"/>
-                <a:ea typeface="+mn-ea"/>
-                <a:cs typeface="+mn-cs"/>
+                <a:latin typeface="+mj-lt"/>
               </a:rPr>
               <a:t> überall und möglichst zu jeder Zeit verfügbar</a:t>
             </a:r>
@@ -2707,10 +2723,10 @@
                 <a:spcPct val="100000"/>
               </a:lnSpc>
               <a:spcBef>
-                <a:spcPct val="30000"/>
+                <a:spcPts val="0"/>
               </a:spcBef>
               <a:spcAft>
-                <a:spcPct val="0"/>
+                <a:spcPts val="0"/>
               </a:spcAft>
               <a:buClrTx/>
               <a:buSzTx/>
@@ -2720,18 +2736,18 @@
               <a:defRPr/>
             </a:pPr>
             <a:r>
-              <a:rPr lang="de-DE" baseline="0" dirty="0"/>
+              <a:rPr lang="de-DE" b="1" baseline="0" dirty="0">
+                <a:latin typeface="+mj-lt"/>
+              </a:rPr>
               <a:t>      </a:t>
             </a:r>
             <a:r>
-              <a:rPr lang="de-DE" sz="1200" b="0" i="0" kern="1200" baseline="0" dirty="0">
+              <a:rPr lang="de-DE" sz="1200" b="1" i="0" kern="1200" baseline="0" dirty="0">
                 <a:solidFill>
                   <a:schemeClr val="tx1"/>
                 </a:solidFill>
                 <a:effectLst/>
-                <a:latin typeface="Times" pitchFamily="18" charset="0"/>
-                <a:ea typeface="+mn-ea"/>
-                <a:cs typeface="+mn-cs"/>
+                <a:latin typeface="+mj-lt"/>
               </a:rPr>
               <a:t>Ohne Server andere Repositories nur Verfügbar, wenn Computer   </a:t>
             </a:r>
@@ -2742,10 +2758,10 @@
                 <a:spcPct val="100000"/>
               </a:lnSpc>
               <a:spcBef>
-                <a:spcPct val="30000"/>
+                <a:spcPts val="0"/>
               </a:spcBef>
               <a:spcAft>
-                <a:spcPct val="0"/>
+                <a:spcPts val="1200"/>
               </a:spcAft>
               <a:buClrTx/>
               <a:buSzTx/>
@@ -2755,22 +2771,24 @@
               <a:defRPr/>
             </a:pPr>
             <a:r>
-              <a:rPr lang="de-DE" dirty="0"/>
+              <a:rPr lang="de-DE" b="1" dirty="0">
+                <a:latin typeface="+mj-lt"/>
+              </a:rPr>
               <a:t>      </a:t>
             </a:r>
             <a:r>
-              <a:rPr lang="de-DE" sz="1200" b="0" i="0" kern="1200" baseline="0" dirty="0">
+              <a:rPr lang="de-DE" sz="1200" b="1" i="0" kern="1200" baseline="0" dirty="0">
                 <a:solidFill>
                   <a:schemeClr val="tx1"/>
                 </a:solidFill>
                 <a:effectLst/>
-                <a:latin typeface="Times" pitchFamily="18" charset="0"/>
-                <a:ea typeface="+mn-ea"/>
-                <a:cs typeface="+mn-cs"/>
+                <a:latin typeface="+mj-lt"/>
               </a:rPr>
               <a:t>eingeschaltet ist</a:t>
             </a:r>
-            <a:endParaRPr lang="de-DE" baseline="0" dirty="0"/>
+            <a:endParaRPr lang="de-DE" b="1" baseline="0" dirty="0">
+              <a:latin typeface="+mj-lt"/>
+            </a:endParaRPr>
           </a:p>
           <a:p>
             <a:pPr marL="228600" marR="0" indent="-228600" algn="l" defTabSz="914400" rtl="0" eaLnBrk="0" fontAlgn="base" latinLnBrk="0" hangingPunct="0">
@@ -2778,32 +2796,40 @@
                 <a:spcPct val="100000"/>
               </a:lnSpc>
               <a:spcBef>
-                <a:spcPct val="30000"/>
+                <a:spcPts val="0"/>
               </a:spcBef>
               <a:spcAft>
-                <a:spcPct val="0"/>
+                <a:spcPts val="1200"/>
               </a:spcAft>
               <a:buClrTx/>
               <a:buSzTx/>
               <a:buFont typeface="+mj-lt"/>
-              <a:buAutoNum type="arabicPeriod" startAt="4"/>
+              <a:buAutoNum type="arabicPeriod" startAt="3"/>
               <a:tabLst/>
               <a:defRPr/>
             </a:pPr>
             <a:r>
-              <a:rPr lang="de-DE" baseline="0" dirty="0" err="1"/>
+              <a:rPr lang="de-DE" b="1" baseline="0" dirty="0" err="1">
+                <a:latin typeface="+mj-lt"/>
+              </a:rPr>
               <a:t>Repositories</a:t>
             </a:r>
             <a:r>
-              <a:rPr lang="de-DE" baseline="0" dirty="0"/>
+              <a:rPr lang="de-DE" b="1" baseline="0" dirty="0">
+                <a:latin typeface="+mj-lt"/>
+              </a:rPr>
               <a:t> auf</a:t>
             </a:r>
             <a:r>
-              <a:rPr lang="de-DE" dirty="0"/>
+              <a:rPr lang="de-DE" b="1" dirty="0">
+                <a:latin typeface="+mj-lt"/>
+              </a:rPr>
               <a:t> </a:t>
             </a:r>
             <a:r>
-              <a:rPr lang="de-DE" baseline="0" dirty="0"/>
+              <a:rPr lang="de-DE" b="1" baseline="0" dirty="0">
+                <a:latin typeface="+mj-lt"/>
+              </a:rPr>
               <a:t>Server UND Clients gespeichert</a:t>
             </a:r>
           </a:p>
@@ -2813,27 +2839,33 @@
                 <a:spcPct val="100000"/>
               </a:lnSpc>
               <a:spcBef>
-                <a:spcPct val="30000"/>
+                <a:spcPts val="0"/>
               </a:spcBef>
               <a:spcAft>
-                <a:spcPct val="0"/>
+                <a:spcPts val="1200"/>
               </a:spcAft>
               <a:buClrTx/>
               <a:buSzTx/>
               <a:buFont typeface="+mj-lt"/>
-              <a:buAutoNum type="arabicPeriod" startAt="4"/>
+              <a:buAutoNum type="arabicPeriod" startAt="3"/>
               <a:tabLst/>
               <a:defRPr/>
             </a:pPr>
             <a:r>
-              <a:rPr lang="de-DE" baseline="0" dirty="0"/>
+              <a:rPr lang="de-DE" b="1" baseline="0" dirty="0">
+                <a:latin typeface="+mj-lt"/>
+              </a:rPr>
               <a:t>Annahme: auf dem Server aktuelle </a:t>
             </a:r>
             <a:r>
-              <a:rPr lang="de-DE" baseline="0" dirty="0" err="1"/>
+              <a:rPr lang="de-DE" b="1" baseline="0" dirty="0" err="1">
+                <a:latin typeface="+mj-lt"/>
+              </a:rPr>
               <a:t>Repositories</a:t>
             </a:r>
-            <a:endParaRPr lang="de-DE" baseline="0" dirty="0"/>
+            <a:endParaRPr lang="de-DE" b="1" dirty="0">
+              <a:latin typeface="+mj-lt"/>
+            </a:endParaRPr>
           </a:p>
           <a:p>
             <a:pPr marL="228600" marR="0" indent="-228600" algn="l" defTabSz="914400" rtl="0" eaLnBrk="0" fontAlgn="base" latinLnBrk="0" hangingPunct="0">
@@ -2841,10 +2873,35 @@
                 <a:spcPct val="100000"/>
               </a:lnSpc>
               <a:spcBef>
-                <a:spcPct val="30000"/>
+                <a:spcPts val="0"/>
               </a:spcBef>
               <a:spcAft>
-                <a:spcPct val="0"/>
+                <a:spcPts val="1200"/>
+              </a:spcAft>
+              <a:buClrTx/>
+              <a:buSzTx/>
+              <a:buFont typeface="+mj-lt"/>
+              <a:buAutoNum type="arabicPeriod" startAt="3"/>
+              <a:tabLst/>
+              <a:defRPr/>
+            </a:pPr>
+            <a:r>
+              <a:rPr lang="de-DE" b="1" baseline="0" dirty="0">
+                <a:latin typeface="+mj-lt"/>
+              </a:rPr>
+              <a:t>Abgleich über entsprechende Operationen (z.B. Push oder Pull)</a:t>
+            </a:r>
+          </a:p>
+          <a:p>
+            <a:pPr marL="228600" marR="0" indent="-228600" algn="l" defTabSz="914400" rtl="0" eaLnBrk="0" fontAlgn="base" latinLnBrk="0" hangingPunct="0">
+              <a:lnSpc>
+                <a:spcPct val="100000"/>
+              </a:lnSpc>
+              <a:spcBef>
+                <a:spcPts val="0"/>
+              </a:spcBef>
+              <a:spcAft>
+                <a:spcPts val="1200"/>
               </a:spcAft>
               <a:buClrTx/>
               <a:buSzTx/>
@@ -2854,8 +2911,34 @@
               <a:defRPr/>
             </a:pPr>
             <a:r>
-              <a:rPr lang="de-DE" baseline="0" dirty="0"/>
-              <a:t>Abgleich über entsprechende Operationen (z.B. Push oder Pull)</a:t>
+              <a:rPr lang="de-DE" b="1" baseline="0" dirty="0">
+                <a:latin typeface="+mj-lt"/>
+              </a:rPr>
+              <a:t>„</a:t>
+            </a:r>
+            <a:r>
+              <a:rPr lang="de-DE" b="1" baseline="0" dirty="0" err="1">
+                <a:latin typeface="+mj-lt"/>
+              </a:rPr>
+              <a:t>clone</a:t>
+            </a:r>
+            <a:r>
+              <a:rPr lang="de-DE" b="1" baseline="0" dirty="0">
+                <a:latin typeface="+mj-lt"/>
+              </a:rPr>
+              <a:t>“ die Repositories vom Server auf Client wo </a:t>
+            </a:r>
+            <a:r>
+              <a:rPr lang="de-DE" b="1" baseline="0" dirty="0" err="1">
+                <a:latin typeface="+mj-lt"/>
+              </a:rPr>
+              <a:t>Repositories</a:t>
+            </a:r>
+            <a:r>
+              <a:rPr lang="de-DE" b="1" baseline="0" dirty="0">
+                <a:latin typeface="+mj-lt"/>
+              </a:rPr>
+              <a:t> nicht sind</a:t>
             </a:r>
           </a:p>
           <a:p>
@@ -2864,10 +2947,10 @@
                 <a:spcPct val="100000"/>
               </a:lnSpc>
               <a:spcBef>
-                <a:spcPct val="30000"/>
+                <a:spcPts val="0"/>
               </a:spcBef>
               <a:spcAft>
-                <a:spcPct val="0"/>
+                <a:spcPts val="1200"/>
               </a:spcAft>
               <a:buClrTx/>
               <a:buSzTx/>
@@ -2877,39 +2960,28 @@
               <a:defRPr/>
             </a:pPr>
             <a:r>
-              <a:rPr lang="de-DE" baseline="0" dirty="0"/>
-              <a:t>„</a:t>
-            </a:r>
-            <a:r>
-              <a:rPr lang="de-DE" baseline="0" dirty="0" err="1"/>
-              <a:t>clone</a:t>
-            </a:r>
-            <a:r>
-              <a:rPr lang="de-DE" baseline="0" dirty="0"/>
-              <a:t>“ können die Repositories vom Server auf einen Client übertragen eben geklont werden, wo diese Repositories noch nicht vorhanden sind</a:t>
-            </a:r>
-          </a:p>
-          <a:p>
-            <a:pPr marL="228600" marR="0" indent="-228600" algn="l" defTabSz="914400" rtl="0" eaLnBrk="0" fontAlgn="base" latinLnBrk="0" hangingPunct="0">
-              <a:lnSpc>
-                <a:spcPct val="100000"/>
-              </a:lnSpc>
-              <a:spcBef>
-                <a:spcPct val="30000"/>
-              </a:spcBef>
-              <a:spcAft>
-                <a:spcPct val="0"/>
-              </a:spcAft>
-              <a:buClrTx/>
-              <a:buSzTx/>
-              <a:buFont typeface="+mj-lt"/>
-              <a:buAutoNum type="arabicPeriod" startAt="6"/>
-              <a:tabLst/>
-              <a:defRPr/>
-            </a:pPr>
-            <a:r>
-              <a:rPr lang="de-DE" baseline="0" dirty="0"/>
-              <a:t>Mit einem Checkout übertragen wir zu bearbeitende Dateien in Working Directories. Die Working Directories liegen auf den Clients.</a:t>
+              <a:rPr lang="de-DE" b="1" baseline="0" dirty="0" err="1">
+                <a:latin typeface="+mj-lt"/>
+              </a:rPr>
+              <a:t>Checkout</a:t>
+            </a:r>
+            <a:r>
+              <a:rPr lang="de-DE" b="1" baseline="0" dirty="0">
+                <a:latin typeface="+mj-lt"/>
+              </a:rPr>
+              <a:t> übertragen zu bearbeitende Dateien in Working Directories.  Working </a:t>
+            </a:r>
+            <a:r>
+              <a:rPr lang="de-DE" b="1" baseline="0" dirty="0" err="1">
+                <a:latin typeface="+mj-lt"/>
+              </a:rPr>
+              <a:t>Directories</a:t>
+            </a:r>
+            <a:r>
+              <a:rPr lang="de-DE" b="1" baseline="0" dirty="0">
+                <a:latin typeface="+mj-lt"/>
+              </a:rPr>
+              <a:t> auf Clients</a:t>
             </a:r>
           </a:p>
           <a:p>
@@ -2918,10 +2990,10 @@
                 <a:spcPct val="100000"/>
               </a:lnSpc>
               <a:spcBef>
-                <a:spcPct val="30000"/>
+                <a:spcPts val="0"/>
               </a:spcBef>
               <a:spcAft>
-                <a:spcPct val="0"/>
+                <a:spcPts val="1200"/>
               </a:spcAft>
               <a:buClrTx/>
               <a:buSzTx/>
@@ -2931,17 +3003,32 @@
               <a:defRPr/>
             </a:pPr>
             <a:r>
-              <a:rPr lang="de-DE" baseline="0" dirty="0"/>
-              <a:t>     Die Dateien werden innerhalb der Working </a:t>
-            </a:r>
-            <a:r>
-              <a:rPr lang="de-DE" baseline="0" dirty="0" err="1"/>
+              <a:rPr lang="de-DE" b="1" baseline="0" dirty="0">
+                <a:latin typeface="+mj-lt"/>
+              </a:rPr>
+              <a:t>      </a:t>
+            </a:r>
+            <a:r>
+              <a:rPr lang="de-DE" b="1" dirty="0">
+                <a:latin typeface="+mj-lt"/>
+              </a:rPr>
+              <a:t>Bearbeitung </a:t>
+            </a:r>
+            <a:r>
+              <a:rPr lang="de-DE" b="1" baseline="0" dirty="0">
+                <a:latin typeface="+mj-lt"/>
+              </a:rPr>
+              <a:t>Dateien innerhalb Working </a:t>
+            </a:r>
+            <a:r>
+              <a:rPr lang="de-DE" b="1" baseline="0" dirty="0" err="1">
+                <a:latin typeface="+mj-lt"/>
+              </a:rPr>
               <a:t>Directories</a:t>
             </a:r>
-            <a:r>
-              <a:rPr lang="de-DE" baseline="0" dirty="0"/>
-              <a:t> bearbeitet</a:t>
-            </a:r>
+            <a:endParaRPr lang="de-DE" b="1" baseline="0" dirty="0">
+              <a:latin typeface="+mj-lt"/>
+            </a:endParaRPr>
           </a:p>
           <a:p>
             <a:pPr marL="228600" marR="0" indent="-228600" algn="l" defTabSz="914400" rtl="0" eaLnBrk="0" fontAlgn="base" latinLnBrk="0" hangingPunct="0">
@@ -2949,30 +3036,33 @@
                 <a:spcPct val="100000"/>
               </a:lnSpc>
               <a:spcBef>
-                <a:spcPct val="30000"/>
+                <a:spcPts val="0"/>
               </a:spcBef>
               <a:spcAft>
-                <a:spcPct val="0"/>
+                <a:spcPts val="1200"/>
               </a:spcAft>
               <a:buClrTx/>
               <a:buSzTx/>
               <a:buFont typeface="+mj-lt"/>
-              <a:buAutoNum type="arabicPeriod" startAt="9"/>
+              <a:buAutoNum type="arabicPeriod" startAt="8"/>
               <a:tabLst/>
               <a:defRPr/>
             </a:pPr>
             <a:r>
-              <a:rPr lang="de-DE" baseline="0" dirty="0"/>
-              <a:t>Über ein Commit werden neue Versionen der bearbeiteten Dateien in den lokalen </a:t>
-            </a:r>
-            <a:r>
-              <a:rPr lang="de-DE" baseline="0" dirty="0" err="1"/>
+              <a:rPr lang="de-DE" b="1" baseline="0" dirty="0">
+                <a:latin typeface="+mj-lt"/>
+              </a:rPr>
+              <a:t>Commit erzeugt neue Versionen der Dateien in lokalen </a:t>
+            </a:r>
+            <a:r>
+              <a:rPr lang="de-DE" b="1" baseline="0" dirty="0" err="1">
+                <a:latin typeface="+mj-lt"/>
+              </a:rPr>
               <a:t>Repositories</a:t>
             </a:r>
-            <a:r>
-              <a:rPr lang="de-DE" baseline="0" dirty="0"/>
-              <a:t> erzeugt</a:t>
-            </a:r>
+            <a:endParaRPr lang="de-DE" b="1" baseline="0" dirty="0">
+              <a:latin typeface="+mj-lt"/>
+            </a:endParaRPr>
           </a:p>
           <a:p>
             <a:pPr marL="228600" marR="0" indent="-228600" algn="l" defTabSz="914400" rtl="0" eaLnBrk="0" fontAlgn="base" latinLnBrk="0" hangingPunct="0">
@@ -2980,42 +3070,24 @@
                 <a:spcPct val="100000"/>
               </a:lnSpc>
               <a:spcBef>
-                <a:spcPct val="30000"/>
+                <a:spcPts val="0"/>
               </a:spcBef>
               <a:spcAft>
-                <a:spcPct val="0"/>
+                <a:spcPts val="1200"/>
               </a:spcAft>
               <a:buClrTx/>
               <a:buSzTx/>
               <a:buFont typeface="+mj-lt"/>
-              <a:buAutoNum type="arabicPeriod" startAt="9"/>
+              <a:buAutoNum type="arabicPeriod" startAt="8"/>
               <a:tabLst/>
               <a:defRPr/>
             </a:pPr>
             <a:r>
-              <a:rPr lang="de-DE" baseline="0" dirty="0"/>
-              <a:t>Über ein Push werden die veränderten Repositories mit den sich auf den Server oder anderen Clients befindenden Repositories abgeglichen</a:t>
-            </a:r>
-          </a:p>
-          <a:p>
-            <a:pPr marL="228600" marR="0" indent="-228600" algn="l" defTabSz="914400" rtl="0" eaLnBrk="0" fontAlgn="base" latinLnBrk="0" hangingPunct="0">
-              <a:lnSpc>
-                <a:spcPct val="100000"/>
-              </a:lnSpc>
-              <a:spcBef>
-                <a:spcPct val="30000"/>
-              </a:spcBef>
-              <a:spcAft>
-                <a:spcPct val="0"/>
-              </a:spcAft>
-              <a:buClrTx/>
-              <a:buSzTx/>
-              <a:buFont typeface="+mj-lt"/>
-              <a:buAutoNum type="arabicPeriod" startAt="9"/>
-              <a:tabLst/>
-              <a:defRPr/>
-            </a:pPr>
-            <a:endParaRPr lang="de-DE" baseline="0" dirty="0"/>
+              <a:rPr lang="de-DE" b="1" baseline="0" dirty="0">
+                <a:latin typeface="+mj-lt"/>
+              </a:rPr>
+              <a:t>Push Abgleich lokale Repositories mit Server oder anderen Clients</a:t>
+            </a:r>
           </a:p>
           <a:p>
             <a:pPr marL="0" marR="0" indent="0" algn="l" defTabSz="914400" rtl="0" eaLnBrk="0" fontAlgn="base" latinLnBrk="0" hangingPunct="0">
@@ -3023,10 +3095,10 @@
                 <a:spcPct val="100000"/>
               </a:lnSpc>
               <a:spcBef>
-                <a:spcPct val="30000"/>
+                <a:spcPts val="0"/>
               </a:spcBef>
               <a:spcAft>
-                <a:spcPct val="0"/>
+                <a:spcPts val="1200"/>
               </a:spcAft>
               <a:buClrTx/>
               <a:buSzTx/>
@@ -3035,7 +3107,9 @@
               <a:tabLst/>
               <a:defRPr/>
             </a:pPr>
-            <a:endParaRPr lang="de-DE" baseline="0" dirty="0"/>
+            <a:endParaRPr lang="de-DE" b="1" baseline="0" dirty="0">
+              <a:latin typeface="+mj-lt"/>
+            </a:endParaRPr>
           </a:p>
           <a:p>
             <a:pPr marL="0" marR="0" indent="0" algn="l" defTabSz="914400" rtl="0" eaLnBrk="0" fontAlgn="base" latinLnBrk="0" hangingPunct="0">
@@ -3043,10 +3117,10 @@
                 <a:spcPct val="100000"/>
               </a:lnSpc>
               <a:spcBef>
-                <a:spcPct val="30000"/>
+                <a:spcPts val="0"/>
               </a:spcBef>
               <a:spcAft>
-                <a:spcPct val="0"/>
+                <a:spcPts val="1200"/>
               </a:spcAft>
               <a:buClrTx/>
               <a:buSzTx/>
@@ -3055,29 +3129,43 @@
               <a:tabLst/>
               <a:defRPr/>
             </a:pPr>
-            <a:endParaRPr lang="de-DE" baseline="0" dirty="0"/>
+            <a:endParaRPr lang="de-DE" b="1" baseline="0" dirty="0">
+              <a:latin typeface="+mj-lt"/>
+            </a:endParaRPr>
           </a:p>
           <a:p>
             <a:pPr marL="171450" indent="-171450">
+              <a:spcBef>
+                <a:spcPts val="0"/>
+              </a:spcBef>
+              <a:spcAft>
+                <a:spcPts val="1200"/>
+              </a:spcAft>
               <a:buFontTx/>
               <a:buChar char="-"/>
             </a:pPr>
-            <a:endParaRPr lang="de-DE" sz="1200" b="0" i="0" kern="1200" dirty="0">
+            <a:endParaRPr lang="de-DE" sz="1200" b="1" i="0" kern="1200" dirty="0">
               <a:solidFill>
                 <a:schemeClr val="tx1"/>
               </a:solidFill>
               <a:effectLst/>
-              <a:latin typeface="Times" pitchFamily="18" charset="0"/>
-              <a:ea typeface="+mn-ea"/>
-              <a:cs typeface="+mn-cs"/>
+              <a:latin typeface="+mj-lt"/>
             </a:endParaRPr>
           </a:p>
           <a:p>
             <a:pPr marL="171450" indent="-171450">
+              <a:spcBef>
+                <a:spcPts val="0"/>
+              </a:spcBef>
+              <a:spcAft>
+                <a:spcPts val="1200"/>
+              </a:spcAft>
               <a:buFontTx/>
               <a:buChar char="-"/>
             </a:pPr>
-            <a:endParaRPr lang="de-DE" baseline="0" dirty="0"/>
+            <a:endParaRPr lang="de-DE" b="1" baseline="0" dirty="0">
+              <a:latin typeface="+mj-lt"/>
+            </a:endParaRPr>
           </a:p>
         </p:txBody>
       </p:sp>

--- a/Präsentation_Seminararbeit.pptx
+++ b/Präsentation_Seminararbeit.pptx
@@ -6419,6 +6419,72 @@
                 <a:latin typeface="+mj-lt"/>
               </a:rPr>
               <a:t>Copy</a:t>
+            </a:r>
+            <a:endParaRPr lang="de-DE" sz="1600" b="1" baseline="0" dirty="0">
+              <a:latin typeface="+mj-lt"/>
+            </a:endParaRPr>
+          </a:p>
+          <a:p>
+            <a:pPr marL="171450" indent="-171450">
+              <a:spcBef>
+                <a:spcPts val="0"/>
+              </a:spcBef>
+              <a:spcAft>
+                <a:spcPts val="1200"/>
+              </a:spcAft>
+              <a:buFontTx/>
+              <a:buChar char="-"/>
+            </a:pPr>
+            <a:endParaRPr lang="de-DE" sz="1600" b="1" baseline="0" dirty="0">
+              <a:latin typeface="+mj-lt"/>
+            </a:endParaRPr>
+          </a:p>
+          <a:p>
+            <a:pPr marL="171450" indent="-171450">
+              <a:spcBef>
+                <a:spcPts val="0"/>
+              </a:spcBef>
+              <a:spcAft>
+                <a:spcPts val="1200"/>
+              </a:spcAft>
+              <a:buFontTx/>
+              <a:buChar char="-"/>
+            </a:pPr>
+            <a:r>
+              <a:rPr lang="de-DE" sz="1600" b="1" baseline="0" dirty="0">
+                <a:latin typeface="+mj-lt"/>
+              </a:rPr>
+              <a:t>Obwohl die </a:t>
+            </a:r>
+            <a:r>
+              <a:rPr lang="de-DE" sz="1600" b="1" baseline="0" dirty="0" err="1">
+                <a:latin typeface="+mj-lt"/>
+              </a:rPr>
+              <a:t>Git</a:t>
+            </a:r>
+            <a:r>
+              <a:rPr lang="de-DE" sz="1600" b="1" baseline="0" dirty="0">
+                <a:latin typeface="+mj-lt"/>
+              </a:rPr>
+              <a:t> </a:t>
+            </a:r>
+            <a:r>
+              <a:rPr lang="de-DE" sz="1600" b="1" baseline="0" dirty="0" err="1">
+                <a:latin typeface="+mj-lt"/>
+              </a:rPr>
+              <a:t>Repositories</a:t>
+            </a:r>
+            <a:r>
+              <a:rPr lang="de-DE" sz="1600" b="1" baseline="0" dirty="0">
+                <a:latin typeface="+mj-lt"/>
+              </a:rPr>
+              <a:t> an sich kleiner sind, liegen diese bei SVN schlicht nicht auf </a:t>
+            </a:r>
+            <a:r>
+              <a:rPr lang="de-DE" sz="1600" b="1" baseline="0">
+                <a:latin typeface="+mj-lt"/>
+              </a:rPr>
+              <a:t>dem Computer</a:t>
             </a:r>
             <a:endParaRPr lang="de-DE" sz="1600" b="1" dirty="0">
               <a:latin typeface="+mj-lt"/>

--- a/Präsentation_Seminararbeit.pptx
+++ b/Präsentation_Seminararbeit.pptx
@@ -5082,28 +5082,16 @@
               <a:buChar char="-"/>
             </a:pPr>
             <a:r>
+              <a:rPr lang="de-DE" sz="1600" b="1">
+                <a:latin typeface="+mj-lt"/>
+              </a:rPr>
+              <a:t>Commit </a:t>
+            </a:r>
+            <a:r>
               <a:rPr lang="de-DE" sz="1600" b="1" dirty="0">
                 <a:latin typeface="+mj-lt"/>
               </a:rPr>
-              <a:t>Änderungen an dem Text der HTML Datei durchführen</a:t>
-            </a:r>
-          </a:p>
-          <a:p>
-            <a:pPr marL="171450" indent="-171450">
-              <a:spcBef>
-                <a:spcPts val="0"/>
-              </a:spcBef>
-              <a:spcAft>
-                <a:spcPts val="1200"/>
-              </a:spcAft>
-              <a:buFontTx/>
-              <a:buChar char="-"/>
-            </a:pPr>
-            <a:r>
-              <a:rPr lang="de-DE" sz="1600" b="1" dirty="0">
-                <a:latin typeface="+mj-lt"/>
-              </a:rPr>
-              <a:t>Commit bei SVN</a:t>
+              <a:t>bei SVN</a:t>
             </a:r>
             <a:r>
               <a:rPr lang="de-DE" sz="1600" b="1" baseline="0" dirty="0">
@@ -6478,13 +6466,7 @@
               <a:rPr lang="de-DE" sz="1600" b="1" baseline="0" dirty="0">
                 <a:latin typeface="+mj-lt"/>
               </a:rPr>
-              <a:t> an sich kleiner sind, liegen diese bei SVN schlicht nicht auf </a:t>
-            </a:r>
-            <a:r>
-              <a:rPr lang="de-DE" sz="1600" b="1" baseline="0">
-                <a:latin typeface="+mj-lt"/>
-              </a:rPr>
-              <a:t>dem Computer</a:t>
+              <a:t> an sich kleiner sind, liegen diese bei SVN schlicht nicht auf dem Computer</a:t>
             </a:r>
             <a:endParaRPr lang="de-DE" sz="1600" b="1" dirty="0">
               <a:latin typeface="+mj-lt"/>
@@ -35426,7 +35408,7 @@
 </file>
 
 <file path=ppt/slides/slide19.xml><?xml version="1.0" encoding="utf-8"?>
-<p:sld xmlns:a="http://schemas.openxmlformats.org/drawingml/2006/main" xmlns:r="http://schemas.openxmlformats.org/officeDocument/2006/relationships" xmlns:p="http://schemas.openxmlformats.org/presentationml/2006/main">
+<p:sld xmlns:a="http://schemas.openxmlformats.org/drawingml/2006/main" xmlns:r="http://schemas.openxmlformats.org/officeDocument/2006/relationships" xmlns:p="http://schemas.openxmlformats.org/presentationml/2006/main" show="0">
   <p:cSld>
     <p:spTree>
       <p:nvGrpSpPr>

--- a/Präsentation_Seminararbeit.pptx
+++ b/Präsentation_Seminararbeit.pptx
@@ -342,6 +342,32 @@
 </p:presentation>
 </file>
 
+<file path=ppt/commentAuthors.xml><?xml version="1.0" encoding="utf-8"?>
+<p:cmAuthorLst xmlns:a="http://schemas.openxmlformats.org/drawingml/2006/main" xmlns:r="http://schemas.openxmlformats.org/officeDocument/2006/relationships" xmlns:p="http://schemas.openxmlformats.org/presentationml/2006/main">
+  <p:cmAuthor id="1" name="M.Bartsch" initials="M" lastIdx="1" clrIdx="0">
+    <p:extLst>
+      <p:ext uri="{19B8F6BF-5375-455C-9EA6-DF929625EA0E}">
+        <p15:presenceInfo xmlns:p15="http://schemas.microsoft.com/office/powerpoint/2012/main" userId="M.Bartsch" providerId="None"/>
+      </p:ext>
+    </p:extLst>
+  </p:cmAuthor>
+</p:cmAuthorLst>
+</file>
+
+<file path=ppt/comments/comment1.xml><?xml version="1.0" encoding="utf-8"?>
+<p:cmLst xmlns:a="http://schemas.openxmlformats.org/drawingml/2006/main" xmlns:r="http://schemas.openxmlformats.org/officeDocument/2006/relationships" xmlns:p="http://schemas.openxmlformats.org/presentationml/2006/main">
+  <p:cm authorId="1" dt="2016-07-07T17:36:27.606" idx="1">
+    <p:pos x="10" y="10"/>
+    <p:text/>
+    <p:extLst>
+      <p:ext uri="{C676402C-5697-4E1C-873F-D02D1690AC5C}">
+        <p15:threadingInfo xmlns:p15="http://schemas.microsoft.com/office/powerpoint/2012/main" timeZoneBias="-120"/>
+      </p:ext>
+    </p:extLst>
+  </p:cm>
+</p:cmLst>
+</file>
+
 <file path=ppt/handoutMasters/handoutMaster1.xml><?xml version="1.0" encoding="utf-8"?>
 <p:handoutMaster xmlns:a="http://schemas.openxmlformats.org/drawingml/2006/main" xmlns:r="http://schemas.openxmlformats.org/officeDocument/2006/relationships" xmlns:p="http://schemas.openxmlformats.org/presentationml/2006/main">
   <p:cSld>
@@ -2559,7 +2585,17 @@
               <a:rPr lang="de-DE" b="1" baseline="0" dirty="0">
                 <a:latin typeface="+mj-lt"/>
               </a:rPr>
-              <a:t>      Zwar technisch möglich mit </a:t>
+              <a:t>      technisch möglich </a:t>
+            </a:r>
+            <a:r>
+              <a:rPr lang="de-DE" sz="1200" b="1" i="0" kern="1200" dirty="0" err="1">
+                <a:solidFill>
+                  <a:schemeClr val="tx1"/>
+                </a:solidFill>
+                <a:effectLst/>
+                <a:latin typeface="+mj-lt"/>
+              </a:rPr>
+              <a:t>Repositories</a:t>
             </a:r>
             <a:r>
               <a:rPr lang="de-DE" sz="1200" b="1" i="0" kern="1200" dirty="0">
@@ -2569,7 +2605,7 @@
                 <a:effectLst/>
                 <a:latin typeface="+mj-lt"/>
               </a:rPr>
-              <a:t>Repositories Anderer zu arbeiten </a:t>
+              <a:t> Anderer zu nutzen</a:t>
             </a:r>
           </a:p>
           <a:p>
@@ -2591,10 +2627,20 @@
               <a:defRPr/>
             </a:pPr>
             <a:r>
-              <a:rPr lang="de-DE" b="1" dirty="0">
+              <a:rPr lang="de-DE" b="1" baseline="0" dirty="0">
                 <a:latin typeface="+mj-lt"/>
               </a:rPr>
-              <a:t>      (</a:t>
+              <a:t>      </a:t>
+            </a:r>
+            <a:r>
+              <a:rPr lang="de-DE" sz="1200" b="1" i="0" kern="1200" dirty="0" err="1">
+                <a:solidFill>
+                  <a:schemeClr val="tx1"/>
+                </a:solidFill>
+                <a:effectLst/>
+                <a:latin typeface="+mj-lt"/>
+              </a:rPr>
+              <a:t>Repositories</a:t>
             </a:r>
             <a:r>
               <a:rPr lang="de-DE" sz="1200" b="1" i="0" kern="1200" dirty="0">
@@ -2604,187 +2650,7 @@
                 <a:effectLst/>
                 <a:latin typeface="+mj-lt"/>
               </a:rPr>
-              <a:t>Änderungen dorthin zu pushen oder von dort zu holen)</a:t>
-            </a:r>
-          </a:p>
-          <a:p>
-            <a:pPr marL="0" marR="0" indent="0" algn="l" defTabSz="914400" rtl="0" eaLnBrk="0" fontAlgn="base" latinLnBrk="0" hangingPunct="0">
-              <a:lnSpc>
-                <a:spcPct val="100000"/>
-              </a:lnSpc>
-              <a:spcBef>
-                <a:spcPts val="0"/>
-              </a:spcBef>
-              <a:spcAft>
-                <a:spcPts val="0"/>
-              </a:spcAft>
-              <a:buClrTx/>
-              <a:buSzTx/>
-              <a:buFont typeface="+mj-lt"/>
-              <a:buNone/>
-              <a:tabLst/>
-              <a:defRPr/>
-            </a:pPr>
-            <a:r>
-              <a:rPr lang="de-DE" b="1" baseline="0" dirty="0">
-                <a:latin typeface="+mj-lt"/>
-              </a:rPr>
-              <a:t>      </a:t>
-            </a:r>
-            <a:r>
-              <a:rPr lang="de-DE" sz="1200" b="1" i="0" kern="1200" dirty="0">
-                <a:solidFill>
-                  <a:schemeClr val="tx1"/>
-                </a:solidFill>
-                <a:effectLst/>
-                <a:latin typeface="+mj-lt"/>
-              </a:rPr>
-              <a:t>leicht Arbeit Anderer durcheinander</a:t>
-            </a:r>
-            <a:r>
-              <a:rPr lang="de-DE" sz="1200" b="1" i="0" kern="1200" baseline="0" dirty="0">
-                <a:solidFill>
-                  <a:schemeClr val="tx1"/>
-                </a:solidFill>
-                <a:effectLst/>
-                <a:latin typeface="+mj-lt"/>
-              </a:rPr>
-              <a:t> </a:t>
-            </a:r>
-            <a:r>
-              <a:rPr lang="de-DE" sz="1200" b="1" i="0" kern="1200" dirty="0">
-                <a:solidFill>
-                  <a:schemeClr val="tx1"/>
-                </a:solidFill>
-                <a:effectLst/>
-                <a:latin typeface="+mj-lt"/>
-              </a:rPr>
-              <a:t>bringen</a:t>
-            </a:r>
-          </a:p>
-          <a:p>
-            <a:pPr marL="0" marR="0" indent="0" algn="l" defTabSz="914400" rtl="0" eaLnBrk="0" fontAlgn="base" latinLnBrk="0" hangingPunct="0">
-              <a:lnSpc>
-                <a:spcPct val="100000"/>
-              </a:lnSpc>
-              <a:spcBef>
-                <a:spcPts val="0"/>
-              </a:spcBef>
-              <a:spcAft>
-                <a:spcPts val="0"/>
-              </a:spcAft>
-              <a:buClrTx/>
-              <a:buSzTx/>
-              <a:buFont typeface="+mj-lt"/>
-              <a:buNone/>
-              <a:tabLst/>
-              <a:defRPr/>
-            </a:pPr>
-            <a:r>
-              <a:rPr lang="de-DE" b="1" baseline="0" dirty="0">
-                <a:latin typeface="+mj-lt"/>
-              </a:rPr>
-              <a:t>      Und </a:t>
-            </a:r>
-            <a:r>
-              <a:rPr lang="de-DE" sz="1200" b="1" i="0" kern="1200" dirty="0" err="1">
-                <a:solidFill>
-                  <a:schemeClr val="tx1"/>
-                </a:solidFill>
-                <a:effectLst/>
-                <a:latin typeface="+mj-lt"/>
-              </a:rPr>
-              <a:t>Repositories</a:t>
-            </a:r>
-            <a:r>
-              <a:rPr lang="de-DE" sz="1200" b="1" i="0" kern="1200" dirty="0">
-                <a:solidFill>
-                  <a:schemeClr val="tx1"/>
-                </a:solidFill>
-                <a:effectLst/>
-                <a:latin typeface="+mj-lt"/>
-              </a:rPr>
-              <a:t> von</a:t>
-            </a:r>
-            <a:r>
-              <a:rPr lang="de-DE" sz="1200" b="1" i="0" kern="1200" baseline="0" dirty="0">
-                <a:solidFill>
-                  <a:schemeClr val="tx1"/>
-                </a:solidFill>
-                <a:effectLst/>
-                <a:latin typeface="+mj-lt"/>
-              </a:rPr>
-              <a:t> überall und möglichst zu jeder Zeit verfügbar</a:t>
-            </a:r>
-          </a:p>
-          <a:p>
-            <a:pPr marL="0" marR="0" indent="0" algn="l" defTabSz="914400" rtl="0" eaLnBrk="0" fontAlgn="base" latinLnBrk="0" hangingPunct="0">
-              <a:lnSpc>
-                <a:spcPct val="100000"/>
-              </a:lnSpc>
-              <a:spcBef>
-                <a:spcPts val="0"/>
-              </a:spcBef>
-              <a:spcAft>
-                <a:spcPts val="0"/>
-              </a:spcAft>
-              <a:buClrTx/>
-              <a:buSzTx/>
-              <a:buFont typeface="+mj-lt"/>
-              <a:buNone/>
-              <a:tabLst/>
-              <a:defRPr/>
-            </a:pPr>
-            <a:r>
-              <a:rPr lang="de-DE" b="1" baseline="0" dirty="0">
-                <a:latin typeface="+mj-lt"/>
-              </a:rPr>
-              <a:t>      </a:t>
-            </a:r>
-            <a:r>
-              <a:rPr lang="de-DE" sz="1200" b="1" i="0" kern="1200" baseline="0" dirty="0">
-                <a:solidFill>
-                  <a:schemeClr val="tx1"/>
-                </a:solidFill>
-                <a:effectLst/>
-                <a:latin typeface="+mj-lt"/>
-              </a:rPr>
-              <a:t>Ohne Server andere Repositories nur Verfügbar, wenn Computer   </a:t>
-            </a:r>
-          </a:p>
-          <a:p>
-            <a:pPr marL="0" marR="0" indent="0" algn="l" defTabSz="914400" rtl="0" eaLnBrk="0" fontAlgn="base" latinLnBrk="0" hangingPunct="0">
-              <a:lnSpc>
-                <a:spcPct val="100000"/>
-              </a:lnSpc>
-              <a:spcBef>
-                <a:spcPts val="0"/>
-              </a:spcBef>
-              <a:spcAft>
-                <a:spcPts val="1200"/>
-              </a:spcAft>
-              <a:buClrTx/>
-              <a:buSzTx/>
-              <a:buFont typeface="+mj-lt"/>
-              <a:buNone/>
-              <a:tabLst/>
-              <a:defRPr/>
-            </a:pPr>
-            <a:r>
-              <a:rPr lang="de-DE" b="1" dirty="0">
-                <a:latin typeface="+mj-lt"/>
-              </a:rPr>
-              <a:t>      </a:t>
-            </a:r>
-            <a:r>
-              <a:rPr lang="de-DE" sz="1200" b="1" i="0" kern="1200" baseline="0" dirty="0">
-                <a:solidFill>
-                  <a:schemeClr val="tx1"/>
-                </a:solidFill>
-                <a:effectLst/>
-                <a:latin typeface="+mj-lt"/>
-              </a:rPr>
-              <a:t>eingeschaltet ist</a:t>
+              <a:t> Verfügbarkeit</a:t>
             </a:r>
             <a:endParaRPr lang="de-DE" b="1" baseline="0" dirty="0">
               <a:latin typeface="+mj-lt"/>
@@ -4624,7 +4490,10 @@
               <a:buFontTx/>
               <a:buNone/>
             </a:pPr>
-            <a:endParaRPr lang="de-DE" baseline="0" dirty="0"/>
+            <a:r>
+              <a:rPr lang="de-DE" baseline="0" dirty="0"/>
+              <a:t>Nur die wichtigsten Aspekte</a:t>
+            </a:r>
           </a:p>
         </p:txBody>
       </p:sp>
@@ -5066,9 +4935,6 @@
               </a:rPr>
               <a:t> trennen</a:t>
             </a:r>
-            <a:endParaRPr lang="de-DE" sz="1600" b="1" dirty="0">
-              <a:latin typeface="+mj-lt"/>
-            </a:endParaRPr>
           </a:p>
           <a:p>
             <a:pPr marL="171450" indent="-171450">
@@ -5082,16 +4948,28 @@
               <a:buChar char="-"/>
             </a:pPr>
             <a:r>
-              <a:rPr lang="de-DE" sz="1600" b="1">
+              <a:rPr lang="de-DE" sz="1600" b="1" baseline="0" dirty="0">
                 <a:latin typeface="+mj-lt"/>
               </a:rPr>
-              <a:t>Commit </a:t>
-            </a:r>
+              <a:t>Voraussetzung etwas ist modifiziert</a:t>
+            </a:r>
+          </a:p>
+          <a:p>
+            <a:pPr marL="171450" indent="-171450">
+              <a:spcBef>
+                <a:spcPts val="0"/>
+              </a:spcBef>
+              <a:spcAft>
+                <a:spcPts val="1200"/>
+              </a:spcAft>
+              <a:buFontTx/>
+              <a:buChar char="-"/>
+            </a:pPr>
             <a:r>
               <a:rPr lang="de-DE" sz="1600" b="1" dirty="0">
                 <a:latin typeface="+mj-lt"/>
               </a:rPr>
-              <a:t>bei SVN</a:t>
+              <a:t>Commit bei SVN</a:t>
             </a:r>
             <a:r>
               <a:rPr lang="de-DE" sz="1600" b="1" baseline="0" dirty="0">
@@ -5626,7 +5504,19 @@
               <a:rPr lang="de-DE" sz="1600" b="1" dirty="0">
                 <a:latin typeface="+mj-lt"/>
               </a:rPr>
-              <a:t>SVNSeminar2 ist nicht ausgecheckt </a:t>
+              <a:t>SVNSeminar2 ist nur </a:t>
+            </a:r>
+            <a:r>
+              <a:rPr lang="de-DE" sz="1600" b="1" dirty="0" err="1">
+                <a:latin typeface="+mj-lt"/>
+              </a:rPr>
+              <a:t>Branch</a:t>
+            </a:r>
+            <a:r>
+              <a:rPr lang="de-DE" sz="1600" b="1" dirty="0">
+                <a:latin typeface="+mj-lt"/>
+              </a:rPr>
+              <a:t> ausgecheckt</a:t>
             </a:r>
           </a:p>
           <a:p>
@@ -5654,59 +5544,26 @@
               <a:spcAft>
                 <a:spcPts val="1200"/>
               </a:spcAft>
-              <a:buFontTx/>
               <a:buAutoNum type="arabicPeriod"/>
             </a:pPr>
             <a:r>
-              <a:rPr lang="de-DE" sz="1600" b="1" dirty="0" err="1">
+              <a:rPr lang="de-DE" sz="1600" b="1" baseline="0" dirty="0">
                 <a:latin typeface="+mj-lt"/>
               </a:rPr>
-              <a:t>SeminarGit</a:t>
-            </a:r>
-            <a:r>
-              <a:rPr lang="de-DE" sz="1600" b="1" dirty="0">
+              <a:t>WD </a:t>
+            </a:r>
+            <a:r>
+              <a:rPr lang="de-DE" sz="1600" b="1" baseline="0" dirty="0" err="1">
                 <a:latin typeface="+mj-lt"/>
               </a:rPr>
-              <a:t> vom Server löschen</a:t>
-            </a:r>
-          </a:p>
-          <a:p>
-            <a:pPr marL="228600" indent="-228600">
-              <a:spcBef>
-                <a:spcPts val="0"/>
-              </a:spcBef>
-              <a:spcAft>
-                <a:spcPts val="1200"/>
-              </a:spcAft>
-              <a:buFontTx/>
-              <a:buAutoNum type="arabicPeriod"/>
-            </a:pPr>
-            <a:r>
-              <a:rPr lang="de-DE" sz="1600" b="1" dirty="0" err="1">
+              <a:t>Branch</a:t>
+            </a:r>
+            <a:r>
+              <a:rPr lang="de-DE" sz="1600" b="1" baseline="0" dirty="0">
                 <a:latin typeface="+mj-lt"/>
               </a:rPr>
-              <a:t>SeminarGit</a:t>
-            </a:r>
-            <a:r>
-              <a:rPr lang="de-DE" sz="1600" b="1" dirty="0">
-                <a:latin typeface="+mj-lt"/>
-              </a:rPr>
-              <a:t> ist noch komplett auf Computer vorhanden</a:t>
-            </a:r>
-          </a:p>
-          <a:p>
-            <a:pPr marL="228600" indent="-228600">
-              <a:spcBef>
-                <a:spcPts val="0"/>
-              </a:spcBef>
-              <a:spcAft>
-                <a:spcPts val="1200"/>
-              </a:spcAft>
-              <a:buAutoNum type="arabicPeriod"/>
-            </a:pPr>
-            <a:endParaRPr lang="de-DE" sz="1600" b="1" baseline="0" dirty="0">
-              <a:latin typeface="+mj-lt"/>
-            </a:endParaRPr>
+              <a:t> zeigen</a:t>
+            </a:r>
           </a:p>
         </p:txBody>
       </p:sp>
@@ -5790,109 +5647,6 @@
         <p:txBody>
           <a:bodyPr/>
           <a:lstStyle/>
-          <a:p>
-            <a:pPr marL="171450" indent="-171450">
-              <a:spcBef>
-                <a:spcPts val="0"/>
-              </a:spcBef>
-              <a:spcAft>
-                <a:spcPts val="1200"/>
-              </a:spcAft>
-              <a:buFontTx/>
-              <a:buChar char="-"/>
-            </a:pPr>
-            <a:r>
-              <a:rPr lang="de-DE" sz="1600" b="1" dirty="0">
-                <a:latin typeface="+mj-lt"/>
-              </a:rPr>
-              <a:t>Vorstellen Abends noch schnell was machen (10 Min)</a:t>
-            </a:r>
-          </a:p>
-          <a:p>
-            <a:pPr marL="171450" indent="-171450">
-              <a:spcBef>
-                <a:spcPts val="0"/>
-              </a:spcBef>
-              <a:spcAft>
-                <a:spcPts val="1200"/>
-              </a:spcAft>
-              <a:buFontTx/>
-              <a:buChar char="-"/>
-            </a:pPr>
-            <a:r>
-              <a:rPr lang="de-DE" sz="1600" b="1" dirty="0">
-                <a:latin typeface="+mj-lt"/>
-              </a:rPr>
-              <a:t>Dauert doch länger, mitten drin aufhören</a:t>
-            </a:r>
-          </a:p>
-          <a:p>
-            <a:pPr marL="171450" indent="-171450">
-              <a:spcBef>
-                <a:spcPts val="0"/>
-              </a:spcBef>
-              <a:spcAft>
-                <a:spcPts val="1200"/>
-              </a:spcAft>
-              <a:buFontTx/>
-              <a:buChar char="-"/>
-            </a:pPr>
-            <a:r>
-              <a:rPr lang="de-DE" sz="1600" b="1" dirty="0">
-                <a:latin typeface="+mj-lt"/>
-              </a:rPr>
-              <a:t>Nächster Tag andere Änderung, selbe Datei</a:t>
-            </a:r>
-          </a:p>
-          <a:p>
-            <a:pPr marL="171450" indent="-171450">
-              <a:spcBef>
-                <a:spcPts val="0"/>
-              </a:spcBef>
-              <a:spcAft>
-                <a:spcPts val="1200"/>
-              </a:spcAft>
-              <a:buFontTx/>
-              <a:buChar char="-"/>
-            </a:pPr>
-            <a:r>
-              <a:rPr lang="de-DE" sz="1600" b="1" dirty="0">
-                <a:latin typeface="+mj-lt"/>
-              </a:rPr>
-              <a:t>Diese Änderung ist fertig und soll veröffentlicht werden</a:t>
-            </a:r>
-          </a:p>
-          <a:p>
-            <a:pPr marL="171450" indent="-171450">
-              <a:spcBef>
-                <a:spcPts val="0"/>
-              </a:spcBef>
-              <a:spcAft>
-                <a:spcPts val="1200"/>
-              </a:spcAft>
-              <a:buFontTx/>
-              <a:buChar char="-"/>
-            </a:pPr>
-            <a:r>
-              <a:rPr lang="de-DE" sz="1600" b="1" dirty="0">
-                <a:latin typeface="+mj-lt"/>
-              </a:rPr>
-              <a:t>Jetzt veröffentliche ich aber automatisch auch die unfertige Änderung</a:t>
-            </a:r>
-          </a:p>
-          <a:p>
-            <a:pPr>
-              <a:spcBef>
-                <a:spcPts val="0"/>
-              </a:spcBef>
-              <a:spcAft>
-                <a:spcPts val="1200"/>
-              </a:spcAft>
-            </a:pPr>
-            <a:endParaRPr lang="de-DE" sz="1600" b="1" dirty="0">
-              <a:latin typeface="+mj-lt"/>
-            </a:endParaRPr>
-          </a:p>
           <a:p>
             <a:pPr>
               <a:spcBef>
@@ -29187,7 +28941,7 @@
 </file>
 
 <file path=ppt/slides/slide17.xml><?xml version="1.0" encoding="utf-8"?>
-<p:sld xmlns:a="http://schemas.openxmlformats.org/drawingml/2006/main" xmlns:r="http://schemas.openxmlformats.org/officeDocument/2006/relationships" xmlns:p="http://schemas.openxmlformats.org/presentationml/2006/main">
+<p:sld xmlns:a="http://schemas.openxmlformats.org/drawingml/2006/main" xmlns:r="http://schemas.openxmlformats.org/officeDocument/2006/relationships" xmlns:p="http://schemas.openxmlformats.org/presentationml/2006/main" show="0">
   <p:cSld>
     <p:spTree>
       <p:nvGrpSpPr>
@@ -41461,6 +41215,81 @@
           </a:graphicData>
         </a:graphic>
       </p:graphicFrame>
+      <p:sp>
+        <p:nvSpPr>
+          <p:cNvPr id="3" name="Textfeld 2">
+            <a:hlinkClick r:id="rId3" action="ppaction://hlinkfile"/>
+          </p:cNvPr>
+          <p:cNvSpPr txBox="1"/>
+          <p:nvPr/>
+        </p:nvSpPr>
+        <p:spPr>
+          <a:xfrm>
+            <a:off x="205575" y="2845774"/>
+            <a:ext cx="1356140" cy="205184"/>
+          </a:xfrm>
+          <a:prstGeom prst="rect">
+            <a:avLst/>
+          </a:prstGeom>
+          <a:noFill/>
+        </p:spPr>
+        <p:txBody>
+          <a:bodyPr wrap="none" lIns="0" tIns="0" rIns="0" bIns="0" rtlCol="0">
+            <a:spAutoFit/>
+          </a:bodyPr>
+          <a:lstStyle/>
+          <a:p>
+            <a:r>
+              <a:rPr lang="de-DE" sz="1600" dirty="0">
+                <a:latin typeface="Calibri" panose="020F0502020204030204" pitchFamily="34" charset="0"/>
+              </a:rPr>
+              <a:t>Link Seminar </a:t>
+            </a:r>
+            <a:r>
+              <a:rPr lang="de-DE" sz="1600" dirty="0" err="1">
+                <a:latin typeface="Calibri" panose="020F0502020204030204" pitchFamily="34" charset="0"/>
+              </a:rPr>
+              <a:t>Git</a:t>
+            </a:r>
+            <a:endParaRPr lang="de-DE" sz="1600" dirty="0">
+              <a:latin typeface="Calibri" panose="020F0502020204030204" pitchFamily="34" charset="0"/>
+            </a:endParaRPr>
+          </a:p>
+        </p:txBody>
+      </p:sp>
+      <p:sp>
+        <p:nvSpPr>
+          <p:cNvPr id="7" name="Textfeld 6">
+            <a:hlinkClick r:id="rId4" action="ppaction://hlinkfile"/>
+          </p:cNvPr>
+          <p:cNvSpPr txBox="1"/>
+          <p:nvPr/>
+        </p:nvSpPr>
+        <p:spPr>
+          <a:xfrm>
+            <a:off x="205575" y="3221914"/>
+            <a:ext cx="1454116" cy="205184"/>
+          </a:xfrm>
+          <a:prstGeom prst="rect">
+            <a:avLst/>
+          </a:prstGeom>
+          <a:noFill/>
+        </p:spPr>
+        <p:txBody>
+          <a:bodyPr wrap="none" lIns="0" tIns="0" rIns="0" bIns="0" rtlCol="0">
+            <a:spAutoFit/>
+          </a:bodyPr>
+          <a:lstStyle/>
+          <a:p>
+            <a:r>
+              <a:rPr lang="de-DE" sz="1600" dirty="0">
+                <a:latin typeface="Calibri" panose="020F0502020204030204" pitchFamily="34" charset="0"/>
+              </a:rPr>
+              <a:t>Link Seminar SVN</a:t>
+            </a:r>
+          </a:p>
+        </p:txBody>
+      </p:sp>
     </p:spTree>
     <p:extLst>
       <p:ext uri="{BB962C8B-B14F-4D97-AF65-F5344CB8AC3E}">
@@ -41847,6 +41676,114 @@
           </a:graphicData>
         </a:graphic>
       </p:graphicFrame>
+      <p:sp>
+        <p:nvSpPr>
+          <p:cNvPr id="6" name="Textfeld 5">
+            <a:hlinkClick r:id="rId3" action="ppaction://hlinkfile"/>
+          </p:cNvPr>
+          <p:cNvSpPr txBox="1"/>
+          <p:nvPr/>
+        </p:nvSpPr>
+        <p:spPr>
+          <a:xfrm>
+            <a:off x="239306" y="3576232"/>
+            <a:ext cx="1356140" cy="205184"/>
+          </a:xfrm>
+          <a:prstGeom prst="rect">
+            <a:avLst/>
+          </a:prstGeom>
+          <a:noFill/>
+        </p:spPr>
+        <p:txBody>
+          <a:bodyPr wrap="none" lIns="0" tIns="0" rIns="0" bIns="0" rtlCol="0">
+            <a:spAutoFit/>
+          </a:bodyPr>
+          <a:lstStyle/>
+          <a:p>
+            <a:r>
+              <a:rPr lang="de-DE" sz="1600" dirty="0">
+                <a:latin typeface="Calibri" panose="020F0502020204030204" pitchFamily="34" charset="0"/>
+              </a:rPr>
+              <a:t>Link Seminar </a:t>
+            </a:r>
+            <a:r>
+              <a:rPr lang="de-DE" sz="1600" dirty="0" err="1">
+                <a:latin typeface="Calibri" panose="020F0502020204030204" pitchFamily="34" charset="0"/>
+              </a:rPr>
+              <a:t>Git</a:t>
+            </a:r>
+            <a:endParaRPr lang="de-DE" sz="1600" dirty="0">
+              <a:latin typeface="Calibri" panose="020F0502020204030204" pitchFamily="34" charset="0"/>
+            </a:endParaRPr>
+          </a:p>
+        </p:txBody>
+      </p:sp>
+      <p:sp>
+        <p:nvSpPr>
+          <p:cNvPr id="7" name="Textfeld 6">
+            <a:hlinkClick r:id="rId4" action="ppaction://hlinkfile"/>
+          </p:cNvPr>
+          <p:cNvSpPr txBox="1"/>
+          <p:nvPr/>
+        </p:nvSpPr>
+        <p:spPr>
+          <a:xfrm>
+            <a:off x="239306" y="3998229"/>
+            <a:ext cx="1454116" cy="205184"/>
+          </a:xfrm>
+          <a:prstGeom prst="rect">
+            <a:avLst/>
+          </a:prstGeom>
+          <a:noFill/>
+        </p:spPr>
+        <p:txBody>
+          <a:bodyPr wrap="none" lIns="0" tIns="0" rIns="0" bIns="0" rtlCol="0">
+            <a:spAutoFit/>
+          </a:bodyPr>
+          <a:lstStyle/>
+          <a:p>
+            <a:r>
+              <a:rPr lang="de-DE" sz="1600" dirty="0">
+                <a:latin typeface="Calibri" panose="020F0502020204030204" pitchFamily="34" charset="0"/>
+              </a:rPr>
+              <a:t>Link Seminar SVN</a:t>
+            </a:r>
+          </a:p>
+        </p:txBody>
+      </p:sp>
+      <p:sp>
+        <p:nvSpPr>
+          <p:cNvPr id="8" name="Textfeld 7">
+            <a:hlinkClick r:id="rId5" action="ppaction://hlinkfile"/>
+          </p:cNvPr>
+          <p:cNvSpPr txBox="1"/>
+          <p:nvPr/>
+        </p:nvSpPr>
+        <p:spPr>
+          <a:xfrm>
+            <a:off x="239306" y="3157057"/>
+            <a:ext cx="862416" cy="208006"/>
+          </a:xfrm>
+          <a:prstGeom prst="rect">
+            <a:avLst/>
+          </a:prstGeom>
+          <a:noFill/>
+        </p:spPr>
+        <p:txBody>
+          <a:bodyPr wrap="none" lIns="0" tIns="0" rIns="0" bIns="0" rtlCol="0">
+            <a:spAutoFit/>
+          </a:bodyPr>
+          <a:lstStyle/>
+          <a:p>
+            <a:r>
+              <a:rPr lang="de-DE" sz="1600" dirty="0">
+                <a:latin typeface="Calibri" panose="020F0502020204030204" pitchFamily="34" charset="0"/>
+              </a:rPr>
+              <a:t>Link Video</a:t>
+            </a:r>
+          </a:p>
+        </p:txBody>
+      </p:sp>
     </p:spTree>
     <p:extLst>
       <p:ext uri="{BB962C8B-B14F-4D97-AF65-F5344CB8AC3E}">
@@ -42295,6 +42232,68 @@
           </a:graphicData>
         </a:graphic>
       </p:graphicFrame>
+      <p:sp>
+        <p:nvSpPr>
+          <p:cNvPr id="3" name="Textfeld 2">
+            <a:hlinkClick r:id="rId3"/>
+          </p:cNvPr>
+          <p:cNvSpPr txBox="1"/>
+          <p:nvPr/>
+        </p:nvSpPr>
+        <p:spPr>
+          <a:xfrm>
+            <a:off x="205575" y="3856694"/>
+            <a:ext cx="1502014" cy="205184"/>
+          </a:xfrm>
+          <a:prstGeom prst="rect">
+            <a:avLst/>
+          </a:prstGeom>
+          <a:noFill/>
+        </p:spPr>
+        <p:txBody>
+          <a:bodyPr wrap="none" lIns="0" tIns="0" rIns="0" bIns="0" rtlCol="0">
+            <a:spAutoFit/>
+          </a:bodyPr>
+          <a:lstStyle/>
+          <a:p>
+            <a:r>
+              <a:rPr lang="de-DE" sz="1600" dirty="0"/>
+              <a:t>Link SVN Online</a:t>
+            </a:r>
+          </a:p>
+        </p:txBody>
+      </p:sp>
+      <p:sp>
+        <p:nvSpPr>
+          <p:cNvPr id="7" name="Textfeld 6">
+            <a:hlinkClick r:id="rId4" action="ppaction://hlinkfile"/>
+          </p:cNvPr>
+          <p:cNvSpPr txBox="1"/>
+          <p:nvPr/>
+        </p:nvSpPr>
+        <p:spPr>
+          <a:xfrm>
+            <a:off x="205575" y="4335426"/>
+            <a:ext cx="1481175" cy="205184"/>
+          </a:xfrm>
+          <a:prstGeom prst="rect">
+            <a:avLst/>
+          </a:prstGeom>
+          <a:noFill/>
+        </p:spPr>
+        <p:txBody>
+          <a:bodyPr wrap="none" lIns="0" tIns="0" rIns="0" bIns="0" rtlCol="0">
+            <a:spAutoFit/>
+          </a:bodyPr>
+          <a:lstStyle/>
+          <a:p>
+            <a:r>
+              <a:rPr lang="de-DE" sz="1600" dirty="0"/>
+              <a:t>Link Dokumente</a:t>
+            </a:r>
+          </a:p>
+        </p:txBody>
+      </p:sp>
     </p:spTree>
     <p:extLst>
       <p:ext uri="{BB962C8B-B14F-4D97-AF65-F5344CB8AC3E}">
@@ -42868,6 +42867,81 @@
           </a:graphicData>
         </a:graphic>
       </p:graphicFrame>
+      <p:sp>
+        <p:nvSpPr>
+          <p:cNvPr id="6" name="Textfeld 5">
+            <a:hlinkClick r:id="rId3" action="ppaction://hlinkfile"/>
+          </p:cNvPr>
+          <p:cNvSpPr txBox="1"/>
+          <p:nvPr/>
+        </p:nvSpPr>
+        <p:spPr>
+          <a:xfrm>
+            <a:off x="205575" y="4437217"/>
+            <a:ext cx="1356140" cy="205184"/>
+          </a:xfrm>
+          <a:prstGeom prst="rect">
+            <a:avLst/>
+          </a:prstGeom>
+          <a:noFill/>
+        </p:spPr>
+        <p:txBody>
+          <a:bodyPr wrap="none" lIns="0" tIns="0" rIns="0" bIns="0" rtlCol="0">
+            <a:spAutoFit/>
+          </a:bodyPr>
+          <a:lstStyle/>
+          <a:p>
+            <a:r>
+              <a:rPr lang="de-DE" sz="1600" dirty="0">
+                <a:latin typeface="Calibri" panose="020F0502020204030204" pitchFamily="34" charset="0"/>
+              </a:rPr>
+              <a:t>Link Seminar </a:t>
+            </a:r>
+            <a:r>
+              <a:rPr lang="de-DE" sz="1600" dirty="0" err="1">
+                <a:latin typeface="Calibri" panose="020F0502020204030204" pitchFamily="34" charset="0"/>
+              </a:rPr>
+              <a:t>Git</a:t>
+            </a:r>
+            <a:endParaRPr lang="de-DE" sz="1600" dirty="0">
+              <a:latin typeface="Calibri" panose="020F0502020204030204" pitchFamily="34" charset="0"/>
+            </a:endParaRPr>
+          </a:p>
+        </p:txBody>
+      </p:sp>
+      <p:sp>
+        <p:nvSpPr>
+          <p:cNvPr id="7" name="Textfeld 6">
+            <a:hlinkClick r:id="rId4" action="ppaction://hlinkfile"/>
+          </p:cNvPr>
+          <p:cNvSpPr txBox="1"/>
+          <p:nvPr/>
+        </p:nvSpPr>
+        <p:spPr>
+          <a:xfrm>
+            <a:off x="205575" y="4807713"/>
+            <a:ext cx="1454116" cy="205184"/>
+          </a:xfrm>
+          <a:prstGeom prst="rect">
+            <a:avLst/>
+          </a:prstGeom>
+          <a:noFill/>
+        </p:spPr>
+        <p:txBody>
+          <a:bodyPr wrap="none" lIns="0" tIns="0" rIns="0" bIns="0" rtlCol="0">
+            <a:spAutoFit/>
+          </a:bodyPr>
+          <a:lstStyle/>
+          <a:p>
+            <a:r>
+              <a:rPr lang="de-DE" sz="1600" dirty="0">
+                <a:latin typeface="Calibri" panose="020F0502020204030204" pitchFamily="34" charset="0"/>
+              </a:rPr>
+              <a:t>Link Seminar SVN</a:t>
+            </a:r>
+          </a:p>
+        </p:txBody>
+      </p:sp>
     </p:spTree>
     <p:extLst>
       <p:ext uri="{BB962C8B-B14F-4D97-AF65-F5344CB8AC3E}">
@@ -42883,7 +42957,7 @@
 </file>
 
 <file path=ppt/slides/slide34.xml><?xml version="1.0" encoding="utf-8"?>
-<p:sld xmlns:a="http://schemas.openxmlformats.org/drawingml/2006/main" xmlns:r="http://schemas.openxmlformats.org/officeDocument/2006/relationships" xmlns:p="http://schemas.openxmlformats.org/presentationml/2006/main">
+<p:sld xmlns:a="http://schemas.openxmlformats.org/drawingml/2006/main" xmlns:r="http://schemas.openxmlformats.org/officeDocument/2006/relationships" xmlns:p="http://schemas.openxmlformats.org/presentationml/2006/main" show="0">
   <p:cSld>
     <p:spTree>
       <p:nvGrpSpPr>
@@ -43536,7 +43610,7 @@
 </file>
 
 <file path=ppt/slides/slide35.xml><?xml version="1.0" encoding="utf-8"?>
-<p:sld xmlns:a="http://schemas.openxmlformats.org/drawingml/2006/main" xmlns:r="http://schemas.openxmlformats.org/officeDocument/2006/relationships" xmlns:p="http://schemas.openxmlformats.org/presentationml/2006/main">
+<p:sld xmlns:a="http://schemas.openxmlformats.org/drawingml/2006/main" xmlns:r="http://schemas.openxmlformats.org/officeDocument/2006/relationships" xmlns:p="http://schemas.openxmlformats.org/presentationml/2006/main" show="0">
   <p:cSld>
     <p:spTree>
       <p:nvGrpSpPr>
@@ -43848,14 +43922,14 @@
           <p:nvPr>
             <p:extLst>
               <p:ext uri="{D42A27DB-BD31-4B8C-83A1-F6EECF244321}">
-                <p14:modId xmlns:p14="http://schemas.microsoft.com/office/powerpoint/2010/main" val="3814338920"/>
+                <p14:modId xmlns:p14="http://schemas.microsoft.com/office/powerpoint/2010/main" val="2680998719"/>
               </p:ext>
             </p:extLst>
           </p:nvPr>
         </p:nvGraphicFramePr>
         <p:xfrm>
           <a:off x="205575" y="1459706"/>
-          <a:ext cx="9014624" cy="3505200"/>
+          <a:ext cx="9014624" cy="3134360"/>
         </p:xfrm>
         <a:graphic>
           <a:graphicData uri="http://schemas.openxmlformats.org/drawingml/2006/table">
@@ -44319,86 +44393,6 @@
                         <a:rPr lang="de-DE" dirty="0">
                           <a:latin typeface="Calibri" panose="020F0502020204030204" pitchFamily="34" charset="0"/>
                         </a:rPr>
-                        <a:t>Umständliches und fehleranfälliges </a:t>
-                      </a:r>
-                      <a:r>
-                        <a:rPr lang="de-DE" dirty="0" err="1">
-                          <a:latin typeface="Calibri" panose="020F0502020204030204" pitchFamily="34" charset="0"/>
-                        </a:rPr>
-                        <a:t>Branching</a:t>
-                      </a:r>
-                      <a:endParaRPr lang="de-DE" dirty="0">
-                        <a:latin typeface="Calibri" panose="020F0502020204030204" pitchFamily="34" charset="0"/>
-                      </a:endParaRPr>
-                    </a:p>
-                  </a:txBody>
-                  <a:tcPr>
-                    <a:solidFill>
-                      <a:schemeClr val="accent5"/>
-                    </a:solidFill>
-                  </a:tcPr>
-                </a:tc>
-                <a:tc>
-                  <a:txBody>
-                    <a:bodyPr/>
-                    <a:lstStyle/>
-                    <a:p>
-                      <a:pPr marL="0" marR="0" indent="0" algn="l" defTabSz="914400" rtl="0" eaLnBrk="1" fontAlgn="auto" latinLnBrk="0" hangingPunct="1">
-                        <a:lnSpc>
-                          <a:spcPct val="100000"/>
-                        </a:lnSpc>
-                        <a:spcBef>
-                          <a:spcPts val="0"/>
-                        </a:spcBef>
-                        <a:spcAft>
-                          <a:spcPts val="0"/>
-                        </a:spcAft>
-                        <a:buClrTx/>
-                        <a:buSzTx/>
-                        <a:buFontTx/>
-                        <a:buNone/>
-                        <a:tabLst/>
-                        <a:defRPr/>
-                      </a:pPr>
-                      <a:r>
-                        <a:rPr lang="de-DE" dirty="0">
-                          <a:latin typeface="Calibri" panose="020F0502020204030204" pitchFamily="34" charset="0"/>
-                        </a:rPr>
-                        <a:t>Simples und komfortables </a:t>
-                      </a:r>
-                      <a:r>
-                        <a:rPr lang="de-DE" dirty="0" err="1">
-                          <a:latin typeface="Calibri" panose="020F0502020204030204" pitchFamily="34" charset="0"/>
-                        </a:rPr>
-                        <a:t>Branching</a:t>
-                      </a:r>
-                      <a:endParaRPr lang="de-DE" dirty="0">
-                        <a:latin typeface="Calibri" panose="020F0502020204030204" pitchFamily="34" charset="0"/>
-                      </a:endParaRPr>
-                    </a:p>
-                  </a:txBody>
-                  <a:tcPr>
-                    <a:solidFill>
-                      <a:schemeClr val="accent6"/>
-                    </a:solidFill>
-                  </a:tcPr>
-                </a:tc>
-                <a:extLst>
-                  <a:ext uri="{0D108BD9-81ED-4DB2-BD59-A6C34878D82A}">
-                    <a16:rowId xmlns:a16="http://schemas.microsoft.com/office/drawing/2014/main" val="10006"/>
-                  </a:ext>
-                </a:extLst>
-              </a:tr>
-              <a:tr h="370840">
-                <a:tc>
-                  <a:txBody>
-                    <a:bodyPr/>
-                    <a:lstStyle/>
-                    <a:p>
-                      <a:r>
-                        <a:rPr lang="de-DE" dirty="0">
-                          <a:latin typeface="Calibri" panose="020F0502020204030204" pitchFamily="34" charset="0"/>
-                        </a:rPr>
                         <a:t>Weniger Speicherbedarf auf Client</a:t>
                       </a:r>
                     </a:p>
@@ -44459,6 +44453,37 @@
           </a:graphicData>
         </a:graphic>
       </p:graphicFrame>
+      <p:sp>
+        <p:nvSpPr>
+          <p:cNvPr id="6" name="Textfeld 5">
+            <a:hlinkClick r:id="rId3" action="ppaction://hlinkfile"/>
+          </p:cNvPr>
+          <p:cNvSpPr txBox="1"/>
+          <p:nvPr/>
+        </p:nvSpPr>
+        <p:spPr>
+          <a:xfrm>
+            <a:off x="205575" y="4808057"/>
+            <a:ext cx="1481175" cy="205184"/>
+          </a:xfrm>
+          <a:prstGeom prst="rect">
+            <a:avLst/>
+          </a:prstGeom>
+          <a:noFill/>
+        </p:spPr>
+        <p:txBody>
+          <a:bodyPr wrap="none" lIns="0" tIns="0" rIns="0" bIns="0" rtlCol="0">
+            <a:spAutoFit/>
+          </a:bodyPr>
+          <a:lstStyle/>
+          <a:p>
+            <a:r>
+              <a:rPr lang="de-DE" sz="1600" dirty="0"/>
+              <a:t>Link Dokumente</a:t>
+            </a:r>
+          </a:p>
+        </p:txBody>
+      </p:sp>
     </p:spTree>
     <p:extLst>
       <p:ext uri="{BB962C8B-B14F-4D97-AF65-F5344CB8AC3E}">

--- a/Präsentation_Seminararbeit.pptx
+++ b/Präsentation_Seminararbeit.pptx
@@ -206,7 +206,7 @@
   </p:defaultTextStyle>
   <p:extLst>
     <p:ext uri="{EFAFB233-063F-42B5-8137-9DF3F51BA10A}">
-      <p15:sldGuideLst xmlns:p15="http://schemas.microsoft.com/office/powerpoint/2012/main">
+      <p15:sldGuideLst xmlns:p15="http://schemas.microsoft.com/office/powerpoint/2012/main" xmlns="">
         <p15:guide id="1" orient="horz" pos="486">
           <p15:clr>
             <a:srgbClr val="A4A3A4"/>
@@ -325,7 +325,7 @@
       </p15:sldGuideLst>
     </p:ext>
     <p:ext uri="{2D200454-40CA-4A62-9FC3-DE9A4176ACB9}">
-      <p15:notesGuideLst xmlns:p15="http://schemas.microsoft.com/office/powerpoint/2012/main">
+      <p15:notesGuideLst xmlns:p15="http://schemas.microsoft.com/office/powerpoint/2012/main" xmlns="">
         <p15:guide id="1" orient="horz" pos="3079">
           <p15:clr>
             <a:srgbClr val="A4A3A4"/>
@@ -345,11 +345,7 @@
 <file path=ppt/commentAuthors.xml><?xml version="1.0" encoding="utf-8"?>
 <p:cmAuthorLst xmlns:a="http://schemas.openxmlformats.org/drawingml/2006/main" xmlns:r="http://schemas.openxmlformats.org/officeDocument/2006/relationships" xmlns:p="http://schemas.openxmlformats.org/presentationml/2006/main">
   <p:cmAuthor id="1" name="M.Bartsch" initials="M" lastIdx="1" clrIdx="0">
-    <p:extLst>
-      <p:ext uri="{19B8F6BF-5375-455C-9EA6-DF929625EA0E}">
-        <p15:presenceInfo xmlns:p15="http://schemas.microsoft.com/office/powerpoint/2012/main" userId="M.Bartsch" providerId="None"/>
-      </p:ext>
-    </p:extLst>
+    <p:extLst/>
   </p:cmAuthor>
 </p:cmAuthorLst>
 </file>
@@ -3244,24 +3240,6 @@
               <a:buFontTx/>
               <a:buNone/>
             </a:pPr>
-            <a:r>
-              <a:rPr lang="de-DE" sz="1600" b="1" i="0" kern="1200" baseline="0" dirty="0">
-                <a:solidFill>
-                  <a:schemeClr val="tx1"/>
-                </a:solidFill>
-                <a:effectLst/>
-                <a:latin typeface="+mj-lt"/>
-                <a:ea typeface="+mn-ea"/>
-                <a:cs typeface="+mn-cs"/>
-              </a:rPr>
-              <a:t>Der Kern unserer Arbeit und das mit SVN zu vergleichende System Git ist ein solches verteiltes Versionskontrollsystem.</a:t>
-            </a:r>
-          </a:p>
-          <a:p>
-            <a:pPr marL="0" indent="0">
-              <a:buFontTx/>
-              <a:buNone/>
-            </a:pPr>
             <a:endParaRPr lang="de-DE" sz="1600" b="1" i="0" kern="1200" baseline="0" dirty="0">
               <a:solidFill>
                 <a:schemeClr val="tx1"/>
@@ -5379,7 +5357,7 @@
             </a:r>
           </a:p>
           <a:p>
-            <a:pPr marL="171450" indent="-171450">
+            <a:pPr marL="0" indent="0">
               <a:spcBef>
                 <a:spcPts val="0"/>
               </a:spcBef>
@@ -5387,88 +5365,7 @@
                 <a:spcPts val="1200"/>
               </a:spcAft>
               <a:buFontTx/>
-              <a:buChar char="-"/>
-            </a:pPr>
-            <a:r>
-              <a:rPr lang="de-DE" sz="1600" b="1" dirty="0">
-                <a:latin typeface="+mj-lt"/>
-              </a:rPr>
-              <a:t>Bei </a:t>
-            </a:r>
-            <a:r>
-              <a:rPr lang="de-DE" sz="1600" b="1" dirty="0" err="1">
-                <a:latin typeface="+mj-lt"/>
-              </a:rPr>
-              <a:t>Git</a:t>
-            </a:r>
-            <a:r>
-              <a:rPr lang="de-DE" sz="1600" b="1" dirty="0">
-                <a:latin typeface="+mj-lt"/>
-              </a:rPr>
-              <a:t> nicht schlimm</a:t>
-            </a:r>
-            <a:r>
-              <a:rPr lang="de-DE" sz="1600" b="1" baseline="0" dirty="0">
-                <a:latin typeface="+mj-lt"/>
-              </a:rPr>
-              <a:t>, da redundante </a:t>
-            </a:r>
-            <a:r>
-              <a:rPr lang="de-DE" sz="1600" b="1" baseline="0" dirty="0" err="1">
-                <a:latin typeface="+mj-lt"/>
-              </a:rPr>
-              <a:t>Repos</a:t>
-            </a:r>
-            <a:endParaRPr lang="de-DE" sz="1600" b="1" baseline="0" dirty="0">
-              <a:latin typeface="+mj-lt"/>
-            </a:endParaRPr>
-          </a:p>
-          <a:p>
-            <a:pPr marL="171450" indent="-171450">
-              <a:spcBef>
-                <a:spcPts val="0"/>
-              </a:spcBef>
-              <a:spcAft>
-                <a:spcPts val="1200"/>
-              </a:spcAft>
-              <a:buFontTx/>
-              <a:buChar char="-"/>
-            </a:pPr>
-            <a:r>
-              <a:rPr lang="de-DE" sz="1600" b="1" baseline="0" dirty="0">
-                <a:latin typeface="+mj-lt"/>
-              </a:rPr>
-              <a:t>Versionsstände in anderen </a:t>
-            </a:r>
-            <a:r>
-              <a:rPr lang="de-DE" sz="1600" b="1" baseline="0" dirty="0" err="1">
-                <a:latin typeface="+mj-lt"/>
-              </a:rPr>
-              <a:t>Repositories</a:t>
-            </a:r>
-            <a:r>
-              <a:rPr lang="de-DE" sz="1600" b="1" dirty="0">
-                <a:latin typeface="+mj-lt"/>
-              </a:rPr>
-              <a:t> </a:t>
-            </a:r>
-            <a:r>
-              <a:rPr lang="de-DE" sz="1600" b="1" baseline="0" dirty="0">
-                <a:latin typeface="+mj-lt"/>
-              </a:rPr>
-              <a:t>noch verfügbar</a:t>
-            </a:r>
-          </a:p>
-          <a:p>
-            <a:pPr marL="171450" indent="-171450">
-              <a:spcBef>
-                <a:spcPts val="0"/>
-              </a:spcBef>
-              <a:spcAft>
-                <a:spcPts val="1200"/>
-              </a:spcAft>
-              <a:buFontTx/>
-              <a:buChar char="-"/>
+              <a:buNone/>
             </a:pPr>
             <a:endParaRPr lang="de-DE" sz="1600" b="1" dirty="0">
               <a:latin typeface="+mj-lt"/>
@@ -6068,6 +5965,90 @@
           <a:bodyPr/>
           <a:lstStyle/>
           <a:p>
+            <a:pPr marL="171450" indent="-171450">
+              <a:spcBef>
+                <a:spcPts val="0"/>
+              </a:spcBef>
+              <a:spcAft>
+                <a:spcPts val="1200"/>
+              </a:spcAft>
+              <a:buFontTx/>
+              <a:buChar char="-"/>
+            </a:pPr>
+            <a:r>
+              <a:rPr lang="de-DE" sz="1600" b="1" baseline="0" dirty="0" smtClean="0">
+                <a:latin typeface="+mj-lt"/>
+              </a:rPr>
+              <a:t>SVN nur ausgecheckte Dateien im WD</a:t>
+            </a:r>
+            <a:endParaRPr lang="de-DE" sz="1600" b="1" baseline="0" dirty="0">
+              <a:latin typeface="+mj-lt"/>
+            </a:endParaRPr>
+          </a:p>
+          <a:p>
+            <a:pPr marL="171450" indent="-171450">
+              <a:spcBef>
+                <a:spcPts val="0"/>
+              </a:spcBef>
+              <a:spcAft>
+                <a:spcPts val="1200"/>
+              </a:spcAft>
+              <a:buFontTx/>
+              <a:buChar char="-"/>
+            </a:pPr>
+            <a:r>
+              <a:rPr lang="de-DE" sz="1600" b="1" baseline="0" dirty="0">
+                <a:latin typeface="+mj-lt"/>
+              </a:rPr>
+              <a:t>Git </a:t>
+            </a:r>
+            <a:r>
+              <a:rPr lang="de-DE" sz="1600" b="1" baseline="0" dirty="0" smtClean="0">
+                <a:latin typeface="+mj-lt"/>
+              </a:rPr>
+              <a:t>alle Dateien + Versionen </a:t>
+            </a:r>
+            <a:r>
+              <a:rPr lang="de-DE" sz="1600" b="1" baseline="0" dirty="0">
+                <a:latin typeface="+mj-lt"/>
+              </a:rPr>
+              <a:t>lokal</a:t>
+            </a:r>
+          </a:p>
+          <a:p>
+            <a:pPr marL="171450" indent="-171450">
+              <a:spcBef>
+                <a:spcPts val="0"/>
+              </a:spcBef>
+              <a:spcAft>
+                <a:spcPts val="1200"/>
+              </a:spcAft>
+              <a:buFontTx/>
+              <a:buChar char="-"/>
+            </a:pPr>
+            <a:endParaRPr lang="de-DE" sz="1600" b="1" dirty="0" smtClean="0">
+              <a:latin typeface="+mj-lt"/>
+            </a:endParaRPr>
+          </a:p>
+          <a:p>
+            <a:pPr marL="171450" indent="-171450">
+              <a:spcBef>
+                <a:spcPts val="0"/>
+              </a:spcBef>
+              <a:spcAft>
+                <a:spcPts val="1200"/>
+              </a:spcAft>
+              <a:buFontTx/>
+              <a:buChar char="-"/>
+            </a:pPr>
+            <a:r>
+              <a:rPr lang="de-DE" sz="1600" b="1" dirty="0" smtClean="0">
+                <a:latin typeface="+mj-lt"/>
+              </a:rPr>
+              <a:t>Vorgehen</a:t>
+            </a:r>
+          </a:p>
+          <a:p>
             <a:pPr marL="0" indent="0">
               <a:spcBef>
                 <a:spcPts val="0"/>
@@ -6079,163 +6060,42 @@
               <a:buNone/>
             </a:pPr>
             <a:r>
+              <a:rPr lang="de-DE" sz="1600" b="1" dirty="0" smtClean="0">
+                <a:latin typeface="+mj-lt"/>
+              </a:rPr>
+              <a:t>Anschauen</a:t>
+            </a:r>
+            <a:r>
+              <a:rPr lang="de-DE" sz="1600" b="1" baseline="0" dirty="0" smtClean="0">
+                <a:latin typeface="+mj-lt"/>
+              </a:rPr>
+              <a:t> </a:t>
+            </a:r>
+            <a:r>
               <a:rPr lang="de-DE" sz="1600" b="1" baseline="0" dirty="0">
                 <a:latin typeface="+mj-lt"/>
               </a:rPr>
-              <a:t>Der Unterschied:</a:t>
-            </a:r>
-          </a:p>
-          <a:p>
-            <a:pPr marL="171450" indent="-171450">
-              <a:spcBef>
-                <a:spcPts val="0"/>
-              </a:spcBef>
-              <a:spcAft>
-                <a:spcPts val="1200"/>
-              </a:spcAft>
-              <a:buFontTx/>
-              <a:buChar char="-"/>
-            </a:pPr>
+              <a:t>der lokalen </a:t>
+            </a:r>
+            <a:r>
+              <a:rPr lang="de-DE" sz="1600" b="1" baseline="0" dirty="0" err="1">
+                <a:latin typeface="+mj-lt"/>
+              </a:rPr>
+              <a:t>DB‘s</a:t>
+            </a:r>
             <a:r>
               <a:rPr lang="de-DE" sz="1600" b="1" baseline="0" dirty="0">
                 <a:latin typeface="+mj-lt"/>
               </a:rPr>
-              <a:t>SVN hält nur die aktuellen Versionen der Dateien im WD </a:t>
-            </a:r>
-          </a:p>
-          <a:p>
-            <a:pPr marL="171450" indent="-171450">
-              <a:spcBef>
-                <a:spcPts val="0"/>
-              </a:spcBef>
-              <a:spcAft>
-                <a:spcPts val="1200"/>
-              </a:spcAft>
-              <a:buFontTx/>
-              <a:buChar char="-"/>
-            </a:pPr>
-            <a:r>
-              <a:rPr lang="de-DE" sz="1600" b="1" baseline="0" dirty="0">
+              <a:t> -&gt; Git hat Repository, SVN hat Working </a:t>
+            </a:r>
+            <a:r>
+              <a:rPr lang="de-DE" sz="1600" b="1" baseline="0" dirty="0" err="1" smtClean="0">
                 <a:latin typeface="+mj-lt"/>
               </a:rPr>
-              <a:t>Git hält alle Versionen lokal</a:t>
-            </a:r>
-          </a:p>
-          <a:p>
-            <a:pPr marL="171450" indent="-171450">
-              <a:spcBef>
-                <a:spcPts val="0"/>
-              </a:spcBef>
-              <a:spcAft>
-                <a:spcPts val="1200"/>
-              </a:spcAft>
-              <a:buFontTx/>
-              <a:buChar char="-"/>
-            </a:pPr>
-            <a:r>
-              <a:rPr lang="de-DE" sz="1600" b="1" dirty="0">
-                <a:latin typeface="+mj-lt"/>
-              </a:rPr>
-              <a:t>Anschauen</a:t>
-            </a:r>
-            <a:r>
-              <a:rPr lang="de-DE" sz="1600" b="1" baseline="0" dirty="0">
-                <a:latin typeface="+mj-lt"/>
-              </a:rPr>
-              <a:t> der lokalen </a:t>
-            </a:r>
-            <a:r>
-              <a:rPr lang="de-DE" sz="1600" b="1" baseline="0" dirty="0" err="1">
-                <a:latin typeface="+mj-lt"/>
-              </a:rPr>
-              <a:t>DB‘s</a:t>
-            </a:r>
-            <a:r>
-              <a:rPr lang="de-DE" sz="1600" b="1" baseline="0" dirty="0">
-                <a:latin typeface="+mj-lt"/>
-              </a:rPr>
-              <a:t> -&gt; Git hat Repository, SVN hat Working </a:t>
-            </a:r>
-            <a:r>
-              <a:rPr lang="de-DE" sz="1600" b="1" baseline="0" dirty="0" err="1">
-                <a:latin typeface="+mj-lt"/>
-              </a:rPr>
               <a:t>Copy</a:t>
             </a:r>
             <a:endParaRPr lang="de-DE" sz="1600" b="1" baseline="0" dirty="0">
-              <a:latin typeface="+mj-lt"/>
-            </a:endParaRPr>
-          </a:p>
-          <a:p>
-            <a:pPr marL="171450" indent="-171450">
-              <a:spcBef>
-                <a:spcPts val="0"/>
-              </a:spcBef>
-              <a:spcAft>
-                <a:spcPts val="1200"/>
-              </a:spcAft>
-              <a:buFontTx/>
-              <a:buChar char="-"/>
-            </a:pPr>
-            <a:endParaRPr lang="de-DE" sz="1600" b="1" baseline="0" dirty="0">
-              <a:latin typeface="+mj-lt"/>
-            </a:endParaRPr>
-          </a:p>
-          <a:p>
-            <a:pPr marL="171450" indent="-171450">
-              <a:spcBef>
-                <a:spcPts val="0"/>
-              </a:spcBef>
-              <a:spcAft>
-                <a:spcPts val="1200"/>
-              </a:spcAft>
-              <a:buFontTx/>
-              <a:buChar char="-"/>
-            </a:pPr>
-            <a:r>
-              <a:rPr lang="de-DE" sz="1600" b="1" baseline="0" dirty="0">
-                <a:latin typeface="+mj-lt"/>
-              </a:rPr>
-              <a:t>Obwohl die </a:t>
-            </a:r>
-            <a:r>
-              <a:rPr lang="de-DE" sz="1600" b="1" baseline="0" dirty="0" err="1">
-                <a:latin typeface="+mj-lt"/>
-              </a:rPr>
-              <a:t>Git</a:t>
-            </a:r>
-            <a:r>
-              <a:rPr lang="de-DE" sz="1600" b="1" baseline="0" dirty="0">
-                <a:latin typeface="+mj-lt"/>
-              </a:rPr>
-              <a:t> </a:t>
-            </a:r>
-            <a:r>
-              <a:rPr lang="de-DE" sz="1600" b="1" baseline="0" dirty="0" err="1">
-                <a:latin typeface="+mj-lt"/>
-              </a:rPr>
-              <a:t>Repositories</a:t>
-            </a:r>
-            <a:r>
-              <a:rPr lang="de-DE" sz="1600" b="1" baseline="0" dirty="0">
-                <a:latin typeface="+mj-lt"/>
-              </a:rPr>
-              <a:t> an sich kleiner sind, liegen diese bei SVN schlicht nicht auf dem Computer</a:t>
-            </a:r>
-            <a:endParaRPr lang="de-DE" sz="1600" b="1" dirty="0">
-              <a:latin typeface="+mj-lt"/>
-            </a:endParaRPr>
-          </a:p>
-          <a:p>
-            <a:pPr>
-              <a:spcBef>
-                <a:spcPts val="0"/>
-              </a:spcBef>
-              <a:spcAft>
-                <a:spcPts val="1200"/>
-              </a:spcAft>
-            </a:pPr>
-            <a:endParaRPr lang="de-DE" sz="1600" b="1" dirty="0">
               <a:latin typeface="+mj-lt"/>
             </a:endParaRPr>
           </a:p>
@@ -6418,8 +6278,28 @@
               <a:buChar char="-"/>
             </a:pPr>
             <a:r>
+              <a:rPr lang="de-DE" b="1" baseline="0" dirty="0" smtClean="0"/>
+              <a:t>Fortschritt und Entwicklung ist wichtig</a:t>
+            </a:r>
+          </a:p>
+          <a:p>
+            <a:pPr marL="171450" indent="-171450">
+              <a:spcBef>
+                <a:spcPts val="0"/>
+              </a:spcBef>
+              <a:spcAft>
+                <a:spcPts val="1200"/>
+              </a:spcAft>
+              <a:buFontTx/>
+              <a:buChar char="-"/>
+            </a:pPr>
+            <a:r>
+              <a:rPr lang="de-DE" b="1" baseline="0" dirty="0" smtClean="0"/>
+              <a:t>SVN </a:t>
+            </a:r>
+            <a:r>
               <a:rPr lang="de-DE" b="1" baseline="0" dirty="0"/>
-              <a:t>SVN bietet bereits viele Vorteile</a:t>
+              <a:t>bietet bereits viele Vorteile</a:t>
             </a:r>
           </a:p>
           <a:p>
@@ -6472,14 +6352,17 @@
               <a:defRPr/>
             </a:pPr>
             <a:r>
+              <a:rPr lang="de-DE" b="1" baseline="0" dirty="0" smtClean="0"/>
+              <a:t>SVN </a:t>
+            </a:r>
+            <a:r>
               <a:rPr lang="de-DE" b="1" baseline="0" dirty="0"/>
-              <a:t>SVN Repository Integration von </a:t>
-            </a:r>
-            <a:r>
-              <a:rPr lang="de-DE" b="1" baseline="0" dirty="0" err="1"/>
-              <a:t>Git</a:t>
-            </a:r>
-            <a:endParaRPr lang="de-DE" b="1" baseline="0" dirty="0"/>
+              <a:t>Anwender sollten ernsthaft </a:t>
+            </a:r>
+            <a:r>
+              <a:rPr lang="de-DE" b="1" baseline="0" dirty="0" smtClean="0"/>
+              <a:t>nachdenken</a:t>
+            </a:r>
           </a:p>
           <a:p>
             <a:pPr marL="171450" marR="0" lvl="0" indent="-171450" algn="l" defTabSz="914400" rtl="0" eaLnBrk="0" fontAlgn="base" latinLnBrk="0" hangingPunct="0">
@@ -6500,9 +6383,10 @@
               <a:defRPr/>
             </a:pPr>
             <a:r>
-              <a:rPr lang="de-DE" b="1" baseline="0" dirty="0"/>
-              <a:t>SVN Anwender sollten ernsthaft nachdenken</a:t>
-            </a:r>
+              <a:rPr lang="de-DE" b="1" baseline="0" dirty="0" smtClean="0"/>
+              <a:t>Vielen Dank</a:t>
+            </a:r>
+            <a:endParaRPr lang="de-DE" b="1" baseline="0" dirty="0"/>
           </a:p>
           <a:p>
             <a:pPr marL="171450" indent="-171450">
@@ -15405,6 +15289,13 @@
     <a:masterClrMapping/>
   </p:clrMapOvr>
   <p:transition/>
+  <p:timing>
+    <p:tnLst>
+      <p:par>
+        <p:cTn id="1" dur="indefinite" restart="never" nodeType="tmRoot"/>
+      </p:par>
+    </p:tnLst>
+  </p:timing>
 </p:sld>
 </file>
 
@@ -16196,6 +16087,13 @@
     <a:masterClrMapping/>
   </p:clrMapOvr>
   <p:transition/>
+  <p:timing>
+    <p:tnLst>
+      <p:par>
+        <p:cTn id="1" dur="indefinite" restart="never" nodeType="tmRoot"/>
+      </p:par>
+    </p:tnLst>
+  </p:timing>
 </p:sld>
 </file>
 
@@ -19011,7 +18909,7 @@
 </file>
 
 <file path=ppt/slides/slide13.xml><?xml version="1.0" encoding="utf-8"?>
-<p:sld xmlns:a="http://schemas.openxmlformats.org/drawingml/2006/main" xmlns:r="http://schemas.openxmlformats.org/officeDocument/2006/relationships" xmlns:p="http://schemas.openxmlformats.org/presentationml/2006/main">
+<p:sld xmlns:a="http://schemas.openxmlformats.org/drawingml/2006/main" xmlns:r="http://schemas.openxmlformats.org/officeDocument/2006/relationships" xmlns:p="http://schemas.openxmlformats.org/presentationml/2006/main" show="0">
   <p:cSld>
     <p:spTree>
       <p:nvGrpSpPr>
@@ -22495,6 +22393,13 @@
     <a:masterClrMapping/>
   </p:clrMapOvr>
   <p:transition/>
+  <p:timing>
+    <p:tnLst>
+      <p:par>
+        <p:cTn id="1" dur="indefinite" restart="never" nodeType="tmRoot"/>
+      </p:par>
+    </p:tnLst>
+  </p:timing>
 </p:sld>
 </file>
 
@@ -23599,6 +23504,13 @@
     <a:masterClrMapping/>
   </p:clrMapOvr>
   <p:transition/>
+  <p:timing>
+    <p:tnLst>
+      <p:par>
+        <p:cTn id="1" dur="indefinite" restart="never" nodeType="tmRoot"/>
+      </p:par>
+    </p:tnLst>
+  </p:timing>
 </p:sld>
 </file>
 
@@ -35158,6 +35070,13 @@
     <a:masterClrMapping/>
   </p:clrMapOvr>
   <p:transition/>
+  <p:timing>
+    <p:tnLst>
+      <p:par>
+        <p:cTn id="1" dur="indefinite" restart="never" nodeType="tmRoot"/>
+      </p:par>
+    </p:tnLst>
+  </p:timing>
 </p:sld>
 </file>
 
@@ -36716,6 +36635,13 @@
     <a:masterClrMapping/>
   </p:clrMapOvr>
   <p:transition/>
+  <p:timing>
+    <p:tnLst>
+      <p:par>
+        <p:cTn id="1" dur="indefinite" restart="never" nodeType="tmRoot"/>
+      </p:par>
+    </p:tnLst>
+  </p:timing>
 </p:sld>
 </file>
 
@@ -37056,6 +36982,13 @@
     <a:masterClrMapping/>
   </p:clrMapOvr>
   <p:transition/>
+  <p:timing>
+    <p:tnLst>
+      <p:par>
+        <p:cTn id="1" dur="indefinite" restart="never" nodeType="tmRoot"/>
+      </p:par>
+    </p:tnLst>
+  </p:timing>
 </p:sld>
 </file>
 
@@ -37521,6 +37454,13 @@
     <a:masterClrMapping/>
   </p:clrMapOvr>
   <p:transition/>
+  <p:timing>
+    <p:tnLst>
+      <p:par>
+        <p:cTn id="1" dur="indefinite" restart="never" nodeType="tmRoot"/>
+      </p:par>
+    </p:tnLst>
+  </p:timing>
 </p:sld>
 </file>
 
@@ -38083,6 +38023,13 @@
     <a:masterClrMapping/>
   </p:clrMapOvr>
   <p:transition/>
+  <p:timing>
+    <p:tnLst>
+      <p:par>
+        <p:cTn id="1" dur="indefinite" restart="never" nodeType="tmRoot"/>
+      </p:par>
+    </p:tnLst>
+  </p:timing>
 </p:sld>
 </file>
 
@@ -38860,6 +38807,13 @@
     <a:masterClrMapping/>
   </p:clrMapOvr>
   <p:transition/>
+  <p:timing>
+    <p:tnLst>
+      <p:par>
+        <p:cTn id="1" dur="indefinite" restart="never" nodeType="tmRoot"/>
+      </p:par>
+    </p:tnLst>
+  </p:timing>
 </p:sld>
 </file>
 
@@ -39900,6 +39854,13 @@
     <a:masterClrMapping/>
   </p:clrMapOvr>
   <p:transition/>
+  <p:timing>
+    <p:tnLst>
+      <p:par>
+        <p:cTn id="1" dur="indefinite" restart="never" nodeType="tmRoot"/>
+      </p:par>
+    </p:tnLst>
+  </p:timing>
 </p:sld>
 </file>
 
@@ -40274,6 +40235,13 @@
     <a:masterClrMapping/>
   </p:clrMapOvr>
   <p:transition/>
+  <p:timing>
+    <p:tnLst>
+      <p:par>
+        <p:cTn id="1" dur="indefinite" restart="never" nodeType="tmRoot"/>
+      </p:par>
+    </p:tnLst>
+  </p:timing>
 </p:sld>
 </file>
 
@@ -40390,14 +40358,14 @@
                 <a:gridCol w="4507312">
                   <a:extLst>
                     <a:ext uri="{9D8B030D-6E8A-4147-A177-3AD203B41FA5}">
-                      <a16:colId xmlns:a16="http://schemas.microsoft.com/office/drawing/2014/main" val="20000"/>
+                      <a16:colId xmlns:a16="http://schemas.microsoft.com/office/drawing/2014/main" xmlns="" val="20000"/>
                     </a:ext>
                   </a:extLst>
                 </a:gridCol>
                 <a:gridCol w="4507312">
                   <a:extLst>
                     <a:ext uri="{9D8B030D-6E8A-4147-A177-3AD203B41FA5}">
-                      <a16:colId xmlns:a16="http://schemas.microsoft.com/office/drawing/2014/main" val="20001"/>
+                      <a16:colId xmlns:a16="http://schemas.microsoft.com/office/drawing/2014/main" xmlns="" val="20001"/>
                     </a:ext>
                   </a:extLst>
                 </a:gridCol>
@@ -40443,7 +40411,7 @@
                 </a:tc>
                 <a:extLst>
                   <a:ext uri="{0D108BD9-81ED-4DB2-BD59-A6C34878D82A}">
-                    <a16:rowId xmlns:a16="http://schemas.microsoft.com/office/drawing/2014/main" val="10000"/>
+                    <a16:rowId xmlns:a16="http://schemas.microsoft.com/office/drawing/2014/main" xmlns="" val="10000"/>
                   </a:ext>
                 </a:extLst>
               </a:tr>
@@ -40517,7 +40485,7 @@
                 </a:tc>
                 <a:extLst>
                   <a:ext uri="{0D108BD9-81ED-4DB2-BD59-A6C34878D82A}">
-                    <a16:rowId xmlns:a16="http://schemas.microsoft.com/office/drawing/2014/main" val="10001"/>
+                    <a16:rowId xmlns:a16="http://schemas.microsoft.com/office/drawing/2014/main" xmlns="" val="10001"/>
                   </a:ext>
                 </a:extLst>
               </a:tr>
@@ -40536,6 +40504,13 @@
     <a:masterClrMapping/>
   </p:clrMapOvr>
   <p:transition/>
+  <p:timing>
+    <p:tnLst>
+      <p:par>
+        <p:cTn id="1" dur="indefinite" restart="never" nodeType="tmRoot"/>
+      </p:par>
+    </p:tnLst>
+  </p:timing>
 </p:sld>
 </file>
 
@@ -41018,14 +40993,14 @@
                 <a:gridCol w="4507312">
                   <a:extLst>
                     <a:ext uri="{9D8B030D-6E8A-4147-A177-3AD203B41FA5}">
-                      <a16:colId xmlns:a16="http://schemas.microsoft.com/office/drawing/2014/main" val="20000"/>
+                      <a16:colId xmlns:a16="http://schemas.microsoft.com/office/drawing/2014/main" xmlns="" val="20000"/>
                     </a:ext>
                   </a:extLst>
                 </a:gridCol>
                 <a:gridCol w="4507312">
                   <a:extLst>
                     <a:ext uri="{9D8B030D-6E8A-4147-A177-3AD203B41FA5}">
-                      <a16:colId xmlns:a16="http://schemas.microsoft.com/office/drawing/2014/main" val="20001"/>
+                      <a16:colId xmlns:a16="http://schemas.microsoft.com/office/drawing/2014/main" xmlns="" val="20001"/>
                     </a:ext>
                   </a:extLst>
                 </a:gridCol>
@@ -41071,7 +41046,7 @@
                 </a:tc>
                 <a:extLst>
                   <a:ext uri="{0D108BD9-81ED-4DB2-BD59-A6C34878D82A}">
-                    <a16:rowId xmlns:a16="http://schemas.microsoft.com/office/drawing/2014/main" val="10000"/>
+                    <a16:rowId xmlns:a16="http://schemas.microsoft.com/office/drawing/2014/main" xmlns="" val="10000"/>
                   </a:ext>
                 </a:extLst>
               </a:tr>
@@ -41145,7 +41120,7 @@
                 </a:tc>
                 <a:extLst>
                   <a:ext uri="{0D108BD9-81ED-4DB2-BD59-A6C34878D82A}">
-                    <a16:rowId xmlns:a16="http://schemas.microsoft.com/office/drawing/2014/main" val="10001"/>
+                    <a16:rowId xmlns:a16="http://schemas.microsoft.com/office/drawing/2014/main" xmlns="" val="10001"/>
                   </a:ext>
                 </a:extLst>
               </a:tr>
@@ -41207,7 +41182,7 @@
                 </a:tc>
                 <a:extLst>
                   <a:ext uri="{0D108BD9-81ED-4DB2-BD59-A6C34878D82A}">
-                    <a16:rowId xmlns:a16="http://schemas.microsoft.com/office/drawing/2014/main" val="10002"/>
+                    <a16:rowId xmlns:a16="http://schemas.microsoft.com/office/drawing/2014/main" xmlns="" val="10002"/>
                   </a:ext>
                 </a:extLst>
               </a:tr>
@@ -41226,7 +41201,7 @@
         <p:spPr>
           <a:xfrm>
             <a:off x="205575" y="2845774"/>
-            <a:ext cx="1356140" cy="205184"/>
+            <a:ext cx="1391407" cy="208006"/>
           </a:xfrm>
           <a:prstGeom prst="rect">
             <a:avLst/>
@@ -41240,18 +41215,18 @@
           <a:lstStyle/>
           <a:p>
             <a:r>
-              <a:rPr lang="de-DE" sz="1600" dirty="0">
+              <a:rPr lang="de-DE" sz="1600" b="1" dirty="0">
                 <a:latin typeface="Calibri" panose="020F0502020204030204" pitchFamily="34" charset="0"/>
               </a:rPr>
               <a:t>Link Seminar </a:t>
             </a:r>
             <a:r>
-              <a:rPr lang="de-DE" sz="1600" dirty="0" err="1">
+              <a:rPr lang="de-DE" sz="1600" b="1" dirty="0" err="1">
                 <a:latin typeface="Calibri" panose="020F0502020204030204" pitchFamily="34" charset="0"/>
               </a:rPr>
               <a:t>Git</a:t>
             </a:r>
-            <a:endParaRPr lang="de-DE" sz="1600" dirty="0">
+            <a:endParaRPr lang="de-DE" sz="1600" b="1" dirty="0">
               <a:latin typeface="Calibri" panose="020F0502020204030204" pitchFamily="34" charset="0"/>
             </a:endParaRPr>
           </a:p>
@@ -41268,7 +41243,7 @@
         <p:spPr>
           <a:xfrm>
             <a:off x="205575" y="3221914"/>
-            <a:ext cx="1454116" cy="205184"/>
+            <a:ext cx="1491883" cy="208006"/>
           </a:xfrm>
           <a:prstGeom prst="rect">
             <a:avLst/>
@@ -41282,7 +41257,7 @@
           <a:lstStyle/>
           <a:p>
             <a:r>
-              <a:rPr lang="de-DE" sz="1600" dirty="0">
+              <a:rPr lang="de-DE" sz="1600" b="1" dirty="0">
                 <a:latin typeface="Calibri" panose="020F0502020204030204" pitchFamily="34" charset="0"/>
               </a:rPr>
               <a:t>Link Seminar SVN</a:t>
@@ -41301,6 +41276,13 @@
     <a:masterClrMapping/>
   </p:clrMapOvr>
   <p:transition/>
+  <p:timing>
+    <p:tnLst>
+      <p:par>
+        <p:cTn id="1" dur="indefinite" restart="never" nodeType="tmRoot"/>
+      </p:par>
+    </p:tnLst>
+  </p:timing>
 </p:sld>
 </file>
 
@@ -41417,14 +41399,14 @@
                 <a:gridCol w="4507312">
                   <a:extLst>
                     <a:ext uri="{9D8B030D-6E8A-4147-A177-3AD203B41FA5}">
-                      <a16:colId xmlns:a16="http://schemas.microsoft.com/office/drawing/2014/main" val="20000"/>
+                      <a16:colId xmlns:a16="http://schemas.microsoft.com/office/drawing/2014/main" xmlns="" val="20000"/>
                     </a:ext>
                   </a:extLst>
                 </a:gridCol>
                 <a:gridCol w="4507312">
                   <a:extLst>
                     <a:ext uri="{9D8B030D-6E8A-4147-A177-3AD203B41FA5}">
-                      <a16:colId xmlns:a16="http://schemas.microsoft.com/office/drawing/2014/main" val="20001"/>
+                      <a16:colId xmlns:a16="http://schemas.microsoft.com/office/drawing/2014/main" xmlns="" val="20001"/>
                     </a:ext>
                   </a:extLst>
                 </a:gridCol>
@@ -41470,7 +41452,7 @@
                 </a:tc>
                 <a:extLst>
                   <a:ext uri="{0D108BD9-81ED-4DB2-BD59-A6C34878D82A}">
-                    <a16:rowId xmlns:a16="http://schemas.microsoft.com/office/drawing/2014/main" val="10000"/>
+                    <a16:rowId xmlns:a16="http://schemas.microsoft.com/office/drawing/2014/main" xmlns="" val="10000"/>
                   </a:ext>
                 </a:extLst>
               </a:tr>
@@ -41544,7 +41526,7 @@
                 </a:tc>
                 <a:extLst>
                   <a:ext uri="{0D108BD9-81ED-4DB2-BD59-A6C34878D82A}">
-                    <a16:rowId xmlns:a16="http://schemas.microsoft.com/office/drawing/2014/main" val="10001"/>
+                    <a16:rowId xmlns:a16="http://schemas.microsoft.com/office/drawing/2014/main" xmlns="" val="10001"/>
                   </a:ext>
                 </a:extLst>
               </a:tr>
@@ -41606,7 +41588,7 @@
                 </a:tc>
                 <a:extLst>
                   <a:ext uri="{0D108BD9-81ED-4DB2-BD59-A6C34878D82A}">
-                    <a16:rowId xmlns:a16="http://schemas.microsoft.com/office/drawing/2014/main" val="10002"/>
+                    <a16:rowId xmlns:a16="http://schemas.microsoft.com/office/drawing/2014/main" xmlns="" val="10002"/>
                   </a:ext>
                 </a:extLst>
               </a:tr>
@@ -41668,7 +41650,7 @@
                 </a:tc>
                 <a:extLst>
                   <a:ext uri="{0D108BD9-81ED-4DB2-BD59-A6C34878D82A}">
-                    <a16:rowId xmlns:a16="http://schemas.microsoft.com/office/drawing/2014/main" val="10003"/>
+                    <a16:rowId xmlns:a16="http://schemas.microsoft.com/office/drawing/2014/main" xmlns="" val="10003"/>
                   </a:ext>
                 </a:extLst>
               </a:tr>
@@ -41687,7 +41669,7 @@
         <p:spPr>
           <a:xfrm>
             <a:off x="239306" y="3576232"/>
-            <a:ext cx="1356140" cy="205184"/>
+            <a:ext cx="1391407" cy="208006"/>
           </a:xfrm>
           <a:prstGeom prst="rect">
             <a:avLst/>
@@ -41701,18 +41683,18 @@
           <a:lstStyle/>
           <a:p>
             <a:r>
-              <a:rPr lang="de-DE" sz="1600" dirty="0">
+              <a:rPr lang="de-DE" sz="1600" b="1" dirty="0">
                 <a:latin typeface="Calibri" panose="020F0502020204030204" pitchFamily="34" charset="0"/>
               </a:rPr>
               <a:t>Link Seminar </a:t>
             </a:r>
             <a:r>
-              <a:rPr lang="de-DE" sz="1600" dirty="0" err="1">
+              <a:rPr lang="de-DE" sz="1600" b="1" dirty="0" err="1">
                 <a:latin typeface="Calibri" panose="020F0502020204030204" pitchFamily="34" charset="0"/>
               </a:rPr>
               <a:t>Git</a:t>
             </a:r>
-            <a:endParaRPr lang="de-DE" sz="1600" dirty="0">
+            <a:endParaRPr lang="de-DE" sz="1600" b="1" dirty="0">
               <a:latin typeface="Calibri" panose="020F0502020204030204" pitchFamily="34" charset="0"/>
             </a:endParaRPr>
           </a:p>
@@ -41729,7 +41711,7 @@
         <p:spPr>
           <a:xfrm>
             <a:off x="239306" y="3998229"/>
-            <a:ext cx="1454116" cy="205184"/>
+            <a:ext cx="1491883" cy="208006"/>
           </a:xfrm>
           <a:prstGeom prst="rect">
             <a:avLst/>
@@ -41743,7 +41725,7 @@
           <a:lstStyle/>
           <a:p>
             <a:r>
-              <a:rPr lang="de-DE" sz="1600" dirty="0">
+              <a:rPr lang="de-DE" sz="1600" b="1" dirty="0">
                 <a:latin typeface="Calibri" panose="020F0502020204030204" pitchFamily="34" charset="0"/>
               </a:rPr>
               <a:t>Link Seminar SVN</a:t>
@@ -41762,7 +41744,7 @@
         <p:spPr>
           <a:xfrm>
             <a:off x="239306" y="3157057"/>
-            <a:ext cx="862416" cy="208006"/>
+            <a:ext cx="886461" cy="208006"/>
           </a:xfrm>
           <a:prstGeom prst="rect">
             <a:avLst/>
@@ -41776,7 +41758,7 @@
           <a:lstStyle/>
           <a:p>
             <a:r>
-              <a:rPr lang="de-DE" sz="1600" dirty="0">
+              <a:rPr lang="de-DE" sz="1600" b="1" dirty="0">
                 <a:latin typeface="Calibri" panose="020F0502020204030204" pitchFamily="34" charset="0"/>
               </a:rPr>
               <a:t>Link Video</a:t>
@@ -41795,6 +41777,13 @@
     <a:masterClrMapping/>
   </p:clrMapOvr>
   <p:transition/>
+  <p:timing>
+    <p:tnLst>
+      <p:par>
+        <p:cTn id="1" dur="indefinite" restart="never" nodeType="tmRoot"/>
+      </p:par>
+    </p:tnLst>
+  </p:timing>
 </p:sld>
 </file>
 
@@ -41911,14 +41900,14 @@
                 <a:gridCol w="4507312">
                   <a:extLst>
                     <a:ext uri="{9D8B030D-6E8A-4147-A177-3AD203B41FA5}">
-                      <a16:colId xmlns:a16="http://schemas.microsoft.com/office/drawing/2014/main" val="20000"/>
+                      <a16:colId xmlns:a16="http://schemas.microsoft.com/office/drawing/2014/main" xmlns="" val="20000"/>
                     </a:ext>
                   </a:extLst>
                 </a:gridCol>
                 <a:gridCol w="4507312">
                   <a:extLst>
                     <a:ext uri="{9D8B030D-6E8A-4147-A177-3AD203B41FA5}">
-                      <a16:colId xmlns:a16="http://schemas.microsoft.com/office/drawing/2014/main" val="20001"/>
+                      <a16:colId xmlns:a16="http://schemas.microsoft.com/office/drawing/2014/main" xmlns="" val="20001"/>
                     </a:ext>
                   </a:extLst>
                 </a:gridCol>
@@ -41964,7 +41953,7 @@
                 </a:tc>
                 <a:extLst>
                   <a:ext uri="{0D108BD9-81ED-4DB2-BD59-A6C34878D82A}">
-                    <a16:rowId xmlns:a16="http://schemas.microsoft.com/office/drawing/2014/main" val="10000"/>
+                    <a16:rowId xmlns:a16="http://schemas.microsoft.com/office/drawing/2014/main" xmlns="" val="10000"/>
                   </a:ext>
                 </a:extLst>
               </a:tr>
@@ -42038,7 +42027,7 @@
                 </a:tc>
                 <a:extLst>
                   <a:ext uri="{0D108BD9-81ED-4DB2-BD59-A6C34878D82A}">
-                    <a16:rowId xmlns:a16="http://schemas.microsoft.com/office/drawing/2014/main" val="10001"/>
+                    <a16:rowId xmlns:a16="http://schemas.microsoft.com/office/drawing/2014/main" xmlns="" val="10001"/>
                   </a:ext>
                 </a:extLst>
               </a:tr>
@@ -42100,7 +42089,7 @@
                 </a:tc>
                 <a:extLst>
                   <a:ext uri="{0D108BD9-81ED-4DB2-BD59-A6C34878D82A}">
-                    <a16:rowId xmlns:a16="http://schemas.microsoft.com/office/drawing/2014/main" val="10002"/>
+                    <a16:rowId xmlns:a16="http://schemas.microsoft.com/office/drawing/2014/main" xmlns="" val="10002"/>
                   </a:ext>
                 </a:extLst>
               </a:tr>
@@ -42162,7 +42151,7 @@
                 </a:tc>
                 <a:extLst>
                   <a:ext uri="{0D108BD9-81ED-4DB2-BD59-A6C34878D82A}">
-                    <a16:rowId xmlns:a16="http://schemas.microsoft.com/office/drawing/2014/main" val="10003"/>
+                    <a16:rowId xmlns:a16="http://schemas.microsoft.com/office/drawing/2014/main" xmlns="" val="10003"/>
                   </a:ext>
                 </a:extLst>
               </a:tr>
@@ -42224,7 +42213,7 @@
                 </a:tc>
                 <a:extLst>
                   <a:ext uri="{0D108BD9-81ED-4DB2-BD59-A6C34878D82A}">
-                    <a16:rowId xmlns:a16="http://schemas.microsoft.com/office/drawing/2014/main" val="10004"/>
+                    <a16:rowId xmlns:a16="http://schemas.microsoft.com/office/drawing/2014/main" xmlns="" val="10004"/>
                   </a:ext>
                 </a:extLst>
               </a:tr>
@@ -42243,7 +42232,7 @@
         <p:spPr>
           <a:xfrm>
             <a:off x="205575" y="3856694"/>
-            <a:ext cx="1502014" cy="205184"/>
+            <a:ext cx="1352422" cy="208006"/>
           </a:xfrm>
           <a:prstGeom prst="rect">
             <a:avLst/>
@@ -42257,7 +42246,9 @@
           <a:lstStyle/>
           <a:p>
             <a:r>
-              <a:rPr lang="de-DE" sz="1600" dirty="0"/>
+              <a:rPr lang="de-DE" sz="1600" b="1" dirty="0">
+                <a:latin typeface="Calibri" panose="020F0502020204030204" pitchFamily="34" charset="0"/>
+              </a:rPr>
               <a:t>Link SVN Online</a:t>
             </a:r>
           </a:p>
@@ -42274,7 +42265,7 @@
         <p:spPr>
           <a:xfrm>
             <a:off x="205575" y="4335426"/>
-            <a:ext cx="1481175" cy="205184"/>
+            <a:ext cx="1386085" cy="208006"/>
           </a:xfrm>
           <a:prstGeom prst="rect">
             <a:avLst/>
@@ -42288,7 +42279,9 @@
           <a:lstStyle/>
           <a:p>
             <a:r>
-              <a:rPr lang="de-DE" sz="1600" dirty="0"/>
+              <a:rPr lang="de-DE" sz="1600" b="1" dirty="0">
+                <a:latin typeface="Calibri" panose="020F0502020204030204" pitchFamily="34" charset="0"/>
+              </a:rPr>
               <a:t>Link Dokumente</a:t>
             </a:r>
           </a:p>
@@ -42305,6 +42298,13 @@
     <a:masterClrMapping/>
   </p:clrMapOvr>
   <p:transition/>
+  <p:timing>
+    <p:tnLst>
+      <p:par>
+        <p:cTn id="1" dur="indefinite" restart="never" nodeType="tmRoot"/>
+      </p:par>
+    </p:tnLst>
+  </p:timing>
 </p:sld>
 </file>
 
@@ -42421,14 +42421,14 @@
                 <a:gridCol w="4507312">
                   <a:extLst>
                     <a:ext uri="{9D8B030D-6E8A-4147-A177-3AD203B41FA5}">
-                      <a16:colId xmlns:a16="http://schemas.microsoft.com/office/drawing/2014/main" val="20000"/>
+                      <a16:colId xmlns:a16="http://schemas.microsoft.com/office/drawing/2014/main" xmlns="" val="20000"/>
                     </a:ext>
                   </a:extLst>
                 </a:gridCol>
                 <a:gridCol w="4507312">
                   <a:extLst>
                     <a:ext uri="{9D8B030D-6E8A-4147-A177-3AD203B41FA5}">
-                      <a16:colId xmlns:a16="http://schemas.microsoft.com/office/drawing/2014/main" val="20001"/>
+                      <a16:colId xmlns:a16="http://schemas.microsoft.com/office/drawing/2014/main" xmlns="" val="20001"/>
                     </a:ext>
                   </a:extLst>
                 </a:gridCol>
@@ -42474,7 +42474,7 @@
                 </a:tc>
                 <a:extLst>
                   <a:ext uri="{0D108BD9-81ED-4DB2-BD59-A6C34878D82A}">
-                    <a16:rowId xmlns:a16="http://schemas.microsoft.com/office/drawing/2014/main" val="10000"/>
+                    <a16:rowId xmlns:a16="http://schemas.microsoft.com/office/drawing/2014/main" xmlns="" val="10000"/>
                   </a:ext>
                 </a:extLst>
               </a:tr>
@@ -42548,7 +42548,7 @@
                 </a:tc>
                 <a:extLst>
                   <a:ext uri="{0D108BD9-81ED-4DB2-BD59-A6C34878D82A}">
-                    <a16:rowId xmlns:a16="http://schemas.microsoft.com/office/drawing/2014/main" val="10001"/>
+                    <a16:rowId xmlns:a16="http://schemas.microsoft.com/office/drawing/2014/main" xmlns="" val="10001"/>
                   </a:ext>
                 </a:extLst>
               </a:tr>
@@ -42610,7 +42610,7 @@
                 </a:tc>
                 <a:extLst>
                   <a:ext uri="{0D108BD9-81ED-4DB2-BD59-A6C34878D82A}">
-                    <a16:rowId xmlns:a16="http://schemas.microsoft.com/office/drawing/2014/main" val="10002"/>
+                    <a16:rowId xmlns:a16="http://schemas.microsoft.com/office/drawing/2014/main" xmlns="" val="10002"/>
                   </a:ext>
                 </a:extLst>
               </a:tr>
@@ -42672,7 +42672,7 @@
                 </a:tc>
                 <a:extLst>
                   <a:ext uri="{0D108BD9-81ED-4DB2-BD59-A6C34878D82A}">
-                    <a16:rowId xmlns:a16="http://schemas.microsoft.com/office/drawing/2014/main" val="10003"/>
+                    <a16:rowId xmlns:a16="http://schemas.microsoft.com/office/drawing/2014/main" xmlns="" val="10003"/>
                   </a:ext>
                 </a:extLst>
               </a:tr>
@@ -42734,7 +42734,7 @@
                 </a:tc>
                 <a:extLst>
                   <a:ext uri="{0D108BD9-81ED-4DB2-BD59-A6C34878D82A}">
-                    <a16:rowId xmlns:a16="http://schemas.microsoft.com/office/drawing/2014/main" val="10004"/>
+                    <a16:rowId xmlns:a16="http://schemas.microsoft.com/office/drawing/2014/main" xmlns="" val="10004"/>
                   </a:ext>
                 </a:extLst>
               </a:tr>
@@ -42859,7 +42859,7 @@
                 </a:tc>
                 <a:extLst>
                   <a:ext uri="{0D108BD9-81ED-4DB2-BD59-A6C34878D82A}">
-                    <a16:rowId xmlns:a16="http://schemas.microsoft.com/office/drawing/2014/main" val="10005"/>
+                    <a16:rowId xmlns:a16="http://schemas.microsoft.com/office/drawing/2014/main" xmlns="" val="10005"/>
                   </a:ext>
                 </a:extLst>
               </a:tr>
@@ -42878,7 +42878,7 @@
         <p:spPr>
           <a:xfrm>
             <a:off x="205575" y="4437217"/>
-            <a:ext cx="1356140" cy="205184"/>
+            <a:ext cx="1391407" cy="208006"/>
           </a:xfrm>
           <a:prstGeom prst="rect">
             <a:avLst/>
@@ -42892,18 +42892,18 @@
           <a:lstStyle/>
           <a:p>
             <a:r>
-              <a:rPr lang="de-DE" sz="1600" dirty="0">
+              <a:rPr lang="de-DE" sz="1600" b="1" dirty="0">
                 <a:latin typeface="Calibri" panose="020F0502020204030204" pitchFamily="34" charset="0"/>
               </a:rPr>
               <a:t>Link Seminar </a:t>
             </a:r>
             <a:r>
-              <a:rPr lang="de-DE" sz="1600" dirty="0" err="1">
+              <a:rPr lang="de-DE" sz="1600" b="1" dirty="0" err="1">
                 <a:latin typeface="Calibri" panose="020F0502020204030204" pitchFamily="34" charset="0"/>
               </a:rPr>
               <a:t>Git</a:t>
             </a:r>
-            <a:endParaRPr lang="de-DE" sz="1600" dirty="0">
+            <a:endParaRPr lang="de-DE" sz="1600" b="1" dirty="0">
               <a:latin typeface="Calibri" panose="020F0502020204030204" pitchFamily="34" charset="0"/>
             </a:endParaRPr>
           </a:p>
@@ -42920,7 +42920,7 @@
         <p:spPr>
           <a:xfrm>
             <a:off x="205575" y="4807713"/>
-            <a:ext cx="1454116" cy="205184"/>
+            <a:ext cx="1491883" cy="208006"/>
           </a:xfrm>
           <a:prstGeom prst="rect">
             <a:avLst/>
@@ -42934,7 +42934,7 @@
           <a:lstStyle/>
           <a:p>
             <a:r>
-              <a:rPr lang="de-DE" sz="1600" dirty="0">
+              <a:rPr lang="de-DE" sz="1600" b="1" dirty="0">
                 <a:latin typeface="Calibri" panose="020F0502020204030204" pitchFamily="34" charset="0"/>
               </a:rPr>
               <a:t>Link Seminar SVN</a:t>
@@ -42953,6 +42953,13 @@
     <a:masterClrMapping/>
   </p:clrMapOvr>
   <p:transition/>
+  <p:timing>
+    <p:tnLst>
+      <p:par>
+        <p:cTn id="1" dur="indefinite" restart="never" nodeType="tmRoot"/>
+      </p:par>
+    </p:tnLst>
+  </p:timing>
 </p:sld>
 </file>
 
@@ -43069,14 +43076,14 @@
                 <a:gridCol w="4507312">
                   <a:extLst>
                     <a:ext uri="{9D8B030D-6E8A-4147-A177-3AD203B41FA5}">
-                      <a16:colId xmlns:a16="http://schemas.microsoft.com/office/drawing/2014/main" val="20000"/>
+                      <a16:colId xmlns:a16="http://schemas.microsoft.com/office/drawing/2014/main" xmlns="" val="20000"/>
                     </a:ext>
                   </a:extLst>
                 </a:gridCol>
                 <a:gridCol w="4507312">
                   <a:extLst>
                     <a:ext uri="{9D8B030D-6E8A-4147-A177-3AD203B41FA5}">
-                      <a16:colId xmlns:a16="http://schemas.microsoft.com/office/drawing/2014/main" val="20001"/>
+                      <a16:colId xmlns:a16="http://schemas.microsoft.com/office/drawing/2014/main" xmlns="" val="20001"/>
                     </a:ext>
                   </a:extLst>
                 </a:gridCol>
@@ -43122,7 +43129,7 @@
                 </a:tc>
                 <a:extLst>
                   <a:ext uri="{0D108BD9-81ED-4DB2-BD59-A6C34878D82A}">
-                    <a16:rowId xmlns:a16="http://schemas.microsoft.com/office/drawing/2014/main" val="10000"/>
+                    <a16:rowId xmlns:a16="http://schemas.microsoft.com/office/drawing/2014/main" xmlns="" val="10000"/>
                   </a:ext>
                 </a:extLst>
               </a:tr>
@@ -43196,7 +43203,7 @@
                 </a:tc>
                 <a:extLst>
                   <a:ext uri="{0D108BD9-81ED-4DB2-BD59-A6C34878D82A}">
-                    <a16:rowId xmlns:a16="http://schemas.microsoft.com/office/drawing/2014/main" val="10001"/>
+                    <a16:rowId xmlns:a16="http://schemas.microsoft.com/office/drawing/2014/main" xmlns="" val="10001"/>
                   </a:ext>
                 </a:extLst>
               </a:tr>
@@ -43258,7 +43265,7 @@
                 </a:tc>
                 <a:extLst>
                   <a:ext uri="{0D108BD9-81ED-4DB2-BD59-A6C34878D82A}">
-                    <a16:rowId xmlns:a16="http://schemas.microsoft.com/office/drawing/2014/main" val="10002"/>
+                    <a16:rowId xmlns:a16="http://schemas.microsoft.com/office/drawing/2014/main" xmlns="" val="10002"/>
                   </a:ext>
                 </a:extLst>
               </a:tr>
@@ -43320,7 +43327,7 @@
                 </a:tc>
                 <a:extLst>
                   <a:ext uri="{0D108BD9-81ED-4DB2-BD59-A6C34878D82A}">
-                    <a16:rowId xmlns:a16="http://schemas.microsoft.com/office/drawing/2014/main" val="10003"/>
+                    <a16:rowId xmlns:a16="http://schemas.microsoft.com/office/drawing/2014/main" xmlns="" val="10003"/>
                   </a:ext>
                 </a:extLst>
               </a:tr>
@@ -43382,7 +43389,7 @@
                 </a:tc>
                 <a:extLst>
                   <a:ext uri="{0D108BD9-81ED-4DB2-BD59-A6C34878D82A}">
-                    <a16:rowId xmlns:a16="http://schemas.microsoft.com/office/drawing/2014/main" val="10004"/>
+                    <a16:rowId xmlns:a16="http://schemas.microsoft.com/office/drawing/2014/main" xmlns="" val="10004"/>
                   </a:ext>
                 </a:extLst>
               </a:tr>
@@ -43507,7 +43514,7 @@
                 </a:tc>
                 <a:extLst>
                   <a:ext uri="{0D108BD9-81ED-4DB2-BD59-A6C34878D82A}">
-                    <a16:rowId xmlns:a16="http://schemas.microsoft.com/office/drawing/2014/main" val="10005"/>
+                    <a16:rowId xmlns:a16="http://schemas.microsoft.com/office/drawing/2014/main" xmlns="" val="10005"/>
                   </a:ext>
                 </a:extLst>
               </a:tr>
@@ -43587,7 +43594,7 @@
                 </a:tc>
                 <a:extLst>
                   <a:ext uri="{0D108BD9-81ED-4DB2-BD59-A6C34878D82A}">
-                    <a16:rowId xmlns:a16="http://schemas.microsoft.com/office/drawing/2014/main" val="10006"/>
+                    <a16:rowId xmlns:a16="http://schemas.microsoft.com/office/drawing/2014/main" xmlns="" val="10006"/>
                   </a:ext>
                 </a:extLst>
               </a:tr>
@@ -43606,6 +43613,13 @@
     <a:masterClrMapping/>
   </p:clrMapOvr>
   <p:transition/>
+  <p:timing>
+    <p:tnLst>
+      <p:par>
+        <p:cTn id="1" dur="indefinite" restart="never" nodeType="tmRoot"/>
+      </p:par>
+    </p:tnLst>
+  </p:timing>
 </p:sld>
 </file>
 
@@ -43825,6 +43839,13 @@
     <a:masterClrMapping/>
   </p:clrMapOvr>
   <p:transition/>
+  <p:timing>
+    <p:tnLst>
+      <p:par>
+        <p:cTn id="1" dur="indefinite" restart="never" nodeType="tmRoot"/>
+      </p:par>
+    </p:tnLst>
+  </p:timing>
 </p:sld>
 </file>
 
@@ -43941,14 +43962,14 @@
                 <a:gridCol w="4507312">
                   <a:extLst>
                     <a:ext uri="{9D8B030D-6E8A-4147-A177-3AD203B41FA5}">
-                      <a16:colId xmlns:a16="http://schemas.microsoft.com/office/drawing/2014/main" val="20000"/>
+                      <a16:colId xmlns:a16="http://schemas.microsoft.com/office/drawing/2014/main" xmlns="" val="20000"/>
                     </a:ext>
                   </a:extLst>
                 </a:gridCol>
                 <a:gridCol w="4507312">
                   <a:extLst>
                     <a:ext uri="{9D8B030D-6E8A-4147-A177-3AD203B41FA5}">
-                      <a16:colId xmlns:a16="http://schemas.microsoft.com/office/drawing/2014/main" val="20001"/>
+                      <a16:colId xmlns:a16="http://schemas.microsoft.com/office/drawing/2014/main" xmlns="" val="20001"/>
                     </a:ext>
                   </a:extLst>
                 </a:gridCol>
@@ -43994,7 +44015,7 @@
                 </a:tc>
                 <a:extLst>
                   <a:ext uri="{0D108BD9-81ED-4DB2-BD59-A6C34878D82A}">
-                    <a16:rowId xmlns:a16="http://schemas.microsoft.com/office/drawing/2014/main" val="10000"/>
+                    <a16:rowId xmlns:a16="http://schemas.microsoft.com/office/drawing/2014/main" xmlns="" val="10000"/>
                   </a:ext>
                 </a:extLst>
               </a:tr>
@@ -44068,7 +44089,7 @@
                 </a:tc>
                 <a:extLst>
                   <a:ext uri="{0D108BD9-81ED-4DB2-BD59-A6C34878D82A}">
-                    <a16:rowId xmlns:a16="http://schemas.microsoft.com/office/drawing/2014/main" val="10001"/>
+                    <a16:rowId xmlns:a16="http://schemas.microsoft.com/office/drawing/2014/main" xmlns="" val="10001"/>
                   </a:ext>
                 </a:extLst>
               </a:tr>
@@ -44130,7 +44151,7 @@
                 </a:tc>
                 <a:extLst>
                   <a:ext uri="{0D108BD9-81ED-4DB2-BD59-A6C34878D82A}">
-                    <a16:rowId xmlns:a16="http://schemas.microsoft.com/office/drawing/2014/main" val="10002"/>
+                    <a16:rowId xmlns:a16="http://schemas.microsoft.com/office/drawing/2014/main" xmlns="" val="10002"/>
                   </a:ext>
                 </a:extLst>
               </a:tr>
@@ -44192,7 +44213,7 @@
                 </a:tc>
                 <a:extLst>
                   <a:ext uri="{0D108BD9-81ED-4DB2-BD59-A6C34878D82A}">
-                    <a16:rowId xmlns:a16="http://schemas.microsoft.com/office/drawing/2014/main" val="10003"/>
+                    <a16:rowId xmlns:a16="http://schemas.microsoft.com/office/drawing/2014/main" xmlns="" val="10003"/>
                   </a:ext>
                 </a:extLst>
               </a:tr>
@@ -44254,7 +44275,7 @@
                 </a:tc>
                 <a:extLst>
                   <a:ext uri="{0D108BD9-81ED-4DB2-BD59-A6C34878D82A}">
-                    <a16:rowId xmlns:a16="http://schemas.microsoft.com/office/drawing/2014/main" val="10004"/>
+                    <a16:rowId xmlns:a16="http://schemas.microsoft.com/office/drawing/2014/main" xmlns="" val="10004"/>
                   </a:ext>
                 </a:extLst>
               </a:tr>
@@ -44379,7 +44400,7 @@
                 </a:tc>
                 <a:extLst>
                   <a:ext uri="{0D108BD9-81ED-4DB2-BD59-A6C34878D82A}">
-                    <a16:rowId xmlns:a16="http://schemas.microsoft.com/office/drawing/2014/main" val="10005"/>
+                    <a16:rowId xmlns:a16="http://schemas.microsoft.com/office/drawing/2014/main" xmlns="" val="10005"/>
                   </a:ext>
                 </a:extLst>
               </a:tr>
@@ -44445,7 +44466,7 @@
                 </a:tc>
                 <a:extLst>
                   <a:ext uri="{0D108BD9-81ED-4DB2-BD59-A6C34878D82A}">
-                    <a16:rowId xmlns:a16="http://schemas.microsoft.com/office/drawing/2014/main" val="10007"/>
+                    <a16:rowId xmlns:a16="http://schemas.microsoft.com/office/drawing/2014/main" xmlns="" val="10007"/>
                   </a:ext>
                 </a:extLst>
               </a:tr>
@@ -44464,7 +44485,7 @@
         <p:spPr>
           <a:xfrm>
             <a:off x="205575" y="4808057"/>
-            <a:ext cx="1481175" cy="205184"/>
+            <a:ext cx="1386085" cy="208006"/>
           </a:xfrm>
           <a:prstGeom prst="rect">
             <a:avLst/>
@@ -44478,7 +44499,9 @@
           <a:lstStyle/>
           <a:p>
             <a:r>
-              <a:rPr lang="de-DE" sz="1600" dirty="0"/>
+              <a:rPr lang="de-DE" sz="1600" b="1" dirty="0">
+                <a:latin typeface="Calibri" panose="020F0502020204030204" pitchFamily="34" charset="0"/>
+              </a:rPr>
               <a:t>Link Dokumente</a:t>
             </a:r>
           </a:p>
@@ -44495,6 +44518,13 @@
     <a:masterClrMapping/>
   </p:clrMapOvr>
   <p:transition/>
+  <p:timing>
+    <p:tnLst>
+      <p:par>
+        <p:cTn id="1" dur="indefinite" restart="never" nodeType="tmRoot"/>
+      </p:par>
+    </p:tnLst>
+  </p:timing>
 </p:sld>
 </file>
 
@@ -44611,14 +44641,14 @@
                 <a:gridCol w="4507312">
                   <a:extLst>
                     <a:ext uri="{9D8B030D-6E8A-4147-A177-3AD203B41FA5}">
-                      <a16:colId xmlns:a16="http://schemas.microsoft.com/office/drawing/2014/main" val="20000"/>
+                      <a16:colId xmlns:a16="http://schemas.microsoft.com/office/drawing/2014/main" xmlns="" val="20000"/>
                     </a:ext>
                   </a:extLst>
                 </a:gridCol>
                 <a:gridCol w="4507312">
                   <a:extLst>
                     <a:ext uri="{9D8B030D-6E8A-4147-A177-3AD203B41FA5}">
-                      <a16:colId xmlns:a16="http://schemas.microsoft.com/office/drawing/2014/main" val="20001"/>
+                      <a16:colId xmlns:a16="http://schemas.microsoft.com/office/drawing/2014/main" xmlns="" val="20001"/>
                     </a:ext>
                   </a:extLst>
                 </a:gridCol>
@@ -44664,7 +44694,7 @@
                 </a:tc>
                 <a:extLst>
                   <a:ext uri="{0D108BD9-81ED-4DB2-BD59-A6C34878D82A}">
-                    <a16:rowId xmlns:a16="http://schemas.microsoft.com/office/drawing/2014/main" val="10000"/>
+                    <a16:rowId xmlns:a16="http://schemas.microsoft.com/office/drawing/2014/main" xmlns="" val="10000"/>
                   </a:ext>
                 </a:extLst>
               </a:tr>
@@ -44738,7 +44768,7 @@
                 </a:tc>
                 <a:extLst>
                   <a:ext uri="{0D108BD9-81ED-4DB2-BD59-A6C34878D82A}">
-                    <a16:rowId xmlns:a16="http://schemas.microsoft.com/office/drawing/2014/main" val="10001"/>
+                    <a16:rowId xmlns:a16="http://schemas.microsoft.com/office/drawing/2014/main" xmlns="" val="10001"/>
                   </a:ext>
                 </a:extLst>
               </a:tr>
@@ -44800,7 +44830,7 @@
                 </a:tc>
                 <a:extLst>
                   <a:ext uri="{0D108BD9-81ED-4DB2-BD59-A6C34878D82A}">
-                    <a16:rowId xmlns:a16="http://schemas.microsoft.com/office/drawing/2014/main" val="10002"/>
+                    <a16:rowId xmlns:a16="http://schemas.microsoft.com/office/drawing/2014/main" xmlns="" val="10002"/>
                   </a:ext>
                 </a:extLst>
               </a:tr>
@@ -44862,7 +44892,7 @@
                 </a:tc>
                 <a:extLst>
                   <a:ext uri="{0D108BD9-81ED-4DB2-BD59-A6C34878D82A}">
-                    <a16:rowId xmlns:a16="http://schemas.microsoft.com/office/drawing/2014/main" val="10003"/>
+                    <a16:rowId xmlns:a16="http://schemas.microsoft.com/office/drawing/2014/main" xmlns="" val="10003"/>
                   </a:ext>
                 </a:extLst>
               </a:tr>
@@ -44924,7 +44954,7 @@
                 </a:tc>
                 <a:extLst>
                   <a:ext uri="{0D108BD9-81ED-4DB2-BD59-A6C34878D82A}">
-                    <a16:rowId xmlns:a16="http://schemas.microsoft.com/office/drawing/2014/main" val="10004"/>
+                    <a16:rowId xmlns:a16="http://schemas.microsoft.com/office/drawing/2014/main" xmlns="" val="10004"/>
                   </a:ext>
                 </a:extLst>
               </a:tr>
@@ -45049,7 +45079,7 @@
                 </a:tc>
                 <a:extLst>
                   <a:ext uri="{0D108BD9-81ED-4DB2-BD59-A6C34878D82A}">
-                    <a16:rowId xmlns:a16="http://schemas.microsoft.com/office/drawing/2014/main" val="10005"/>
+                    <a16:rowId xmlns:a16="http://schemas.microsoft.com/office/drawing/2014/main" xmlns="" val="10005"/>
                   </a:ext>
                 </a:extLst>
               </a:tr>
@@ -45129,7 +45159,7 @@
                 </a:tc>
                 <a:extLst>
                   <a:ext uri="{0D108BD9-81ED-4DB2-BD59-A6C34878D82A}">
-                    <a16:rowId xmlns:a16="http://schemas.microsoft.com/office/drawing/2014/main" val="10006"/>
+                    <a16:rowId xmlns:a16="http://schemas.microsoft.com/office/drawing/2014/main" xmlns="" val="10006"/>
                   </a:ext>
                 </a:extLst>
               </a:tr>
@@ -45191,7 +45221,7 @@
                 </a:tc>
                 <a:extLst>
                   <a:ext uri="{0D108BD9-81ED-4DB2-BD59-A6C34878D82A}">
-                    <a16:rowId xmlns:a16="http://schemas.microsoft.com/office/drawing/2014/main" val="10007"/>
+                    <a16:rowId xmlns:a16="http://schemas.microsoft.com/office/drawing/2014/main" xmlns="" val="10007"/>
                   </a:ext>
                 </a:extLst>
               </a:tr>
@@ -45236,7 +45266,7 @@
                 </a:tc>
                 <a:extLst>
                   <a:ext uri="{0D108BD9-81ED-4DB2-BD59-A6C34878D82A}">
-                    <a16:rowId xmlns:a16="http://schemas.microsoft.com/office/drawing/2014/main" val="10008"/>
+                    <a16:rowId xmlns:a16="http://schemas.microsoft.com/office/drawing/2014/main" xmlns="" val="10008"/>
                   </a:ext>
                 </a:extLst>
               </a:tr>
@@ -45255,6 +45285,13 @@
     <a:masterClrMapping/>
   </p:clrMapOvr>
   <p:transition/>
+  <p:timing>
+    <p:tnLst>
+      <p:par>
+        <p:cTn id="1" dur="indefinite" restart="never" nodeType="tmRoot"/>
+      </p:par>
+    </p:tnLst>
+  </p:timing>
 </p:sld>
 </file>
 
@@ -45397,6 +45434,13 @@
     <a:masterClrMapping/>
   </p:clrMapOvr>
   <p:transition/>
+  <p:timing>
+    <p:tnLst>
+      <p:par>
+        <p:cTn id="1" dur="indefinite" restart="never" nodeType="tmRoot"/>
+      </p:par>
+    </p:tnLst>
+  </p:timing>
 </p:sld>
 </file>
 
@@ -45638,6 +45682,13 @@
     <a:masterClrMapping/>
   </p:clrMapOvr>
   <p:transition/>
+  <p:timing>
+    <p:tnLst>
+      <p:par>
+        <p:cTn id="1" dur="indefinite" restart="never" nodeType="tmRoot"/>
+      </p:par>
+    </p:tnLst>
+  </p:timing>
 </p:sld>
 </file>
 
@@ -46272,6 +46323,13 @@
     <a:masterClrMapping/>
   </p:clrMapOvr>
   <p:transition/>
+  <p:timing>
+    <p:tnLst>
+      <p:par>
+        <p:cTn id="1" dur="indefinite" restart="never" nodeType="tmRoot"/>
+      </p:par>
+    </p:tnLst>
+  </p:timing>
 </p:sld>
 </file>
 
@@ -47992,6 +48050,13 @@
     <a:masterClrMapping/>
   </p:clrMapOvr>
   <p:transition/>
+  <p:timing>
+    <p:tnLst>
+      <p:par>
+        <p:cTn id="1" dur="indefinite" restart="never" nodeType="tmRoot"/>
+      </p:par>
+    </p:tnLst>
+  </p:timing>
 </p:sld>
 </file>
 

--- a/Präsentation_Seminararbeit.pptx
+++ b/Präsentation_Seminararbeit.pptx
@@ -204,7 +204,7 @@
   </p:defaultTextStyle>
   <p:extLst>
     <p:ext uri="{EFAFB233-063F-42B5-8137-9DF3F51BA10A}">
-      <p15:sldGuideLst xmlns="" xmlns:p15="http://schemas.microsoft.com/office/powerpoint/2012/main">
+      <p15:sldGuideLst xmlns:p15="http://schemas.microsoft.com/office/powerpoint/2012/main">
         <p15:guide id="1" orient="horz" pos="486">
           <p15:clr>
             <a:srgbClr val="A4A3A4"/>
@@ -323,7 +323,7 @@
       </p15:sldGuideLst>
     </p:ext>
     <p:ext uri="{2D200454-40CA-4A62-9FC3-DE9A4176ACB9}">
-      <p15:notesGuideLst xmlns="" xmlns:p15="http://schemas.microsoft.com/office/powerpoint/2012/main">
+      <p15:notesGuideLst xmlns:p15="http://schemas.microsoft.com/office/powerpoint/2012/main">
         <p15:guide id="1" orient="horz" pos="3079">
           <p15:clr>
             <a:srgbClr val="A4A3A4"/>
@@ -5123,14 +5123,11 @@
               <a:buChar char="-"/>
             </a:pPr>
             <a:r>
-              <a:rPr lang="de-DE" sz="1600" b="1" baseline="0" dirty="0" smtClean="0">
+              <a:rPr lang="de-DE" sz="1600" b="1" baseline="0" dirty="0">
                 <a:latin typeface="+mj-lt"/>
               </a:rPr>
               <a:t>SVN nur ausgecheckte Dateien im WD</a:t>
             </a:r>
-            <a:endParaRPr lang="de-DE" sz="1600" b="1" baseline="0" dirty="0">
-              <a:latin typeface="+mj-lt"/>
-            </a:endParaRPr>
           </a:p>
           <a:p>
             <a:pPr marL="171450" indent="-171450">
@@ -5147,19 +5144,7 @@
               <a:rPr lang="de-DE" sz="1600" b="1" baseline="0" dirty="0">
                 <a:latin typeface="+mj-lt"/>
               </a:rPr>
-              <a:t>Git </a:t>
-            </a:r>
-            <a:r>
-              <a:rPr lang="de-DE" sz="1600" b="1" baseline="0" dirty="0" smtClean="0">
-                <a:latin typeface="+mj-lt"/>
-              </a:rPr>
-              <a:t>alle Dateien + Versionen </a:t>
-            </a:r>
-            <a:r>
-              <a:rPr lang="de-DE" sz="1600" b="1" baseline="0" dirty="0">
-                <a:latin typeface="+mj-lt"/>
-              </a:rPr>
-              <a:t>lokal</a:t>
+              <a:t>Git alle Dateien + Versionen lokal</a:t>
             </a:r>
           </a:p>
           <a:p>
@@ -5173,7 +5158,7 @@
               <a:buFontTx/>
               <a:buChar char="-"/>
             </a:pPr>
-            <a:endParaRPr lang="de-DE" sz="1600" b="1" dirty="0" smtClean="0">
+            <a:endParaRPr lang="de-DE" sz="1600" b="1" dirty="0">
               <a:latin typeface="+mj-lt"/>
             </a:endParaRPr>
           </a:p>
@@ -5189,7 +5174,7 @@
               <a:buChar char="-"/>
             </a:pPr>
             <a:r>
-              <a:rPr lang="de-DE" sz="1600" b="1" dirty="0" smtClean="0">
+              <a:rPr lang="de-DE" sz="1600" b="1" dirty="0">
                 <a:latin typeface="+mj-lt"/>
               </a:rPr>
               <a:t>Vorgehen</a:t>
@@ -5207,22 +5192,16 @@
               <a:buNone/>
             </a:pPr>
             <a:r>
-              <a:rPr lang="de-DE" sz="1600" b="1" dirty="0" smtClean="0">
+              <a:rPr lang="de-DE" sz="1600" b="1" dirty="0">
                 <a:latin typeface="+mj-lt"/>
               </a:rPr>
               <a:t>Anschauen</a:t>
-            </a:r>
-            <a:r>
-              <a:rPr lang="de-DE" sz="1600" b="1" baseline="0" dirty="0" smtClean="0">
-                <a:latin typeface="+mj-lt"/>
-              </a:rPr>
-              <a:t> </a:t>
             </a:r>
             <a:r>
               <a:rPr lang="de-DE" sz="1600" b="1" baseline="0" dirty="0">
                 <a:latin typeface="+mj-lt"/>
               </a:rPr>
-              <a:t>der lokalen </a:t>
+              <a:t> der lokalen </a:t>
             </a:r>
             <a:r>
               <a:rPr lang="de-DE" sz="1600" b="1" baseline="0" dirty="0" err="1">
@@ -5237,7 +5216,7 @@
               <a:t> -&gt; Git hat Repository, SVN hat Working </a:t>
             </a:r>
             <a:r>
-              <a:rPr lang="de-DE" sz="1600" b="1" baseline="0" dirty="0" err="1" smtClean="0">
+              <a:rPr lang="de-DE" sz="1600" b="1" baseline="0" dirty="0" err="1">
                 <a:latin typeface="+mj-lt"/>
               </a:rPr>
               <a:t>Copy</a:t>
@@ -5340,7 +5319,7 @@
               <a:buChar char="-"/>
             </a:pPr>
             <a:r>
-              <a:rPr lang="de-DE" b="1" baseline="0" dirty="0" smtClean="0"/>
+              <a:rPr lang="de-DE" b="1" baseline="0" dirty="0"/>
               <a:t>Fortschritt und Entwicklung ist wichtig</a:t>
             </a:r>
           </a:p>
@@ -5356,12 +5335,8 @@
               <a:buChar char="-"/>
             </a:pPr>
             <a:r>
-              <a:rPr lang="de-DE" b="1" baseline="0" dirty="0" smtClean="0"/>
-              <a:t>SVN </a:t>
-            </a:r>
-            <a:r>
               <a:rPr lang="de-DE" b="1" baseline="0" dirty="0"/>
-              <a:t>bietet bereits viele Vorteile</a:t>
+              <a:t>SVN bietet bereits viele Vorteile</a:t>
             </a:r>
           </a:p>
           <a:p>
@@ -5414,16 +5389,8 @@
               <a:defRPr/>
             </a:pPr>
             <a:r>
-              <a:rPr lang="de-DE" b="1" baseline="0" dirty="0" smtClean="0"/>
-              <a:t>SVN </a:t>
-            </a:r>
-            <a:r>
               <a:rPr lang="de-DE" b="1" baseline="0" dirty="0"/>
-              <a:t>Anwender sollten ernsthaft </a:t>
-            </a:r>
-            <a:r>
-              <a:rPr lang="de-DE" b="1" baseline="0" dirty="0" smtClean="0"/>
-              <a:t>nachdenken</a:t>
+              <a:t>SVN Anwender sollten ernsthaft nachdenken</a:t>
             </a:r>
           </a:p>
           <a:p>
@@ -5445,10 +5412,9 @@
               <a:defRPr/>
             </a:pPr>
             <a:r>
-              <a:rPr lang="de-DE" b="1" baseline="0" dirty="0" smtClean="0"/>
+              <a:rPr lang="de-DE" b="1" baseline="0" dirty="0"/>
               <a:t>Vielen Dank</a:t>
             </a:r>
-            <a:endParaRPr lang="de-DE" b="1" baseline="0" dirty="0"/>
           </a:p>
           <a:p>
             <a:pPr marL="171450" indent="-171450">
@@ -14527,7 +14493,7 @@
               <a:rPr lang="de-DE" sz="1000" b="1" dirty="0">
                 <a:latin typeface="Calibri" panose="020F0502020204030204" pitchFamily="34" charset="0"/>
               </a:rPr>
-              <a:t> II, Marian Bartsch Fernuni Hagen, Seminar 1915 / 19915 Präsenztag 18. Juni 2016</a:t>
+              <a:t> II, Marian Bartsch Fernuni Hagen, Seminar 1915 / 19915 Präsenztag 08. Juli 2016</a:t>
             </a:r>
           </a:p>
         </p:txBody>
@@ -15117,13 +15083,6 @@
     <a:masterClrMapping/>
   </p:clrMapOvr>
   <p:transition/>
-  <p:timing>
-    <p:tnLst>
-      <p:par>
-        <p:cTn id="1" dur="indefinite" restart="never" nodeType="tmRoot"/>
-      </p:par>
-    </p:tnLst>
-  </p:timing>
 </p:sld>
 </file>
 
@@ -15915,13 +15874,6 @@
     <a:masterClrMapping/>
   </p:clrMapOvr>
   <p:transition/>
-  <p:timing>
-    <p:tnLst>
-      <p:par>
-        <p:cTn id="1" dur="indefinite" restart="never" nodeType="tmRoot"/>
-      </p:par>
-    </p:tnLst>
-  </p:timing>
 </p:sld>
 </file>
 
@@ -20373,13 +20325,6 @@
     <a:masterClrMapping/>
   </p:clrMapOvr>
   <p:transition/>
-  <p:timing>
-    <p:tnLst>
-      <p:par>
-        <p:cTn id="1" dur="indefinite" restart="never" nodeType="tmRoot"/>
-      </p:par>
-    </p:tnLst>
-  </p:timing>
 </p:sld>
 </file>
 
@@ -21484,13 +21429,6 @@
     <a:masterClrMapping/>
   </p:clrMapOvr>
   <p:transition/>
-  <p:timing>
-    <p:tnLst>
-      <p:par>
-        <p:cTn id="1" dur="indefinite" restart="never" nodeType="tmRoot"/>
-      </p:par>
-    </p:tnLst>
-  </p:timing>
 </p:sld>
 </file>
 
@@ -29794,13 +29732,6 @@
     <a:masterClrMapping/>
   </p:clrMapOvr>
   <p:transition/>
-  <p:timing>
-    <p:tnLst>
-      <p:par>
-        <p:cTn id="1" dur="indefinite" restart="never" nodeType="tmRoot"/>
-      </p:par>
-    </p:tnLst>
-  </p:timing>
 </p:sld>
 </file>
 
@@ -30127,13 +30058,6 @@
     <a:masterClrMapping/>
   </p:clrMapOvr>
   <p:transition/>
-  <p:timing>
-    <p:tnLst>
-      <p:par>
-        <p:cTn id="1" dur="indefinite" restart="never" nodeType="tmRoot"/>
-      </p:par>
-    </p:tnLst>
-  </p:timing>
 </p:sld>
 </file>
 
@@ -30474,13 +30398,6 @@
     <a:masterClrMapping/>
   </p:clrMapOvr>
   <p:transition/>
-  <p:timing>
-    <p:tnLst>
-      <p:par>
-        <p:cTn id="1" dur="indefinite" restart="never" nodeType="tmRoot"/>
-      </p:par>
-    </p:tnLst>
-  </p:timing>
 </p:sld>
 </file>
 
@@ -30946,13 +30863,6 @@
     <a:masterClrMapping/>
   </p:clrMapOvr>
   <p:transition/>
-  <p:timing>
-    <p:tnLst>
-      <p:par>
-        <p:cTn id="1" dur="indefinite" restart="never" nodeType="tmRoot"/>
-      </p:par>
-    </p:tnLst>
-  </p:timing>
 </p:sld>
 </file>
 
@@ -32068,13 +31978,6 @@
     <a:masterClrMapping/>
   </p:clrMapOvr>
   <p:transition/>
-  <p:timing>
-    <p:tnLst>
-      <p:par>
-        <p:cTn id="1" dur="indefinite" restart="never" nodeType="tmRoot"/>
-      </p:par>
-    </p:tnLst>
-  </p:timing>
 </p:sld>
 </file>
 
@@ -32852,13 +32755,6 @@
     <a:masterClrMapping/>
   </p:clrMapOvr>
   <p:transition/>
-  <p:timing>
-    <p:tnLst>
-      <p:par>
-        <p:cTn id="1" dur="indefinite" restart="never" nodeType="tmRoot"/>
-      </p:par>
-    </p:tnLst>
-  </p:timing>
 </p:sld>
 </file>
 
@@ -33899,13 +33795,6 @@
     <a:masterClrMapping/>
   </p:clrMapOvr>
   <p:transition/>
-  <p:timing>
-    <p:tnLst>
-      <p:par>
-        <p:cTn id="1" dur="indefinite" restart="never" nodeType="tmRoot"/>
-      </p:par>
-    </p:tnLst>
-  </p:timing>
 </p:sld>
 </file>
 
@@ -34280,13 +34169,6 @@
     <a:masterClrMapping/>
   </p:clrMapOvr>
   <p:transition/>
-  <p:timing>
-    <p:tnLst>
-      <p:par>
-        <p:cTn id="1" dur="indefinite" restart="never" nodeType="tmRoot"/>
-      </p:par>
-    </p:tnLst>
-  </p:timing>
 </p:sld>
 </file>
 
@@ -34403,14 +34285,14 @@
                 <a:gridCol w="4507312">
                   <a:extLst>
                     <a:ext uri="{9D8B030D-6E8A-4147-A177-3AD203B41FA5}">
-                      <a16:colId xmlns="" xmlns:a16="http://schemas.microsoft.com/office/drawing/2014/main" val="20000"/>
+                      <a16:colId xmlns:a16="http://schemas.microsoft.com/office/drawing/2014/main" val="20000"/>
                     </a:ext>
                   </a:extLst>
                 </a:gridCol>
                 <a:gridCol w="4507312">
                   <a:extLst>
                     <a:ext uri="{9D8B030D-6E8A-4147-A177-3AD203B41FA5}">
-                      <a16:colId xmlns="" xmlns:a16="http://schemas.microsoft.com/office/drawing/2014/main" val="20001"/>
+                      <a16:colId xmlns:a16="http://schemas.microsoft.com/office/drawing/2014/main" val="20001"/>
                     </a:ext>
                   </a:extLst>
                 </a:gridCol>
@@ -34456,7 +34338,7 @@
                 </a:tc>
                 <a:extLst>
                   <a:ext uri="{0D108BD9-81ED-4DB2-BD59-A6C34878D82A}">
-                    <a16:rowId xmlns="" xmlns:a16="http://schemas.microsoft.com/office/drawing/2014/main" val="10000"/>
+                    <a16:rowId xmlns:a16="http://schemas.microsoft.com/office/drawing/2014/main" val="10000"/>
                   </a:ext>
                 </a:extLst>
               </a:tr>
@@ -34530,7 +34412,7 @@
                 </a:tc>
                 <a:extLst>
                   <a:ext uri="{0D108BD9-81ED-4DB2-BD59-A6C34878D82A}">
-                    <a16:rowId xmlns="" xmlns:a16="http://schemas.microsoft.com/office/drawing/2014/main" val="10001"/>
+                    <a16:rowId xmlns:a16="http://schemas.microsoft.com/office/drawing/2014/main" val="10001"/>
                   </a:ext>
                 </a:extLst>
               </a:tr>
@@ -34549,13 +34431,6 @@
     <a:masterClrMapping/>
   </p:clrMapOvr>
   <p:transition/>
-  <p:timing>
-    <p:tnLst>
-      <p:par>
-        <p:cTn id="1" dur="indefinite" restart="never" nodeType="tmRoot"/>
-      </p:par>
-    </p:tnLst>
-  </p:timing>
 </p:sld>
 </file>
 
@@ -34672,14 +34547,14 @@
                 <a:gridCol w="4507312">
                   <a:extLst>
                     <a:ext uri="{9D8B030D-6E8A-4147-A177-3AD203B41FA5}">
-                      <a16:colId xmlns="" xmlns:a16="http://schemas.microsoft.com/office/drawing/2014/main" val="20000"/>
+                      <a16:colId xmlns:a16="http://schemas.microsoft.com/office/drawing/2014/main" val="20000"/>
                     </a:ext>
                   </a:extLst>
                 </a:gridCol>
                 <a:gridCol w="4507312">
                   <a:extLst>
                     <a:ext uri="{9D8B030D-6E8A-4147-A177-3AD203B41FA5}">
-                      <a16:colId xmlns="" xmlns:a16="http://schemas.microsoft.com/office/drawing/2014/main" val="20001"/>
+                      <a16:colId xmlns:a16="http://schemas.microsoft.com/office/drawing/2014/main" val="20001"/>
                     </a:ext>
                   </a:extLst>
                 </a:gridCol>
@@ -34725,7 +34600,7 @@
                 </a:tc>
                 <a:extLst>
                   <a:ext uri="{0D108BD9-81ED-4DB2-BD59-A6C34878D82A}">
-                    <a16:rowId xmlns="" xmlns:a16="http://schemas.microsoft.com/office/drawing/2014/main" val="10000"/>
+                    <a16:rowId xmlns:a16="http://schemas.microsoft.com/office/drawing/2014/main" val="10000"/>
                   </a:ext>
                 </a:extLst>
               </a:tr>
@@ -34799,7 +34674,7 @@
                 </a:tc>
                 <a:extLst>
                   <a:ext uri="{0D108BD9-81ED-4DB2-BD59-A6C34878D82A}">
-                    <a16:rowId xmlns="" xmlns:a16="http://schemas.microsoft.com/office/drawing/2014/main" val="10001"/>
+                    <a16:rowId xmlns:a16="http://schemas.microsoft.com/office/drawing/2014/main" val="10001"/>
                   </a:ext>
                 </a:extLst>
               </a:tr>
@@ -34861,7 +34736,7 @@
                 </a:tc>
                 <a:extLst>
                   <a:ext uri="{0D108BD9-81ED-4DB2-BD59-A6C34878D82A}">
-                    <a16:rowId xmlns="" xmlns:a16="http://schemas.microsoft.com/office/drawing/2014/main" val="10002"/>
+                    <a16:rowId xmlns:a16="http://schemas.microsoft.com/office/drawing/2014/main" val="10002"/>
                   </a:ext>
                 </a:extLst>
               </a:tr>
@@ -34955,13 +34830,6 @@
     <a:masterClrMapping/>
   </p:clrMapOvr>
   <p:transition/>
-  <p:timing>
-    <p:tnLst>
-      <p:par>
-        <p:cTn id="1" dur="indefinite" restart="never" nodeType="tmRoot"/>
-      </p:par>
-    </p:tnLst>
-  </p:timing>
 </p:sld>
 </file>
 
@@ -35078,14 +34946,14 @@
                 <a:gridCol w="4507312">
                   <a:extLst>
                     <a:ext uri="{9D8B030D-6E8A-4147-A177-3AD203B41FA5}">
-                      <a16:colId xmlns="" xmlns:a16="http://schemas.microsoft.com/office/drawing/2014/main" val="20000"/>
+                      <a16:colId xmlns:a16="http://schemas.microsoft.com/office/drawing/2014/main" val="20000"/>
                     </a:ext>
                   </a:extLst>
                 </a:gridCol>
                 <a:gridCol w="4507312">
                   <a:extLst>
                     <a:ext uri="{9D8B030D-6E8A-4147-A177-3AD203B41FA5}">
-                      <a16:colId xmlns="" xmlns:a16="http://schemas.microsoft.com/office/drawing/2014/main" val="20001"/>
+                      <a16:colId xmlns:a16="http://schemas.microsoft.com/office/drawing/2014/main" val="20001"/>
                     </a:ext>
                   </a:extLst>
                 </a:gridCol>
@@ -35131,7 +34999,7 @@
                 </a:tc>
                 <a:extLst>
                   <a:ext uri="{0D108BD9-81ED-4DB2-BD59-A6C34878D82A}">
-                    <a16:rowId xmlns="" xmlns:a16="http://schemas.microsoft.com/office/drawing/2014/main" val="10000"/>
+                    <a16:rowId xmlns:a16="http://schemas.microsoft.com/office/drawing/2014/main" val="10000"/>
                   </a:ext>
                 </a:extLst>
               </a:tr>
@@ -35205,7 +35073,7 @@
                 </a:tc>
                 <a:extLst>
                   <a:ext uri="{0D108BD9-81ED-4DB2-BD59-A6C34878D82A}">
-                    <a16:rowId xmlns="" xmlns:a16="http://schemas.microsoft.com/office/drawing/2014/main" val="10001"/>
+                    <a16:rowId xmlns:a16="http://schemas.microsoft.com/office/drawing/2014/main" val="10001"/>
                   </a:ext>
                 </a:extLst>
               </a:tr>
@@ -35267,7 +35135,7 @@
                 </a:tc>
                 <a:extLst>
                   <a:ext uri="{0D108BD9-81ED-4DB2-BD59-A6C34878D82A}">
-                    <a16:rowId xmlns="" xmlns:a16="http://schemas.microsoft.com/office/drawing/2014/main" val="10002"/>
+                    <a16:rowId xmlns:a16="http://schemas.microsoft.com/office/drawing/2014/main" val="10002"/>
                   </a:ext>
                 </a:extLst>
               </a:tr>
@@ -35329,7 +35197,7 @@
                 </a:tc>
                 <a:extLst>
                   <a:ext uri="{0D108BD9-81ED-4DB2-BD59-A6C34878D82A}">
-                    <a16:rowId xmlns="" xmlns:a16="http://schemas.microsoft.com/office/drawing/2014/main" val="10003"/>
+                    <a16:rowId xmlns:a16="http://schemas.microsoft.com/office/drawing/2014/main" val="10003"/>
                   </a:ext>
                 </a:extLst>
               </a:tr>
@@ -35456,13 +35324,6 @@
     <a:masterClrMapping/>
   </p:clrMapOvr>
   <p:transition/>
-  <p:timing>
-    <p:tnLst>
-      <p:par>
-        <p:cTn id="1" dur="indefinite" restart="never" nodeType="tmRoot"/>
-      </p:par>
-    </p:tnLst>
-  </p:timing>
 </p:sld>
 </file>
 
@@ -35579,14 +35440,14 @@
                 <a:gridCol w="4507312">
                   <a:extLst>
                     <a:ext uri="{9D8B030D-6E8A-4147-A177-3AD203B41FA5}">
-                      <a16:colId xmlns="" xmlns:a16="http://schemas.microsoft.com/office/drawing/2014/main" val="20000"/>
+                      <a16:colId xmlns:a16="http://schemas.microsoft.com/office/drawing/2014/main" val="20000"/>
                     </a:ext>
                   </a:extLst>
                 </a:gridCol>
                 <a:gridCol w="4507312">
                   <a:extLst>
                     <a:ext uri="{9D8B030D-6E8A-4147-A177-3AD203B41FA5}">
-                      <a16:colId xmlns="" xmlns:a16="http://schemas.microsoft.com/office/drawing/2014/main" val="20001"/>
+                      <a16:colId xmlns:a16="http://schemas.microsoft.com/office/drawing/2014/main" val="20001"/>
                     </a:ext>
                   </a:extLst>
                 </a:gridCol>
@@ -35632,7 +35493,7 @@
                 </a:tc>
                 <a:extLst>
                   <a:ext uri="{0D108BD9-81ED-4DB2-BD59-A6C34878D82A}">
-                    <a16:rowId xmlns="" xmlns:a16="http://schemas.microsoft.com/office/drawing/2014/main" val="10000"/>
+                    <a16:rowId xmlns:a16="http://schemas.microsoft.com/office/drawing/2014/main" val="10000"/>
                   </a:ext>
                 </a:extLst>
               </a:tr>
@@ -35706,7 +35567,7 @@
                 </a:tc>
                 <a:extLst>
                   <a:ext uri="{0D108BD9-81ED-4DB2-BD59-A6C34878D82A}">
-                    <a16:rowId xmlns="" xmlns:a16="http://schemas.microsoft.com/office/drawing/2014/main" val="10001"/>
+                    <a16:rowId xmlns:a16="http://schemas.microsoft.com/office/drawing/2014/main" val="10001"/>
                   </a:ext>
                 </a:extLst>
               </a:tr>
@@ -35768,7 +35629,7 @@
                 </a:tc>
                 <a:extLst>
                   <a:ext uri="{0D108BD9-81ED-4DB2-BD59-A6C34878D82A}">
-                    <a16:rowId xmlns="" xmlns:a16="http://schemas.microsoft.com/office/drawing/2014/main" val="10002"/>
+                    <a16:rowId xmlns:a16="http://schemas.microsoft.com/office/drawing/2014/main" val="10002"/>
                   </a:ext>
                 </a:extLst>
               </a:tr>
@@ -35830,7 +35691,7 @@
                 </a:tc>
                 <a:extLst>
                   <a:ext uri="{0D108BD9-81ED-4DB2-BD59-A6C34878D82A}">
-                    <a16:rowId xmlns="" xmlns:a16="http://schemas.microsoft.com/office/drawing/2014/main" val="10003"/>
+                    <a16:rowId xmlns:a16="http://schemas.microsoft.com/office/drawing/2014/main" val="10003"/>
                   </a:ext>
                 </a:extLst>
               </a:tr>
@@ -35892,7 +35753,7 @@
                 </a:tc>
                 <a:extLst>
                   <a:ext uri="{0D108BD9-81ED-4DB2-BD59-A6C34878D82A}">
-                    <a16:rowId xmlns="" xmlns:a16="http://schemas.microsoft.com/office/drawing/2014/main" val="10004"/>
+                    <a16:rowId xmlns:a16="http://schemas.microsoft.com/office/drawing/2014/main" val="10004"/>
                   </a:ext>
                 </a:extLst>
               </a:tr>
@@ -35977,13 +35838,6 @@
     <a:masterClrMapping/>
   </p:clrMapOvr>
   <p:transition/>
-  <p:timing>
-    <p:tnLst>
-      <p:par>
-        <p:cTn id="1" dur="indefinite" restart="never" nodeType="tmRoot"/>
-      </p:par>
-    </p:tnLst>
-  </p:timing>
 </p:sld>
 </file>
 
@@ -36466,14 +36320,14 @@
                 <a:gridCol w="4507312">
                   <a:extLst>
                     <a:ext uri="{9D8B030D-6E8A-4147-A177-3AD203B41FA5}">
-                      <a16:colId xmlns="" xmlns:a16="http://schemas.microsoft.com/office/drawing/2014/main" val="20000"/>
+                      <a16:colId xmlns:a16="http://schemas.microsoft.com/office/drawing/2014/main" val="20000"/>
                     </a:ext>
                   </a:extLst>
                 </a:gridCol>
                 <a:gridCol w="4507312">
                   <a:extLst>
                     <a:ext uri="{9D8B030D-6E8A-4147-A177-3AD203B41FA5}">
-                      <a16:colId xmlns="" xmlns:a16="http://schemas.microsoft.com/office/drawing/2014/main" val="20001"/>
+                      <a16:colId xmlns:a16="http://schemas.microsoft.com/office/drawing/2014/main" val="20001"/>
                     </a:ext>
                   </a:extLst>
                 </a:gridCol>
@@ -36519,7 +36373,7 @@
                 </a:tc>
                 <a:extLst>
                   <a:ext uri="{0D108BD9-81ED-4DB2-BD59-A6C34878D82A}">
-                    <a16:rowId xmlns="" xmlns:a16="http://schemas.microsoft.com/office/drawing/2014/main" val="10000"/>
+                    <a16:rowId xmlns:a16="http://schemas.microsoft.com/office/drawing/2014/main" val="10000"/>
                   </a:ext>
                 </a:extLst>
               </a:tr>
@@ -36593,7 +36447,7 @@
                 </a:tc>
                 <a:extLst>
                   <a:ext uri="{0D108BD9-81ED-4DB2-BD59-A6C34878D82A}">
-                    <a16:rowId xmlns="" xmlns:a16="http://schemas.microsoft.com/office/drawing/2014/main" val="10001"/>
+                    <a16:rowId xmlns:a16="http://schemas.microsoft.com/office/drawing/2014/main" val="10001"/>
                   </a:ext>
                 </a:extLst>
               </a:tr>
@@ -36655,7 +36509,7 @@
                 </a:tc>
                 <a:extLst>
                   <a:ext uri="{0D108BD9-81ED-4DB2-BD59-A6C34878D82A}">
-                    <a16:rowId xmlns="" xmlns:a16="http://schemas.microsoft.com/office/drawing/2014/main" val="10002"/>
+                    <a16:rowId xmlns:a16="http://schemas.microsoft.com/office/drawing/2014/main" val="10002"/>
                   </a:ext>
                 </a:extLst>
               </a:tr>
@@ -36717,7 +36571,7 @@
                 </a:tc>
                 <a:extLst>
                   <a:ext uri="{0D108BD9-81ED-4DB2-BD59-A6C34878D82A}">
-                    <a16:rowId xmlns="" xmlns:a16="http://schemas.microsoft.com/office/drawing/2014/main" val="10003"/>
+                    <a16:rowId xmlns:a16="http://schemas.microsoft.com/office/drawing/2014/main" val="10003"/>
                   </a:ext>
                 </a:extLst>
               </a:tr>
@@ -36779,7 +36633,7 @@
                 </a:tc>
                 <a:extLst>
                   <a:ext uri="{0D108BD9-81ED-4DB2-BD59-A6C34878D82A}">
-                    <a16:rowId xmlns="" xmlns:a16="http://schemas.microsoft.com/office/drawing/2014/main" val="10004"/>
+                    <a16:rowId xmlns:a16="http://schemas.microsoft.com/office/drawing/2014/main" val="10004"/>
                   </a:ext>
                 </a:extLst>
               </a:tr>
@@ -36904,7 +36758,7 @@
                 </a:tc>
                 <a:extLst>
                   <a:ext uri="{0D108BD9-81ED-4DB2-BD59-A6C34878D82A}">
-                    <a16:rowId xmlns="" xmlns:a16="http://schemas.microsoft.com/office/drawing/2014/main" val="10005"/>
+                    <a16:rowId xmlns:a16="http://schemas.microsoft.com/office/drawing/2014/main" val="10005"/>
                   </a:ext>
                 </a:extLst>
               </a:tr>
@@ -36998,13 +36852,6 @@
     <a:masterClrMapping/>
   </p:clrMapOvr>
   <p:transition/>
-  <p:timing>
-    <p:tnLst>
-      <p:par>
-        <p:cTn id="1" dur="indefinite" restart="never" nodeType="tmRoot"/>
-      </p:par>
-    </p:tnLst>
-  </p:timing>
 </p:sld>
 </file>
 
@@ -37121,14 +36968,14 @@
                 <a:gridCol w="4507312">
                   <a:extLst>
                     <a:ext uri="{9D8B030D-6E8A-4147-A177-3AD203B41FA5}">
-                      <a16:colId xmlns="" xmlns:a16="http://schemas.microsoft.com/office/drawing/2014/main" val="20000"/>
+                      <a16:colId xmlns:a16="http://schemas.microsoft.com/office/drawing/2014/main" val="20000"/>
                     </a:ext>
                   </a:extLst>
                 </a:gridCol>
                 <a:gridCol w="4507312">
                   <a:extLst>
                     <a:ext uri="{9D8B030D-6E8A-4147-A177-3AD203B41FA5}">
-                      <a16:colId xmlns="" xmlns:a16="http://schemas.microsoft.com/office/drawing/2014/main" val="20001"/>
+                      <a16:colId xmlns:a16="http://schemas.microsoft.com/office/drawing/2014/main" val="20001"/>
                     </a:ext>
                   </a:extLst>
                 </a:gridCol>
@@ -37174,7 +37021,7 @@
                 </a:tc>
                 <a:extLst>
                   <a:ext uri="{0D108BD9-81ED-4DB2-BD59-A6C34878D82A}">
-                    <a16:rowId xmlns="" xmlns:a16="http://schemas.microsoft.com/office/drawing/2014/main" val="10000"/>
+                    <a16:rowId xmlns:a16="http://schemas.microsoft.com/office/drawing/2014/main" val="10000"/>
                   </a:ext>
                 </a:extLst>
               </a:tr>
@@ -37248,7 +37095,7 @@
                 </a:tc>
                 <a:extLst>
                   <a:ext uri="{0D108BD9-81ED-4DB2-BD59-A6C34878D82A}">
-                    <a16:rowId xmlns="" xmlns:a16="http://schemas.microsoft.com/office/drawing/2014/main" val="10001"/>
+                    <a16:rowId xmlns:a16="http://schemas.microsoft.com/office/drawing/2014/main" val="10001"/>
                   </a:ext>
                 </a:extLst>
               </a:tr>
@@ -37310,7 +37157,7 @@
                 </a:tc>
                 <a:extLst>
                   <a:ext uri="{0D108BD9-81ED-4DB2-BD59-A6C34878D82A}">
-                    <a16:rowId xmlns="" xmlns:a16="http://schemas.microsoft.com/office/drawing/2014/main" val="10002"/>
+                    <a16:rowId xmlns:a16="http://schemas.microsoft.com/office/drawing/2014/main" val="10002"/>
                   </a:ext>
                 </a:extLst>
               </a:tr>
@@ -37372,7 +37219,7 @@
                 </a:tc>
                 <a:extLst>
                   <a:ext uri="{0D108BD9-81ED-4DB2-BD59-A6C34878D82A}">
-                    <a16:rowId xmlns="" xmlns:a16="http://schemas.microsoft.com/office/drawing/2014/main" val="10003"/>
+                    <a16:rowId xmlns:a16="http://schemas.microsoft.com/office/drawing/2014/main" val="10003"/>
                   </a:ext>
                 </a:extLst>
               </a:tr>
@@ -37434,7 +37281,7 @@
                 </a:tc>
                 <a:extLst>
                   <a:ext uri="{0D108BD9-81ED-4DB2-BD59-A6C34878D82A}">
-                    <a16:rowId xmlns="" xmlns:a16="http://schemas.microsoft.com/office/drawing/2014/main" val="10004"/>
+                    <a16:rowId xmlns:a16="http://schemas.microsoft.com/office/drawing/2014/main" val="10004"/>
                   </a:ext>
                 </a:extLst>
               </a:tr>
@@ -37559,7 +37406,7 @@
                 </a:tc>
                 <a:extLst>
                   <a:ext uri="{0D108BD9-81ED-4DB2-BD59-A6C34878D82A}">
-                    <a16:rowId xmlns="" xmlns:a16="http://schemas.microsoft.com/office/drawing/2014/main" val="10005"/>
+                    <a16:rowId xmlns:a16="http://schemas.microsoft.com/office/drawing/2014/main" val="10005"/>
                   </a:ext>
                 </a:extLst>
               </a:tr>
@@ -37625,7 +37472,7 @@
                 </a:tc>
                 <a:extLst>
                   <a:ext uri="{0D108BD9-81ED-4DB2-BD59-A6C34878D82A}">
-                    <a16:rowId xmlns="" xmlns:a16="http://schemas.microsoft.com/office/drawing/2014/main" val="10007"/>
+                    <a16:rowId xmlns:a16="http://schemas.microsoft.com/office/drawing/2014/main" val="10007"/>
                   </a:ext>
                 </a:extLst>
               </a:tr>
@@ -37677,13 +37524,6 @@
     <a:masterClrMapping/>
   </p:clrMapOvr>
   <p:transition/>
-  <p:timing>
-    <p:tnLst>
-      <p:par>
-        <p:cTn id="1" dur="indefinite" restart="never" nodeType="tmRoot"/>
-      </p:par>
-    </p:tnLst>
-  </p:timing>
 </p:sld>
 </file>
 
@@ -37826,13 +37666,6 @@
     <a:masterClrMapping/>
   </p:clrMapOvr>
   <p:transition/>
-  <p:timing>
-    <p:tnLst>
-      <p:par>
-        <p:cTn id="1" dur="indefinite" restart="never" nodeType="tmRoot"/>
-      </p:par>
-    </p:tnLst>
-  </p:timing>
 </p:sld>
 </file>
 
@@ -38074,13 +37907,6 @@
     <a:masterClrMapping/>
   </p:clrMapOvr>
   <p:transition/>
-  <p:timing>
-    <p:tnLst>
-      <p:par>
-        <p:cTn id="1" dur="indefinite" restart="never" nodeType="tmRoot"/>
-      </p:par>
-    </p:tnLst>
-  </p:timing>
 </p:sld>
 </file>
 
@@ -46101,14 +45927,14 @@
                 <a:gridCol w="4507312">
                   <a:extLst>
                     <a:ext uri="{9D8B030D-6E8A-4147-A177-3AD203B41FA5}">
-                      <a16:colId xmlns="" xmlns:a16="http://schemas.microsoft.com/office/drawing/2014/main" val="20000"/>
+                      <a16:colId xmlns:a16="http://schemas.microsoft.com/office/drawing/2014/main" val="20000"/>
                     </a:ext>
                   </a:extLst>
                 </a:gridCol>
                 <a:gridCol w="4507312">
                   <a:extLst>
                     <a:ext uri="{9D8B030D-6E8A-4147-A177-3AD203B41FA5}">
-                      <a16:colId xmlns="" xmlns:a16="http://schemas.microsoft.com/office/drawing/2014/main" val="20001"/>
+                      <a16:colId xmlns:a16="http://schemas.microsoft.com/office/drawing/2014/main" val="20001"/>
                     </a:ext>
                   </a:extLst>
                 </a:gridCol>
@@ -46154,7 +45980,7 @@
                 </a:tc>
                 <a:extLst>
                   <a:ext uri="{0D108BD9-81ED-4DB2-BD59-A6C34878D82A}">
-                    <a16:rowId xmlns="" xmlns:a16="http://schemas.microsoft.com/office/drawing/2014/main" val="10000"/>
+                    <a16:rowId xmlns:a16="http://schemas.microsoft.com/office/drawing/2014/main" val="10000"/>
                   </a:ext>
                 </a:extLst>
               </a:tr>
@@ -46228,7 +46054,7 @@
                 </a:tc>
                 <a:extLst>
                   <a:ext uri="{0D108BD9-81ED-4DB2-BD59-A6C34878D82A}">
-                    <a16:rowId xmlns="" xmlns:a16="http://schemas.microsoft.com/office/drawing/2014/main" val="10001"/>
+                    <a16:rowId xmlns:a16="http://schemas.microsoft.com/office/drawing/2014/main" val="10001"/>
                   </a:ext>
                 </a:extLst>
               </a:tr>
@@ -46290,7 +46116,7 @@
                 </a:tc>
                 <a:extLst>
                   <a:ext uri="{0D108BD9-81ED-4DB2-BD59-A6C34878D82A}">
-                    <a16:rowId xmlns="" xmlns:a16="http://schemas.microsoft.com/office/drawing/2014/main" val="10002"/>
+                    <a16:rowId xmlns:a16="http://schemas.microsoft.com/office/drawing/2014/main" val="10002"/>
                   </a:ext>
                 </a:extLst>
               </a:tr>
@@ -46352,7 +46178,7 @@
                 </a:tc>
                 <a:extLst>
                   <a:ext uri="{0D108BD9-81ED-4DB2-BD59-A6C34878D82A}">
-                    <a16:rowId xmlns="" xmlns:a16="http://schemas.microsoft.com/office/drawing/2014/main" val="10003"/>
+                    <a16:rowId xmlns:a16="http://schemas.microsoft.com/office/drawing/2014/main" val="10003"/>
                   </a:ext>
                 </a:extLst>
               </a:tr>
@@ -46414,7 +46240,7 @@
                 </a:tc>
                 <a:extLst>
                   <a:ext uri="{0D108BD9-81ED-4DB2-BD59-A6C34878D82A}">
-                    <a16:rowId xmlns="" xmlns:a16="http://schemas.microsoft.com/office/drawing/2014/main" val="10004"/>
+                    <a16:rowId xmlns:a16="http://schemas.microsoft.com/office/drawing/2014/main" val="10004"/>
                   </a:ext>
                 </a:extLst>
               </a:tr>
@@ -46539,7 +46365,7 @@
                 </a:tc>
                 <a:extLst>
                   <a:ext uri="{0D108BD9-81ED-4DB2-BD59-A6C34878D82A}">
-                    <a16:rowId xmlns="" xmlns:a16="http://schemas.microsoft.com/office/drawing/2014/main" val="10005"/>
+                    <a16:rowId xmlns:a16="http://schemas.microsoft.com/office/drawing/2014/main" val="10005"/>
                   </a:ext>
                 </a:extLst>
               </a:tr>
@@ -46619,7 +46445,7 @@
                 </a:tc>
                 <a:extLst>
                   <a:ext uri="{0D108BD9-81ED-4DB2-BD59-A6C34878D82A}">
-                    <a16:rowId xmlns="" xmlns:a16="http://schemas.microsoft.com/office/drawing/2014/main" val="10006"/>
+                    <a16:rowId xmlns:a16="http://schemas.microsoft.com/office/drawing/2014/main" val="10006"/>
                   </a:ext>
                 </a:extLst>
               </a:tr>
@@ -46681,7 +46507,7 @@
                 </a:tc>
                 <a:extLst>
                   <a:ext uri="{0D108BD9-81ED-4DB2-BD59-A6C34878D82A}">
-                    <a16:rowId xmlns="" xmlns:a16="http://schemas.microsoft.com/office/drawing/2014/main" val="10007"/>
+                    <a16:rowId xmlns:a16="http://schemas.microsoft.com/office/drawing/2014/main" val="10007"/>
                   </a:ext>
                 </a:extLst>
               </a:tr>
@@ -46726,7 +46552,7 @@
                 </a:tc>
                 <a:extLst>
                   <a:ext uri="{0D108BD9-81ED-4DB2-BD59-A6C34878D82A}">
-                    <a16:rowId xmlns="" xmlns:a16="http://schemas.microsoft.com/office/drawing/2014/main" val="10008"/>
+                    <a16:rowId xmlns:a16="http://schemas.microsoft.com/office/drawing/2014/main" val="10008"/>
                   </a:ext>
                 </a:extLst>
               </a:tr>
@@ -46745,13 +46571,6 @@
     <a:masterClrMapping/>
   </p:clrMapOvr>
   <p:transition/>
-  <p:timing>
-    <p:tnLst>
-      <p:par>
-        <p:cTn id="1" dur="indefinite" restart="never" nodeType="tmRoot"/>
-      </p:par>
-    </p:tnLst>
-  </p:timing>
 </p:sld>
 </file>
 
@@ -46868,14 +46687,14 @@
                 <a:gridCol w="4507312">
                   <a:extLst>
                     <a:ext uri="{9D8B030D-6E8A-4147-A177-3AD203B41FA5}">
-                      <a16:colId xmlns="" xmlns:a16="http://schemas.microsoft.com/office/drawing/2014/main" val="20000"/>
+                      <a16:colId xmlns:a16="http://schemas.microsoft.com/office/drawing/2014/main" val="20000"/>
                     </a:ext>
                   </a:extLst>
                 </a:gridCol>
                 <a:gridCol w="4507312">
                   <a:extLst>
                     <a:ext uri="{9D8B030D-6E8A-4147-A177-3AD203B41FA5}">
-                      <a16:colId xmlns="" xmlns:a16="http://schemas.microsoft.com/office/drawing/2014/main" val="20001"/>
+                      <a16:colId xmlns:a16="http://schemas.microsoft.com/office/drawing/2014/main" val="20001"/>
                     </a:ext>
                   </a:extLst>
                 </a:gridCol>
@@ -46921,7 +46740,7 @@
                 </a:tc>
                 <a:extLst>
                   <a:ext uri="{0D108BD9-81ED-4DB2-BD59-A6C34878D82A}">
-                    <a16:rowId xmlns="" xmlns:a16="http://schemas.microsoft.com/office/drawing/2014/main" val="10000"/>
+                    <a16:rowId xmlns:a16="http://schemas.microsoft.com/office/drawing/2014/main" val="10000"/>
                   </a:ext>
                 </a:extLst>
               </a:tr>
@@ -46995,7 +46814,7 @@
                 </a:tc>
                 <a:extLst>
                   <a:ext uri="{0D108BD9-81ED-4DB2-BD59-A6C34878D82A}">
-                    <a16:rowId xmlns="" xmlns:a16="http://schemas.microsoft.com/office/drawing/2014/main" val="10001"/>
+                    <a16:rowId xmlns:a16="http://schemas.microsoft.com/office/drawing/2014/main" val="10001"/>
                   </a:ext>
                 </a:extLst>
               </a:tr>
@@ -47057,7 +46876,7 @@
                 </a:tc>
                 <a:extLst>
                   <a:ext uri="{0D108BD9-81ED-4DB2-BD59-A6C34878D82A}">
-                    <a16:rowId xmlns="" xmlns:a16="http://schemas.microsoft.com/office/drawing/2014/main" val="10002"/>
+                    <a16:rowId xmlns:a16="http://schemas.microsoft.com/office/drawing/2014/main" val="10002"/>
                   </a:ext>
                 </a:extLst>
               </a:tr>
@@ -47119,7 +46938,7 @@
                 </a:tc>
                 <a:extLst>
                   <a:ext uri="{0D108BD9-81ED-4DB2-BD59-A6C34878D82A}">
-                    <a16:rowId xmlns="" xmlns:a16="http://schemas.microsoft.com/office/drawing/2014/main" val="10003"/>
+                    <a16:rowId xmlns:a16="http://schemas.microsoft.com/office/drawing/2014/main" val="10003"/>
                   </a:ext>
                 </a:extLst>
               </a:tr>
@@ -47181,7 +47000,7 @@
                 </a:tc>
                 <a:extLst>
                   <a:ext uri="{0D108BD9-81ED-4DB2-BD59-A6C34878D82A}">
-                    <a16:rowId xmlns="" xmlns:a16="http://schemas.microsoft.com/office/drawing/2014/main" val="10004"/>
+                    <a16:rowId xmlns:a16="http://schemas.microsoft.com/office/drawing/2014/main" val="10004"/>
                   </a:ext>
                 </a:extLst>
               </a:tr>
@@ -47306,7 +47125,7 @@
                 </a:tc>
                 <a:extLst>
                   <a:ext uri="{0D108BD9-81ED-4DB2-BD59-A6C34878D82A}">
-                    <a16:rowId xmlns="" xmlns:a16="http://schemas.microsoft.com/office/drawing/2014/main" val="10005"/>
+                    <a16:rowId xmlns:a16="http://schemas.microsoft.com/office/drawing/2014/main" val="10005"/>
                   </a:ext>
                 </a:extLst>
               </a:tr>
@@ -47386,7 +47205,7 @@
                 </a:tc>
                 <a:extLst>
                   <a:ext uri="{0D108BD9-81ED-4DB2-BD59-A6C34878D82A}">
-                    <a16:rowId xmlns="" xmlns:a16="http://schemas.microsoft.com/office/drawing/2014/main" val="10006"/>
+                    <a16:rowId xmlns:a16="http://schemas.microsoft.com/office/drawing/2014/main" val="10006"/>
                   </a:ext>
                 </a:extLst>
               </a:tr>
@@ -47405,13 +47224,6 @@
     <a:masterClrMapping/>
   </p:clrMapOvr>
   <p:transition/>
-  <p:timing>
-    <p:tnLst>
-      <p:par>
-        <p:cTn id="1" dur="indefinite" restart="never" nodeType="tmRoot"/>
-      </p:par>
-    </p:tnLst>
-  </p:timing>
 </p:sld>
 </file>
 
@@ -47631,13 +47443,6 @@
     <a:masterClrMapping/>
   </p:clrMapOvr>
   <p:transition/>
-  <p:timing>
-    <p:tnLst>
-      <p:par>
-        <p:cTn id="1" dur="indefinite" restart="never" nodeType="tmRoot"/>
-      </p:par>
-    </p:tnLst>
-  </p:timing>
 </p:sld>
 </file>
 
@@ -47785,13 +47590,6 @@
     <a:masterClrMapping/>
   </p:clrMapOvr>
   <p:transition/>
-  <p:timing>
-    <p:tnLst>
-      <p:par>
-        <p:cTn id="1" dur="indefinite" restart="never" nodeType="tmRoot"/>
-      </p:par>
-    </p:tnLst>
-  </p:timing>
 </p:sld>
 </file>
 
